--- a/CS4630/Approximate Computing.pptx
+++ b/CS4630/Approximate Computing.pptx
@@ -5,7 +5,7 @@
     <p:sldMasterId id="2147483648" r:id="rId1"/>
   </p:sldMasterIdLst>
   <p:notesMasterIdLst>
-    <p:notesMasterId r:id="rId50"/>
+    <p:notesMasterId r:id="rId48"/>
   </p:notesMasterIdLst>
   <p:sldIdLst>
     <p:sldId id="284" r:id="rId2"/>
@@ -38,24 +38,22 @@
     <p:sldId id="311" r:id="rId29"/>
     <p:sldId id="312" r:id="rId30"/>
     <p:sldId id="315" r:id="rId31"/>
-    <p:sldId id="316" r:id="rId32"/>
-    <p:sldId id="317" r:id="rId33"/>
-    <p:sldId id="318" r:id="rId34"/>
-    <p:sldId id="319" r:id="rId35"/>
-    <p:sldId id="320" r:id="rId36"/>
-    <p:sldId id="321" r:id="rId37"/>
-    <p:sldId id="322" r:id="rId38"/>
-    <p:sldId id="323" r:id="rId39"/>
-    <p:sldId id="324" r:id="rId40"/>
-    <p:sldId id="325" r:id="rId41"/>
-    <p:sldId id="326" r:id="rId42"/>
-    <p:sldId id="327" r:id="rId43"/>
-    <p:sldId id="328" r:id="rId44"/>
-    <p:sldId id="329" r:id="rId45"/>
-    <p:sldId id="330" r:id="rId46"/>
-    <p:sldId id="331" r:id="rId47"/>
-    <p:sldId id="332" r:id="rId48"/>
-    <p:sldId id="333" r:id="rId49"/>
+    <p:sldId id="317" r:id="rId32"/>
+    <p:sldId id="318" r:id="rId33"/>
+    <p:sldId id="319" r:id="rId34"/>
+    <p:sldId id="320" r:id="rId35"/>
+    <p:sldId id="321" r:id="rId36"/>
+    <p:sldId id="322" r:id="rId37"/>
+    <p:sldId id="323" r:id="rId38"/>
+    <p:sldId id="324" r:id="rId39"/>
+    <p:sldId id="325" r:id="rId40"/>
+    <p:sldId id="326" r:id="rId41"/>
+    <p:sldId id="327" r:id="rId42"/>
+    <p:sldId id="328" r:id="rId43"/>
+    <p:sldId id="330" r:id="rId44"/>
+    <p:sldId id="331" r:id="rId45"/>
+    <p:sldId id="332" r:id="rId46"/>
+    <p:sldId id="333" r:id="rId47"/>
   </p:sldIdLst>
   <p:sldSz cx="12192000" cy="6858000"/>
   <p:notesSz cx="6858000" cy="9144000"/>
@@ -669,7 +667,7 @@
     </p:spTree>
     <p:extLst>
       <p:ext uri="{BB962C8B-B14F-4D97-AF65-F5344CB8AC3E}">
-        <p14:creationId xmlns:p14="http://schemas.microsoft.com/office/powerpoint/2010/main" val="2612998709"/>
+        <p14:creationId xmlns:p14="http://schemas.microsoft.com/office/powerpoint/2010/main" val="3613477051"/>
       </p:ext>
     </p:extLst>
   </p:cSld>
@@ -753,7 +751,7 @@
     </p:spTree>
     <p:extLst>
       <p:ext uri="{BB962C8B-B14F-4D97-AF65-F5344CB8AC3E}">
-        <p14:creationId xmlns:p14="http://schemas.microsoft.com/office/powerpoint/2010/main" val="3613477051"/>
+        <p14:creationId xmlns:p14="http://schemas.microsoft.com/office/powerpoint/2010/main" val="402018037"/>
       </p:ext>
     </p:extLst>
   </p:cSld>
@@ -837,7 +835,7 @@
     </p:spTree>
     <p:extLst>
       <p:ext uri="{BB962C8B-B14F-4D97-AF65-F5344CB8AC3E}">
-        <p14:creationId xmlns:p14="http://schemas.microsoft.com/office/powerpoint/2010/main" val="402018037"/>
+        <p14:creationId xmlns:p14="http://schemas.microsoft.com/office/powerpoint/2010/main" val="1169432344"/>
       </p:ext>
     </p:extLst>
   </p:cSld>
@@ -921,7 +919,7 @@
     </p:spTree>
     <p:extLst>
       <p:ext uri="{BB962C8B-B14F-4D97-AF65-F5344CB8AC3E}">
-        <p14:creationId xmlns:p14="http://schemas.microsoft.com/office/powerpoint/2010/main" val="1169432344"/>
+        <p14:creationId xmlns:p14="http://schemas.microsoft.com/office/powerpoint/2010/main" val="811666907"/>
       </p:ext>
     </p:extLst>
   </p:cSld>
@@ -1005,7 +1003,7 @@
     </p:spTree>
     <p:extLst>
       <p:ext uri="{BB962C8B-B14F-4D97-AF65-F5344CB8AC3E}">
-        <p14:creationId xmlns:p14="http://schemas.microsoft.com/office/powerpoint/2010/main" val="811666907"/>
+        <p14:creationId xmlns:p14="http://schemas.microsoft.com/office/powerpoint/2010/main" val="2943061439"/>
       </p:ext>
     </p:extLst>
   </p:cSld>
@@ -1089,7 +1087,7 @@
     </p:spTree>
     <p:extLst>
       <p:ext uri="{BB962C8B-B14F-4D97-AF65-F5344CB8AC3E}">
-        <p14:creationId xmlns:p14="http://schemas.microsoft.com/office/powerpoint/2010/main" val="2943061439"/>
+        <p14:creationId xmlns:p14="http://schemas.microsoft.com/office/powerpoint/2010/main" val="388680067"/>
       </p:ext>
     </p:extLst>
   </p:cSld>
@@ -1173,7 +1171,7 @@
     </p:spTree>
     <p:extLst>
       <p:ext uri="{BB962C8B-B14F-4D97-AF65-F5344CB8AC3E}">
-        <p14:creationId xmlns:p14="http://schemas.microsoft.com/office/powerpoint/2010/main" val="388680067"/>
+        <p14:creationId xmlns:p14="http://schemas.microsoft.com/office/powerpoint/2010/main" val="3316065815"/>
       </p:ext>
     </p:extLst>
   </p:cSld>
@@ -1257,7 +1255,7 @@
     </p:spTree>
     <p:extLst>
       <p:ext uri="{BB962C8B-B14F-4D97-AF65-F5344CB8AC3E}">
-        <p14:creationId xmlns:p14="http://schemas.microsoft.com/office/powerpoint/2010/main" val="3316065815"/>
+        <p14:creationId xmlns:p14="http://schemas.microsoft.com/office/powerpoint/2010/main" val="3285399043"/>
       </p:ext>
     </p:extLst>
   </p:cSld>
@@ -1341,7 +1339,7 @@
     </p:spTree>
     <p:extLst>
       <p:ext uri="{BB962C8B-B14F-4D97-AF65-F5344CB8AC3E}">
-        <p14:creationId xmlns:p14="http://schemas.microsoft.com/office/powerpoint/2010/main" val="3285399043"/>
+        <p14:creationId xmlns:p14="http://schemas.microsoft.com/office/powerpoint/2010/main" val="3166630980"/>
       </p:ext>
     </p:extLst>
   </p:cSld>
@@ -1425,7 +1423,7 @@
     </p:spTree>
     <p:extLst>
       <p:ext uri="{BB962C8B-B14F-4D97-AF65-F5344CB8AC3E}">
-        <p14:creationId xmlns:p14="http://schemas.microsoft.com/office/powerpoint/2010/main" val="3523951208"/>
+        <p14:creationId xmlns:p14="http://schemas.microsoft.com/office/powerpoint/2010/main" val="2846359500"/>
       </p:ext>
     </p:extLst>
   </p:cSld>
@@ -1593,7 +1591,7 @@
     </p:spTree>
     <p:extLst>
       <p:ext uri="{BB962C8B-B14F-4D97-AF65-F5344CB8AC3E}">
-        <p14:creationId xmlns:p14="http://schemas.microsoft.com/office/powerpoint/2010/main" val="3166630980"/>
+        <p14:creationId xmlns:p14="http://schemas.microsoft.com/office/powerpoint/2010/main" val="130244926"/>
       </p:ext>
     </p:extLst>
   </p:cSld>
@@ -1669,174 +1667,6 @@
             <a:fld id="{5C0AD661-3CC3-4A4B-BAD6-F6DE267ACE0C}" type="slidenum">
               <a:rPr lang="en-US" smtClean="0"/>
               <a:t>46</a:t>
-            </a:fld>
-            <a:endParaRPr lang="en-US"/>
-          </a:p>
-        </p:txBody>
-      </p:sp>
-    </p:spTree>
-    <p:extLst>
-      <p:ext uri="{BB962C8B-B14F-4D97-AF65-F5344CB8AC3E}">
-        <p14:creationId xmlns:p14="http://schemas.microsoft.com/office/powerpoint/2010/main" val="2846359500"/>
-      </p:ext>
-    </p:extLst>
-  </p:cSld>
-  <p:clrMapOvr>
-    <a:masterClrMapping/>
-  </p:clrMapOvr>
-</p:notes>
-</file>
-
-<file path=ppt/notesSlides/notesSlide22.xml><?xml version="1.0" encoding="utf-8"?>
-<p:notes xmlns:a="http://schemas.openxmlformats.org/drawingml/2006/main" xmlns:r="http://schemas.openxmlformats.org/officeDocument/2006/relationships" xmlns:p="http://schemas.openxmlformats.org/presentationml/2006/main">
-  <p:cSld>
-    <p:spTree>
-      <p:nvGrpSpPr>
-        <p:cNvPr id="1" name=""/>
-        <p:cNvGrpSpPr/>
-        <p:nvPr/>
-      </p:nvGrpSpPr>
-      <p:grpSpPr>
-        <a:xfrm>
-          <a:off x="0" y="0"/>
-          <a:ext cx="0" cy="0"/>
-          <a:chOff x="0" y="0"/>
-          <a:chExt cx="0" cy="0"/>
-        </a:xfrm>
-      </p:grpSpPr>
-      <p:sp>
-        <p:nvSpPr>
-          <p:cNvPr id="2" name="Slide Image Placeholder 1"/>
-          <p:cNvSpPr>
-            <a:spLocks noGrp="1" noRot="1" noChangeAspect="1"/>
-          </p:cNvSpPr>
-          <p:nvPr>
-            <p:ph type="sldImg"/>
-          </p:nvPr>
-        </p:nvSpPr>
-        <p:spPr/>
-      </p:sp>
-      <p:sp>
-        <p:nvSpPr>
-          <p:cNvPr id="3" name="Notes Placeholder 2"/>
-          <p:cNvSpPr>
-            <a:spLocks noGrp="1"/>
-          </p:cNvSpPr>
-          <p:nvPr>
-            <p:ph type="body" idx="1"/>
-          </p:nvPr>
-        </p:nvSpPr>
-        <p:spPr/>
-        <p:txBody>
-          <a:bodyPr/>
-          <a:lstStyle/>
-          <a:p>
-            <a:endParaRPr lang="en-US" dirty="0"/>
-          </a:p>
-        </p:txBody>
-      </p:sp>
-      <p:sp>
-        <p:nvSpPr>
-          <p:cNvPr id="4" name="Slide Number Placeholder 3"/>
-          <p:cNvSpPr>
-            <a:spLocks noGrp="1"/>
-          </p:cNvSpPr>
-          <p:nvPr>
-            <p:ph type="sldNum" sz="quarter" idx="5"/>
-          </p:nvPr>
-        </p:nvSpPr>
-        <p:spPr/>
-        <p:txBody>
-          <a:bodyPr/>
-          <a:lstStyle/>
-          <a:p>
-            <a:fld id="{5C0AD661-3CC3-4A4B-BAD6-F6DE267ACE0C}" type="slidenum">
-              <a:rPr lang="en-US" smtClean="0"/>
-              <a:t>47</a:t>
-            </a:fld>
-            <a:endParaRPr lang="en-US"/>
-          </a:p>
-        </p:txBody>
-      </p:sp>
-    </p:spTree>
-    <p:extLst>
-      <p:ext uri="{BB962C8B-B14F-4D97-AF65-F5344CB8AC3E}">
-        <p14:creationId xmlns:p14="http://schemas.microsoft.com/office/powerpoint/2010/main" val="130244926"/>
-      </p:ext>
-    </p:extLst>
-  </p:cSld>
-  <p:clrMapOvr>
-    <a:masterClrMapping/>
-  </p:clrMapOvr>
-</p:notes>
-</file>
-
-<file path=ppt/notesSlides/notesSlide23.xml><?xml version="1.0" encoding="utf-8"?>
-<p:notes xmlns:a="http://schemas.openxmlformats.org/drawingml/2006/main" xmlns:r="http://schemas.openxmlformats.org/officeDocument/2006/relationships" xmlns:p="http://schemas.openxmlformats.org/presentationml/2006/main">
-  <p:cSld>
-    <p:spTree>
-      <p:nvGrpSpPr>
-        <p:cNvPr id="1" name=""/>
-        <p:cNvGrpSpPr/>
-        <p:nvPr/>
-      </p:nvGrpSpPr>
-      <p:grpSpPr>
-        <a:xfrm>
-          <a:off x="0" y="0"/>
-          <a:ext cx="0" cy="0"/>
-          <a:chOff x="0" y="0"/>
-          <a:chExt cx="0" cy="0"/>
-        </a:xfrm>
-      </p:grpSpPr>
-      <p:sp>
-        <p:nvSpPr>
-          <p:cNvPr id="2" name="Slide Image Placeholder 1"/>
-          <p:cNvSpPr>
-            <a:spLocks noGrp="1" noRot="1" noChangeAspect="1"/>
-          </p:cNvSpPr>
-          <p:nvPr>
-            <p:ph type="sldImg"/>
-          </p:nvPr>
-        </p:nvSpPr>
-        <p:spPr/>
-      </p:sp>
-      <p:sp>
-        <p:nvSpPr>
-          <p:cNvPr id="3" name="Notes Placeholder 2"/>
-          <p:cNvSpPr>
-            <a:spLocks noGrp="1"/>
-          </p:cNvSpPr>
-          <p:nvPr>
-            <p:ph type="body" idx="1"/>
-          </p:nvPr>
-        </p:nvSpPr>
-        <p:spPr/>
-        <p:txBody>
-          <a:bodyPr/>
-          <a:lstStyle/>
-          <a:p>
-            <a:endParaRPr lang="en-US" dirty="0"/>
-          </a:p>
-        </p:txBody>
-      </p:sp>
-      <p:sp>
-        <p:nvSpPr>
-          <p:cNvPr id="4" name="Slide Number Placeholder 3"/>
-          <p:cNvSpPr>
-            <a:spLocks noGrp="1"/>
-          </p:cNvSpPr>
-          <p:nvPr>
-            <p:ph type="sldNum" sz="quarter" idx="5"/>
-          </p:nvPr>
-        </p:nvSpPr>
-        <p:spPr/>
-        <p:txBody>
-          <a:bodyPr/>
-          <a:lstStyle/>
-          <a:p>
-            <a:fld id="{5C0AD661-3CC3-4A4B-BAD6-F6DE267ACE0C}" type="slidenum">
-              <a:rPr lang="en-US" smtClean="0"/>
-              <a:t>48</a:t>
             </a:fld>
             <a:endParaRPr lang="en-US"/>
           </a:p>
@@ -2181,7 +2011,7 @@
     </p:spTree>
     <p:extLst>
       <p:ext uri="{BB962C8B-B14F-4D97-AF65-F5344CB8AC3E}">
-        <p14:creationId xmlns:p14="http://schemas.microsoft.com/office/powerpoint/2010/main" val="2117700920"/>
+        <p14:creationId xmlns:p14="http://schemas.microsoft.com/office/powerpoint/2010/main" val="1930652549"/>
       </p:ext>
     </p:extLst>
   </p:cSld>
@@ -2265,7 +2095,7 @@
     </p:spTree>
     <p:extLst>
       <p:ext uri="{BB962C8B-B14F-4D97-AF65-F5344CB8AC3E}">
-        <p14:creationId xmlns:p14="http://schemas.microsoft.com/office/powerpoint/2010/main" val="1930652549"/>
+        <p14:creationId xmlns:p14="http://schemas.microsoft.com/office/powerpoint/2010/main" val="300122313"/>
       </p:ext>
     </p:extLst>
   </p:cSld>
@@ -2349,7 +2179,7 @@
     </p:spTree>
     <p:extLst>
       <p:ext uri="{BB962C8B-B14F-4D97-AF65-F5344CB8AC3E}">
-        <p14:creationId xmlns:p14="http://schemas.microsoft.com/office/powerpoint/2010/main" val="300122313"/>
+        <p14:creationId xmlns:p14="http://schemas.microsoft.com/office/powerpoint/2010/main" val="204327356"/>
       </p:ext>
     </p:extLst>
   </p:cSld>
@@ -2433,7 +2263,7 @@
     </p:spTree>
     <p:extLst>
       <p:ext uri="{BB962C8B-B14F-4D97-AF65-F5344CB8AC3E}">
-        <p14:creationId xmlns:p14="http://schemas.microsoft.com/office/powerpoint/2010/main" val="204327356"/>
+        <p14:creationId xmlns:p14="http://schemas.microsoft.com/office/powerpoint/2010/main" val="2612998709"/>
       </p:ext>
     </p:extLst>
   </p:cSld>
@@ -22937,13 +22767,6 @@
             <a:pPr algn="l"/>
             <a:r>
               <a:rPr lang="en-US" sz="3200" dirty="0"/>
-              <a:t>Image Algorithm Demo </a:t>
-            </a:r>
-          </a:p>
-          <a:p>
-            <a:pPr algn="l"/>
-            <a:r>
-              <a:rPr lang="en-US" sz="3200" dirty="0"/>
               <a:t>Practical Coding Demo </a:t>
             </a:r>
           </a:p>
@@ -23704,10 +23527,10 @@
       </p:sp>
       <p:pic>
         <p:nvPicPr>
-          <p:cNvPr id="3" name="Picture 2">
+          <p:cNvPr id="6" name="Picture 5">
             <a:extLst>
               <a:ext uri="{FF2B5EF4-FFF2-40B4-BE49-F238E27FC236}">
-                <a16:creationId xmlns:a16="http://schemas.microsoft.com/office/drawing/2014/main" id="{59324FAD-4361-8AD1-3236-A4CB7BB356A4}"/>
+                <a16:creationId xmlns:a16="http://schemas.microsoft.com/office/drawing/2014/main" id="{0334CD56-2950-1F0D-89E2-E691718CCB92}"/>
               </a:ext>
             </a:extLst>
           </p:cNvPr>
@@ -23724,45 +23547,219 @@
         </p:blipFill>
         <p:spPr>
           <a:xfrm>
-            <a:off x="12850361" y="1986761"/>
-            <a:ext cx="3468638" cy="3541278"/>
+            <a:off x="12413566" y="2058886"/>
+            <a:ext cx="4342228" cy="3641868"/>
+          </a:xfrm>
+          <a:prstGeom prst="rect">
+            <a:avLst/>
+          </a:prstGeom>
+          <a:ln>
+            <a:noFill/>
+          </a:ln>
+          <a:effectLst>
+            <a:outerShdw blurRad="292100" dist="139700" dir="2700000" algn="tl" rotWithShape="0">
+              <a:srgbClr val="333333">
+                <a:alpha val="65000"/>
+              </a:srgbClr>
+            </a:outerShdw>
+          </a:effectLst>
+        </p:spPr>
+      </p:pic>
+      <p:sp>
+        <p:nvSpPr>
+          <p:cNvPr id="7" name="Subtitle 2">
+            <a:extLst>
+              <a:ext uri="{FF2B5EF4-FFF2-40B4-BE49-F238E27FC236}">
+                <a16:creationId xmlns:a16="http://schemas.microsoft.com/office/drawing/2014/main" id="{12DF1E80-78F1-6F28-A964-69177E8274BD}"/>
+              </a:ext>
+            </a:extLst>
+          </p:cNvPr>
+          <p:cNvSpPr txBox="1">
+            <a:spLocks/>
+          </p:cNvSpPr>
+          <p:nvPr/>
+        </p:nvSpPr>
+        <p:spPr>
+          <a:xfrm>
+            <a:off x="13456920" y="5900051"/>
+            <a:ext cx="9144000" cy="847990"/>
           </a:xfrm>
           <a:prstGeom prst="rect">
             <a:avLst/>
           </a:prstGeom>
         </p:spPr>
-      </p:pic>
-      <p:sp>
-        <p:nvSpPr>
-          <p:cNvPr id="4" name="Subtitle 2">
-            <a:extLst>
-              <a:ext uri="{FF2B5EF4-FFF2-40B4-BE49-F238E27FC236}">
-                <a16:creationId xmlns:a16="http://schemas.microsoft.com/office/drawing/2014/main" id="{6C8FE845-B809-5F76-D4C9-2EDBFCBC005B}"/>
-              </a:ext>
-            </a:extLst>
-          </p:cNvPr>
-          <p:cNvSpPr>
-            <a:spLocks noGrp="1"/>
-          </p:cNvSpPr>
-          <p:nvPr>
-            <p:ph type="subTitle" idx="1"/>
-          </p:nvPr>
-        </p:nvSpPr>
-        <p:spPr>
-          <a:xfrm>
-            <a:off x="13700760" y="5854331"/>
-            <a:ext cx="9144000" cy="847990"/>
-          </a:xfrm>
-        </p:spPr>
         <p:txBody>
-          <a:bodyPr>
+          <a:bodyPr vert="horz" lIns="91440" tIns="45720" rIns="91440" bIns="45720" rtlCol="0">
             <a:normAutofit/>
           </a:bodyPr>
-          <a:lstStyle/>
+          <a:lstStyle>
+            <a:lvl1pPr marL="0" indent="0" algn="ctr" defTabSz="914400" rtl="0" eaLnBrk="1" latinLnBrk="0" hangingPunct="1">
+              <a:lnSpc>
+                <a:spcPct val="90000"/>
+              </a:lnSpc>
+              <a:spcBef>
+                <a:spcPts val="1000"/>
+              </a:spcBef>
+              <a:buFont typeface="Arial" panose="020B0604020202020204" pitchFamily="34" charset="0"/>
+              <a:buNone/>
+              <a:defRPr sz="2400" kern="1200">
+                <a:solidFill>
+                  <a:schemeClr val="bg1"/>
+                </a:solidFill>
+                <a:latin typeface="Corbel Light" panose="020B0303020204020204" pitchFamily="34" charset="0"/>
+                <a:ea typeface="+mn-ea"/>
+                <a:cs typeface="+mn-cs"/>
+              </a:defRPr>
+            </a:lvl1pPr>
+            <a:lvl2pPr marL="457200" indent="0" algn="ctr" defTabSz="914400" rtl="0" eaLnBrk="1" latinLnBrk="0" hangingPunct="1">
+              <a:lnSpc>
+                <a:spcPct val="90000"/>
+              </a:lnSpc>
+              <a:spcBef>
+                <a:spcPts val="500"/>
+              </a:spcBef>
+              <a:buFont typeface="Arial" panose="020B0604020202020204" pitchFamily="34" charset="0"/>
+              <a:buNone/>
+              <a:defRPr sz="2000" kern="1200">
+                <a:solidFill>
+                  <a:schemeClr val="bg1"/>
+                </a:solidFill>
+                <a:latin typeface="Corbel Light" panose="020B0303020204020204" pitchFamily="34" charset="0"/>
+                <a:ea typeface="+mn-ea"/>
+                <a:cs typeface="+mn-cs"/>
+              </a:defRPr>
+            </a:lvl2pPr>
+            <a:lvl3pPr marL="914400" indent="0" algn="ctr" defTabSz="914400" rtl="0" eaLnBrk="1" latinLnBrk="0" hangingPunct="1">
+              <a:lnSpc>
+                <a:spcPct val="90000"/>
+              </a:lnSpc>
+              <a:spcBef>
+                <a:spcPts val="500"/>
+              </a:spcBef>
+              <a:buFont typeface="Arial" panose="020B0604020202020204" pitchFamily="34" charset="0"/>
+              <a:buNone/>
+              <a:defRPr sz="1800" kern="1200">
+                <a:solidFill>
+                  <a:schemeClr val="bg1"/>
+                </a:solidFill>
+                <a:latin typeface="Corbel Light" panose="020B0303020204020204" pitchFamily="34" charset="0"/>
+                <a:ea typeface="+mn-ea"/>
+                <a:cs typeface="+mn-cs"/>
+              </a:defRPr>
+            </a:lvl3pPr>
+            <a:lvl4pPr marL="1371600" indent="0" algn="ctr" defTabSz="914400" rtl="0" eaLnBrk="1" latinLnBrk="0" hangingPunct="1">
+              <a:lnSpc>
+                <a:spcPct val="90000"/>
+              </a:lnSpc>
+              <a:spcBef>
+                <a:spcPts val="500"/>
+              </a:spcBef>
+              <a:buFont typeface="Arial" panose="020B0604020202020204" pitchFamily="34" charset="0"/>
+              <a:buNone/>
+              <a:defRPr sz="1600" kern="1200">
+                <a:solidFill>
+                  <a:schemeClr val="bg1"/>
+                </a:solidFill>
+                <a:latin typeface="Corbel Light" panose="020B0303020204020204" pitchFamily="34" charset="0"/>
+                <a:ea typeface="+mn-ea"/>
+                <a:cs typeface="+mn-cs"/>
+              </a:defRPr>
+            </a:lvl4pPr>
+            <a:lvl5pPr marL="1828800" indent="0" algn="ctr" defTabSz="914400" rtl="0" eaLnBrk="1" latinLnBrk="0" hangingPunct="1">
+              <a:lnSpc>
+                <a:spcPct val="90000"/>
+              </a:lnSpc>
+              <a:spcBef>
+                <a:spcPts val="500"/>
+              </a:spcBef>
+              <a:buFont typeface="Arial" panose="020B0604020202020204" pitchFamily="34" charset="0"/>
+              <a:buNone/>
+              <a:defRPr sz="1600" kern="1200">
+                <a:solidFill>
+                  <a:schemeClr val="bg1"/>
+                </a:solidFill>
+                <a:latin typeface="Corbel Light" panose="020B0303020204020204" pitchFamily="34" charset="0"/>
+                <a:ea typeface="+mn-ea"/>
+                <a:cs typeface="+mn-cs"/>
+              </a:defRPr>
+            </a:lvl5pPr>
+            <a:lvl6pPr marL="2286000" indent="0" algn="ctr" defTabSz="914400" rtl="0" eaLnBrk="1" latinLnBrk="0" hangingPunct="1">
+              <a:lnSpc>
+                <a:spcPct val="90000"/>
+              </a:lnSpc>
+              <a:spcBef>
+                <a:spcPts val="500"/>
+              </a:spcBef>
+              <a:buFont typeface="Arial" panose="020B0604020202020204" pitchFamily="34" charset="0"/>
+              <a:buNone/>
+              <a:defRPr sz="1600" kern="1200">
+                <a:solidFill>
+                  <a:schemeClr val="tx1"/>
+                </a:solidFill>
+                <a:latin typeface="+mn-lt"/>
+                <a:ea typeface="+mn-ea"/>
+                <a:cs typeface="+mn-cs"/>
+              </a:defRPr>
+            </a:lvl6pPr>
+            <a:lvl7pPr marL="2743200" indent="0" algn="ctr" defTabSz="914400" rtl="0" eaLnBrk="1" latinLnBrk="0" hangingPunct="1">
+              <a:lnSpc>
+                <a:spcPct val="90000"/>
+              </a:lnSpc>
+              <a:spcBef>
+                <a:spcPts val="500"/>
+              </a:spcBef>
+              <a:buFont typeface="Arial" panose="020B0604020202020204" pitchFamily="34" charset="0"/>
+              <a:buNone/>
+              <a:defRPr sz="1600" kern="1200">
+                <a:solidFill>
+                  <a:schemeClr val="tx1"/>
+                </a:solidFill>
+                <a:latin typeface="+mn-lt"/>
+                <a:ea typeface="+mn-ea"/>
+                <a:cs typeface="+mn-cs"/>
+              </a:defRPr>
+            </a:lvl7pPr>
+            <a:lvl8pPr marL="3200400" indent="0" algn="ctr" defTabSz="914400" rtl="0" eaLnBrk="1" latinLnBrk="0" hangingPunct="1">
+              <a:lnSpc>
+                <a:spcPct val="90000"/>
+              </a:lnSpc>
+              <a:spcBef>
+                <a:spcPts val="500"/>
+              </a:spcBef>
+              <a:buFont typeface="Arial" panose="020B0604020202020204" pitchFamily="34" charset="0"/>
+              <a:buNone/>
+              <a:defRPr sz="1600" kern="1200">
+                <a:solidFill>
+                  <a:schemeClr val="tx1"/>
+                </a:solidFill>
+                <a:latin typeface="+mn-lt"/>
+                <a:ea typeface="+mn-ea"/>
+                <a:cs typeface="+mn-cs"/>
+              </a:defRPr>
+            </a:lvl8pPr>
+            <a:lvl9pPr marL="3657600" indent="0" algn="ctr" defTabSz="914400" rtl="0" eaLnBrk="1" latinLnBrk="0" hangingPunct="1">
+              <a:lnSpc>
+                <a:spcPct val="90000"/>
+              </a:lnSpc>
+              <a:spcBef>
+                <a:spcPts val="500"/>
+              </a:spcBef>
+              <a:buFont typeface="Arial" panose="020B0604020202020204" pitchFamily="34" charset="0"/>
+              <a:buNone/>
+              <a:defRPr sz="1600" kern="1200">
+                <a:solidFill>
+                  <a:schemeClr val="tx1"/>
+                </a:solidFill>
+                <a:latin typeface="+mn-lt"/>
+                <a:ea typeface="+mn-ea"/>
+                <a:cs typeface="+mn-cs"/>
+              </a:defRPr>
+            </a:lvl9pPr>
+          </a:lstStyle>
           <a:p>
             <a:r>
               <a:rPr lang="en-US" sz="5400" dirty="0"/>
-              <a:t>Max Pooling</a:t>
+              <a:t>ANSYS Mesh</a:t>
             </a:r>
           </a:p>
         </p:txBody>
@@ -23936,12 +23933,512 @@
           </a:prstGeom>
         </p:spPr>
       </p:pic>
+      <p:pic>
+        <p:nvPicPr>
+          <p:cNvPr id="4" name="Picture 3">
+            <a:extLst>
+              <a:ext uri="{FF2B5EF4-FFF2-40B4-BE49-F238E27FC236}">
+                <a16:creationId xmlns:a16="http://schemas.microsoft.com/office/drawing/2014/main" id="{0F21890A-1A4A-3D38-03A1-466F6FC38507}"/>
+              </a:ext>
+            </a:extLst>
+          </p:cNvPr>
+          <p:cNvPicPr>
+            <a:picLocks noChangeAspect="1"/>
+          </p:cNvPicPr>
+          <p:nvPr/>
+        </p:nvPicPr>
+        <p:blipFill>
+          <a:blip r:embed="rId5"/>
+          <a:stretch>
+            <a:fillRect/>
+          </a:stretch>
+        </p:blipFill>
+        <p:spPr>
+          <a:xfrm>
+            <a:off x="3863926" y="2058886"/>
+            <a:ext cx="4342228" cy="3641868"/>
+          </a:xfrm>
+          <a:prstGeom prst="rect">
+            <a:avLst/>
+          </a:prstGeom>
+          <a:ln>
+            <a:noFill/>
+          </a:ln>
+          <a:effectLst>
+            <a:outerShdw blurRad="292100" dist="139700" dir="2700000" algn="tl" rotWithShape="0">
+              <a:srgbClr val="333333">
+                <a:alpha val="65000"/>
+              </a:srgbClr>
+            </a:outerShdw>
+          </a:effectLst>
+        </p:spPr>
+      </p:pic>
       <p:sp>
         <p:nvSpPr>
-          <p:cNvPr id="18" name="Content Placeholder 2">
+          <p:cNvPr id="5" name="Subtitle 2">
             <a:extLst>
               <a:ext uri="{FF2B5EF4-FFF2-40B4-BE49-F238E27FC236}">
-                <a16:creationId xmlns:a16="http://schemas.microsoft.com/office/drawing/2014/main" id="{77CE19D3-26A7-3800-77B0-9EC01EC53093}"/>
+                <a16:creationId xmlns:a16="http://schemas.microsoft.com/office/drawing/2014/main" id="{85F2C99C-13B9-0E62-F968-423C22A54C59}"/>
+              </a:ext>
+            </a:extLst>
+          </p:cNvPr>
+          <p:cNvSpPr txBox="1">
+            <a:spLocks/>
+          </p:cNvSpPr>
+          <p:nvPr/>
+        </p:nvSpPr>
+        <p:spPr>
+          <a:xfrm>
+            <a:off x="1463040" y="5900051"/>
+            <a:ext cx="9144000" cy="847990"/>
+          </a:xfrm>
+          <a:prstGeom prst="rect">
+            <a:avLst/>
+          </a:prstGeom>
+        </p:spPr>
+        <p:txBody>
+          <a:bodyPr vert="horz" lIns="91440" tIns="45720" rIns="91440" bIns="45720" rtlCol="0">
+            <a:normAutofit/>
+          </a:bodyPr>
+          <a:lstStyle>
+            <a:lvl1pPr marL="0" indent="0" algn="ctr" defTabSz="914400" rtl="0" eaLnBrk="1" latinLnBrk="0" hangingPunct="1">
+              <a:lnSpc>
+                <a:spcPct val="90000"/>
+              </a:lnSpc>
+              <a:spcBef>
+                <a:spcPts val="1000"/>
+              </a:spcBef>
+              <a:buFont typeface="Arial" panose="020B0604020202020204" pitchFamily="34" charset="0"/>
+              <a:buNone/>
+              <a:defRPr sz="2400" kern="1200">
+                <a:solidFill>
+                  <a:schemeClr val="bg1"/>
+                </a:solidFill>
+                <a:latin typeface="Corbel Light" panose="020B0303020204020204" pitchFamily="34" charset="0"/>
+                <a:ea typeface="+mn-ea"/>
+                <a:cs typeface="+mn-cs"/>
+              </a:defRPr>
+            </a:lvl1pPr>
+            <a:lvl2pPr marL="457200" indent="0" algn="ctr" defTabSz="914400" rtl="0" eaLnBrk="1" latinLnBrk="0" hangingPunct="1">
+              <a:lnSpc>
+                <a:spcPct val="90000"/>
+              </a:lnSpc>
+              <a:spcBef>
+                <a:spcPts val="500"/>
+              </a:spcBef>
+              <a:buFont typeface="Arial" panose="020B0604020202020204" pitchFamily="34" charset="0"/>
+              <a:buNone/>
+              <a:defRPr sz="2000" kern="1200">
+                <a:solidFill>
+                  <a:schemeClr val="bg1"/>
+                </a:solidFill>
+                <a:latin typeface="Corbel Light" panose="020B0303020204020204" pitchFamily="34" charset="0"/>
+                <a:ea typeface="+mn-ea"/>
+                <a:cs typeface="+mn-cs"/>
+              </a:defRPr>
+            </a:lvl2pPr>
+            <a:lvl3pPr marL="914400" indent="0" algn="ctr" defTabSz="914400" rtl="0" eaLnBrk="1" latinLnBrk="0" hangingPunct="1">
+              <a:lnSpc>
+                <a:spcPct val="90000"/>
+              </a:lnSpc>
+              <a:spcBef>
+                <a:spcPts val="500"/>
+              </a:spcBef>
+              <a:buFont typeface="Arial" panose="020B0604020202020204" pitchFamily="34" charset="0"/>
+              <a:buNone/>
+              <a:defRPr sz="1800" kern="1200">
+                <a:solidFill>
+                  <a:schemeClr val="bg1"/>
+                </a:solidFill>
+                <a:latin typeface="Corbel Light" panose="020B0303020204020204" pitchFamily="34" charset="0"/>
+                <a:ea typeface="+mn-ea"/>
+                <a:cs typeface="+mn-cs"/>
+              </a:defRPr>
+            </a:lvl3pPr>
+            <a:lvl4pPr marL="1371600" indent="0" algn="ctr" defTabSz="914400" rtl="0" eaLnBrk="1" latinLnBrk="0" hangingPunct="1">
+              <a:lnSpc>
+                <a:spcPct val="90000"/>
+              </a:lnSpc>
+              <a:spcBef>
+                <a:spcPts val="500"/>
+              </a:spcBef>
+              <a:buFont typeface="Arial" panose="020B0604020202020204" pitchFamily="34" charset="0"/>
+              <a:buNone/>
+              <a:defRPr sz="1600" kern="1200">
+                <a:solidFill>
+                  <a:schemeClr val="bg1"/>
+                </a:solidFill>
+                <a:latin typeface="Corbel Light" panose="020B0303020204020204" pitchFamily="34" charset="0"/>
+                <a:ea typeface="+mn-ea"/>
+                <a:cs typeface="+mn-cs"/>
+              </a:defRPr>
+            </a:lvl4pPr>
+            <a:lvl5pPr marL="1828800" indent="0" algn="ctr" defTabSz="914400" rtl="0" eaLnBrk="1" latinLnBrk="0" hangingPunct="1">
+              <a:lnSpc>
+                <a:spcPct val="90000"/>
+              </a:lnSpc>
+              <a:spcBef>
+                <a:spcPts val="500"/>
+              </a:spcBef>
+              <a:buFont typeface="Arial" panose="020B0604020202020204" pitchFamily="34" charset="0"/>
+              <a:buNone/>
+              <a:defRPr sz="1600" kern="1200">
+                <a:solidFill>
+                  <a:schemeClr val="bg1"/>
+                </a:solidFill>
+                <a:latin typeface="Corbel Light" panose="020B0303020204020204" pitchFamily="34" charset="0"/>
+                <a:ea typeface="+mn-ea"/>
+                <a:cs typeface="+mn-cs"/>
+              </a:defRPr>
+            </a:lvl5pPr>
+            <a:lvl6pPr marL="2286000" indent="0" algn="ctr" defTabSz="914400" rtl="0" eaLnBrk="1" latinLnBrk="0" hangingPunct="1">
+              <a:lnSpc>
+                <a:spcPct val="90000"/>
+              </a:lnSpc>
+              <a:spcBef>
+                <a:spcPts val="500"/>
+              </a:spcBef>
+              <a:buFont typeface="Arial" panose="020B0604020202020204" pitchFamily="34" charset="0"/>
+              <a:buNone/>
+              <a:defRPr sz="1600" kern="1200">
+                <a:solidFill>
+                  <a:schemeClr val="tx1"/>
+                </a:solidFill>
+                <a:latin typeface="+mn-lt"/>
+                <a:ea typeface="+mn-ea"/>
+                <a:cs typeface="+mn-cs"/>
+              </a:defRPr>
+            </a:lvl6pPr>
+            <a:lvl7pPr marL="2743200" indent="0" algn="ctr" defTabSz="914400" rtl="0" eaLnBrk="1" latinLnBrk="0" hangingPunct="1">
+              <a:lnSpc>
+                <a:spcPct val="90000"/>
+              </a:lnSpc>
+              <a:spcBef>
+                <a:spcPts val="500"/>
+              </a:spcBef>
+              <a:buFont typeface="Arial" panose="020B0604020202020204" pitchFamily="34" charset="0"/>
+              <a:buNone/>
+              <a:defRPr sz="1600" kern="1200">
+                <a:solidFill>
+                  <a:schemeClr val="tx1"/>
+                </a:solidFill>
+                <a:latin typeface="+mn-lt"/>
+                <a:ea typeface="+mn-ea"/>
+                <a:cs typeface="+mn-cs"/>
+              </a:defRPr>
+            </a:lvl7pPr>
+            <a:lvl8pPr marL="3200400" indent="0" algn="ctr" defTabSz="914400" rtl="0" eaLnBrk="1" latinLnBrk="0" hangingPunct="1">
+              <a:lnSpc>
+                <a:spcPct val="90000"/>
+              </a:lnSpc>
+              <a:spcBef>
+                <a:spcPts val="500"/>
+              </a:spcBef>
+              <a:buFont typeface="Arial" panose="020B0604020202020204" pitchFamily="34" charset="0"/>
+              <a:buNone/>
+              <a:defRPr sz="1600" kern="1200">
+                <a:solidFill>
+                  <a:schemeClr val="tx1"/>
+                </a:solidFill>
+                <a:latin typeface="+mn-lt"/>
+                <a:ea typeface="+mn-ea"/>
+                <a:cs typeface="+mn-cs"/>
+              </a:defRPr>
+            </a:lvl8pPr>
+            <a:lvl9pPr marL="3657600" indent="0" algn="ctr" defTabSz="914400" rtl="0" eaLnBrk="1" latinLnBrk="0" hangingPunct="1">
+              <a:lnSpc>
+                <a:spcPct val="90000"/>
+              </a:lnSpc>
+              <a:spcBef>
+                <a:spcPts val="500"/>
+              </a:spcBef>
+              <a:buFont typeface="Arial" panose="020B0604020202020204" pitchFamily="34" charset="0"/>
+              <a:buNone/>
+              <a:defRPr sz="1600" kern="1200">
+                <a:solidFill>
+                  <a:schemeClr val="tx1"/>
+                </a:solidFill>
+                <a:latin typeface="+mn-lt"/>
+                <a:ea typeface="+mn-ea"/>
+                <a:cs typeface="+mn-cs"/>
+              </a:defRPr>
+            </a:lvl9pPr>
+          </a:lstStyle>
+          <a:p>
+            <a:r>
+              <a:rPr lang="en-US" sz="5400" dirty="0"/>
+              <a:t>ANSYS Mesh</a:t>
+            </a:r>
+          </a:p>
+        </p:txBody>
+      </p:sp>
+      <p:pic>
+        <p:nvPicPr>
+          <p:cNvPr id="6" name="Picture 2" descr="Roofline Performance Model - NERSC Documentation">
+            <a:extLst>
+              <a:ext uri="{FF2B5EF4-FFF2-40B4-BE49-F238E27FC236}">
+                <a16:creationId xmlns:a16="http://schemas.microsoft.com/office/drawing/2014/main" id="{E818FDA7-27A0-4F1F-BE57-D6686D350292}"/>
+              </a:ext>
+            </a:extLst>
+          </p:cNvPr>
+          <p:cNvPicPr>
+            <a:picLocks noChangeAspect="1" noChangeArrowheads="1"/>
+          </p:cNvPicPr>
+          <p:nvPr/>
+        </p:nvPicPr>
+        <p:blipFill>
+          <a:blip r:embed="rId6">
+            <a:extLst>
+              <a:ext uri="{28A0092B-C50C-407E-A947-70E740481C1C}">
+                <a14:useLocalDpi xmlns:a14="http://schemas.microsoft.com/office/drawing/2010/main" val="0"/>
+              </a:ext>
+            </a:extLst>
+          </a:blip>
+          <a:srcRect/>
+          <a:stretch>
+            <a:fillRect/>
+          </a:stretch>
+        </p:blipFill>
+        <p:spPr bwMode="auto">
+          <a:xfrm>
+            <a:off x="12319825" y="2035440"/>
+            <a:ext cx="4761856" cy="3641868"/>
+          </a:xfrm>
+          <a:prstGeom prst="rect">
+            <a:avLst/>
+          </a:prstGeom>
+          <a:ln>
+            <a:noFill/>
+          </a:ln>
+          <a:effectLst>
+            <a:outerShdw blurRad="292100" dist="139700" dir="2700000" algn="tl" rotWithShape="0">
+              <a:srgbClr val="333333">
+                <a:alpha val="65000"/>
+              </a:srgbClr>
+            </a:outerShdw>
+          </a:effectLst>
+          <a:extLst>
+            <a:ext uri="{909E8E84-426E-40DD-AFC4-6F175D3DCCD1}">
+              <a14:hiddenFill xmlns:a14="http://schemas.microsoft.com/office/drawing/2010/main">
+                <a:solidFill>
+                  <a:srgbClr val="FFFFFF"/>
+                </a:solidFill>
+              </a14:hiddenFill>
+            </a:ext>
+          </a:extLst>
+        </p:spPr>
+      </p:pic>
+      <p:sp>
+        <p:nvSpPr>
+          <p:cNvPr id="7" name="Subtitle 2">
+            <a:extLst>
+              <a:ext uri="{FF2B5EF4-FFF2-40B4-BE49-F238E27FC236}">
+                <a16:creationId xmlns:a16="http://schemas.microsoft.com/office/drawing/2014/main" id="{34C1D8DA-E409-2680-C4DE-49E52C4E9EF2}"/>
+              </a:ext>
+            </a:extLst>
+          </p:cNvPr>
+          <p:cNvSpPr txBox="1">
+            <a:spLocks/>
+          </p:cNvSpPr>
+          <p:nvPr/>
+        </p:nvSpPr>
+        <p:spPr>
+          <a:xfrm>
+            <a:off x="13678499" y="5888328"/>
+            <a:ext cx="9144000" cy="847990"/>
+          </a:xfrm>
+          <a:prstGeom prst="rect">
+            <a:avLst/>
+          </a:prstGeom>
+        </p:spPr>
+        <p:txBody>
+          <a:bodyPr vert="horz" lIns="91440" tIns="45720" rIns="91440" bIns="45720" rtlCol="0">
+            <a:normAutofit fontScale="47500" lnSpcReduction="20000"/>
+          </a:bodyPr>
+          <a:lstStyle>
+            <a:lvl1pPr marL="0" indent="0" algn="ctr" defTabSz="914400" rtl="0" eaLnBrk="1" latinLnBrk="0" hangingPunct="1">
+              <a:lnSpc>
+                <a:spcPct val="90000"/>
+              </a:lnSpc>
+              <a:spcBef>
+                <a:spcPts val="1000"/>
+              </a:spcBef>
+              <a:buFont typeface="Arial" panose="020B0604020202020204" pitchFamily="34" charset="0"/>
+              <a:buNone/>
+              <a:defRPr sz="2400" kern="1200">
+                <a:solidFill>
+                  <a:schemeClr val="bg1"/>
+                </a:solidFill>
+                <a:latin typeface="Corbel Light" panose="020B0303020204020204" pitchFamily="34" charset="0"/>
+                <a:ea typeface="+mn-ea"/>
+                <a:cs typeface="+mn-cs"/>
+              </a:defRPr>
+            </a:lvl1pPr>
+            <a:lvl2pPr marL="457200" indent="0" algn="ctr" defTabSz="914400" rtl="0" eaLnBrk="1" latinLnBrk="0" hangingPunct="1">
+              <a:lnSpc>
+                <a:spcPct val="90000"/>
+              </a:lnSpc>
+              <a:spcBef>
+                <a:spcPts val="500"/>
+              </a:spcBef>
+              <a:buFont typeface="Arial" panose="020B0604020202020204" pitchFamily="34" charset="0"/>
+              <a:buNone/>
+              <a:defRPr sz="2000" kern="1200">
+                <a:solidFill>
+                  <a:schemeClr val="bg1"/>
+                </a:solidFill>
+                <a:latin typeface="Corbel Light" panose="020B0303020204020204" pitchFamily="34" charset="0"/>
+                <a:ea typeface="+mn-ea"/>
+                <a:cs typeface="+mn-cs"/>
+              </a:defRPr>
+            </a:lvl2pPr>
+            <a:lvl3pPr marL="914400" indent="0" algn="ctr" defTabSz="914400" rtl="0" eaLnBrk="1" latinLnBrk="0" hangingPunct="1">
+              <a:lnSpc>
+                <a:spcPct val="90000"/>
+              </a:lnSpc>
+              <a:spcBef>
+                <a:spcPts val="500"/>
+              </a:spcBef>
+              <a:buFont typeface="Arial" panose="020B0604020202020204" pitchFamily="34" charset="0"/>
+              <a:buNone/>
+              <a:defRPr sz="1800" kern="1200">
+                <a:solidFill>
+                  <a:schemeClr val="bg1"/>
+                </a:solidFill>
+                <a:latin typeface="Corbel Light" panose="020B0303020204020204" pitchFamily="34" charset="0"/>
+                <a:ea typeface="+mn-ea"/>
+                <a:cs typeface="+mn-cs"/>
+              </a:defRPr>
+            </a:lvl3pPr>
+            <a:lvl4pPr marL="1371600" indent="0" algn="ctr" defTabSz="914400" rtl="0" eaLnBrk="1" latinLnBrk="0" hangingPunct="1">
+              <a:lnSpc>
+                <a:spcPct val="90000"/>
+              </a:lnSpc>
+              <a:spcBef>
+                <a:spcPts val="500"/>
+              </a:spcBef>
+              <a:buFont typeface="Arial" panose="020B0604020202020204" pitchFamily="34" charset="0"/>
+              <a:buNone/>
+              <a:defRPr sz="1600" kern="1200">
+                <a:solidFill>
+                  <a:schemeClr val="bg1"/>
+                </a:solidFill>
+                <a:latin typeface="Corbel Light" panose="020B0303020204020204" pitchFamily="34" charset="0"/>
+                <a:ea typeface="+mn-ea"/>
+                <a:cs typeface="+mn-cs"/>
+              </a:defRPr>
+            </a:lvl4pPr>
+            <a:lvl5pPr marL="1828800" indent="0" algn="ctr" defTabSz="914400" rtl="0" eaLnBrk="1" latinLnBrk="0" hangingPunct="1">
+              <a:lnSpc>
+                <a:spcPct val="90000"/>
+              </a:lnSpc>
+              <a:spcBef>
+                <a:spcPts val="500"/>
+              </a:spcBef>
+              <a:buFont typeface="Arial" panose="020B0604020202020204" pitchFamily="34" charset="0"/>
+              <a:buNone/>
+              <a:defRPr sz="1600" kern="1200">
+                <a:solidFill>
+                  <a:schemeClr val="bg1"/>
+                </a:solidFill>
+                <a:latin typeface="Corbel Light" panose="020B0303020204020204" pitchFamily="34" charset="0"/>
+                <a:ea typeface="+mn-ea"/>
+                <a:cs typeface="+mn-cs"/>
+              </a:defRPr>
+            </a:lvl5pPr>
+            <a:lvl6pPr marL="2286000" indent="0" algn="ctr" defTabSz="914400" rtl="0" eaLnBrk="1" latinLnBrk="0" hangingPunct="1">
+              <a:lnSpc>
+                <a:spcPct val="90000"/>
+              </a:lnSpc>
+              <a:spcBef>
+                <a:spcPts val="500"/>
+              </a:spcBef>
+              <a:buFont typeface="Arial" panose="020B0604020202020204" pitchFamily="34" charset="0"/>
+              <a:buNone/>
+              <a:defRPr sz="1600" kern="1200">
+                <a:solidFill>
+                  <a:schemeClr val="tx1"/>
+                </a:solidFill>
+                <a:latin typeface="+mn-lt"/>
+                <a:ea typeface="+mn-ea"/>
+                <a:cs typeface="+mn-cs"/>
+              </a:defRPr>
+            </a:lvl6pPr>
+            <a:lvl7pPr marL="2743200" indent="0" algn="ctr" defTabSz="914400" rtl="0" eaLnBrk="1" latinLnBrk="0" hangingPunct="1">
+              <a:lnSpc>
+                <a:spcPct val="90000"/>
+              </a:lnSpc>
+              <a:spcBef>
+                <a:spcPts val="500"/>
+              </a:spcBef>
+              <a:buFont typeface="Arial" panose="020B0604020202020204" pitchFamily="34" charset="0"/>
+              <a:buNone/>
+              <a:defRPr sz="1600" kern="1200">
+                <a:solidFill>
+                  <a:schemeClr val="tx1"/>
+                </a:solidFill>
+                <a:latin typeface="+mn-lt"/>
+                <a:ea typeface="+mn-ea"/>
+                <a:cs typeface="+mn-cs"/>
+              </a:defRPr>
+            </a:lvl7pPr>
+            <a:lvl8pPr marL="3200400" indent="0" algn="ctr" defTabSz="914400" rtl="0" eaLnBrk="1" latinLnBrk="0" hangingPunct="1">
+              <a:lnSpc>
+                <a:spcPct val="90000"/>
+              </a:lnSpc>
+              <a:spcBef>
+                <a:spcPts val="500"/>
+              </a:spcBef>
+              <a:buFont typeface="Arial" panose="020B0604020202020204" pitchFamily="34" charset="0"/>
+              <a:buNone/>
+              <a:defRPr sz="1600" kern="1200">
+                <a:solidFill>
+                  <a:schemeClr val="tx1"/>
+                </a:solidFill>
+                <a:latin typeface="+mn-lt"/>
+                <a:ea typeface="+mn-ea"/>
+                <a:cs typeface="+mn-cs"/>
+              </a:defRPr>
+            </a:lvl8pPr>
+            <a:lvl9pPr marL="3657600" indent="0" algn="ctr" defTabSz="914400" rtl="0" eaLnBrk="1" latinLnBrk="0" hangingPunct="1">
+              <a:lnSpc>
+                <a:spcPct val="90000"/>
+              </a:lnSpc>
+              <a:spcBef>
+                <a:spcPts val="500"/>
+              </a:spcBef>
+              <a:buFont typeface="Arial" panose="020B0604020202020204" pitchFamily="34" charset="0"/>
+              <a:buNone/>
+              <a:defRPr sz="1600" kern="1200">
+                <a:solidFill>
+                  <a:schemeClr val="tx1"/>
+                </a:solidFill>
+                <a:latin typeface="+mn-lt"/>
+                <a:ea typeface="+mn-ea"/>
+                <a:cs typeface="+mn-cs"/>
+              </a:defRPr>
+            </a:lvl9pPr>
+          </a:lstStyle>
+          <a:p>
+            <a:r>
+              <a:rPr lang="en-US" sz="5400" dirty="0"/>
+              <a:t>Single v. Double Precision GPU Computation</a:t>
+            </a:r>
+          </a:p>
+          <a:p>
+            <a:r>
+              <a:rPr lang="en-US" sz="5400" dirty="0"/>
+              <a:t>With Roofline Graph</a:t>
+            </a:r>
+          </a:p>
+        </p:txBody>
+      </p:sp>
+      <p:sp>
+        <p:nvSpPr>
+          <p:cNvPr id="13" name="Content Placeholder 2">
+            <a:extLst>
+              <a:ext uri="{FF2B5EF4-FFF2-40B4-BE49-F238E27FC236}">
+                <a16:creationId xmlns:a16="http://schemas.microsoft.com/office/drawing/2014/main" id="{9418441F-5BB6-5016-05E4-73837B30E34B}"/>
               </a:ext>
             </a:extLst>
           </p:cNvPr>
@@ -24147,324 +24644,10 @@
           </a:p>
         </p:txBody>
       </p:sp>
-      <p:pic>
-        <p:nvPicPr>
-          <p:cNvPr id="2" name="Picture 1">
-            <a:extLst>
-              <a:ext uri="{FF2B5EF4-FFF2-40B4-BE49-F238E27FC236}">
-                <a16:creationId xmlns:a16="http://schemas.microsoft.com/office/drawing/2014/main" id="{03A31F47-13C9-EACA-2334-6941F745C0D2}"/>
-              </a:ext>
-            </a:extLst>
-          </p:cNvPr>
-          <p:cNvPicPr>
-            <a:picLocks noChangeAspect="1"/>
-          </p:cNvPicPr>
-          <p:nvPr/>
-        </p:nvPicPr>
-        <p:blipFill>
-          <a:blip r:embed="rId5"/>
-          <a:stretch>
-            <a:fillRect/>
-          </a:stretch>
-        </p:blipFill>
-        <p:spPr>
-          <a:xfrm>
-            <a:off x="4361681" y="2032481"/>
-            <a:ext cx="3468638" cy="3541278"/>
-          </a:xfrm>
-          <a:prstGeom prst="rect">
-            <a:avLst/>
-          </a:prstGeom>
-          <a:ln>
-            <a:noFill/>
-          </a:ln>
-          <a:effectLst>
-            <a:outerShdw blurRad="292100" dist="139700" dir="2700000" algn="tl" rotWithShape="0">
-              <a:srgbClr val="333333">
-                <a:alpha val="65000"/>
-              </a:srgbClr>
-            </a:outerShdw>
-          </a:effectLst>
-        </p:spPr>
-      </p:pic>
-      <p:sp>
-        <p:nvSpPr>
-          <p:cNvPr id="3" name="Subtitle 2">
-            <a:extLst>
-              <a:ext uri="{FF2B5EF4-FFF2-40B4-BE49-F238E27FC236}">
-                <a16:creationId xmlns:a16="http://schemas.microsoft.com/office/drawing/2014/main" id="{273942AC-A562-425F-5BC5-469D90704613}"/>
-              </a:ext>
-            </a:extLst>
-          </p:cNvPr>
-          <p:cNvSpPr>
-            <a:spLocks noGrp="1"/>
-          </p:cNvSpPr>
-          <p:nvPr>
-            <p:ph type="subTitle" idx="1"/>
-          </p:nvPr>
-        </p:nvSpPr>
-        <p:spPr>
-          <a:xfrm>
-            <a:off x="1463040" y="5900051"/>
-            <a:ext cx="9144000" cy="847990"/>
-          </a:xfrm>
-        </p:spPr>
-        <p:txBody>
-          <a:bodyPr>
-            <a:normAutofit/>
-          </a:bodyPr>
-          <a:lstStyle/>
-          <a:p>
-            <a:r>
-              <a:rPr lang="en-US" sz="5400" dirty="0"/>
-              <a:t>Max Pooling</a:t>
-            </a:r>
-          </a:p>
-        </p:txBody>
-      </p:sp>
-      <p:pic>
-        <p:nvPicPr>
-          <p:cNvPr id="4" name="Picture 3">
-            <a:extLst>
-              <a:ext uri="{FF2B5EF4-FFF2-40B4-BE49-F238E27FC236}">
-                <a16:creationId xmlns:a16="http://schemas.microsoft.com/office/drawing/2014/main" id="{50DD46BE-87DA-D4A9-9FDF-1E9B75CE1BDD}"/>
-              </a:ext>
-            </a:extLst>
-          </p:cNvPr>
-          <p:cNvPicPr>
-            <a:picLocks noChangeAspect="1"/>
-          </p:cNvPicPr>
-          <p:nvPr/>
-        </p:nvPicPr>
-        <p:blipFill>
-          <a:blip r:embed="rId6"/>
-          <a:stretch>
-            <a:fillRect/>
-          </a:stretch>
-        </p:blipFill>
-        <p:spPr>
-          <a:xfrm>
-            <a:off x="12574184" y="2211286"/>
-            <a:ext cx="4342228" cy="3641868"/>
-          </a:xfrm>
-          <a:prstGeom prst="rect">
-            <a:avLst/>
-          </a:prstGeom>
-          <a:ln>
-            <a:noFill/>
-          </a:ln>
-          <a:effectLst>
-            <a:outerShdw blurRad="292100" dist="139700" dir="2700000" algn="tl" rotWithShape="0">
-              <a:srgbClr val="333333">
-                <a:alpha val="65000"/>
-              </a:srgbClr>
-            </a:outerShdw>
-          </a:effectLst>
-        </p:spPr>
-      </p:pic>
-      <p:sp>
-        <p:nvSpPr>
-          <p:cNvPr id="5" name="Subtitle 2">
-            <a:extLst>
-              <a:ext uri="{FF2B5EF4-FFF2-40B4-BE49-F238E27FC236}">
-                <a16:creationId xmlns:a16="http://schemas.microsoft.com/office/drawing/2014/main" id="{EBDCF1FD-497D-F4CB-58C6-2465D1B69FED}"/>
-              </a:ext>
-            </a:extLst>
-          </p:cNvPr>
-          <p:cNvSpPr txBox="1">
-            <a:spLocks/>
-          </p:cNvSpPr>
-          <p:nvPr/>
-        </p:nvSpPr>
-        <p:spPr>
-          <a:xfrm>
-            <a:off x="13268189" y="6052451"/>
-            <a:ext cx="9144000" cy="847990"/>
-          </a:xfrm>
-          <a:prstGeom prst="rect">
-            <a:avLst/>
-          </a:prstGeom>
-        </p:spPr>
-        <p:txBody>
-          <a:bodyPr vert="horz" lIns="91440" tIns="45720" rIns="91440" bIns="45720" rtlCol="0">
-            <a:normAutofit/>
-          </a:bodyPr>
-          <a:lstStyle>
-            <a:lvl1pPr marL="0" indent="0" algn="ctr" defTabSz="914400" rtl="0" eaLnBrk="1" latinLnBrk="0" hangingPunct="1">
-              <a:lnSpc>
-                <a:spcPct val="90000"/>
-              </a:lnSpc>
-              <a:spcBef>
-                <a:spcPts val="1000"/>
-              </a:spcBef>
-              <a:buFont typeface="Arial" panose="020B0604020202020204" pitchFamily="34" charset="0"/>
-              <a:buNone/>
-              <a:defRPr sz="2400" kern="1200">
-                <a:solidFill>
-                  <a:schemeClr val="bg1"/>
-                </a:solidFill>
-                <a:latin typeface="Corbel Light" panose="020B0303020204020204" pitchFamily="34" charset="0"/>
-                <a:ea typeface="+mn-ea"/>
-                <a:cs typeface="+mn-cs"/>
-              </a:defRPr>
-            </a:lvl1pPr>
-            <a:lvl2pPr marL="457200" indent="0" algn="ctr" defTabSz="914400" rtl="0" eaLnBrk="1" latinLnBrk="0" hangingPunct="1">
-              <a:lnSpc>
-                <a:spcPct val="90000"/>
-              </a:lnSpc>
-              <a:spcBef>
-                <a:spcPts val="500"/>
-              </a:spcBef>
-              <a:buFont typeface="Arial" panose="020B0604020202020204" pitchFamily="34" charset="0"/>
-              <a:buNone/>
-              <a:defRPr sz="2000" kern="1200">
-                <a:solidFill>
-                  <a:schemeClr val="bg1"/>
-                </a:solidFill>
-                <a:latin typeface="Corbel Light" panose="020B0303020204020204" pitchFamily="34" charset="0"/>
-                <a:ea typeface="+mn-ea"/>
-                <a:cs typeface="+mn-cs"/>
-              </a:defRPr>
-            </a:lvl2pPr>
-            <a:lvl3pPr marL="914400" indent="0" algn="ctr" defTabSz="914400" rtl="0" eaLnBrk="1" latinLnBrk="0" hangingPunct="1">
-              <a:lnSpc>
-                <a:spcPct val="90000"/>
-              </a:lnSpc>
-              <a:spcBef>
-                <a:spcPts val="500"/>
-              </a:spcBef>
-              <a:buFont typeface="Arial" panose="020B0604020202020204" pitchFamily="34" charset="0"/>
-              <a:buNone/>
-              <a:defRPr sz="1800" kern="1200">
-                <a:solidFill>
-                  <a:schemeClr val="bg1"/>
-                </a:solidFill>
-                <a:latin typeface="Corbel Light" panose="020B0303020204020204" pitchFamily="34" charset="0"/>
-                <a:ea typeface="+mn-ea"/>
-                <a:cs typeface="+mn-cs"/>
-              </a:defRPr>
-            </a:lvl3pPr>
-            <a:lvl4pPr marL="1371600" indent="0" algn="ctr" defTabSz="914400" rtl="0" eaLnBrk="1" latinLnBrk="0" hangingPunct="1">
-              <a:lnSpc>
-                <a:spcPct val="90000"/>
-              </a:lnSpc>
-              <a:spcBef>
-                <a:spcPts val="500"/>
-              </a:spcBef>
-              <a:buFont typeface="Arial" panose="020B0604020202020204" pitchFamily="34" charset="0"/>
-              <a:buNone/>
-              <a:defRPr sz="1600" kern="1200">
-                <a:solidFill>
-                  <a:schemeClr val="bg1"/>
-                </a:solidFill>
-                <a:latin typeface="Corbel Light" panose="020B0303020204020204" pitchFamily="34" charset="0"/>
-                <a:ea typeface="+mn-ea"/>
-                <a:cs typeface="+mn-cs"/>
-              </a:defRPr>
-            </a:lvl4pPr>
-            <a:lvl5pPr marL="1828800" indent="0" algn="ctr" defTabSz="914400" rtl="0" eaLnBrk="1" latinLnBrk="0" hangingPunct="1">
-              <a:lnSpc>
-                <a:spcPct val="90000"/>
-              </a:lnSpc>
-              <a:spcBef>
-                <a:spcPts val="500"/>
-              </a:spcBef>
-              <a:buFont typeface="Arial" panose="020B0604020202020204" pitchFamily="34" charset="0"/>
-              <a:buNone/>
-              <a:defRPr sz="1600" kern="1200">
-                <a:solidFill>
-                  <a:schemeClr val="bg1"/>
-                </a:solidFill>
-                <a:latin typeface="Corbel Light" panose="020B0303020204020204" pitchFamily="34" charset="0"/>
-                <a:ea typeface="+mn-ea"/>
-                <a:cs typeface="+mn-cs"/>
-              </a:defRPr>
-            </a:lvl5pPr>
-            <a:lvl6pPr marL="2286000" indent="0" algn="ctr" defTabSz="914400" rtl="0" eaLnBrk="1" latinLnBrk="0" hangingPunct="1">
-              <a:lnSpc>
-                <a:spcPct val="90000"/>
-              </a:lnSpc>
-              <a:spcBef>
-                <a:spcPts val="500"/>
-              </a:spcBef>
-              <a:buFont typeface="Arial" panose="020B0604020202020204" pitchFamily="34" charset="0"/>
-              <a:buNone/>
-              <a:defRPr sz="1600" kern="1200">
-                <a:solidFill>
-                  <a:schemeClr val="tx1"/>
-                </a:solidFill>
-                <a:latin typeface="+mn-lt"/>
-                <a:ea typeface="+mn-ea"/>
-                <a:cs typeface="+mn-cs"/>
-              </a:defRPr>
-            </a:lvl6pPr>
-            <a:lvl7pPr marL="2743200" indent="0" algn="ctr" defTabSz="914400" rtl="0" eaLnBrk="1" latinLnBrk="0" hangingPunct="1">
-              <a:lnSpc>
-                <a:spcPct val="90000"/>
-              </a:lnSpc>
-              <a:spcBef>
-                <a:spcPts val="500"/>
-              </a:spcBef>
-              <a:buFont typeface="Arial" panose="020B0604020202020204" pitchFamily="34" charset="0"/>
-              <a:buNone/>
-              <a:defRPr sz="1600" kern="1200">
-                <a:solidFill>
-                  <a:schemeClr val="tx1"/>
-                </a:solidFill>
-                <a:latin typeface="+mn-lt"/>
-                <a:ea typeface="+mn-ea"/>
-                <a:cs typeface="+mn-cs"/>
-              </a:defRPr>
-            </a:lvl7pPr>
-            <a:lvl8pPr marL="3200400" indent="0" algn="ctr" defTabSz="914400" rtl="0" eaLnBrk="1" latinLnBrk="0" hangingPunct="1">
-              <a:lnSpc>
-                <a:spcPct val="90000"/>
-              </a:lnSpc>
-              <a:spcBef>
-                <a:spcPts val="500"/>
-              </a:spcBef>
-              <a:buFont typeface="Arial" panose="020B0604020202020204" pitchFamily="34" charset="0"/>
-              <a:buNone/>
-              <a:defRPr sz="1600" kern="1200">
-                <a:solidFill>
-                  <a:schemeClr val="tx1"/>
-                </a:solidFill>
-                <a:latin typeface="+mn-lt"/>
-                <a:ea typeface="+mn-ea"/>
-                <a:cs typeface="+mn-cs"/>
-              </a:defRPr>
-            </a:lvl8pPr>
-            <a:lvl9pPr marL="3657600" indent="0" algn="ctr" defTabSz="914400" rtl="0" eaLnBrk="1" latinLnBrk="0" hangingPunct="1">
-              <a:lnSpc>
-                <a:spcPct val="90000"/>
-              </a:lnSpc>
-              <a:spcBef>
-                <a:spcPts val="500"/>
-              </a:spcBef>
-              <a:buFont typeface="Arial" panose="020B0604020202020204" pitchFamily="34" charset="0"/>
-              <a:buNone/>
-              <a:defRPr sz="1600" kern="1200">
-                <a:solidFill>
-                  <a:schemeClr val="tx1"/>
-                </a:solidFill>
-                <a:latin typeface="+mn-lt"/>
-                <a:ea typeface="+mn-ea"/>
-                <a:cs typeface="+mn-cs"/>
-              </a:defRPr>
-            </a:lvl9pPr>
-          </a:lstStyle>
-          <a:p>
-            <a:r>
-              <a:rPr lang="en-US" sz="5400" dirty="0"/>
-              <a:t>ANSYS Mesh</a:t>
-            </a:r>
-          </a:p>
-        </p:txBody>
-      </p:sp>
     </p:spTree>
     <p:extLst>
       <p:ext uri="{BB962C8B-B14F-4D97-AF65-F5344CB8AC3E}">
-        <p14:creationId xmlns:p14="http://schemas.microsoft.com/office/powerpoint/2010/main" val="2226257514"/>
+        <p14:creationId xmlns:p14="http://schemas.microsoft.com/office/powerpoint/2010/main" val="3034328658"/>
       </p:ext>
     </p:extLst>
   </p:cSld>
@@ -24632,10 +24815,10 @@
       </p:pic>
       <p:pic>
         <p:nvPicPr>
-          <p:cNvPr id="2" name="Picture 1">
+          <p:cNvPr id="4" name="Picture 3">
             <a:extLst>
               <a:ext uri="{FF2B5EF4-FFF2-40B4-BE49-F238E27FC236}">
-                <a16:creationId xmlns:a16="http://schemas.microsoft.com/office/drawing/2014/main" id="{03A31F47-13C9-EACA-2334-6941F745C0D2}"/>
+                <a16:creationId xmlns:a16="http://schemas.microsoft.com/office/drawing/2014/main" id="{0F21890A-1A4A-3D38-03A1-466F6FC38507}"/>
               </a:ext>
             </a:extLst>
           </p:cNvPr>
@@ -24652,82 +24835,7 @@
         </p:blipFill>
         <p:spPr>
           <a:xfrm>
-            <a:off x="-3761239" y="2032481"/>
-            <a:ext cx="3468638" cy="3541278"/>
-          </a:xfrm>
-          <a:prstGeom prst="rect">
-            <a:avLst/>
-          </a:prstGeom>
-          <a:ln>
-            <a:noFill/>
-          </a:ln>
-          <a:effectLst>
-            <a:outerShdw blurRad="292100" dist="139700" dir="2700000" algn="tl" rotWithShape="0">
-              <a:srgbClr val="333333">
-                <a:alpha val="65000"/>
-              </a:srgbClr>
-            </a:outerShdw>
-          </a:effectLst>
-        </p:spPr>
-      </p:pic>
-      <p:sp>
-        <p:nvSpPr>
-          <p:cNvPr id="3" name="Subtitle 2">
-            <a:extLst>
-              <a:ext uri="{FF2B5EF4-FFF2-40B4-BE49-F238E27FC236}">
-                <a16:creationId xmlns:a16="http://schemas.microsoft.com/office/drawing/2014/main" id="{273942AC-A562-425F-5BC5-469D90704613}"/>
-              </a:ext>
-            </a:extLst>
-          </p:cNvPr>
-          <p:cNvSpPr>
-            <a:spLocks noGrp="1"/>
-          </p:cNvSpPr>
-          <p:nvPr>
-            <p:ph type="subTitle" idx="1"/>
-          </p:nvPr>
-        </p:nvSpPr>
-        <p:spPr>
-          <a:xfrm>
-            <a:off x="-10420642" y="5900051"/>
-            <a:ext cx="9144000" cy="847990"/>
-          </a:xfrm>
-        </p:spPr>
-        <p:txBody>
-          <a:bodyPr>
-            <a:normAutofit/>
-          </a:bodyPr>
-          <a:lstStyle/>
-          <a:p>
-            <a:r>
-              <a:rPr lang="en-US" sz="5400" dirty="0"/>
-              <a:t>Max Pooling</a:t>
-            </a:r>
-          </a:p>
-        </p:txBody>
-      </p:sp>
-      <p:pic>
-        <p:nvPicPr>
-          <p:cNvPr id="4" name="Picture 3">
-            <a:extLst>
-              <a:ext uri="{FF2B5EF4-FFF2-40B4-BE49-F238E27FC236}">
-                <a16:creationId xmlns:a16="http://schemas.microsoft.com/office/drawing/2014/main" id="{0F21890A-1A4A-3D38-03A1-466F6FC38507}"/>
-              </a:ext>
-            </a:extLst>
-          </p:cNvPr>
-          <p:cNvPicPr>
-            <a:picLocks noChangeAspect="1"/>
-          </p:cNvPicPr>
-          <p:nvPr/>
-        </p:nvPicPr>
-        <p:blipFill>
-          <a:blip r:embed="rId6"/>
-          <a:stretch>
-            <a:fillRect/>
-          </a:stretch>
-        </p:blipFill>
-        <p:spPr>
-          <a:xfrm>
-            <a:off x="3863926" y="2058886"/>
+            <a:off x="-4764274" y="2058886"/>
             <a:ext cx="4342228" cy="3641868"/>
           </a:xfrm>
           <a:prstGeom prst="rect">
@@ -24761,7 +24869,7 @@
         </p:nvSpPr>
         <p:spPr>
           <a:xfrm>
-            <a:off x="1463040" y="5900051"/>
+            <a:off x="-10306940" y="5900051"/>
             <a:ext cx="9144000" cy="847990"/>
           </a:xfrm>
           <a:prstGeom prst="rect">
@@ -24946,10 +25054,10 @@
       </p:sp>
       <p:pic>
         <p:nvPicPr>
-          <p:cNvPr id="6" name="Picture 2" descr="Roofline Performance Model - NERSC Documentation">
+          <p:cNvPr id="8" name="Picture 2" descr="Roofline Performance Model - NERSC Documentation">
             <a:extLst>
               <a:ext uri="{FF2B5EF4-FFF2-40B4-BE49-F238E27FC236}">
-                <a16:creationId xmlns:a16="http://schemas.microsoft.com/office/drawing/2014/main" id="{E818FDA7-27A0-4F1F-BE57-D6686D350292}"/>
+                <a16:creationId xmlns:a16="http://schemas.microsoft.com/office/drawing/2014/main" id="{CE96242E-9C11-2178-0C8D-3AE030A73E4B}"/>
               </a:ext>
             </a:extLst>
           </p:cNvPr>
@@ -24959,7 +25067,7 @@
           <p:nvPr/>
         </p:nvPicPr>
         <p:blipFill>
-          <a:blip r:embed="rId7">
+          <a:blip r:embed="rId6">
             <a:extLst>
               <a:ext uri="{28A0092B-C50C-407E-A947-70E740481C1C}">
                 <a14:useLocalDpi xmlns:a14="http://schemas.microsoft.com/office/drawing/2010/main" val="0"/>
@@ -24973,7 +25081,7 @@
         </p:blipFill>
         <p:spPr bwMode="auto">
           <a:xfrm>
-            <a:off x="12319825" y="2035440"/>
+            <a:off x="3715072" y="2058886"/>
             <a:ext cx="4761856" cy="3641868"/>
           </a:xfrm>
           <a:prstGeom prst="rect">
@@ -25002,10 +25110,10 @@
       </p:pic>
       <p:sp>
         <p:nvSpPr>
-          <p:cNvPr id="7" name="Subtitle 2">
+          <p:cNvPr id="9" name="Subtitle 2">
             <a:extLst>
               <a:ext uri="{FF2B5EF4-FFF2-40B4-BE49-F238E27FC236}">
-                <a16:creationId xmlns:a16="http://schemas.microsoft.com/office/drawing/2014/main" id="{34C1D8DA-E409-2680-C4DE-49E52C4E9EF2}"/>
+                <a16:creationId xmlns:a16="http://schemas.microsoft.com/office/drawing/2014/main" id="{4FD6CBD0-5D9E-A56B-17DF-AADD3AEA6B93}"/>
               </a:ext>
             </a:extLst>
           </p:cNvPr>
@@ -25016,7 +25124,7 @@
         </p:nvSpPr>
         <p:spPr>
           <a:xfrm>
-            <a:off x="13678499" y="5888328"/>
+            <a:off x="1463040" y="5911774"/>
             <a:ext cx="9144000" cy="847990"/>
           </a:xfrm>
           <a:prstGeom prst="rect">
@@ -25205,10 +25313,249 @@
           </a:p>
         </p:txBody>
       </p:sp>
+      <p:pic>
+        <p:nvPicPr>
+          <p:cNvPr id="10" name="Picture 9">
+            <a:extLst>
+              <a:ext uri="{FF2B5EF4-FFF2-40B4-BE49-F238E27FC236}">
+                <a16:creationId xmlns:a16="http://schemas.microsoft.com/office/drawing/2014/main" id="{B3534E13-310D-B823-80F4-CB81722D6BE3}"/>
+              </a:ext>
+            </a:extLst>
+          </p:cNvPr>
+          <p:cNvPicPr>
+            <a:picLocks noChangeAspect="1"/>
+          </p:cNvPicPr>
+          <p:nvPr/>
+        </p:nvPicPr>
+        <p:blipFill>
+          <a:blip r:embed="rId7"/>
+          <a:stretch>
+            <a:fillRect/>
+          </a:stretch>
+        </p:blipFill>
+        <p:spPr>
+          <a:xfrm>
+            <a:off x="12364210" y="1965102"/>
+            <a:ext cx="6286176" cy="3711274"/>
+          </a:xfrm>
+          <a:prstGeom prst="rect">
+            <a:avLst/>
+          </a:prstGeom>
+          <a:ln>
+            <a:noFill/>
+          </a:ln>
+          <a:effectLst>
+            <a:outerShdw blurRad="292100" dist="139700" dir="2700000" algn="tl" rotWithShape="0">
+              <a:srgbClr val="333333">
+                <a:alpha val="65000"/>
+              </a:srgbClr>
+            </a:outerShdw>
+          </a:effectLst>
+        </p:spPr>
+      </p:pic>
+      <p:sp>
+        <p:nvSpPr>
+          <p:cNvPr id="11" name="Subtitle 2">
+            <a:extLst>
+              <a:ext uri="{FF2B5EF4-FFF2-40B4-BE49-F238E27FC236}">
+                <a16:creationId xmlns:a16="http://schemas.microsoft.com/office/drawing/2014/main" id="{FC61AB94-0F47-7AB9-E938-672D160A87F0}"/>
+              </a:ext>
+            </a:extLst>
+          </p:cNvPr>
+          <p:cNvSpPr txBox="1">
+            <a:spLocks/>
+          </p:cNvSpPr>
+          <p:nvPr/>
+        </p:nvSpPr>
+        <p:spPr>
+          <a:xfrm>
+            <a:off x="15357242" y="5817990"/>
+            <a:ext cx="9144000" cy="847990"/>
+          </a:xfrm>
+          <a:prstGeom prst="rect">
+            <a:avLst/>
+          </a:prstGeom>
+        </p:spPr>
+        <p:txBody>
+          <a:bodyPr vert="horz" lIns="91440" tIns="45720" rIns="91440" bIns="45720" rtlCol="0">
+            <a:normAutofit/>
+          </a:bodyPr>
+          <a:lstStyle>
+            <a:lvl1pPr marL="0" indent="0" algn="ctr" defTabSz="914400" rtl="0" eaLnBrk="1" latinLnBrk="0" hangingPunct="1">
+              <a:lnSpc>
+                <a:spcPct val="90000"/>
+              </a:lnSpc>
+              <a:spcBef>
+                <a:spcPts val="1000"/>
+              </a:spcBef>
+              <a:buFont typeface="Arial" panose="020B0604020202020204" pitchFamily="34" charset="0"/>
+              <a:buNone/>
+              <a:defRPr sz="2400" kern="1200">
+                <a:solidFill>
+                  <a:schemeClr val="bg1"/>
+                </a:solidFill>
+                <a:latin typeface="Corbel Light" panose="020B0303020204020204" pitchFamily="34" charset="0"/>
+                <a:ea typeface="+mn-ea"/>
+                <a:cs typeface="+mn-cs"/>
+              </a:defRPr>
+            </a:lvl1pPr>
+            <a:lvl2pPr marL="457200" indent="0" algn="ctr" defTabSz="914400" rtl="0" eaLnBrk="1" latinLnBrk="0" hangingPunct="1">
+              <a:lnSpc>
+                <a:spcPct val="90000"/>
+              </a:lnSpc>
+              <a:spcBef>
+                <a:spcPts val="500"/>
+              </a:spcBef>
+              <a:buFont typeface="Arial" panose="020B0604020202020204" pitchFamily="34" charset="0"/>
+              <a:buNone/>
+              <a:defRPr sz="2000" kern="1200">
+                <a:solidFill>
+                  <a:schemeClr val="bg1"/>
+                </a:solidFill>
+                <a:latin typeface="Corbel Light" panose="020B0303020204020204" pitchFamily="34" charset="0"/>
+                <a:ea typeface="+mn-ea"/>
+                <a:cs typeface="+mn-cs"/>
+              </a:defRPr>
+            </a:lvl2pPr>
+            <a:lvl3pPr marL="914400" indent="0" algn="ctr" defTabSz="914400" rtl="0" eaLnBrk="1" latinLnBrk="0" hangingPunct="1">
+              <a:lnSpc>
+                <a:spcPct val="90000"/>
+              </a:lnSpc>
+              <a:spcBef>
+                <a:spcPts val="500"/>
+              </a:spcBef>
+              <a:buFont typeface="Arial" panose="020B0604020202020204" pitchFamily="34" charset="0"/>
+              <a:buNone/>
+              <a:defRPr sz="1800" kern="1200">
+                <a:solidFill>
+                  <a:schemeClr val="bg1"/>
+                </a:solidFill>
+                <a:latin typeface="Corbel Light" panose="020B0303020204020204" pitchFamily="34" charset="0"/>
+                <a:ea typeface="+mn-ea"/>
+                <a:cs typeface="+mn-cs"/>
+              </a:defRPr>
+            </a:lvl3pPr>
+            <a:lvl4pPr marL="1371600" indent="0" algn="ctr" defTabSz="914400" rtl="0" eaLnBrk="1" latinLnBrk="0" hangingPunct="1">
+              <a:lnSpc>
+                <a:spcPct val="90000"/>
+              </a:lnSpc>
+              <a:spcBef>
+                <a:spcPts val="500"/>
+              </a:spcBef>
+              <a:buFont typeface="Arial" panose="020B0604020202020204" pitchFamily="34" charset="0"/>
+              <a:buNone/>
+              <a:defRPr sz="1600" kern="1200">
+                <a:solidFill>
+                  <a:schemeClr val="bg1"/>
+                </a:solidFill>
+                <a:latin typeface="Corbel Light" panose="020B0303020204020204" pitchFamily="34" charset="0"/>
+                <a:ea typeface="+mn-ea"/>
+                <a:cs typeface="+mn-cs"/>
+              </a:defRPr>
+            </a:lvl4pPr>
+            <a:lvl5pPr marL="1828800" indent="0" algn="ctr" defTabSz="914400" rtl="0" eaLnBrk="1" latinLnBrk="0" hangingPunct="1">
+              <a:lnSpc>
+                <a:spcPct val="90000"/>
+              </a:lnSpc>
+              <a:spcBef>
+                <a:spcPts val="500"/>
+              </a:spcBef>
+              <a:buFont typeface="Arial" panose="020B0604020202020204" pitchFamily="34" charset="0"/>
+              <a:buNone/>
+              <a:defRPr sz="1600" kern="1200">
+                <a:solidFill>
+                  <a:schemeClr val="bg1"/>
+                </a:solidFill>
+                <a:latin typeface="Corbel Light" panose="020B0303020204020204" pitchFamily="34" charset="0"/>
+                <a:ea typeface="+mn-ea"/>
+                <a:cs typeface="+mn-cs"/>
+              </a:defRPr>
+            </a:lvl5pPr>
+            <a:lvl6pPr marL="2286000" indent="0" algn="ctr" defTabSz="914400" rtl="0" eaLnBrk="1" latinLnBrk="0" hangingPunct="1">
+              <a:lnSpc>
+                <a:spcPct val="90000"/>
+              </a:lnSpc>
+              <a:spcBef>
+                <a:spcPts val="500"/>
+              </a:spcBef>
+              <a:buFont typeface="Arial" panose="020B0604020202020204" pitchFamily="34" charset="0"/>
+              <a:buNone/>
+              <a:defRPr sz="1600" kern="1200">
+                <a:solidFill>
+                  <a:schemeClr val="tx1"/>
+                </a:solidFill>
+                <a:latin typeface="+mn-lt"/>
+                <a:ea typeface="+mn-ea"/>
+                <a:cs typeface="+mn-cs"/>
+              </a:defRPr>
+            </a:lvl6pPr>
+            <a:lvl7pPr marL="2743200" indent="0" algn="ctr" defTabSz="914400" rtl="0" eaLnBrk="1" latinLnBrk="0" hangingPunct="1">
+              <a:lnSpc>
+                <a:spcPct val="90000"/>
+              </a:lnSpc>
+              <a:spcBef>
+                <a:spcPts val="500"/>
+              </a:spcBef>
+              <a:buFont typeface="Arial" panose="020B0604020202020204" pitchFamily="34" charset="0"/>
+              <a:buNone/>
+              <a:defRPr sz="1600" kern="1200">
+                <a:solidFill>
+                  <a:schemeClr val="tx1"/>
+                </a:solidFill>
+                <a:latin typeface="+mn-lt"/>
+                <a:ea typeface="+mn-ea"/>
+                <a:cs typeface="+mn-cs"/>
+              </a:defRPr>
+            </a:lvl7pPr>
+            <a:lvl8pPr marL="3200400" indent="0" algn="ctr" defTabSz="914400" rtl="0" eaLnBrk="1" latinLnBrk="0" hangingPunct="1">
+              <a:lnSpc>
+                <a:spcPct val="90000"/>
+              </a:lnSpc>
+              <a:spcBef>
+                <a:spcPts val="500"/>
+              </a:spcBef>
+              <a:buFont typeface="Arial" panose="020B0604020202020204" pitchFamily="34" charset="0"/>
+              <a:buNone/>
+              <a:defRPr sz="1600" kern="1200">
+                <a:solidFill>
+                  <a:schemeClr val="tx1"/>
+                </a:solidFill>
+                <a:latin typeface="+mn-lt"/>
+                <a:ea typeface="+mn-ea"/>
+                <a:cs typeface="+mn-cs"/>
+              </a:defRPr>
+            </a:lvl8pPr>
+            <a:lvl9pPr marL="3657600" indent="0" algn="ctr" defTabSz="914400" rtl="0" eaLnBrk="1" latinLnBrk="0" hangingPunct="1">
+              <a:lnSpc>
+                <a:spcPct val="90000"/>
+              </a:lnSpc>
+              <a:spcBef>
+                <a:spcPts val="500"/>
+              </a:spcBef>
+              <a:buFont typeface="Arial" panose="020B0604020202020204" pitchFamily="34" charset="0"/>
+              <a:buNone/>
+              <a:defRPr sz="1600" kern="1200">
+                <a:solidFill>
+                  <a:schemeClr val="tx1"/>
+                </a:solidFill>
+                <a:latin typeface="+mn-lt"/>
+                <a:ea typeface="+mn-ea"/>
+                <a:cs typeface="+mn-cs"/>
+              </a:defRPr>
+            </a:lvl9pPr>
+          </a:lstStyle>
+          <a:p>
+            <a:r>
+              <a:rPr lang="en-US" sz="5400" dirty="0"/>
+              <a:t>Image Compression</a:t>
+            </a:r>
+          </a:p>
+        </p:txBody>
+      </p:sp>
     </p:spTree>
     <p:extLst>
       <p:ext uri="{BB962C8B-B14F-4D97-AF65-F5344CB8AC3E}">
-        <p14:creationId xmlns:p14="http://schemas.microsoft.com/office/powerpoint/2010/main" val="3034328658"/>
+        <p14:creationId xmlns:p14="http://schemas.microsoft.com/office/powerpoint/2010/main" val="1475847183"/>
       </p:ext>
     </p:extLst>
   </p:cSld>
@@ -25376,245 +25723,6 @@
       </p:pic>
       <p:pic>
         <p:nvPicPr>
-          <p:cNvPr id="4" name="Picture 3">
-            <a:extLst>
-              <a:ext uri="{FF2B5EF4-FFF2-40B4-BE49-F238E27FC236}">
-                <a16:creationId xmlns:a16="http://schemas.microsoft.com/office/drawing/2014/main" id="{0F21890A-1A4A-3D38-03A1-466F6FC38507}"/>
-              </a:ext>
-            </a:extLst>
-          </p:cNvPr>
-          <p:cNvPicPr>
-            <a:picLocks noChangeAspect="1"/>
-          </p:cNvPicPr>
-          <p:nvPr/>
-        </p:nvPicPr>
-        <p:blipFill>
-          <a:blip r:embed="rId5"/>
-          <a:stretch>
-            <a:fillRect/>
-          </a:stretch>
-        </p:blipFill>
-        <p:spPr>
-          <a:xfrm>
-            <a:off x="-4764274" y="2058886"/>
-            <a:ext cx="4342228" cy="3641868"/>
-          </a:xfrm>
-          <a:prstGeom prst="rect">
-            <a:avLst/>
-          </a:prstGeom>
-          <a:ln>
-            <a:noFill/>
-          </a:ln>
-          <a:effectLst>
-            <a:outerShdw blurRad="292100" dist="139700" dir="2700000" algn="tl" rotWithShape="0">
-              <a:srgbClr val="333333">
-                <a:alpha val="65000"/>
-              </a:srgbClr>
-            </a:outerShdw>
-          </a:effectLst>
-        </p:spPr>
-      </p:pic>
-      <p:sp>
-        <p:nvSpPr>
-          <p:cNvPr id="5" name="Subtitle 2">
-            <a:extLst>
-              <a:ext uri="{FF2B5EF4-FFF2-40B4-BE49-F238E27FC236}">
-                <a16:creationId xmlns:a16="http://schemas.microsoft.com/office/drawing/2014/main" id="{85F2C99C-13B9-0E62-F968-423C22A54C59}"/>
-              </a:ext>
-            </a:extLst>
-          </p:cNvPr>
-          <p:cNvSpPr txBox="1">
-            <a:spLocks/>
-          </p:cNvSpPr>
-          <p:nvPr/>
-        </p:nvSpPr>
-        <p:spPr>
-          <a:xfrm>
-            <a:off x="-10306940" y="5900051"/>
-            <a:ext cx="9144000" cy="847990"/>
-          </a:xfrm>
-          <a:prstGeom prst="rect">
-            <a:avLst/>
-          </a:prstGeom>
-        </p:spPr>
-        <p:txBody>
-          <a:bodyPr vert="horz" lIns="91440" tIns="45720" rIns="91440" bIns="45720" rtlCol="0">
-            <a:normAutofit/>
-          </a:bodyPr>
-          <a:lstStyle>
-            <a:lvl1pPr marL="0" indent="0" algn="ctr" defTabSz="914400" rtl="0" eaLnBrk="1" latinLnBrk="0" hangingPunct="1">
-              <a:lnSpc>
-                <a:spcPct val="90000"/>
-              </a:lnSpc>
-              <a:spcBef>
-                <a:spcPts val="1000"/>
-              </a:spcBef>
-              <a:buFont typeface="Arial" panose="020B0604020202020204" pitchFamily="34" charset="0"/>
-              <a:buNone/>
-              <a:defRPr sz="2400" kern="1200">
-                <a:solidFill>
-                  <a:schemeClr val="bg1"/>
-                </a:solidFill>
-                <a:latin typeface="Corbel Light" panose="020B0303020204020204" pitchFamily="34" charset="0"/>
-                <a:ea typeface="+mn-ea"/>
-                <a:cs typeface="+mn-cs"/>
-              </a:defRPr>
-            </a:lvl1pPr>
-            <a:lvl2pPr marL="457200" indent="0" algn="ctr" defTabSz="914400" rtl="0" eaLnBrk="1" latinLnBrk="0" hangingPunct="1">
-              <a:lnSpc>
-                <a:spcPct val="90000"/>
-              </a:lnSpc>
-              <a:spcBef>
-                <a:spcPts val="500"/>
-              </a:spcBef>
-              <a:buFont typeface="Arial" panose="020B0604020202020204" pitchFamily="34" charset="0"/>
-              <a:buNone/>
-              <a:defRPr sz="2000" kern="1200">
-                <a:solidFill>
-                  <a:schemeClr val="bg1"/>
-                </a:solidFill>
-                <a:latin typeface="Corbel Light" panose="020B0303020204020204" pitchFamily="34" charset="0"/>
-                <a:ea typeface="+mn-ea"/>
-                <a:cs typeface="+mn-cs"/>
-              </a:defRPr>
-            </a:lvl2pPr>
-            <a:lvl3pPr marL="914400" indent="0" algn="ctr" defTabSz="914400" rtl="0" eaLnBrk="1" latinLnBrk="0" hangingPunct="1">
-              <a:lnSpc>
-                <a:spcPct val="90000"/>
-              </a:lnSpc>
-              <a:spcBef>
-                <a:spcPts val="500"/>
-              </a:spcBef>
-              <a:buFont typeface="Arial" panose="020B0604020202020204" pitchFamily="34" charset="0"/>
-              <a:buNone/>
-              <a:defRPr sz="1800" kern="1200">
-                <a:solidFill>
-                  <a:schemeClr val="bg1"/>
-                </a:solidFill>
-                <a:latin typeface="Corbel Light" panose="020B0303020204020204" pitchFamily="34" charset="0"/>
-                <a:ea typeface="+mn-ea"/>
-                <a:cs typeface="+mn-cs"/>
-              </a:defRPr>
-            </a:lvl3pPr>
-            <a:lvl4pPr marL="1371600" indent="0" algn="ctr" defTabSz="914400" rtl="0" eaLnBrk="1" latinLnBrk="0" hangingPunct="1">
-              <a:lnSpc>
-                <a:spcPct val="90000"/>
-              </a:lnSpc>
-              <a:spcBef>
-                <a:spcPts val="500"/>
-              </a:spcBef>
-              <a:buFont typeface="Arial" panose="020B0604020202020204" pitchFamily="34" charset="0"/>
-              <a:buNone/>
-              <a:defRPr sz="1600" kern="1200">
-                <a:solidFill>
-                  <a:schemeClr val="bg1"/>
-                </a:solidFill>
-                <a:latin typeface="Corbel Light" panose="020B0303020204020204" pitchFamily="34" charset="0"/>
-                <a:ea typeface="+mn-ea"/>
-                <a:cs typeface="+mn-cs"/>
-              </a:defRPr>
-            </a:lvl4pPr>
-            <a:lvl5pPr marL="1828800" indent="0" algn="ctr" defTabSz="914400" rtl="0" eaLnBrk="1" latinLnBrk="0" hangingPunct="1">
-              <a:lnSpc>
-                <a:spcPct val="90000"/>
-              </a:lnSpc>
-              <a:spcBef>
-                <a:spcPts val="500"/>
-              </a:spcBef>
-              <a:buFont typeface="Arial" panose="020B0604020202020204" pitchFamily="34" charset="0"/>
-              <a:buNone/>
-              <a:defRPr sz="1600" kern="1200">
-                <a:solidFill>
-                  <a:schemeClr val="bg1"/>
-                </a:solidFill>
-                <a:latin typeface="Corbel Light" panose="020B0303020204020204" pitchFamily="34" charset="0"/>
-                <a:ea typeface="+mn-ea"/>
-                <a:cs typeface="+mn-cs"/>
-              </a:defRPr>
-            </a:lvl5pPr>
-            <a:lvl6pPr marL="2286000" indent="0" algn="ctr" defTabSz="914400" rtl="0" eaLnBrk="1" latinLnBrk="0" hangingPunct="1">
-              <a:lnSpc>
-                <a:spcPct val="90000"/>
-              </a:lnSpc>
-              <a:spcBef>
-                <a:spcPts val="500"/>
-              </a:spcBef>
-              <a:buFont typeface="Arial" panose="020B0604020202020204" pitchFamily="34" charset="0"/>
-              <a:buNone/>
-              <a:defRPr sz="1600" kern="1200">
-                <a:solidFill>
-                  <a:schemeClr val="tx1"/>
-                </a:solidFill>
-                <a:latin typeface="+mn-lt"/>
-                <a:ea typeface="+mn-ea"/>
-                <a:cs typeface="+mn-cs"/>
-              </a:defRPr>
-            </a:lvl6pPr>
-            <a:lvl7pPr marL="2743200" indent="0" algn="ctr" defTabSz="914400" rtl="0" eaLnBrk="1" latinLnBrk="0" hangingPunct="1">
-              <a:lnSpc>
-                <a:spcPct val="90000"/>
-              </a:lnSpc>
-              <a:spcBef>
-                <a:spcPts val="500"/>
-              </a:spcBef>
-              <a:buFont typeface="Arial" panose="020B0604020202020204" pitchFamily="34" charset="0"/>
-              <a:buNone/>
-              <a:defRPr sz="1600" kern="1200">
-                <a:solidFill>
-                  <a:schemeClr val="tx1"/>
-                </a:solidFill>
-                <a:latin typeface="+mn-lt"/>
-                <a:ea typeface="+mn-ea"/>
-                <a:cs typeface="+mn-cs"/>
-              </a:defRPr>
-            </a:lvl7pPr>
-            <a:lvl8pPr marL="3200400" indent="0" algn="ctr" defTabSz="914400" rtl="0" eaLnBrk="1" latinLnBrk="0" hangingPunct="1">
-              <a:lnSpc>
-                <a:spcPct val="90000"/>
-              </a:lnSpc>
-              <a:spcBef>
-                <a:spcPts val="500"/>
-              </a:spcBef>
-              <a:buFont typeface="Arial" panose="020B0604020202020204" pitchFamily="34" charset="0"/>
-              <a:buNone/>
-              <a:defRPr sz="1600" kern="1200">
-                <a:solidFill>
-                  <a:schemeClr val="tx1"/>
-                </a:solidFill>
-                <a:latin typeface="+mn-lt"/>
-                <a:ea typeface="+mn-ea"/>
-                <a:cs typeface="+mn-cs"/>
-              </a:defRPr>
-            </a:lvl8pPr>
-            <a:lvl9pPr marL="3657600" indent="0" algn="ctr" defTabSz="914400" rtl="0" eaLnBrk="1" latinLnBrk="0" hangingPunct="1">
-              <a:lnSpc>
-                <a:spcPct val="90000"/>
-              </a:lnSpc>
-              <a:spcBef>
-                <a:spcPts val="500"/>
-              </a:spcBef>
-              <a:buFont typeface="Arial" panose="020B0604020202020204" pitchFamily="34" charset="0"/>
-              <a:buNone/>
-              <a:defRPr sz="1600" kern="1200">
-                <a:solidFill>
-                  <a:schemeClr val="tx1"/>
-                </a:solidFill>
-                <a:latin typeface="+mn-lt"/>
-                <a:ea typeface="+mn-ea"/>
-                <a:cs typeface="+mn-cs"/>
-              </a:defRPr>
-            </a:lvl9pPr>
-          </a:lstStyle>
-          <a:p>
-            <a:r>
-              <a:rPr lang="en-US" sz="5400" dirty="0"/>
-              <a:t>ANSYS Mesh</a:t>
-            </a:r>
-          </a:p>
-        </p:txBody>
-      </p:sp>
-      <p:pic>
-        <p:nvPicPr>
           <p:cNvPr id="8" name="Picture 2" descr="Roofline Performance Model - NERSC Documentation">
             <a:extLst>
               <a:ext uri="{FF2B5EF4-FFF2-40B4-BE49-F238E27FC236}">
@@ -25628,7 +25736,7 @@
           <p:nvPr/>
         </p:nvPicPr>
         <p:blipFill>
-          <a:blip r:embed="rId6">
+          <a:blip r:embed="rId5">
             <a:extLst>
               <a:ext uri="{28A0092B-C50C-407E-A947-70E740481C1C}">
                 <a14:useLocalDpi xmlns:a14="http://schemas.microsoft.com/office/drawing/2010/main" val="0"/>
@@ -25642,7 +25750,7 @@
         </p:blipFill>
         <p:spPr bwMode="auto">
           <a:xfrm>
-            <a:off x="3715072" y="2058886"/>
+            <a:off x="-4936566" y="2058886"/>
             <a:ext cx="4761856" cy="3641868"/>
           </a:xfrm>
           <a:prstGeom prst="rect">
@@ -25685,7 +25793,7 @@
         </p:nvSpPr>
         <p:spPr>
           <a:xfrm>
-            <a:off x="1463040" y="5911774"/>
+            <a:off x="-11104114" y="5911774"/>
             <a:ext cx="9144000" cy="847990"/>
           </a:xfrm>
           <a:prstGeom prst="rect">
@@ -25876,10 +25984,10 @@
       </p:sp>
       <p:pic>
         <p:nvPicPr>
-          <p:cNvPr id="10" name="Picture 9">
+          <p:cNvPr id="2" name="Picture 1">
             <a:extLst>
               <a:ext uri="{FF2B5EF4-FFF2-40B4-BE49-F238E27FC236}">
-                <a16:creationId xmlns:a16="http://schemas.microsoft.com/office/drawing/2014/main" id="{B3534E13-310D-B823-80F4-CB81722D6BE3}"/>
+                <a16:creationId xmlns:a16="http://schemas.microsoft.com/office/drawing/2014/main" id="{661243E7-62C9-7A93-C7A3-EAB810DD1E37}"/>
               </a:ext>
             </a:extLst>
           </p:cNvPr>
@@ -25889,14 +25997,14 @@
           <p:nvPr/>
         </p:nvPicPr>
         <p:blipFill>
-          <a:blip r:embed="rId7"/>
+          <a:blip r:embed="rId6"/>
           <a:stretch>
             <a:fillRect/>
           </a:stretch>
         </p:blipFill>
         <p:spPr>
           <a:xfrm>
-            <a:off x="12364210" y="1965102"/>
+            <a:off x="2891952" y="2058886"/>
             <a:ext cx="6286176" cy="3711274"/>
           </a:xfrm>
           <a:prstGeom prst="rect">
@@ -25916,10 +26024,10 @@
       </p:pic>
       <p:sp>
         <p:nvSpPr>
-          <p:cNvPr id="11" name="Subtitle 2">
+          <p:cNvPr id="3" name="Subtitle 2">
             <a:extLst>
               <a:ext uri="{FF2B5EF4-FFF2-40B4-BE49-F238E27FC236}">
-                <a16:creationId xmlns:a16="http://schemas.microsoft.com/office/drawing/2014/main" id="{FC61AB94-0F47-7AB9-E938-672D160A87F0}"/>
+                <a16:creationId xmlns:a16="http://schemas.microsoft.com/office/drawing/2014/main" id="{C742DC41-3024-C608-9E4A-6EE52C2E0154}"/>
               </a:ext>
             </a:extLst>
           </p:cNvPr>
@@ -25930,7 +26038,7 @@
         </p:nvSpPr>
         <p:spPr>
           <a:xfrm>
-            <a:off x="15357242" y="5817990"/>
+            <a:off x="1524000" y="5911774"/>
             <a:ext cx="9144000" cy="847990"/>
           </a:xfrm>
           <a:prstGeom prst="rect">
@@ -26113,10 +26221,76 @@
           </a:p>
         </p:txBody>
       </p:sp>
+      <p:sp>
+        <p:nvSpPr>
+          <p:cNvPr id="4" name="Title 1">
+            <a:extLst>
+              <a:ext uri="{FF2B5EF4-FFF2-40B4-BE49-F238E27FC236}">
+                <a16:creationId xmlns:a16="http://schemas.microsoft.com/office/drawing/2014/main" id="{4CF1FA47-8DA6-4C1C-EE6B-A02155CEC919}"/>
+              </a:ext>
+            </a:extLst>
+          </p:cNvPr>
+          <p:cNvSpPr>
+            <a:spLocks noGrp="1"/>
+          </p:cNvSpPr>
+          <p:nvPr>
+            <p:ph type="ctrTitle"/>
+          </p:nvPr>
+        </p:nvSpPr>
+        <p:spPr>
+          <a:xfrm>
+            <a:off x="12588240" y="1076643"/>
+            <a:ext cx="9144000" cy="2387600"/>
+          </a:xfrm>
+        </p:spPr>
+        <p:txBody>
+          <a:bodyPr/>
+          <a:lstStyle/>
+          <a:p>
+            <a:r>
+              <a:rPr lang="en-US" dirty="0"/>
+              <a:t>Under The Hood</a:t>
+            </a:r>
+          </a:p>
+        </p:txBody>
+      </p:sp>
+      <p:sp>
+        <p:nvSpPr>
+          <p:cNvPr id="5" name="Subtitle 2">
+            <a:extLst>
+              <a:ext uri="{FF2B5EF4-FFF2-40B4-BE49-F238E27FC236}">
+                <a16:creationId xmlns:a16="http://schemas.microsoft.com/office/drawing/2014/main" id="{677854EE-DBE1-9DE6-D90C-9F36F15B005D}"/>
+              </a:ext>
+            </a:extLst>
+          </p:cNvPr>
+          <p:cNvSpPr>
+            <a:spLocks noGrp="1"/>
+          </p:cNvSpPr>
+          <p:nvPr>
+            <p:ph type="subTitle" idx="1"/>
+          </p:nvPr>
+        </p:nvSpPr>
+        <p:spPr>
+          <a:xfrm>
+            <a:off x="15143869" y="3556318"/>
+            <a:ext cx="9144000" cy="1655762"/>
+          </a:xfrm>
+        </p:spPr>
+        <p:txBody>
+          <a:bodyPr/>
+          <a:lstStyle/>
+          <a:p>
+            <a:r>
+              <a:rPr lang="en-US" dirty="0"/>
+              <a:t>How Does Approximate Computing Generally Work?</a:t>
+            </a:r>
+          </a:p>
+        </p:txBody>
+      </p:sp>
     </p:spTree>
     <p:extLst>
       <p:ext uri="{BB962C8B-B14F-4D97-AF65-F5344CB8AC3E}">
-        <p14:creationId xmlns:p14="http://schemas.microsoft.com/office/powerpoint/2010/main" val="1475847183"/>
+        <p14:creationId xmlns:p14="http://schemas.microsoft.com/office/powerpoint/2010/main" val="4015902060"/>
       </p:ext>
     </p:extLst>
   </p:cSld>
@@ -26171,7 +26345,7 @@
         </p:nvSpPr>
         <p:spPr>
           <a:xfrm>
-            <a:off x="777240" y="319405"/>
+            <a:off x="-11696121" y="295959"/>
             <a:ext cx="10515600" cy="1325563"/>
           </a:xfrm>
           <a:prstGeom prst="rect">
@@ -26212,10 +26386,10 @@
       </p:sp>
       <p:pic>
         <p:nvPicPr>
-          <p:cNvPr id="16" name="Graphic 15">
+          <p:cNvPr id="2" name="Picture 1">
             <a:extLst>
               <a:ext uri="{FF2B5EF4-FFF2-40B4-BE49-F238E27FC236}">
-                <a16:creationId xmlns:a16="http://schemas.microsoft.com/office/drawing/2014/main" id="{2AD609F6-EB01-DC12-2F46-3229B76C2AE0}"/>
+                <a16:creationId xmlns:a16="http://schemas.microsoft.com/office/drawing/2014/main" id="{661243E7-62C9-7A93-C7A3-EAB810DD1E37}"/>
               </a:ext>
             </a:extLst>
           </p:cNvPr>
@@ -26225,347 +26399,14 @@
           <p:nvPr/>
         </p:nvPicPr>
         <p:blipFill>
-          <a:blip r:embed="rId3">
-            <a:extLst>
-              <a:ext uri="{96DAC541-7B7A-43D3-8B79-37D633B846F1}">
-                <asvg:svgBlip xmlns:asvg="http://schemas.microsoft.com/office/drawing/2016/SVG/main" r:embed="rId4"/>
-              </a:ext>
-            </a:extLst>
-          </a:blip>
+          <a:blip r:embed="rId3"/>
           <a:stretch>
             <a:fillRect/>
           </a:stretch>
         </p:blipFill>
         <p:spPr>
           <a:xfrm>
-            <a:off x="378408" y="574040"/>
-            <a:ext cx="462384" cy="462384"/>
-          </a:xfrm>
-          <a:prstGeom prst="rect">
-            <a:avLst/>
-          </a:prstGeom>
-        </p:spPr>
-      </p:pic>
-      <p:pic>
-        <p:nvPicPr>
-          <p:cNvPr id="17" name="Graphic 16">
-            <a:extLst>
-              <a:ext uri="{FF2B5EF4-FFF2-40B4-BE49-F238E27FC236}">
-                <a16:creationId xmlns:a16="http://schemas.microsoft.com/office/drawing/2014/main" id="{F53743CF-1FDE-5875-0A22-D959549BC89F}"/>
-              </a:ext>
-            </a:extLst>
-          </p:cNvPr>
-          <p:cNvPicPr>
-            <a:picLocks noChangeAspect="1"/>
-          </p:cNvPicPr>
-          <p:nvPr/>
-        </p:nvPicPr>
-        <p:blipFill>
-          <a:blip r:embed="rId3">
-            <a:extLst>
-              <a:ext uri="{96DAC541-7B7A-43D3-8B79-37D633B846F1}">
-                <asvg:svgBlip xmlns:asvg="http://schemas.microsoft.com/office/drawing/2016/SVG/main" r:embed="rId4"/>
-              </a:ext>
-            </a:extLst>
-          </a:blip>
-          <a:stretch>
-            <a:fillRect/>
-          </a:stretch>
-        </p:blipFill>
-        <p:spPr>
-          <a:xfrm flipH="1" flipV="1">
-            <a:off x="7397004" y="1284241"/>
-            <a:ext cx="462384" cy="462384"/>
-          </a:xfrm>
-          <a:prstGeom prst="rect">
-            <a:avLst/>
-          </a:prstGeom>
-        </p:spPr>
-      </p:pic>
-      <p:pic>
-        <p:nvPicPr>
-          <p:cNvPr id="8" name="Picture 2" descr="Roofline Performance Model - NERSC Documentation">
-            <a:extLst>
-              <a:ext uri="{FF2B5EF4-FFF2-40B4-BE49-F238E27FC236}">
-                <a16:creationId xmlns:a16="http://schemas.microsoft.com/office/drawing/2014/main" id="{CE96242E-9C11-2178-0C8D-3AE030A73E4B}"/>
-              </a:ext>
-            </a:extLst>
-          </p:cNvPr>
-          <p:cNvPicPr>
-            <a:picLocks noChangeAspect="1" noChangeArrowheads="1"/>
-          </p:cNvPicPr>
-          <p:nvPr/>
-        </p:nvPicPr>
-        <p:blipFill>
-          <a:blip r:embed="rId5">
-            <a:extLst>
-              <a:ext uri="{28A0092B-C50C-407E-A947-70E740481C1C}">
-                <a14:useLocalDpi xmlns:a14="http://schemas.microsoft.com/office/drawing/2010/main" val="0"/>
-              </a:ext>
-            </a:extLst>
-          </a:blip>
-          <a:srcRect/>
-          <a:stretch>
-            <a:fillRect/>
-          </a:stretch>
-        </p:blipFill>
-        <p:spPr bwMode="auto">
-          <a:xfrm>
-            <a:off x="-4936566" y="2058886"/>
-            <a:ext cx="4761856" cy="3641868"/>
-          </a:xfrm>
-          <a:prstGeom prst="rect">
-            <a:avLst/>
-          </a:prstGeom>
-          <a:ln>
-            <a:noFill/>
-          </a:ln>
-          <a:effectLst>
-            <a:outerShdw blurRad="292100" dist="139700" dir="2700000" algn="tl" rotWithShape="0">
-              <a:srgbClr val="333333">
-                <a:alpha val="65000"/>
-              </a:srgbClr>
-            </a:outerShdw>
-          </a:effectLst>
-          <a:extLst>
-            <a:ext uri="{909E8E84-426E-40DD-AFC4-6F175D3DCCD1}">
-              <a14:hiddenFill xmlns:a14="http://schemas.microsoft.com/office/drawing/2010/main">
-                <a:solidFill>
-                  <a:srgbClr val="FFFFFF"/>
-                </a:solidFill>
-              </a14:hiddenFill>
-            </a:ext>
-          </a:extLst>
-        </p:spPr>
-      </p:pic>
-      <p:sp>
-        <p:nvSpPr>
-          <p:cNvPr id="9" name="Subtitle 2">
-            <a:extLst>
-              <a:ext uri="{FF2B5EF4-FFF2-40B4-BE49-F238E27FC236}">
-                <a16:creationId xmlns:a16="http://schemas.microsoft.com/office/drawing/2014/main" id="{4FD6CBD0-5D9E-A56B-17DF-AADD3AEA6B93}"/>
-              </a:ext>
-            </a:extLst>
-          </p:cNvPr>
-          <p:cNvSpPr txBox="1">
-            <a:spLocks/>
-          </p:cNvSpPr>
-          <p:nvPr/>
-        </p:nvSpPr>
-        <p:spPr>
-          <a:xfrm>
-            <a:off x="-11104114" y="5911774"/>
-            <a:ext cx="9144000" cy="847990"/>
-          </a:xfrm>
-          <a:prstGeom prst="rect">
-            <a:avLst/>
-          </a:prstGeom>
-        </p:spPr>
-        <p:txBody>
-          <a:bodyPr vert="horz" lIns="91440" tIns="45720" rIns="91440" bIns="45720" rtlCol="0">
-            <a:normAutofit fontScale="47500" lnSpcReduction="20000"/>
-          </a:bodyPr>
-          <a:lstStyle>
-            <a:lvl1pPr marL="0" indent="0" algn="ctr" defTabSz="914400" rtl="0" eaLnBrk="1" latinLnBrk="0" hangingPunct="1">
-              <a:lnSpc>
-                <a:spcPct val="90000"/>
-              </a:lnSpc>
-              <a:spcBef>
-                <a:spcPts val="1000"/>
-              </a:spcBef>
-              <a:buFont typeface="Arial" panose="020B0604020202020204" pitchFamily="34" charset="0"/>
-              <a:buNone/>
-              <a:defRPr sz="2400" kern="1200">
-                <a:solidFill>
-                  <a:schemeClr val="bg1"/>
-                </a:solidFill>
-                <a:latin typeface="Corbel Light" panose="020B0303020204020204" pitchFamily="34" charset="0"/>
-                <a:ea typeface="+mn-ea"/>
-                <a:cs typeface="+mn-cs"/>
-              </a:defRPr>
-            </a:lvl1pPr>
-            <a:lvl2pPr marL="457200" indent="0" algn="ctr" defTabSz="914400" rtl="0" eaLnBrk="1" latinLnBrk="0" hangingPunct="1">
-              <a:lnSpc>
-                <a:spcPct val="90000"/>
-              </a:lnSpc>
-              <a:spcBef>
-                <a:spcPts val="500"/>
-              </a:spcBef>
-              <a:buFont typeface="Arial" panose="020B0604020202020204" pitchFamily="34" charset="0"/>
-              <a:buNone/>
-              <a:defRPr sz="2000" kern="1200">
-                <a:solidFill>
-                  <a:schemeClr val="bg1"/>
-                </a:solidFill>
-                <a:latin typeface="Corbel Light" panose="020B0303020204020204" pitchFamily="34" charset="0"/>
-                <a:ea typeface="+mn-ea"/>
-                <a:cs typeface="+mn-cs"/>
-              </a:defRPr>
-            </a:lvl2pPr>
-            <a:lvl3pPr marL="914400" indent="0" algn="ctr" defTabSz="914400" rtl="0" eaLnBrk="1" latinLnBrk="0" hangingPunct="1">
-              <a:lnSpc>
-                <a:spcPct val="90000"/>
-              </a:lnSpc>
-              <a:spcBef>
-                <a:spcPts val="500"/>
-              </a:spcBef>
-              <a:buFont typeface="Arial" panose="020B0604020202020204" pitchFamily="34" charset="0"/>
-              <a:buNone/>
-              <a:defRPr sz="1800" kern="1200">
-                <a:solidFill>
-                  <a:schemeClr val="bg1"/>
-                </a:solidFill>
-                <a:latin typeface="Corbel Light" panose="020B0303020204020204" pitchFamily="34" charset="0"/>
-                <a:ea typeface="+mn-ea"/>
-                <a:cs typeface="+mn-cs"/>
-              </a:defRPr>
-            </a:lvl3pPr>
-            <a:lvl4pPr marL="1371600" indent="0" algn="ctr" defTabSz="914400" rtl="0" eaLnBrk="1" latinLnBrk="0" hangingPunct="1">
-              <a:lnSpc>
-                <a:spcPct val="90000"/>
-              </a:lnSpc>
-              <a:spcBef>
-                <a:spcPts val="500"/>
-              </a:spcBef>
-              <a:buFont typeface="Arial" panose="020B0604020202020204" pitchFamily="34" charset="0"/>
-              <a:buNone/>
-              <a:defRPr sz="1600" kern="1200">
-                <a:solidFill>
-                  <a:schemeClr val="bg1"/>
-                </a:solidFill>
-                <a:latin typeface="Corbel Light" panose="020B0303020204020204" pitchFamily="34" charset="0"/>
-                <a:ea typeface="+mn-ea"/>
-                <a:cs typeface="+mn-cs"/>
-              </a:defRPr>
-            </a:lvl4pPr>
-            <a:lvl5pPr marL="1828800" indent="0" algn="ctr" defTabSz="914400" rtl="0" eaLnBrk="1" latinLnBrk="0" hangingPunct="1">
-              <a:lnSpc>
-                <a:spcPct val="90000"/>
-              </a:lnSpc>
-              <a:spcBef>
-                <a:spcPts val="500"/>
-              </a:spcBef>
-              <a:buFont typeface="Arial" panose="020B0604020202020204" pitchFamily="34" charset="0"/>
-              <a:buNone/>
-              <a:defRPr sz="1600" kern="1200">
-                <a:solidFill>
-                  <a:schemeClr val="bg1"/>
-                </a:solidFill>
-                <a:latin typeface="Corbel Light" panose="020B0303020204020204" pitchFamily="34" charset="0"/>
-                <a:ea typeface="+mn-ea"/>
-                <a:cs typeface="+mn-cs"/>
-              </a:defRPr>
-            </a:lvl5pPr>
-            <a:lvl6pPr marL="2286000" indent="0" algn="ctr" defTabSz="914400" rtl="0" eaLnBrk="1" latinLnBrk="0" hangingPunct="1">
-              <a:lnSpc>
-                <a:spcPct val="90000"/>
-              </a:lnSpc>
-              <a:spcBef>
-                <a:spcPts val="500"/>
-              </a:spcBef>
-              <a:buFont typeface="Arial" panose="020B0604020202020204" pitchFamily="34" charset="0"/>
-              <a:buNone/>
-              <a:defRPr sz="1600" kern="1200">
-                <a:solidFill>
-                  <a:schemeClr val="tx1"/>
-                </a:solidFill>
-                <a:latin typeface="+mn-lt"/>
-                <a:ea typeface="+mn-ea"/>
-                <a:cs typeface="+mn-cs"/>
-              </a:defRPr>
-            </a:lvl6pPr>
-            <a:lvl7pPr marL="2743200" indent="0" algn="ctr" defTabSz="914400" rtl="0" eaLnBrk="1" latinLnBrk="0" hangingPunct="1">
-              <a:lnSpc>
-                <a:spcPct val="90000"/>
-              </a:lnSpc>
-              <a:spcBef>
-                <a:spcPts val="500"/>
-              </a:spcBef>
-              <a:buFont typeface="Arial" panose="020B0604020202020204" pitchFamily="34" charset="0"/>
-              <a:buNone/>
-              <a:defRPr sz="1600" kern="1200">
-                <a:solidFill>
-                  <a:schemeClr val="tx1"/>
-                </a:solidFill>
-                <a:latin typeface="+mn-lt"/>
-                <a:ea typeface="+mn-ea"/>
-                <a:cs typeface="+mn-cs"/>
-              </a:defRPr>
-            </a:lvl7pPr>
-            <a:lvl8pPr marL="3200400" indent="0" algn="ctr" defTabSz="914400" rtl="0" eaLnBrk="1" latinLnBrk="0" hangingPunct="1">
-              <a:lnSpc>
-                <a:spcPct val="90000"/>
-              </a:lnSpc>
-              <a:spcBef>
-                <a:spcPts val="500"/>
-              </a:spcBef>
-              <a:buFont typeface="Arial" panose="020B0604020202020204" pitchFamily="34" charset="0"/>
-              <a:buNone/>
-              <a:defRPr sz="1600" kern="1200">
-                <a:solidFill>
-                  <a:schemeClr val="tx1"/>
-                </a:solidFill>
-                <a:latin typeface="+mn-lt"/>
-                <a:ea typeface="+mn-ea"/>
-                <a:cs typeface="+mn-cs"/>
-              </a:defRPr>
-            </a:lvl8pPr>
-            <a:lvl9pPr marL="3657600" indent="0" algn="ctr" defTabSz="914400" rtl="0" eaLnBrk="1" latinLnBrk="0" hangingPunct="1">
-              <a:lnSpc>
-                <a:spcPct val="90000"/>
-              </a:lnSpc>
-              <a:spcBef>
-                <a:spcPts val="500"/>
-              </a:spcBef>
-              <a:buFont typeface="Arial" panose="020B0604020202020204" pitchFamily="34" charset="0"/>
-              <a:buNone/>
-              <a:defRPr sz="1600" kern="1200">
-                <a:solidFill>
-                  <a:schemeClr val="tx1"/>
-                </a:solidFill>
-                <a:latin typeface="+mn-lt"/>
-                <a:ea typeface="+mn-ea"/>
-                <a:cs typeface="+mn-cs"/>
-              </a:defRPr>
-            </a:lvl9pPr>
-          </a:lstStyle>
-          <a:p>
-            <a:r>
-              <a:rPr lang="en-US" sz="5400" dirty="0"/>
-              <a:t>Single v. Double Precision GPU Computation</a:t>
-            </a:r>
-          </a:p>
-          <a:p>
-            <a:r>
-              <a:rPr lang="en-US" sz="5400" dirty="0"/>
-              <a:t>With Roofline Graph</a:t>
-            </a:r>
-          </a:p>
-        </p:txBody>
-      </p:sp>
-      <p:pic>
-        <p:nvPicPr>
-          <p:cNvPr id="2" name="Picture 1">
-            <a:extLst>
-              <a:ext uri="{FF2B5EF4-FFF2-40B4-BE49-F238E27FC236}">
-                <a16:creationId xmlns:a16="http://schemas.microsoft.com/office/drawing/2014/main" id="{661243E7-62C9-7A93-C7A3-EAB810DD1E37}"/>
-              </a:ext>
-            </a:extLst>
-          </p:cNvPr>
-          <p:cNvPicPr>
-            <a:picLocks noChangeAspect="1"/>
-          </p:cNvPicPr>
-          <p:nvPr/>
-        </p:nvPicPr>
-        <p:blipFill>
-          <a:blip r:embed="rId6"/>
-          <a:stretch>
-            <a:fillRect/>
-          </a:stretch>
-        </p:blipFill>
-        <p:spPr>
-          <a:xfrm>
-            <a:off x="2891952" y="2058886"/>
+            <a:off x="-6580304" y="2035440"/>
             <a:ext cx="6286176" cy="3711274"/>
           </a:xfrm>
           <a:prstGeom prst="rect">
@@ -26599,7 +26440,7 @@
         </p:nvSpPr>
         <p:spPr>
           <a:xfrm>
-            <a:off x="1524000" y="5911774"/>
+            <a:off x="-9120562" y="5888328"/>
             <a:ext cx="9144000" cy="847990"/>
           </a:xfrm>
           <a:prstGeom prst="rect">
@@ -26787,7 +26628,7 @@
           <p:cNvPr id="4" name="Title 1">
             <a:extLst>
               <a:ext uri="{FF2B5EF4-FFF2-40B4-BE49-F238E27FC236}">
-                <a16:creationId xmlns:a16="http://schemas.microsoft.com/office/drawing/2014/main" id="{4CF1FA47-8DA6-4C1C-EE6B-A02155CEC919}"/>
+                <a16:creationId xmlns:a16="http://schemas.microsoft.com/office/drawing/2014/main" id="{0CE0200A-D89C-BBBA-7DA7-11282DCE5A0F}"/>
               </a:ext>
             </a:extLst>
           </p:cNvPr>
@@ -26800,7 +26641,7 @@
         </p:nvSpPr>
         <p:spPr>
           <a:xfrm>
-            <a:off x="12588240" y="1076643"/>
+            <a:off x="1524000" y="1122363"/>
             <a:ext cx="9144000" cy="2387600"/>
           </a:xfrm>
         </p:spPr>
@@ -26820,7 +26661,7 @@
           <p:cNvPr id="5" name="Subtitle 2">
             <a:extLst>
               <a:ext uri="{FF2B5EF4-FFF2-40B4-BE49-F238E27FC236}">
-                <a16:creationId xmlns:a16="http://schemas.microsoft.com/office/drawing/2014/main" id="{677854EE-DBE1-9DE6-D90C-9F36F15B005D}"/>
+                <a16:creationId xmlns:a16="http://schemas.microsoft.com/office/drawing/2014/main" id="{1D7DD194-22C1-2F9A-4D8D-FD5367BA5FAB}"/>
               </a:ext>
             </a:extLst>
           </p:cNvPr>
@@ -26833,7 +26674,7 @@
         </p:nvSpPr>
         <p:spPr>
           <a:xfrm>
-            <a:off x="15143869" y="3556318"/>
+            <a:off x="1524000" y="3602038"/>
             <a:ext cx="9144000" cy="1655762"/>
           </a:xfrm>
         </p:spPr>
@@ -26848,10 +26689,944 @@
           </a:p>
         </p:txBody>
       </p:sp>
+      <p:sp>
+        <p:nvSpPr>
+          <p:cNvPr id="6" name="Title 1">
+            <a:extLst>
+              <a:ext uri="{FF2B5EF4-FFF2-40B4-BE49-F238E27FC236}">
+                <a16:creationId xmlns:a16="http://schemas.microsoft.com/office/drawing/2014/main" id="{F9B00465-4996-C2AC-776B-9BA65D491B19}"/>
+              </a:ext>
+            </a:extLst>
+          </p:cNvPr>
+          <p:cNvSpPr txBox="1">
+            <a:spLocks/>
+          </p:cNvSpPr>
+          <p:nvPr/>
+        </p:nvSpPr>
+        <p:spPr>
+          <a:xfrm>
+            <a:off x="838200" y="7891343"/>
+            <a:ext cx="10515600" cy="1325563"/>
+          </a:xfrm>
+          <a:prstGeom prst="rect">
+            <a:avLst/>
+          </a:prstGeom>
+        </p:spPr>
+        <p:txBody>
+          <a:bodyPr vert="horz" lIns="91440" tIns="45720" rIns="91440" bIns="45720" rtlCol="0" anchor="b">
+            <a:normAutofit/>
+          </a:bodyPr>
+          <a:lstStyle>
+            <a:lvl1pPr algn="ctr" defTabSz="914400" rtl="0" eaLnBrk="1" latinLnBrk="0" hangingPunct="1">
+              <a:lnSpc>
+                <a:spcPct val="90000"/>
+              </a:lnSpc>
+              <a:spcBef>
+                <a:spcPct val="0"/>
+              </a:spcBef>
+              <a:buNone/>
+              <a:defRPr sz="6000" b="0" kern="1200">
+                <a:solidFill>
+                  <a:schemeClr val="bg1"/>
+                </a:solidFill>
+                <a:latin typeface="DengXian" panose="02010600030101010101" pitchFamily="2" charset="-122"/>
+                <a:ea typeface="DengXian" panose="02010600030101010101" pitchFamily="2" charset="-122"/>
+                <a:cs typeface="Calibri Light" panose="020F0302020204030204" pitchFamily="34" charset="0"/>
+              </a:defRPr>
+            </a:lvl1pPr>
+          </a:lstStyle>
+          <a:p>
+            <a:pPr algn="l"/>
+            <a:r>
+              <a:rPr lang="en-US" b="1" dirty="0"/>
+              <a:t>General Steps</a:t>
+            </a:r>
+          </a:p>
+        </p:txBody>
+      </p:sp>
+      <p:sp>
+        <p:nvSpPr>
+          <p:cNvPr id="7" name="Content Placeholder 2">
+            <a:extLst>
+              <a:ext uri="{FF2B5EF4-FFF2-40B4-BE49-F238E27FC236}">
+                <a16:creationId xmlns:a16="http://schemas.microsoft.com/office/drawing/2014/main" id="{0C4707DC-AB32-4842-E07D-F970B344BC85}"/>
+              </a:ext>
+            </a:extLst>
+          </p:cNvPr>
+          <p:cNvSpPr txBox="1">
+            <a:spLocks/>
+          </p:cNvSpPr>
+          <p:nvPr/>
+        </p:nvSpPr>
+        <p:spPr>
+          <a:xfrm>
+            <a:off x="838200" y="9830277"/>
+            <a:ext cx="10515600" cy="563348"/>
+          </a:xfrm>
+          <a:prstGeom prst="rect">
+            <a:avLst/>
+          </a:prstGeom>
+        </p:spPr>
+        <p:txBody>
+          <a:bodyPr vert="horz" lIns="91440" tIns="45720" rIns="91440" bIns="45720" rtlCol="0">
+            <a:normAutofit lnSpcReduction="10000"/>
+          </a:bodyPr>
+          <a:lstStyle>
+            <a:lvl1pPr marL="0" indent="0" algn="ctr" defTabSz="914400" rtl="0" eaLnBrk="1" latinLnBrk="0" hangingPunct="1">
+              <a:lnSpc>
+                <a:spcPct val="90000"/>
+              </a:lnSpc>
+              <a:spcBef>
+                <a:spcPts val="1000"/>
+              </a:spcBef>
+              <a:buFont typeface="Arial" panose="020B0604020202020204" pitchFamily="34" charset="0"/>
+              <a:buNone/>
+              <a:defRPr sz="2400" kern="1200">
+                <a:solidFill>
+                  <a:schemeClr val="bg1"/>
+                </a:solidFill>
+                <a:latin typeface="Corbel Light" panose="020B0303020204020204" pitchFamily="34" charset="0"/>
+                <a:ea typeface="+mn-ea"/>
+                <a:cs typeface="+mn-cs"/>
+              </a:defRPr>
+            </a:lvl1pPr>
+            <a:lvl2pPr marL="457200" indent="0" algn="ctr" defTabSz="914400" rtl="0" eaLnBrk="1" latinLnBrk="0" hangingPunct="1">
+              <a:lnSpc>
+                <a:spcPct val="90000"/>
+              </a:lnSpc>
+              <a:spcBef>
+                <a:spcPts val="500"/>
+              </a:spcBef>
+              <a:buFont typeface="Arial" panose="020B0604020202020204" pitchFamily="34" charset="0"/>
+              <a:buNone/>
+              <a:defRPr sz="2000" kern="1200">
+                <a:solidFill>
+                  <a:schemeClr val="bg1"/>
+                </a:solidFill>
+                <a:latin typeface="Corbel Light" panose="020B0303020204020204" pitchFamily="34" charset="0"/>
+                <a:ea typeface="+mn-ea"/>
+                <a:cs typeface="+mn-cs"/>
+              </a:defRPr>
+            </a:lvl2pPr>
+            <a:lvl3pPr marL="914400" indent="0" algn="ctr" defTabSz="914400" rtl="0" eaLnBrk="1" latinLnBrk="0" hangingPunct="1">
+              <a:lnSpc>
+                <a:spcPct val="90000"/>
+              </a:lnSpc>
+              <a:spcBef>
+                <a:spcPts val="500"/>
+              </a:spcBef>
+              <a:buFont typeface="Arial" panose="020B0604020202020204" pitchFamily="34" charset="0"/>
+              <a:buNone/>
+              <a:defRPr sz="1800" kern="1200">
+                <a:solidFill>
+                  <a:schemeClr val="bg1"/>
+                </a:solidFill>
+                <a:latin typeface="Corbel Light" panose="020B0303020204020204" pitchFamily="34" charset="0"/>
+                <a:ea typeface="+mn-ea"/>
+                <a:cs typeface="+mn-cs"/>
+              </a:defRPr>
+            </a:lvl3pPr>
+            <a:lvl4pPr marL="1371600" indent="0" algn="ctr" defTabSz="914400" rtl="0" eaLnBrk="1" latinLnBrk="0" hangingPunct="1">
+              <a:lnSpc>
+                <a:spcPct val="90000"/>
+              </a:lnSpc>
+              <a:spcBef>
+                <a:spcPts val="500"/>
+              </a:spcBef>
+              <a:buFont typeface="Arial" panose="020B0604020202020204" pitchFamily="34" charset="0"/>
+              <a:buNone/>
+              <a:defRPr sz="1600" kern="1200">
+                <a:solidFill>
+                  <a:schemeClr val="bg1"/>
+                </a:solidFill>
+                <a:latin typeface="Corbel Light" panose="020B0303020204020204" pitchFamily="34" charset="0"/>
+                <a:ea typeface="+mn-ea"/>
+                <a:cs typeface="+mn-cs"/>
+              </a:defRPr>
+            </a:lvl4pPr>
+            <a:lvl5pPr marL="1828800" indent="0" algn="ctr" defTabSz="914400" rtl="0" eaLnBrk="1" latinLnBrk="0" hangingPunct="1">
+              <a:lnSpc>
+                <a:spcPct val="90000"/>
+              </a:lnSpc>
+              <a:spcBef>
+                <a:spcPts val="500"/>
+              </a:spcBef>
+              <a:buFont typeface="Arial" panose="020B0604020202020204" pitchFamily="34" charset="0"/>
+              <a:buNone/>
+              <a:defRPr sz="1600" kern="1200">
+                <a:solidFill>
+                  <a:schemeClr val="bg1"/>
+                </a:solidFill>
+                <a:latin typeface="Corbel Light" panose="020B0303020204020204" pitchFamily="34" charset="0"/>
+                <a:ea typeface="+mn-ea"/>
+                <a:cs typeface="+mn-cs"/>
+              </a:defRPr>
+            </a:lvl5pPr>
+            <a:lvl6pPr marL="2286000" indent="0" algn="ctr" defTabSz="914400" rtl="0" eaLnBrk="1" latinLnBrk="0" hangingPunct="1">
+              <a:lnSpc>
+                <a:spcPct val="90000"/>
+              </a:lnSpc>
+              <a:spcBef>
+                <a:spcPts val="500"/>
+              </a:spcBef>
+              <a:buFont typeface="Arial" panose="020B0604020202020204" pitchFamily="34" charset="0"/>
+              <a:buNone/>
+              <a:defRPr sz="1600" kern="1200">
+                <a:solidFill>
+                  <a:schemeClr val="tx1"/>
+                </a:solidFill>
+                <a:latin typeface="+mn-lt"/>
+                <a:ea typeface="+mn-ea"/>
+                <a:cs typeface="+mn-cs"/>
+              </a:defRPr>
+            </a:lvl6pPr>
+            <a:lvl7pPr marL="2743200" indent="0" algn="ctr" defTabSz="914400" rtl="0" eaLnBrk="1" latinLnBrk="0" hangingPunct="1">
+              <a:lnSpc>
+                <a:spcPct val="90000"/>
+              </a:lnSpc>
+              <a:spcBef>
+                <a:spcPts val="500"/>
+              </a:spcBef>
+              <a:buFont typeface="Arial" panose="020B0604020202020204" pitchFamily="34" charset="0"/>
+              <a:buNone/>
+              <a:defRPr sz="1600" kern="1200">
+                <a:solidFill>
+                  <a:schemeClr val="tx1"/>
+                </a:solidFill>
+                <a:latin typeface="+mn-lt"/>
+                <a:ea typeface="+mn-ea"/>
+                <a:cs typeface="+mn-cs"/>
+              </a:defRPr>
+            </a:lvl7pPr>
+            <a:lvl8pPr marL="3200400" indent="0" algn="ctr" defTabSz="914400" rtl="0" eaLnBrk="1" latinLnBrk="0" hangingPunct="1">
+              <a:lnSpc>
+                <a:spcPct val="90000"/>
+              </a:lnSpc>
+              <a:spcBef>
+                <a:spcPts val="500"/>
+              </a:spcBef>
+              <a:buFont typeface="Arial" panose="020B0604020202020204" pitchFamily="34" charset="0"/>
+              <a:buNone/>
+              <a:defRPr sz="1600" kern="1200">
+                <a:solidFill>
+                  <a:schemeClr val="tx1"/>
+                </a:solidFill>
+                <a:latin typeface="+mn-lt"/>
+                <a:ea typeface="+mn-ea"/>
+                <a:cs typeface="+mn-cs"/>
+              </a:defRPr>
+            </a:lvl8pPr>
+            <a:lvl9pPr marL="3657600" indent="0" algn="ctr" defTabSz="914400" rtl="0" eaLnBrk="1" latinLnBrk="0" hangingPunct="1">
+              <a:lnSpc>
+                <a:spcPct val="90000"/>
+              </a:lnSpc>
+              <a:spcBef>
+                <a:spcPts val="500"/>
+              </a:spcBef>
+              <a:buFont typeface="Arial" panose="020B0604020202020204" pitchFamily="34" charset="0"/>
+              <a:buNone/>
+              <a:defRPr sz="1600" kern="1200">
+                <a:solidFill>
+                  <a:schemeClr val="tx1"/>
+                </a:solidFill>
+                <a:latin typeface="+mn-lt"/>
+                <a:ea typeface="+mn-ea"/>
+                <a:cs typeface="+mn-cs"/>
+              </a:defRPr>
+            </a:lvl9pPr>
+          </a:lstStyle>
+          <a:p>
+            <a:pPr algn="l"/>
+            <a:r>
+              <a:rPr lang="en-US" sz="3600" dirty="0"/>
+              <a:t>Achieve Minimal Error Result </a:t>
+            </a:r>
+          </a:p>
+          <a:p>
+            <a:pPr algn="l"/>
+            <a:endParaRPr lang="en-US" sz="3200" dirty="0"/>
+          </a:p>
+        </p:txBody>
+      </p:sp>
+      <p:pic>
+        <p:nvPicPr>
+          <p:cNvPr id="8" name="Graphic 7">
+            <a:extLst>
+              <a:ext uri="{FF2B5EF4-FFF2-40B4-BE49-F238E27FC236}">
+                <a16:creationId xmlns:a16="http://schemas.microsoft.com/office/drawing/2014/main" id="{2507F92D-FBBB-44DC-7911-5D16E44E7AC5}"/>
+              </a:ext>
+            </a:extLst>
+          </p:cNvPr>
+          <p:cNvPicPr>
+            <a:picLocks noChangeAspect="1"/>
+          </p:cNvPicPr>
+          <p:nvPr/>
+        </p:nvPicPr>
+        <p:blipFill>
+          <a:blip r:embed="rId4">
+            <a:extLst>
+              <a:ext uri="{96DAC541-7B7A-43D3-8B79-37D633B846F1}">
+                <asvg:svgBlip xmlns:asvg="http://schemas.microsoft.com/office/drawing/2016/SVG/main" r:embed="rId5"/>
+              </a:ext>
+            </a:extLst>
+          </a:blip>
+          <a:stretch>
+            <a:fillRect/>
+          </a:stretch>
+        </p:blipFill>
+        <p:spPr>
+          <a:xfrm>
+            <a:off x="439368" y="8145978"/>
+            <a:ext cx="462384" cy="462384"/>
+          </a:xfrm>
+          <a:prstGeom prst="rect">
+            <a:avLst/>
+          </a:prstGeom>
+        </p:spPr>
+      </p:pic>
+      <p:pic>
+        <p:nvPicPr>
+          <p:cNvPr id="9" name="Graphic 8">
+            <a:extLst>
+              <a:ext uri="{FF2B5EF4-FFF2-40B4-BE49-F238E27FC236}">
+                <a16:creationId xmlns:a16="http://schemas.microsoft.com/office/drawing/2014/main" id="{D6128CB6-402B-B3F2-2E9F-82D1E3CA6FB2}"/>
+              </a:ext>
+            </a:extLst>
+          </p:cNvPr>
+          <p:cNvPicPr>
+            <a:picLocks noChangeAspect="1"/>
+          </p:cNvPicPr>
+          <p:nvPr/>
+        </p:nvPicPr>
+        <p:blipFill>
+          <a:blip r:embed="rId4">
+            <a:extLst>
+              <a:ext uri="{96DAC541-7B7A-43D3-8B79-37D633B846F1}">
+                <asvg:svgBlip xmlns:asvg="http://schemas.microsoft.com/office/drawing/2016/SVG/main" r:embed="rId5"/>
+              </a:ext>
+            </a:extLst>
+          </a:blip>
+          <a:stretch>
+            <a:fillRect/>
+          </a:stretch>
+        </p:blipFill>
+        <p:spPr>
+          <a:xfrm flipH="1" flipV="1">
+            <a:off x="5598233" y="8856179"/>
+            <a:ext cx="462384" cy="462384"/>
+          </a:xfrm>
+          <a:prstGeom prst="rect">
+            <a:avLst/>
+          </a:prstGeom>
+        </p:spPr>
+      </p:pic>
+      <p:sp>
+        <p:nvSpPr>
+          <p:cNvPr id="10" name="Content Placeholder 2">
+            <a:extLst>
+              <a:ext uri="{FF2B5EF4-FFF2-40B4-BE49-F238E27FC236}">
+                <a16:creationId xmlns:a16="http://schemas.microsoft.com/office/drawing/2014/main" id="{90D60CF9-9B15-EE27-C5A4-9C23F6393DD9}"/>
+              </a:ext>
+            </a:extLst>
+          </p:cNvPr>
+          <p:cNvSpPr txBox="1">
+            <a:spLocks/>
+          </p:cNvSpPr>
+          <p:nvPr/>
+        </p:nvSpPr>
+        <p:spPr>
+          <a:xfrm>
+            <a:off x="838200" y="10706655"/>
+            <a:ext cx="10515600" cy="563348"/>
+          </a:xfrm>
+          <a:prstGeom prst="rect">
+            <a:avLst/>
+          </a:prstGeom>
+        </p:spPr>
+        <p:txBody>
+          <a:bodyPr vert="horz" lIns="91440" tIns="45720" rIns="91440" bIns="45720" rtlCol="0">
+            <a:normAutofit lnSpcReduction="10000"/>
+          </a:bodyPr>
+          <a:lstStyle>
+            <a:lvl1pPr marL="0" indent="0" algn="ctr" defTabSz="914400" rtl="0" eaLnBrk="1" latinLnBrk="0" hangingPunct="1">
+              <a:lnSpc>
+                <a:spcPct val="90000"/>
+              </a:lnSpc>
+              <a:spcBef>
+                <a:spcPts val="1000"/>
+              </a:spcBef>
+              <a:buFont typeface="Arial" panose="020B0604020202020204" pitchFamily="34" charset="0"/>
+              <a:buNone/>
+              <a:defRPr sz="2400" kern="1200">
+                <a:solidFill>
+                  <a:schemeClr val="bg1"/>
+                </a:solidFill>
+                <a:latin typeface="Corbel Light" panose="020B0303020204020204" pitchFamily="34" charset="0"/>
+                <a:ea typeface="+mn-ea"/>
+                <a:cs typeface="+mn-cs"/>
+              </a:defRPr>
+            </a:lvl1pPr>
+            <a:lvl2pPr marL="457200" indent="0" algn="ctr" defTabSz="914400" rtl="0" eaLnBrk="1" latinLnBrk="0" hangingPunct="1">
+              <a:lnSpc>
+                <a:spcPct val="90000"/>
+              </a:lnSpc>
+              <a:spcBef>
+                <a:spcPts val="500"/>
+              </a:spcBef>
+              <a:buFont typeface="Arial" panose="020B0604020202020204" pitchFamily="34" charset="0"/>
+              <a:buNone/>
+              <a:defRPr sz="2000" kern="1200">
+                <a:solidFill>
+                  <a:schemeClr val="bg1"/>
+                </a:solidFill>
+                <a:latin typeface="Corbel Light" panose="020B0303020204020204" pitchFamily="34" charset="0"/>
+                <a:ea typeface="+mn-ea"/>
+                <a:cs typeface="+mn-cs"/>
+              </a:defRPr>
+            </a:lvl2pPr>
+            <a:lvl3pPr marL="914400" indent="0" algn="ctr" defTabSz="914400" rtl="0" eaLnBrk="1" latinLnBrk="0" hangingPunct="1">
+              <a:lnSpc>
+                <a:spcPct val="90000"/>
+              </a:lnSpc>
+              <a:spcBef>
+                <a:spcPts val="500"/>
+              </a:spcBef>
+              <a:buFont typeface="Arial" panose="020B0604020202020204" pitchFamily="34" charset="0"/>
+              <a:buNone/>
+              <a:defRPr sz="1800" kern="1200">
+                <a:solidFill>
+                  <a:schemeClr val="bg1"/>
+                </a:solidFill>
+                <a:latin typeface="Corbel Light" panose="020B0303020204020204" pitchFamily="34" charset="0"/>
+                <a:ea typeface="+mn-ea"/>
+                <a:cs typeface="+mn-cs"/>
+              </a:defRPr>
+            </a:lvl3pPr>
+            <a:lvl4pPr marL="1371600" indent="0" algn="ctr" defTabSz="914400" rtl="0" eaLnBrk="1" latinLnBrk="0" hangingPunct="1">
+              <a:lnSpc>
+                <a:spcPct val="90000"/>
+              </a:lnSpc>
+              <a:spcBef>
+                <a:spcPts val="500"/>
+              </a:spcBef>
+              <a:buFont typeface="Arial" panose="020B0604020202020204" pitchFamily="34" charset="0"/>
+              <a:buNone/>
+              <a:defRPr sz="1600" kern="1200">
+                <a:solidFill>
+                  <a:schemeClr val="bg1"/>
+                </a:solidFill>
+                <a:latin typeface="Corbel Light" panose="020B0303020204020204" pitchFamily="34" charset="0"/>
+                <a:ea typeface="+mn-ea"/>
+                <a:cs typeface="+mn-cs"/>
+              </a:defRPr>
+            </a:lvl4pPr>
+            <a:lvl5pPr marL="1828800" indent="0" algn="ctr" defTabSz="914400" rtl="0" eaLnBrk="1" latinLnBrk="0" hangingPunct="1">
+              <a:lnSpc>
+                <a:spcPct val="90000"/>
+              </a:lnSpc>
+              <a:spcBef>
+                <a:spcPts val="500"/>
+              </a:spcBef>
+              <a:buFont typeface="Arial" panose="020B0604020202020204" pitchFamily="34" charset="0"/>
+              <a:buNone/>
+              <a:defRPr sz="1600" kern="1200">
+                <a:solidFill>
+                  <a:schemeClr val="bg1"/>
+                </a:solidFill>
+                <a:latin typeface="Corbel Light" panose="020B0303020204020204" pitchFamily="34" charset="0"/>
+                <a:ea typeface="+mn-ea"/>
+                <a:cs typeface="+mn-cs"/>
+              </a:defRPr>
+            </a:lvl5pPr>
+            <a:lvl6pPr marL="2286000" indent="0" algn="ctr" defTabSz="914400" rtl="0" eaLnBrk="1" latinLnBrk="0" hangingPunct="1">
+              <a:lnSpc>
+                <a:spcPct val="90000"/>
+              </a:lnSpc>
+              <a:spcBef>
+                <a:spcPts val="500"/>
+              </a:spcBef>
+              <a:buFont typeface="Arial" panose="020B0604020202020204" pitchFamily="34" charset="0"/>
+              <a:buNone/>
+              <a:defRPr sz="1600" kern="1200">
+                <a:solidFill>
+                  <a:schemeClr val="tx1"/>
+                </a:solidFill>
+                <a:latin typeface="+mn-lt"/>
+                <a:ea typeface="+mn-ea"/>
+                <a:cs typeface="+mn-cs"/>
+              </a:defRPr>
+            </a:lvl6pPr>
+            <a:lvl7pPr marL="2743200" indent="0" algn="ctr" defTabSz="914400" rtl="0" eaLnBrk="1" latinLnBrk="0" hangingPunct="1">
+              <a:lnSpc>
+                <a:spcPct val="90000"/>
+              </a:lnSpc>
+              <a:spcBef>
+                <a:spcPts val="500"/>
+              </a:spcBef>
+              <a:buFont typeface="Arial" panose="020B0604020202020204" pitchFamily="34" charset="0"/>
+              <a:buNone/>
+              <a:defRPr sz="1600" kern="1200">
+                <a:solidFill>
+                  <a:schemeClr val="tx1"/>
+                </a:solidFill>
+                <a:latin typeface="+mn-lt"/>
+                <a:ea typeface="+mn-ea"/>
+                <a:cs typeface="+mn-cs"/>
+              </a:defRPr>
+            </a:lvl7pPr>
+            <a:lvl8pPr marL="3200400" indent="0" algn="ctr" defTabSz="914400" rtl="0" eaLnBrk="1" latinLnBrk="0" hangingPunct="1">
+              <a:lnSpc>
+                <a:spcPct val="90000"/>
+              </a:lnSpc>
+              <a:spcBef>
+                <a:spcPts val="500"/>
+              </a:spcBef>
+              <a:buFont typeface="Arial" panose="020B0604020202020204" pitchFamily="34" charset="0"/>
+              <a:buNone/>
+              <a:defRPr sz="1600" kern="1200">
+                <a:solidFill>
+                  <a:schemeClr val="tx1"/>
+                </a:solidFill>
+                <a:latin typeface="+mn-lt"/>
+                <a:ea typeface="+mn-ea"/>
+                <a:cs typeface="+mn-cs"/>
+              </a:defRPr>
+            </a:lvl8pPr>
+            <a:lvl9pPr marL="3657600" indent="0" algn="ctr" defTabSz="914400" rtl="0" eaLnBrk="1" latinLnBrk="0" hangingPunct="1">
+              <a:lnSpc>
+                <a:spcPct val="90000"/>
+              </a:lnSpc>
+              <a:spcBef>
+                <a:spcPts val="500"/>
+              </a:spcBef>
+              <a:buFont typeface="Arial" panose="020B0604020202020204" pitchFamily="34" charset="0"/>
+              <a:buNone/>
+              <a:defRPr sz="1600" kern="1200">
+                <a:solidFill>
+                  <a:schemeClr val="tx1"/>
+                </a:solidFill>
+                <a:latin typeface="+mn-lt"/>
+                <a:ea typeface="+mn-ea"/>
+                <a:cs typeface="+mn-cs"/>
+              </a:defRPr>
+            </a:lvl9pPr>
+          </a:lstStyle>
+          <a:p>
+            <a:pPr algn="l"/>
+            <a:r>
+              <a:rPr lang="en-US" sz="3600" dirty="0"/>
+              <a:t>Establish a Safe Execution Envelope</a:t>
+            </a:r>
+            <a:endParaRPr lang="en-US" sz="3200" dirty="0"/>
+          </a:p>
+        </p:txBody>
+      </p:sp>
+      <p:sp>
+        <p:nvSpPr>
+          <p:cNvPr id="11" name="Content Placeholder 2">
+            <a:extLst>
+              <a:ext uri="{FF2B5EF4-FFF2-40B4-BE49-F238E27FC236}">
+                <a16:creationId xmlns:a16="http://schemas.microsoft.com/office/drawing/2014/main" id="{2B114E3D-02F0-E3C4-4C9F-087918731FEC}"/>
+              </a:ext>
+            </a:extLst>
+          </p:cNvPr>
+          <p:cNvSpPr txBox="1">
+            <a:spLocks/>
+          </p:cNvSpPr>
+          <p:nvPr/>
+        </p:nvSpPr>
+        <p:spPr>
+          <a:xfrm>
+            <a:off x="838200" y="12122293"/>
+            <a:ext cx="10515600" cy="563348"/>
+          </a:xfrm>
+          <a:prstGeom prst="rect">
+            <a:avLst/>
+          </a:prstGeom>
+        </p:spPr>
+        <p:txBody>
+          <a:bodyPr vert="horz" lIns="91440" tIns="45720" rIns="91440" bIns="45720" rtlCol="0">
+            <a:normAutofit lnSpcReduction="10000"/>
+          </a:bodyPr>
+          <a:lstStyle>
+            <a:lvl1pPr marL="0" indent="0" algn="ctr" defTabSz="914400" rtl="0" eaLnBrk="1" latinLnBrk="0" hangingPunct="1">
+              <a:lnSpc>
+                <a:spcPct val="90000"/>
+              </a:lnSpc>
+              <a:spcBef>
+                <a:spcPts val="1000"/>
+              </a:spcBef>
+              <a:buFont typeface="Arial" panose="020B0604020202020204" pitchFamily="34" charset="0"/>
+              <a:buNone/>
+              <a:defRPr sz="2400" kern="1200">
+                <a:solidFill>
+                  <a:schemeClr val="bg1"/>
+                </a:solidFill>
+                <a:latin typeface="Corbel Light" panose="020B0303020204020204" pitchFamily="34" charset="0"/>
+                <a:ea typeface="+mn-ea"/>
+                <a:cs typeface="+mn-cs"/>
+              </a:defRPr>
+            </a:lvl1pPr>
+            <a:lvl2pPr marL="457200" indent="0" algn="ctr" defTabSz="914400" rtl="0" eaLnBrk="1" latinLnBrk="0" hangingPunct="1">
+              <a:lnSpc>
+                <a:spcPct val="90000"/>
+              </a:lnSpc>
+              <a:spcBef>
+                <a:spcPts val="500"/>
+              </a:spcBef>
+              <a:buFont typeface="Arial" panose="020B0604020202020204" pitchFamily="34" charset="0"/>
+              <a:buNone/>
+              <a:defRPr sz="2000" kern="1200">
+                <a:solidFill>
+                  <a:schemeClr val="bg1"/>
+                </a:solidFill>
+                <a:latin typeface="Corbel Light" panose="020B0303020204020204" pitchFamily="34" charset="0"/>
+                <a:ea typeface="+mn-ea"/>
+                <a:cs typeface="+mn-cs"/>
+              </a:defRPr>
+            </a:lvl2pPr>
+            <a:lvl3pPr marL="914400" indent="0" algn="ctr" defTabSz="914400" rtl="0" eaLnBrk="1" latinLnBrk="0" hangingPunct="1">
+              <a:lnSpc>
+                <a:spcPct val="90000"/>
+              </a:lnSpc>
+              <a:spcBef>
+                <a:spcPts val="500"/>
+              </a:spcBef>
+              <a:buFont typeface="Arial" panose="020B0604020202020204" pitchFamily="34" charset="0"/>
+              <a:buNone/>
+              <a:defRPr sz="1800" kern="1200">
+                <a:solidFill>
+                  <a:schemeClr val="bg1"/>
+                </a:solidFill>
+                <a:latin typeface="Corbel Light" panose="020B0303020204020204" pitchFamily="34" charset="0"/>
+                <a:ea typeface="+mn-ea"/>
+                <a:cs typeface="+mn-cs"/>
+              </a:defRPr>
+            </a:lvl3pPr>
+            <a:lvl4pPr marL="1371600" indent="0" algn="ctr" defTabSz="914400" rtl="0" eaLnBrk="1" latinLnBrk="0" hangingPunct="1">
+              <a:lnSpc>
+                <a:spcPct val="90000"/>
+              </a:lnSpc>
+              <a:spcBef>
+                <a:spcPts val="500"/>
+              </a:spcBef>
+              <a:buFont typeface="Arial" panose="020B0604020202020204" pitchFamily="34" charset="0"/>
+              <a:buNone/>
+              <a:defRPr sz="1600" kern="1200">
+                <a:solidFill>
+                  <a:schemeClr val="bg1"/>
+                </a:solidFill>
+                <a:latin typeface="Corbel Light" panose="020B0303020204020204" pitchFamily="34" charset="0"/>
+                <a:ea typeface="+mn-ea"/>
+                <a:cs typeface="+mn-cs"/>
+              </a:defRPr>
+            </a:lvl4pPr>
+            <a:lvl5pPr marL="1828800" indent="0" algn="ctr" defTabSz="914400" rtl="0" eaLnBrk="1" latinLnBrk="0" hangingPunct="1">
+              <a:lnSpc>
+                <a:spcPct val="90000"/>
+              </a:lnSpc>
+              <a:spcBef>
+                <a:spcPts val="500"/>
+              </a:spcBef>
+              <a:buFont typeface="Arial" panose="020B0604020202020204" pitchFamily="34" charset="0"/>
+              <a:buNone/>
+              <a:defRPr sz="1600" kern="1200">
+                <a:solidFill>
+                  <a:schemeClr val="bg1"/>
+                </a:solidFill>
+                <a:latin typeface="Corbel Light" panose="020B0303020204020204" pitchFamily="34" charset="0"/>
+                <a:ea typeface="+mn-ea"/>
+                <a:cs typeface="+mn-cs"/>
+              </a:defRPr>
+            </a:lvl5pPr>
+            <a:lvl6pPr marL="2286000" indent="0" algn="ctr" defTabSz="914400" rtl="0" eaLnBrk="1" latinLnBrk="0" hangingPunct="1">
+              <a:lnSpc>
+                <a:spcPct val="90000"/>
+              </a:lnSpc>
+              <a:spcBef>
+                <a:spcPts val="500"/>
+              </a:spcBef>
+              <a:buFont typeface="Arial" panose="020B0604020202020204" pitchFamily="34" charset="0"/>
+              <a:buNone/>
+              <a:defRPr sz="1600" kern="1200">
+                <a:solidFill>
+                  <a:schemeClr val="tx1"/>
+                </a:solidFill>
+                <a:latin typeface="+mn-lt"/>
+                <a:ea typeface="+mn-ea"/>
+                <a:cs typeface="+mn-cs"/>
+              </a:defRPr>
+            </a:lvl6pPr>
+            <a:lvl7pPr marL="2743200" indent="0" algn="ctr" defTabSz="914400" rtl="0" eaLnBrk="1" latinLnBrk="0" hangingPunct="1">
+              <a:lnSpc>
+                <a:spcPct val="90000"/>
+              </a:lnSpc>
+              <a:spcBef>
+                <a:spcPts val="500"/>
+              </a:spcBef>
+              <a:buFont typeface="Arial" panose="020B0604020202020204" pitchFamily="34" charset="0"/>
+              <a:buNone/>
+              <a:defRPr sz="1600" kern="1200">
+                <a:solidFill>
+                  <a:schemeClr val="tx1"/>
+                </a:solidFill>
+                <a:latin typeface="+mn-lt"/>
+                <a:ea typeface="+mn-ea"/>
+                <a:cs typeface="+mn-cs"/>
+              </a:defRPr>
+            </a:lvl7pPr>
+            <a:lvl8pPr marL="3200400" indent="0" algn="ctr" defTabSz="914400" rtl="0" eaLnBrk="1" latinLnBrk="0" hangingPunct="1">
+              <a:lnSpc>
+                <a:spcPct val="90000"/>
+              </a:lnSpc>
+              <a:spcBef>
+                <a:spcPts val="500"/>
+              </a:spcBef>
+              <a:buFont typeface="Arial" panose="020B0604020202020204" pitchFamily="34" charset="0"/>
+              <a:buNone/>
+              <a:defRPr sz="1600" kern="1200">
+                <a:solidFill>
+                  <a:schemeClr val="tx1"/>
+                </a:solidFill>
+                <a:latin typeface="+mn-lt"/>
+                <a:ea typeface="+mn-ea"/>
+                <a:cs typeface="+mn-cs"/>
+              </a:defRPr>
+            </a:lvl8pPr>
+            <a:lvl9pPr marL="3657600" indent="0" algn="ctr" defTabSz="914400" rtl="0" eaLnBrk="1" latinLnBrk="0" hangingPunct="1">
+              <a:lnSpc>
+                <a:spcPct val="90000"/>
+              </a:lnSpc>
+              <a:spcBef>
+                <a:spcPts val="500"/>
+              </a:spcBef>
+              <a:buFont typeface="Arial" panose="020B0604020202020204" pitchFamily="34" charset="0"/>
+              <a:buNone/>
+              <a:defRPr sz="1600" kern="1200">
+                <a:solidFill>
+                  <a:schemeClr val="tx1"/>
+                </a:solidFill>
+                <a:latin typeface="+mn-lt"/>
+                <a:ea typeface="+mn-ea"/>
+                <a:cs typeface="+mn-cs"/>
+              </a:defRPr>
+            </a:lvl9pPr>
+          </a:lstStyle>
+          <a:p>
+            <a:pPr algn="l"/>
+            <a:r>
+              <a:rPr lang="en-US" sz="3600" dirty="0"/>
+              <a:t>Relax the Semantics of the Program</a:t>
+            </a:r>
+            <a:endParaRPr lang="en-US" sz="3200" dirty="0"/>
+          </a:p>
+        </p:txBody>
+      </p:sp>
+      <p:sp>
+        <p:nvSpPr>
+          <p:cNvPr id="12" name="Content Placeholder 2">
+            <a:extLst>
+              <a:ext uri="{FF2B5EF4-FFF2-40B4-BE49-F238E27FC236}">
+                <a16:creationId xmlns:a16="http://schemas.microsoft.com/office/drawing/2014/main" id="{A91C064B-25C0-3432-3693-4832BA02CEFD}"/>
+              </a:ext>
+            </a:extLst>
+          </p:cNvPr>
+          <p:cNvSpPr txBox="1">
+            <a:spLocks/>
+          </p:cNvSpPr>
+          <p:nvPr/>
+        </p:nvSpPr>
+        <p:spPr>
+          <a:xfrm>
+            <a:off x="838200" y="14062936"/>
+            <a:ext cx="10515600" cy="563348"/>
+          </a:xfrm>
+          <a:prstGeom prst="rect">
+            <a:avLst/>
+          </a:prstGeom>
+        </p:spPr>
+        <p:txBody>
+          <a:bodyPr vert="horz" lIns="91440" tIns="45720" rIns="91440" bIns="45720" rtlCol="0">
+            <a:normAutofit lnSpcReduction="10000"/>
+          </a:bodyPr>
+          <a:lstStyle>
+            <a:lvl1pPr marL="0" indent="0" algn="ctr" defTabSz="914400" rtl="0" eaLnBrk="1" latinLnBrk="0" hangingPunct="1">
+              <a:lnSpc>
+                <a:spcPct val="90000"/>
+              </a:lnSpc>
+              <a:spcBef>
+                <a:spcPts val="1000"/>
+              </a:spcBef>
+              <a:buFont typeface="Arial" panose="020B0604020202020204" pitchFamily="34" charset="0"/>
+              <a:buNone/>
+              <a:defRPr sz="2400" kern="1200">
+                <a:solidFill>
+                  <a:schemeClr val="bg1"/>
+                </a:solidFill>
+                <a:latin typeface="Corbel Light" panose="020B0303020204020204" pitchFamily="34" charset="0"/>
+                <a:ea typeface="+mn-ea"/>
+                <a:cs typeface="+mn-cs"/>
+              </a:defRPr>
+            </a:lvl1pPr>
+            <a:lvl2pPr marL="457200" indent="0" algn="ctr" defTabSz="914400" rtl="0" eaLnBrk="1" latinLnBrk="0" hangingPunct="1">
+              <a:lnSpc>
+                <a:spcPct val="90000"/>
+              </a:lnSpc>
+              <a:spcBef>
+                <a:spcPts val="500"/>
+              </a:spcBef>
+              <a:buFont typeface="Arial" panose="020B0604020202020204" pitchFamily="34" charset="0"/>
+              <a:buNone/>
+              <a:defRPr sz="2000" kern="1200">
+                <a:solidFill>
+                  <a:schemeClr val="bg1"/>
+                </a:solidFill>
+                <a:latin typeface="Corbel Light" panose="020B0303020204020204" pitchFamily="34" charset="0"/>
+                <a:ea typeface="+mn-ea"/>
+                <a:cs typeface="+mn-cs"/>
+              </a:defRPr>
+            </a:lvl2pPr>
+            <a:lvl3pPr marL="914400" indent="0" algn="ctr" defTabSz="914400" rtl="0" eaLnBrk="1" latinLnBrk="0" hangingPunct="1">
+              <a:lnSpc>
+                <a:spcPct val="90000"/>
+              </a:lnSpc>
+              <a:spcBef>
+                <a:spcPts val="500"/>
+              </a:spcBef>
+              <a:buFont typeface="Arial" panose="020B0604020202020204" pitchFamily="34" charset="0"/>
+              <a:buNone/>
+              <a:defRPr sz="1800" kern="1200">
+                <a:solidFill>
+                  <a:schemeClr val="bg1"/>
+                </a:solidFill>
+                <a:latin typeface="Corbel Light" panose="020B0303020204020204" pitchFamily="34" charset="0"/>
+                <a:ea typeface="+mn-ea"/>
+                <a:cs typeface="+mn-cs"/>
+              </a:defRPr>
+            </a:lvl3pPr>
+            <a:lvl4pPr marL="1371600" indent="0" algn="ctr" defTabSz="914400" rtl="0" eaLnBrk="1" latinLnBrk="0" hangingPunct="1">
+              <a:lnSpc>
+                <a:spcPct val="90000"/>
+              </a:lnSpc>
+              <a:spcBef>
+                <a:spcPts val="500"/>
+              </a:spcBef>
+              <a:buFont typeface="Arial" panose="020B0604020202020204" pitchFamily="34" charset="0"/>
+              <a:buNone/>
+              <a:defRPr sz="1600" kern="1200">
+                <a:solidFill>
+                  <a:schemeClr val="bg1"/>
+                </a:solidFill>
+                <a:latin typeface="Corbel Light" panose="020B0303020204020204" pitchFamily="34" charset="0"/>
+                <a:ea typeface="+mn-ea"/>
+                <a:cs typeface="+mn-cs"/>
+              </a:defRPr>
+            </a:lvl4pPr>
+            <a:lvl5pPr marL="1828800" indent="0" algn="ctr" defTabSz="914400" rtl="0" eaLnBrk="1" latinLnBrk="0" hangingPunct="1">
+              <a:lnSpc>
+                <a:spcPct val="90000"/>
+              </a:lnSpc>
+              <a:spcBef>
+                <a:spcPts val="500"/>
+              </a:spcBef>
+              <a:buFont typeface="Arial" panose="020B0604020202020204" pitchFamily="34" charset="0"/>
+              <a:buNone/>
+              <a:defRPr sz="1600" kern="1200">
+                <a:solidFill>
+                  <a:schemeClr val="bg1"/>
+                </a:solidFill>
+                <a:latin typeface="Corbel Light" panose="020B0303020204020204" pitchFamily="34" charset="0"/>
+                <a:ea typeface="+mn-ea"/>
+                <a:cs typeface="+mn-cs"/>
+              </a:defRPr>
+            </a:lvl5pPr>
+            <a:lvl6pPr marL="2286000" indent="0" algn="ctr" defTabSz="914400" rtl="0" eaLnBrk="1" latinLnBrk="0" hangingPunct="1">
+              <a:lnSpc>
+                <a:spcPct val="90000"/>
+              </a:lnSpc>
+              <a:spcBef>
+                <a:spcPts val="500"/>
+              </a:spcBef>
+              <a:buFont typeface="Arial" panose="020B0604020202020204" pitchFamily="34" charset="0"/>
+              <a:buNone/>
+              <a:defRPr sz="1600" kern="1200">
+                <a:solidFill>
+                  <a:schemeClr val="tx1"/>
+                </a:solidFill>
+                <a:latin typeface="+mn-lt"/>
+                <a:ea typeface="+mn-ea"/>
+                <a:cs typeface="+mn-cs"/>
+              </a:defRPr>
+            </a:lvl6pPr>
+            <a:lvl7pPr marL="2743200" indent="0" algn="ctr" defTabSz="914400" rtl="0" eaLnBrk="1" latinLnBrk="0" hangingPunct="1">
+              <a:lnSpc>
+                <a:spcPct val="90000"/>
+              </a:lnSpc>
+              <a:spcBef>
+                <a:spcPts val="500"/>
+              </a:spcBef>
+              <a:buFont typeface="Arial" panose="020B0604020202020204" pitchFamily="34" charset="0"/>
+              <a:buNone/>
+              <a:defRPr sz="1600" kern="1200">
+                <a:solidFill>
+                  <a:schemeClr val="tx1"/>
+                </a:solidFill>
+                <a:latin typeface="+mn-lt"/>
+                <a:ea typeface="+mn-ea"/>
+                <a:cs typeface="+mn-cs"/>
+              </a:defRPr>
+            </a:lvl7pPr>
+            <a:lvl8pPr marL="3200400" indent="0" algn="ctr" defTabSz="914400" rtl="0" eaLnBrk="1" latinLnBrk="0" hangingPunct="1">
+              <a:lnSpc>
+                <a:spcPct val="90000"/>
+              </a:lnSpc>
+              <a:spcBef>
+                <a:spcPts val="500"/>
+              </a:spcBef>
+              <a:buFont typeface="Arial" panose="020B0604020202020204" pitchFamily="34" charset="0"/>
+              <a:buNone/>
+              <a:defRPr sz="1600" kern="1200">
+                <a:solidFill>
+                  <a:schemeClr val="tx1"/>
+                </a:solidFill>
+                <a:latin typeface="+mn-lt"/>
+                <a:ea typeface="+mn-ea"/>
+                <a:cs typeface="+mn-cs"/>
+              </a:defRPr>
+            </a:lvl8pPr>
+            <a:lvl9pPr marL="3657600" indent="0" algn="ctr" defTabSz="914400" rtl="0" eaLnBrk="1" latinLnBrk="0" hangingPunct="1">
+              <a:lnSpc>
+                <a:spcPct val="90000"/>
+              </a:lnSpc>
+              <a:spcBef>
+                <a:spcPts val="500"/>
+              </a:spcBef>
+              <a:buFont typeface="Arial" panose="020B0604020202020204" pitchFamily="34" charset="0"/>
+              <a:buNone/>
+              <a:defRPr sz="1600" kern="1200">
+                <a:solidFill>
+                  <a:schemeClr val="tx1"/>
+                </a:solidFill>
+                <a:latin typeface="+mn-lt"/>
+                <a:ea typeface="+mn-ea"/>
+                <a:cs typeface="+mn-cs"/>
+              </a:defRPr>
+            </a:lvl9pPr>
+          </a:lstStyle>
+          <a:p>
+            <a:pPr algn="l"/>
+            <a:r>
+              <a:rPr lang="en-US" sz="3600" dirty="0"/>
+              <a:t>Verify the Program’s Result</a:t>
+            </a:r>
+            <a:endParaRPr lang="en-US" sz="3200" dirty="0"/>
+          </a:p>
+        </p:txBody>
+      </p:sp>
     </p:spTree>
     <p:extLst>
       <p:ext uri="{BB962C8B-B14F-4D97-AF65-F5344CB8AC3E}">
-        <p14:creationId xmlns:p14="http://schemas.microsoft.com/office/powerpoint/2010/main" val="4015902060"/>
+        <p14:creationId xmlns:p14="http://schemas.microsoft.com/office/powerpoint/2010/main" val="1330145431"/>
       </p:ext>
     </p:extLst>
   </p:cSld>
@@ -26892,10 +27667,76 @@
       </p:grpSpPr>
       <p:sp>
         <p:nvSpPr>
-          <p:cNvPr id="15" name="Title 1">
+          <p:cNvPr id="4" name="Title 1">
             <a:extLst>
               <a:ext uri="{FF2B5EF4-FFF2-40B4-BE49-F238E27FC236}">
-                <a16:creationId xmlns:a16="http://schemas.microsoft.com/office/drawing/2014/main" id="{72733B0D-31C1-7847-94B3-ABFB63B4AE13}"/>
+                <a16:creationId xmlns:a16="http://schemas.microsoft.com/office/drawing/2014/main" id="{0CE0200A-D89C-BBBA-7DA7-11282DCE5A0F}"/>
+              </a:ext>
+            </a:extLst>
+          </p:cNvPr>
+          <p:cNvSpPr>
+            <a:spLocks noGrp="1"/>
+          </p:cNvSpPr>
+          <p:nvPr>
+            <p:ph type="ctrTitle"/>
+          </p:nvPr>
+        </p:nvSpPr>
+        <p:spPr>
+          <a:xfrm>
+            <a:off x="1524000" y="-5536345"/>
+            <a:ext cx="9144000" cy="2387600"/>
+          </a:xfrm>
+        </p:spPr>
+        <p:txBody>
+          <a:bodyPr/>
+          <a:lstStyle/>
+          <a:p>
+            <a:r>
+              <a:rPr lang="en-US" dirty="0"/>
+              <a:t>Under The Hood</a:t>
+            </a:r>
+          </a:p>
+        </p:txBody>
+      </p:sp>
+      <p:sp>
+        <p:nvSpPr>
+          <p:cNvPr id="5" name="Subtitle 2">
+            <a:extLst>
+              <a:ext uri="{FF2B5EF4-FFF2-40B4-BE49-F238E27FC236}">
+                <a16:creationId xmlns:a16="http://schemas.microsoft.com/office/drawing/2014/main" id="{1D7DD194-22C1-2F9A-4D8D-FD5367BA5FAB}"/>
+              </a:ext>
+            </a:extLst>
+          </p:cNvPr>
+          <p:cNvSpPr>
+            <a:spLocks noGrp="1"/>
+          </p:cNvSpPr>
+          <p:nvPr>
+            <p:ph type="subTitle" idx="1"/>
+          </p:nvPr>
+        </p:nvSpPr>
+        <p:spPr>
+          <a:xfrm>
+            <a:off x="1524000" y="-1696794"/>
+            <a:ext cx="9144000" cy="1655762"/>
+          </a:xfrm>
+        </p:spPr>
+        <p:txBody>
+          <a:bodyPr/>
+          <a:lstStyle/>
+          <a:p>
+            <a:r>
+              <a:rPr lang="en-US" dirty="0"/>
+              <a:t>How Does Approximate Computing Generally Work?</a:t>
+            </a:r>
+          </a:p>
+        </p:txBody>
+      </p:sp>
+      <p:sp>
+        <p:nvSpPr>
+          <p:cNvPr id="6" name="Title 1">
+            <a:extLst>
+              <a:ext uri="{FF2B5EF4-FFF2-40B4-BE49-F238E27FC236}">
+                <a16:creationId xmlns:a16="http://schemas.microsoft.com/office/drawing/2014/main" id="{1EBFCE3D-0B65-2AE0-CBDD-38093ED612CC}"/>
               </a:ext>
             </a:extLst>
           </p:cNvPr>
@@ -26906,7 +27747,7 @@
         </p:nvSpPr>
         <p:spPr>
           <a:xfrm>
-            <a:off x="-11696121" y="295959"/>
+            <a:off x="838200" y="365125"/>
             <a:ext cx="10515600" cy="1325563"/>
           </a:xfrm>
           <a:prstGeom prst="rect">
@@ -26940,57 +27781,17 @@
             <a:pPr algn="l"/>
             <a:r>
               <a:rPr lang="en-US" b="1" dirty="0"/>
-              <a:t>Concrete Examples</a:t>
+              <a:t>General Steps</a:t>
             </a:r>
           </a:p>
         </p:txBody>
       </p:sp>
-      <p:pic>
-        <p:nvPicPr>
-          <p:cNvPr id="2" name="Picture 1">
-            <a:extLst>
-              <a:ext uri="{FF2B5EF4-FFF2-40B4-BE49-F238E27FC236}">
-                <a16:creationId xmlns:a16="http://schemas.microsoft.com/office/drawing/2014/main" id="{661243E7-62C9-7A93-C7A3-EAB810DD1E37}"/>
-              </a:ext>
-            </a:extLst>
-          </p:cNvPr>
-          <p:cNvPicPr>
-            <a:picLocks noChangeAspect="1"/>
-          </p:cNvPicPr>
-          <p:nvPr/>
-        </p:nvPicPr>
-        <p:blipFill>
-          <a:blip r:embed="rId3"/>
-          <a:stretch>
-            <a:fillRect/>
-          </a:stretch>
-        </p:blipFill>
-        <p:spPr>
-          <a:xfrm>
-            <a:off x="-6580304" y="2035440"/>
-            <a:ext cx="6286176" cy="3711274"/>
-          </a:xfrm>
-          <a:prstGeom prst="rect">
-            <a:avLst/>
-          </a:prstGeom>
-          <a:ln>
-            <a:noFill/>
-          </a:ln>
-          <a:effectLst>
-            <a:outerShdw blurRad="292100" dist="139700" dir="2700000" algn="tl" rotWithShape="0">
-              <a:srgbClr val="333333">
-                <a:alpha val="65000"/>
-              </a:srgbClr>
-            </a:outerShdw>
-          </a:effectLst>
-        </p:spPr>
-      </p:pic>
       <p:sp>
         <p:nvSpPr>
-          <p:cNvPr id="3" name="Subtitle 2">
+          <p:cNvPr id="7" name="Content Placeholder 2">
             <a:extLst>
               <a:ext uri="{FF2B5EF4-FFF2-40B4-BE49-F238E27FC236}">
-                <a16:creationId xmlns:a16="http://schemas.microsoft.com/office/drawing/2014/main" id="{C742DC41-3024-C608-9E4A-6EE52C2E0154}"/>
+                <a16:creationId xmlns:a16="http://schemas.microsoft.com/office/drawing/2014/main" id="{5F57214C-7AB0-553E-28CD-6B9887F9E8E4}"/>
               </a:ext>
             </a:extLst>
           </p:cNvPr>
@@ -27001,327 +27802,7 @@
         </p:nvSpPr>
         <p:spPr>
           <a:xfrm>
-            <a:off x="-9120562" y="5888328"/>
-            <a:ext cx="9144000" cy="847990"/>
-          </a:xfrm>
-          <a:prstGeom prst="rect">
-            <a:avLst/>
-          </a:prstGeom>
-        </p:spPr>
-        <p:txBody>
-          <a:bodyPr vert="horz" lIns="91440" tIns="45720" rIns="91440" bIns="45720" rtlCol="0">
-            <a:normAutofit/>
-          </a:bodyPr>
-          <a:lstStyle>
-            <a:lvl1pPr marL="0" indent="0" algn="ctr" defTabSz="914400" rtl="0" eaLnBrk="1" latinLnBrk="0" hangingPunct="1">
-              <a:lnSpc>
-                <a:spcPct val="90000"/>
-              </a:lnSpc>
-              <a:spcBef>
-                <a:spcPts val="1000"/>
-              </a:spcBef>
-              <a:buFont typeface="Arial" panose="020B0604020202020204" pitchFamily="34" charset="0"/>
-              <a:buNone/>
-              <a:defRPr sz="2400" kern="1200">
-                <a:solidFill>
-                  <a:schemeClr val="bg1"/>
-                </a:solidFill>
-                <a:latin typeface="Corbel Light" panose="020B0303020204020204" pitchFamily="34" charset="0"/>
-                <a:ea typeface="+mn-ea"/>
-                <a:cs typeface="+mn-cs"/>
-              </a:defRPr>
-            </a:lvl1pPr>
-            <a:lvl2pPr marL="457200" indent="0" algn="ctr" defTabSz="914400" rtl="0" eaLnBrk="1" latinLnBrk="0" hangingPunct="1">
-              <a:lnSpc>
-                <a:spcPct val="90000"/>
-              </a:lnSpc>
-              <a:spcBef>
-                <a:spcPts val="500"/>
-              </a:spcBef>
-              <a:buFont typeface="Arial" panose="020B0604020202020204" pitchFamily="34" charset="0"/>
-              <a:buNone/>
-              <a:defRPr sz="2000" kern="1200">
-                <a:solidFill>
-                  <a:schemeClr val="bg1"/>
-                </a:solidFill>
-                <a:latin typeface="Corbel Light" panose="020B0303020204020204" pitchFamily="34" charset="0"/>
-                <a:ea typeface="+mn-ea"/>
-                <a:cs typeface="+mn-cs"/>
-              </a:defRPr>
-            </a:lvl2pPr>
-            <a:lvl3pPr marL="914400" indent="0" algn="ctr" defTabSz="914400" rtl="0" eaLnBrk="1" latinLnBrk="0" hangingPunct="1">
-              <a:lnSpc>
-                <a:spcPct val="90000"/>
-              </a:lnSpc>
-              <a:spcBef>
-                <a:spcPts val="500"/>
-              </a:spcBef>
-              <a:buFont typeface="Arial" panose="020B0604020202020204" pitchFamily="34" charset="0"/>
-              <a:buNone/>
-              <a:defRPr sz="1800" kern="1200">
-                <a:solidFill>
-                  <a:schemeClr val="bg1"/>
-                </a:solidFill>
-                <a:latin typeface="Corbel Light" panose="020B0303020204020204" pitchFamily="34" charset="0"/>
-                <a:ea typeface="+mn-ea"/>
-                <a:cs typeface="+mn-cs"/>
-              </a:defRPr>
-            </a:lvl3pPr>
-            <a:lvl4pPr marL="1371600" indent="0" algn="ctr" defTabSz="914400" rtl="0" eaLnBrk="1" latinLnBrk="0" hangingPunct="1">
-              <a:lnSpc>
-                <a:spcPct val="90000"/>
-              </a:lnSpc>
-              <a:spcBef>
-                <a:spcPts val="500"/>
-              </a:spcBef>
-              <a:buFont typeface="Arial" panose="020B0604020202020204" pitchFamily="34" charset="0"/>
-              <a:buNone/>
-              <a:defRPr sz="1600" kern="1200">
-                <a:solidFill>
-                  <a:schemeClr val="bg1"/>
-                </a:solidFill>
-                <a:latin typeface="Corbel Light" panose="020B0303020204020204" pitchFamily="34" charset="0"/>
-                <a:ea typeface="+mn-ea"/>
-                <a:cs typeface="+mn-cs"/>
-              </a:defRPr>
-            </a:lvl4pPr>
-            <a:lvl5pPr marL="1828800" indent="0" algn="ctr" defTabSz="914400" rtl="0" eaLnBrk="1" latinLnBrk="0" hangingPunct="1">
-              <a:lnSpc>
-                <a:spcPct val="90000"/>
-              </a:lnSpc>
-              <a:spcBef>
-                <a:spcPts val="500"/>
-              </a:spcBef>
-              <a:buFont typeface="Arial" panose="020B0604020202020204" pitchFamily="34" charset="0"/>
-              <a:buNone/>
-              <a:defRPr sz="1600" kern="1200">
-                <a:solidFill>
-                  <a:schemeClr val="bg1"/>
-                </a:solidFill>
-                <a:latin typeface="Corbel Light" panose="020B0303020204020204" pitchFamily="34" charset="0"/>
-                <a:ea typeface="+mn-ea"/>
-                <a:cs typeface="+mn-cs"/>
-              </a:defRPr>
-            </a:lvl5pPr>
-            <a:lvl6pPr marL="2286000" indent="0" algn="ctr" defTabSz="914400" rtl="0" eaLnBrk="1" latinLnBrk="0" hangingPunct="1">
-              <a:lnSpc>
-                <a:spcPct val="90000"/>
-              </a:lnSpc>
-              <a:spcBef>
-                <a:spcPts val="500"/>
-              </a:spcBef>
-              <a:buFont typeface="Arial" panose="020B0604020202020204" pitchFamily="34" charset="0"/>
-              <a:buNone/>
-              <a:defRPr sz="1600" kern="1200">
-                <a:solidFill>
-                  <a:schemeClr val="tx1"/>
-                </a:solidFill>
-                <a:latin typeface="+mn-lt"/>
-                <a:ea typeface="+mn-ea"/>
-                <a:cs typeface="+mn-cs"/>
-              </a:defRPr>
-            </a:lvl6pPr>
-            <a:lvl7pPr marL="2743200" indent="0" algn="ctr" defTabSz="914400" rtl="0" eaLnBrk="1" latinLnBrk="0" hangingPunct="1">
-              <a:lnSpc>
-                <a:spcPct val="90000"/>
-              </a:lnSpc>
-              <a:spcBef>
-                <a:spcPts val="500"/>
-              </a:spcBef>
-              <a:buFont typeface="Arial" panose="020B0604020202020204" pitchFamily="34" charset="0"/>
-              <a:buNone/>
-              <a:defRPr sz="1600" kern="1200">
-                <a:solidFill>
-                  <a:schemeClr val="tx1"/>
-                </a:solidFill>
-                <a:latin typeface="+mn-lt"/>
-                <a:ea typeface="+mn-ea"/>
-                <a:cs typeface="+mn-cs"/>
-              </a:defRPr>
-            </a:lvl7pPr>
-            <a:lvl8pPr marL="3200400" indent="0" algn="ctr" defTabSz="914400" rtl="0" eaLnBrk="1" latinLnBrk="0" hangingPunct="1">
-              <a:lnSpc>
-                <a:spcPct val="90000"/>
-              </a:lnSpc>
-              <a:spcBef>
-                <a:spcPts val="500"/>
-              </a:spcBef>
-              <a:buFont typeface="Arial" panose="020B0604020202020204" pitchFamily="34" charset="0"/>
-              <a:buNone/>
-              <a:defRPr sz="1600" kern="1200">
-                <a:solidFill>
-                  <a:schemeClr val="tx1"/>
-                </a:solidFill>
-                <a:latin typeface="+mn-lt"/>
-                <a:ea typeface="+mn-ea"/>
-                <a:cs typeface="+mn-cs"/>
-              </a:defRPr>
-            </a:lvl8pPr>
-            <a:lvl9pPr marL="3657600" indent="0" algn="ctr" defTabSz="914400" rtl="0" eaLnBrk="1" latinLnBrk="0" hangingPunct="1">
-              <a:lnSpc>
-                <a:spcPct val="90000"/>
-              </a:lnSpc>
-              <a:spcBef>
-                <a:spcPts val="500"/>
-              </a:spcBef>
-              <a:buFont typeface="Arial" panose="020B0604020202020204" pitchFamily="34" charset="0"/>
-              <a:buNone/>
-              <a:defRPr sz="1600" kern="1200">
-                <a:solidFill>
-                  <a:schemeClr val="tx1"/>
-                </a:solidFill>
-                <a:latin typeface="+mn-lt"/>
-                <a:ea typeface="+mn-ea"/>
-                <a:cs typeface="+mn-cs"/>
-              </a:defRPr>
-            </a:lvl9pPr>
-          </a:lstStyle>
-          <a:p>
-            <a:r>
-              <a:rPr lang="en-US" sz="5400" dirty="0"/>
-              <a:t>Image Compression</a:t>
-            </a:r>
-          </a:p>
-        </p:txBody>
-      </p:sp>
-      <p:sp>
-        <p:nvSpPr>
-          <p:cNvPr id="4" name="Title 1">
-            <a:extLst>
-              <a:ext uri="{FF2B5EF4-FFF2-40B4-BE49-F238E27FC236}">
-                <a16:creationId xmlns:a16="http://schemas.microsoft.com/office/drawing/2014/main" id="{0CE0200A-D89C-BBBA-7DA7-11282DCE5A0F}"/>
-              </a:ext>
-            </a:extLst>
-          </p:cNvPr>
-          <p:cNvSpPr>
-            <a:spLocks noGrp="1"/>
-          </p:cNvSpPr>
-          <p:nvPr>
-            <p:ph type="ctrTitle"/>
-          </p:nvPr>
-        </p:nvSpPr>
-        <p:spPr>
-          <a:xfrm>
-            <a:off x="1524000" y="1122363"/>
-            <a:ext cx="9144000" cy="2387600"/>
-          </a:xfrm>
-        </p:spPr>
-        <p:txBody>
-          <a:bodyPr/>
-          <a:lstStyle/>
-          <a:p>
-            <a:r>
-              <a:rPr lang="en-US" dirty="0"/>
-              <a:t>Under The Hood</a:t>
-            </a:r>
-          </a:p>
-        </p:txBody>
-      </p:sp>
-      <p:sp>
-        <p:nvSpPr>
-          <p:cNvPr id="5" name="Subtitle 2">
-            <a:extLst>
-              <a:ext uri="{FF2B5EF4-FFF2-40B4-BE49-F238E27FC236}">
-                <a16:creationId xmlns:a16="http://schemas.microsoft.com/office/drawing/2014/main" id="{1D7DD194-22C1-2F9A-4D8D-FD5367BA5FAB}"/>
-              </a:ext>
-            </a:extLst>
-          </p:cNvPr>
-          <p:cNvSpPr>
-            <a:spLocks noGrp="1"/>
-          </p:cNvSpPr>
-          <p:nvPr>
-            <p:ph type="subTitle" idx="1"/>
-          </p:nvPr>
-        </p:nvSpPr>
-        <p:spPr>
-          <a:xfrm>
-            <a:off x="1524000" y="3602038"/>
-            <a:ext cx="9144000" cy="1655762"/>
-          </a:xfrm>
-        </p:spPr>
-        <p:txBody>
-          <a:bodyPr/>
-          <a:lstStyle/>
-          <a:p>
-            <a:r>
-              <a:rPr lang="en-US" dirty="0"/>
-              <a:t>How Does Approximate Computing Generally Work?</a:t>
-            </a:r>
-          </a:p>
-        </p:txBody>
-      </p:sp>
-      <p:sp>
-        <p:nvSpPr>
-          <p:cNvPr id="6" name="Title 1">
-            <a:extLst>
-              <a:ext uri="{FF2B5EF4-FFF2-40B4-BE49-F238E27FC236}">
-                <a16:creationId xmlns:a16="http://schemas.microsoft.com/office/drawing/2014/main" id="{F9B00465-4996-C2AC-776B-9BA65D491B19}"/>
-              </a:ext>
-            </a:extLst>
-          </p:cNvPr>
-          <p:cNvSpPr txBox="1">
-            <a:spLocks/>
-          </p:cNvSpPr>
-          <p:nvPr/>
-        </p:nvSpPr>
-        <p:spPr>
-          <a:xfrm>
-            <a:off x="838200" y="7891343"/>
-            <a:ext cx="10515600" cy="1325563"/>
-          </a:xfrm>
-          <a:prstGeom prst="rect">
-            <a:avLst/>
-          </a:prstGeom>
-        </p:spPr>
-        <p:txBody>
-          <a:bodyPr vert="horz" lIns="91440" tIns="45720" rIns="91440" bIns="45720" rtlCol="0" anchor="b">
-            <a:normAutofit/>
-          </a:bodyPr>
-          <a:lstStyle>
-            <a:lvl1pPr algn="ctr" defTabSz="914400" rtl="0" eaLnBrk="1" latinLnBrk="0" hangingPunct="1">
-              <a:lnSpc>
-                <a:spcPct val="90000"/>
-              </a:lnSpc>
-              <a:spcBef>
-                <a:spcPct val="0"/>
-              </a:spcBef>
-              <a:buNone/>
-              <a:defRPr sz="6000" b="0" kern="1200">
-                <a:solidFill>
-                  <a:schemeClr val="bg1"/>
-                </a:solidFill>
-                <a:latin typeface="DengXian" panose="02010600030101010101" pitchFamily="2" charset="-122"/>
-                <a:ea typeface="DengXian" panose="02010600030101010101" pitchFamily="2" charset="-122"/>
-                <a:cs typeface="Calibri Light" panose="020F0302020204030204" pitchFamily="34" charset="0"/>
-              </a:defRPr>
-            </a:lvl1pPr>
-          </a:lstStyle>
-          <a:p>
-            <a:pPr algn="l"/>
-            <a:r>
-              <a:rPr lang="en-US" b="1" dirty="0"/>
-              <a:t>General Steps</a:t>
-            </a:r>
-          </a:p>
-        </p:txBody>
-      </p:sp>
-      <p:sp>
-        <p:nvSpPr>
-          <p:cNvPr id="7" name="Content Placeholder 2">
-            <a:extLst>
-              <a:ext uri="{FF2B5EF4-FFF2-40B4-BE49-F238E27FC236}">
-                <a16:creationId xmlns:a16="http://schemas.microsoft.com/office/drawing/2014/main" id="{0C4707DC-AB32-4842-E07D-F970B344BC85}"/>
-              </a:ext>
-            </a:extLst>
-          </p:cNvPr>
-          <p:cNvSpPr txBox="1">
-            <a:spLocks/>
-          </p:cNvSpPr>
-          <p:nvPr/>
-        </p:nvSpPr>
-        <p:spPr>
-          <a:xfrm>
-            <a:off x="838200" y="9830277"/>
+            <a:off x="838200" y="3382581"/>
             <a:ext cx="10515600" cy="563348"/>
           </a:xfrm>
           <a:prstGeom prst="rect">
@@ -27514,7 +27995,7 @@
           <p:cNvPr id="8" name="Graphic 7">
             <a:extLst>
               <a:ext uri="{FF2B5EF4-FFF2-40B4-BE49-F238E27FC236}">
-                <a16:creationId xmlns:a16="http://schemas.microsoft.com/office/drawing/2014/main" id="{2507F92D-FBBB-44DC-7911-5D16E44E7AC5}"/>
+                <a16:creationId xmlns:a16="http://schemas.microsoft.com/office/drawing/2014/main" id="{36047E84-C639-CDD8-25A8-344CD434300C}"/>
               </a:ext>
             </a:extLst>
           </p:cNvPr>
@@ -27524,10 +28005,10 @@
           <p:nvPr/>
         </p:nvPicPr>
         <p:blipFill>
-          <a:blip r:embed="rId4">
+          <a:blip r:embed="rId3">
             <a:extLst>
               <a:ext uri="{96DAC541-7B7A-43D3-8B79-37D633B846F1}">
-                <asvg:svgBlip xmlns:asvg="http://schemas.microsoft.com/office/drawing/2016/SVG/main" r:embed="rId5"/>
+                <asvg:svgBlip xmlns:asvg="http://schemas.microsoft.com/office/drawing/2016/SVG/main" r:embed="rId4"/>
               </a:ext>
             </a:extLst>
           </a:blip>
@@ -27537,7 +28018,7 @@
         </p:blipFill>
         <p:spPr>
           <a:xfrm>
-            <a:off x="439368" y="8145978"/>
+            <a:off x="439368" y="619760"/>
             <a:ext cx="462384" cy="462384"/>
           </a:xfrm>
           <a:prstGeom prst="rect">
@@ -27550,7 +28031,7 @@
           <p:cNvPr id="9" name="Graphic 8">
             <a:extLst>
               <a:ext uri="{FF2B5EF4-FFF2-40B4-BE49-F238E27FC236}">
-                <a16:creationId xmlns:a16="http://schemas.microsoft.com/office/drawing/2014/main" id="{D6128CB6-402B-B3F2-2E9F-82D1E3CA6FB2}"/>
+                <a16:creationId xmlns:a16="http://schemas.microsoft.com/office/drawing/2014/main" id="{98A50211-4B4B-F40E-059C-30657FD74135}"/>
               </a:ext>
             </a:extLst>
           </p:cNvPr>
@@ -27560,10 +28041,10 @@
           <p:nvPr/>
         </p:nvPicPr>
         <p:blipFill>
-          <a:blip r:embed="rId4">
+          <a:blip r:embed="rId3">
             <a:extLst>
               <a:ext uri="{96DAC541-7B7A-43D3-8B79-37D633B846F1}">
-                <asvg:svgBlip xmlns:asvg="http://schemas.microsoft.com/office/drawing/2016/SVG/main" r:embed="rId5"/>
+                <asvg:svgBlip xmlns:asvg="http://schemas.microsoft.com/office/drawing/2016/SVG/main" r:embed="rId4"/>
               </a:ext>
             </a:extLst>
           </a:blip>
@@ -27573,7 +28054,7 @@
         </p:blipFill>
         <p:spPr>
           <a:xfrm flipH="1" flipV="1">
-            <a:off x="5598233" y="8856179"/>
+            <a:off x="5598233" y="1329961"/>
             <a:ext cx="462384" cy="462384"/>
           </a:xfrm>
           <a:prstGeom prst="rect">
@@ -27583,10 +28064,10 @@
       </p:pic>
       <p:sp>
         <p:nvSpPr>
-          <p:cNvPr id="10" name="Content Placeholder 2">
+          <p:cNvPr id="2" name="Content Placeholder 2">
             <a:extLst>
               <a:ext uri="{FF2B5EF4-FFF2-40B4-BE49-F238E27FC236}">
-                <a16:creationId xmlns:a16="http://schemas.microsoft.com/office/drawing/2014/main" id="{90D60CF9-9B15-EE27-C5A4-9C23F6393DD9}"/>
+                <a16:creationId xmlns:a16="http://schemas.microsoft.com/office/drawing/2014/main" id="{A8D66E99-5672-0A07-27DD-FF612D71BBA3}"/>
               </a:ext>
             </a:extLst>
           </p:cNvPr>
@@ -27597,7 +28078,7 @@
         </p:nvSpPr>
         <p:spPr>
           <a:xfrm>
-            <a:off x="838200" y="10706655"/>
+            <a:off x="838200" y="3860377"/>
             <a:ext cx="10515600" cy="563348"/>
           </a:xfrm>
           <a:prstGeom prst="rect">
@@ -27784,10 +28265,10 @@
       </p:sp>
       <p:sp>
         <p:nvSpPr>
-          <p:cNvPr id="11" name="Content Placeholder 2">
+          <p:cNvPr id="3" name="Content Placeholder 2">
             <a:extLst>
               <a:ext uri="{FF2B5EF4-FFF2-40B4-BE49-F238E27FC236}">
-                <a16:creationId xmlns:a16="http://schemas.microsoft.com/office/drawing/2014/main" id="{2B114E3D-02F0-E3C4-4C9F-087918731FEC}"/>
+                <a16:creationId xmlns:a16="http://schemas.microsoft.com/office/drawing/2014/main" id="{31F4CC2A-4687-00DB-44A8-18FDED1D60C4}"/>
               </a:ext>
             </a:extLst>
           </p:cNvPr>
@@ -27798,7 +28279,7 @@
         </p:nvSpPr>
         <p:spPr>
           <a:xfrm>
-            <a:off x="838200" y="12122293"/>
+            <a:off x="838200" y="4338173"/>
             <a:ext cx="10515600" cy="563348"/>
           </a:xfrm>
           <a:prstGeom prst="rect">
@@ -27985,10 +28466,10 @@
       </p:sp>
       <p:sp>
         <p:nvSpPr>
-          <p:cNvPr id="12" name="Content Placeholder 2">
+          <p:cNvPr id="10" name="Content Placeholder 2">
             <a:extLst>
               <a:ext uri="{FF2B5EF4-FFF2-40B4-BE49-F238E27FC236}">
-                <a16:creationId xmlns:a16="http://schemas.microsoft.com/office/drawing/2014/main" id="{A91C064B-25C0-3432-3693-4832BA02CEFD}"/>
+                <a16:creationId xmlns:a16="http://schemas.microsoft.com/office/drawing/2014/main" id="{B1E3AF73-E3C9-2438-E808-2A3A300696C1}"/>
               </a:ext>
             </a:extLst>
           </p:cNvPr>
@@ -27999,7 +28480,7 @@
         </p:nvSpPr>
         <p:spPr>
           <a:xfrm>
-            <a:off x="838200" y="14062936"/>
+            <a:off x="838200" y="4778263"/>
             <a:ext cx="10515600" cy="563348"/>
           </a:xfrm>
           <a:prstGeom prst="rect">
@@ -28187,7 +28668,7 @@
     </p:spTree>
     <p:extLst>
       <p:ext uri="{BB962C8B-B14F-4D97-AF65-F5344CB8AC3E}">
-        <p14:creationId xmlns:p14="http://schemas.microsoft.com/office/powerpoint/2010/main" val="1330145431"/>
+        <p14:creationId xmlns:p14="http://schemas.microsoft.com/office/powerpoint/2010/main" val="2660220255"/>
       </p:ext>
     </p:extLst>
   </p:cSld>
@@ -28228,72 +28709,6 @@
       </p:grpSpPr>
       <p:sp>
         <p:nvSpPr>
-          <p:cNvPr id="4" name="Title 1">
-            <a:extLst>
-              <a:ext uri="{FF2B5EF4-FFF2-40B4-BE49-F238E27FC236}">
-                <a16:creationId xmlns:a16="http://schemas.microsoft.com/office/drawing/2014/main" id="{0CE0200A-D89C-BBBA-7DA7-11282DCE5A0F}"/>
-              </a:ext>
-            </a:extLst>
-          </p:cNvPr>
-          <p:cNvSpPr>
-            <a:spLocks noGrp="1"/>
-          </p:cNvSpPr>
-          <p:nvPr>
-            <p:ph type="ctrTitle"/>
-          </p:nvPr>
-        </p:nvSpPr>
-        <p:spPr>
-          <a:xfrm>
-            <a:off x="1524000" y="-5536345"/>
-            <a:ext cx="9144000" cy="2387600"/>
-          </a:xfrm>
-        </p:spPr>
-        <p:txBody>
-          <a:bodyPr/>
-          <a:lstStyle/>
-          <a:p>
-            <a:r>
-              <a:rPr lang="en-US" dirty="0"/>
-              <a:t>Under The Hood</a:t>
-            </a:r>
-          </a:p>
-        </p:txBody>
-      </p:sp>
-      <p:sp>
-        <p:nvSpPr>
-          <p:cNvPr id="5" name="Subtitle 2">
-            <a:extLst>
-              <a:ext uri="{FF2B5EF4-FFF2-40B4-BE49-F238E27FC236}">
-                <a16:creationId xmlns:a16="http://schemas.microsoft.com/office/drawing/2014/main" id="{1D7DD194-22C1-2F9A-4D8D-FD5367BA5FAB}"/>
-              </a:ext>
-            </a:extLst>
-          </p:cNvPr>
-          <p:cNvSpPr>
-            <a:spLocks noGrp="1"/>
-          </p:cNvSpPr>
-          <p:nvPr>
-            <p:ph type="subTitle" idx="1"/>
-          </p:nvPr>
-        </p:nvSpPr>
-        <p:spPr>
-          <a:xfrm>
-            <a:off x="1524000" y="-1696794"/>
-            <a:ext cx="9144000" cy="1655762"/>
-          </a:xfrm>
-        </p:spPr>
-        <p:txBody>
-          <a:bodyPr/>
-          <a:lstStyle/>
-          <a:p>
-            <a:r>
-              <a:rPr lang="en-US" dirty="0"/>
-              <a:t>How Does Approximate Computing Generally Work?</a:t>
-            </a:r>
-          </a:p>
-        </p:txBody>
-      </p:sp>
-      <p:sp>
-        <p:nvSpPr>
           <p:cNvPr id="6" name="Title 1">
             <a:extLst>
               <a:ext uri="{FF2B5EF4-FFF2-40B4-BE49-F238E27FC236}">
@@ -28363,7 +28778,7 @@
         </p:nvSpPr>
         <p:spPr>
           <a:xfrm>
-            <a:off x="838200" y="3382581"/>
+            <a:off x="838200" y="1905473"/>
             <a:ext cx="10515600" cy="563348"/>
           </a:xfrm>
           <a:prstGeom prst="rect">
@@ -28541,13 +28956,17 @@
           <a:p>
             <a:pPr algn="l"/>
             <a:r>
-              <a:rPr lang="en-US" sz="3600" dirty="0"/>
+              <a:rPr lang="en-US" sz="3600" b="1" dirty="0">
+                <a:solidFill>
+                  <a:srgbClr val="FFC000"/>
+                </a:solidFill>
+              </a:rPr>
               <a:t>Achieve Minimal Error Result </a:t>
             </a:r>
           </a:p>
           <a:p>
             <a:pPr algn="l"/>
-            <a:endParaRPr lang="en-US" sz="3200" dirty="0"/>
+            <a:endParaRPr lang="en-US" sz="3200" b="1" dirty="0"/>
           </a:p>
         </p:txBody>
       </p:sp>
@@ -28639,7 +29058,7 @@
         </p:nvSpPr>
         <p:spPr>
           <a:xfrm>
-            <a:off x="838200" y="3860377"/>
+            <a:off x="-8727830" y="1998824"/>
             <a:ext cx="10515600" cy="563348"/>
           </a:xfrm>
           <a:prstGeom prst="rect">
@@ -28817,10 +29236,18 @@
           <a:p>
             <a:pPr algn="l"/>
             <a:r>
-              <a:rPr lang="en-US" sz="3600" dirty="0"/>
+              <a:rPr lang="en-US" sz="3600" b="1" dirty="0">
+                <a:solidFill>
+                  <a:srgbClr val="FFC000"/>
+                </a:solidFill>
+              </a:rPr>
               <a:t>Establish a Safe Execution Envelope</a:t>
             </a:r>
-            <a:endParaRPr lang="en-US" sz="3200" dirty="0"/>
+            <a:endParaRPr lang="en-US" sz="3200" b="1" dirty="0">
+              <a:solidFill>
+                <a:srgbClr val="FFC000"/>
+              </a:solidFill>
+            </a:endParaRPr>
           </a:p>
         </p:txBody>
       </p:sp>
@@ -28840,7 +29267,7 @@
         </p:nvSpPr>
         <p:spPr>
           <a:xfrm>
-            <a:off x="838200" y="4338173"/>
+            <a:off x="838200" y="15639215"/>
             <a:ext cx="10515600" cy="563348"/>
           </a:xfrm>
           <a:prstGeom prst="rect">
@@ -29041,7 +29468,7 @@
         </p:nvSpPr>
         <p:spPr>
           <a:xfrm>
-            <a:off x="838200" y="4778263"/>
+            <a:off x="838200" y="17509519"/>
             <a:ext cx="10515600" cy="563348"/>
           </a:xfrm>
           <a:prstGeom prst="rect">
@@ -29226,10 +29653,247 @@
           </a:p>
         </p:txBody>
       </p:sp>
+      <p:sp>
+        <p:nvSpPr>
+          <p:cNvPr id="15" name="Content Placeholder 2">
+            <a:extLst>
+              <a:ext uri="{FF2B5EF4-FFF2-40B4-BE49-F238E27FC236}">
+                <a16:creationId xmlns:a16="http://schemas.microsoft.com/office/drawing/2014/main" id="{309E5EEB-C88B-A4EC-B309-9DAC73E63305}"/>
+              </a:ext>
+            </a:extLst>
+          </p:cNvPr>
+          <p:cNvSpPr txBox="1">
+            <a:spLocks/>
+          </p:cNvSpPr>
+          <p:nvPr/>
+        </p:nvSpPr>
+        <p:spPr>
+          <a:xfrm>
+            <a:off x="777240" y="2655523"/>
+            <a:ext cx="10515600" cy="4107762"/>
+          </a:xfrm>
+          <a:prstGeom prst="rect">
+            <a:avLst/>
+          </a:prstGeom>
+        </p:spPr>
+        <p:txBody>
+          <a:bodyPr vert="horz" lIns="91440" tIns="45720" rIns="91440" bIns="45720" rtlCol="0">
+            <a:normAutofit/>
+          </a:bodyPr>
+          <a:lstStyle>
+            <a:lvl1pPr marL="0" indent="0" algn="ctr" defTabSz="914400" rtl="0" eaLnBrk="1" latinLnBrk="0" hangingPunct="1">
+              <a:lnSpc>
+                <a:spcPct val="90000"/>
+              </a:lnSpc>
+              <a:spcBef>
+                <a:spcPts val="1000"/>
+              </a:spcBef>
+              <a:buFont typeface="Arial" panose="020B0604020202020204" pitchFamily="34" charset="0"/>
+              <a:buNone/>
+              <a:defRPr sz="2400" kern="1200">
+                <a:solidFill>
+                  <a:schemeClr val="bg1"/>
+                </a:solidFill>
+                <a:latin typeface="Corbel Light" panose="020B0303020204020204" pitchFamily="34" charset="0"/>
+                <a:ea typeface="+mn-ea"/>
+                <a:cs typeface="+mn-cs"/>
+              </a:defRPr>
+            </a:lvl1pPr>
+            <a:lvl2pPr marL="457200" indent="0" algn="ctr" defTabSz="914400" rtl="0" eaLnBrk="1" latinLnBrk="0" hangingPunct="1">
+              <a:lnSpc>
+                <a:spcPct val="90000"/>
+              </a:lnSpc>
+              <a:spcBef>
+                <a:spcPts val="500"/>
+              </a:spcBef>
+              <a:buFont typeface="Arial" panose="020B0604020202020204" pitchFamily="34" charset="0"/>
+              <a:buNone/>
+              <a:defRPr sz="2000" kern="1200">
+                <a:solidFill>
+                  <a:schemeClr val="bg1"/>
+                </a:solidFill>
+                <a:latin typeface="Corbel Light" panose="020B0303020204020204" pitchFamily="34" charset="0"/>
+                <a:ea typeface="+mn-ea"/>
+                <a:cs typeface="+mn-cs"/>
+              </a:defRPr>
+            </a:lvl2pPr>
+            <a:lvl3pPr marL="914400" indent="0" algn="ctr" defTabSz="914400" rtl="0" eaLnBrk="1" latinLnBrk="0" hangingPunct="1">
+              <a:lnSpc>
+                <a:spcPct val="90000"/>
+              </a:lnSpc>
+              <a:spcBef>
+                <a:spcPts val="500"/>
+              </a:spcBef>
+              <a:buFont typeface="Arial" panose="020B0604020202020204" pitchFamily="34" charset="0"/>
+              <a:buNone/>
+              <a:defRPr sz="1800" kern="1200">
+                <a:solidFill>
+                  <a:schemeClr val="bg1"/>
+                </a:solidFill>
+                <a:latin typeface="Corbel Light" panose="020B0303020204020204" pitchFamily="34" charset="0"/>
+                <a:ea typeface="+mn-ea"/>
+                <a:cs typeface="+mn-cs"/>
+              </a:defRPr>
+            </a:lvl3pPr>
+            <a:lvl4pPr marL="1371600" indent="0" algn="ctr" defTabSz="914400" rtl="0" eaLnBrk="1" latinLnBrk="0" hangingPunct="1">
+              <a:lnSpc>
+                <a:spcPct val="90000"/>
+              </a:lnSpc>
+              <a:spcBef>
+                <a:spcPts val="500"/>
+              </a:spcBef>
+              <a:buFont typeface="Arial" panose="020B0604020202020204" pitchFamily="34" charset="0"/>
+              <a:buNone/>
+              <a:defRPr sz="1600" kern="1200">
+                <a:solidFill>
+                  <a:schemeClr val="bg1"/>
+                </a:solidFill>
+                <a:latin typeface="Corbel Light" panose="020B0303020204020204" pitchFamily="34" charset="0"/>
+                <a:ea typeface="+mn-ea"/>
+                <a:cs typeface="+mn-cs"/>
+              </a:defRPr>
+            </a:lvl4pPr>
+            <a:lvl5pPr marL="1828800" indent="0" algn="ctr" defTabSz="914400" rtl="0" eaLnBrk="1" latinLnBrk="0" hangingPunct="1">
+              <a:lnSpc>
+                <a:spcPct val="90000"/>
+              </a:lnSpc>
+              <a:spcBef>
+                <a:spcPts val="500"/>
+              </a:spcBef>
+              <a:buFont typeface="Arial" panose="020B0604020202020204" pitchFamily="34" charset="0"/>
+              <a:buNone/>
+              <a:defRPr sz="1600" kern="1200">
+                <a:solidFill>
+                  <a:schemeClr val="bg1"/>
+                </a:solidFill>
+                <a:latin typeface="Corbel Light" panose="020B0303020204020204" pitchFamily="34" charset="0"/>
+                <a:ea typeface="+mn-ea"/>
+                <a:cs typeface="+mn-cs"/>
+              </a:defRPr>
+            </a:lvl5pPr>
+            <a:lvl6pPr marL="2286000" indent="0" algn="ctr" defTabSz="914400" rtl="0" eaLnBrk="1" latinLnBrk="0" hangingPunct="1">
+              <a:lnSpc>
+                <a:spcPct val="90000"/>
+              </a:lnSpc>
+              <a:spcBef>
+                <a:spcPts val="500"/>
+              </a:spcBef>
+              <a:buFont typeface="Arial" panose="020B0604020202020204" pitchFamily="34" charset="0"/>
+              <a:buNone/>
+              <a:defRPr sz="1600" kern="1200">
+                <a:solidFill>
+                  <a:schemeClr val="tx1"/>
+                </a:solidFill>
+                <a:latin typeface="+mn-lt"/>
+                <a:ea typeface="+mn-ea"/>
+                <a:cs typeface="+mn-cs"/>
+              </a:defRPr>
+            </a:lvl6pPr>
+            <a:lvl7pPr marL="2743200" indent="0" algn="ctr" defTabSz="914400" rtl="0" eaLnBrk="1" latinLnBrk="0" hangingPunct="1">
+              <a:lnSpc>
+                <a:spcPct val="90000"/>
+              </a:lnSpc>
+              <a:spcBef>
+                <a:spcPts val="500"/>
+              </a:spcBef>
+              <a:buFont typeface="Arial" panose="020B0604020202020204" pitchFamily="34" charset="0"/>
+              <a:buNone/>
+              <a:defRPr sz="1600" kern="1200">
+                <a:solidFill>
+                  <a:schemeClr val="tx1"/>
+                </a:solidFill>
+                <a:latin typeface="+mn-lt"/>
+                <a:ea typeface="+mn-ea"/>
+                <a:cs typeface="+mn-cs"/>
+              </a:defRPr>
+            </a:lvl7pPr>
+            <a:lvl8pPr marL="3200400" indent="0" algn="ctr" defTabSz="914400" rtl="0" eaLnBrk="1" latinLnBrk="0" hangingPunct="1">
+              <a:lnSpc>
+                <a:spcPct val="90000"/>
+              </a:lnSpc>
+              <a:spcBef>
+                <a:spcPts val="500"/>
+              </a:spcBef>
+              <a:buFont typeface="Arial" panose="020B0604020202020204" pitchFamily="34" charset="0"/>
+              <a:buNone/>
+              <a:defRPr sz="1600" kern="1200">
+                <a:solidFill>
+                  <a:schemeClr val="tx1"/>
+                </a:solidFill>
+                <a:latin typeface="+mn-lt"/>
+                <a:ea typeface="+mn-ea"/>
+                <a:cs typeface="+mn-cs"/>
+              </a:defRPr>
+            </a:lvl8pPr>
+            <a:lvl9pPr marL="3657600" indent="0" algn="ctr" defTabSz="914400" rtl="0" eaLnBrk="1" latinLnBrk="0" hangingPunct="1">
+              <a:lnSpc>
+                <a:spcPct val="90000"/>
+              </a:lnSpc>
+              <a:spcBef>
+                <a:spcPts val="500"/>
+              </a:spcBef>
+              <a:buFont typeface="Arial" panose="020B0604020202020204" pitchFamily="34" charset="0"/>
+              <a:buNone/>
+              <a:defRPr sz="1600" kern="1200">
+                <a:solidFill>
+                  <a:schemeClr val="tx1"/>
+                </a:solidFill>
+                <a:latin typeface="+mn-lt"/>
+                <a:ea typeface="+mn-ea"/>
+                <a:cs typeface="+mn-cs"/>
+              </a:defRPr>
+            </a:lvl9pPr>
+          </a:lstStyle>
+          <a:p>
+            <a:pPr algn="l"/>
+            <a:r>
+              <a:rPr lang="en-US" sz="4000" dirty="0"/>
+              <a:t>Develop quantitative verification systems</a:t>
+            </a:r>
+          </a:p>
+          <a:p>
+            <a:pPr algn="l"/>
+            <a:r>
+              <a:rPr lang="en-US" sz="4000" dirty="0"/>
+              <a:t>Utilize error-resilient domains</a:t>
+            </a:r>
+          </a:p>
+          <a:p>
+            <a:pPr marL="571500" indent="-571500" algn="l">
+              <a:buFont typeface="Arial" panose="020B0604020202020204" pitchFamily="34" charset="0"/>
+              <a:buChar char="•"/>
+            </a:pPr>
+            <a:r>
+              <a:rPr lang="en-US" sz="4000" dirty="0"/>
+              <a:t>	Human Perception</a:t>
+            </a:r>
+          </a:p>
+          <a:p>
+            <a:pPr marL="571500" indent="-571500" algn="l">
+              <a:buFont typeface="Arial" panose="020B0604020202020204" pitchFamily="34" charset="0"/>
+              <a:buChar char="•"/>
+            </a:pPr>
+            <a:r>
+              <a:rPr lang="en-US" sz="4000" dirty="0"/>
+              <a:t>	Data Redundancy</a:t>
+            </a:r>
+          </a:p>
+          <a:p>
+            <a:pPr marL="571500" indent="-571500" algn="l">
+              <a:buFont typeface="Arial" panose="020B0604020202020204" pitchFamily="34" charset="0"/>
+              <a:buChar char="•"/>
+            </a:pPr>
+            <a:r>
+              <a:rPr lang="en-US" sz="4000" dirty="0"/>
+              <a:t>	Generally, areas with “no golden result” </a:t>
+            </a:r>
+          </a:p>
+        </p:txBody>
+      </p:sp>
     </p:spTree>
     <p:extLst>
       <p:ext uri="{BB962C8B-B14F-4D97-AF65-F5344CB8AC3E}">
-        <p14:creationId xmlns:p14="http://schemas.microsoft.com/office/powerpoint/2010/main" val="2660220255"/>
+        <p14:creationId xmlns:p14="http://schemas.microsoft.com/office/powerpoint/2010/main" val="3115362690"/>
       </p:ext>
     </p:extLst>
   </p:cSld>
@@ -29522,12 +30186,13 @@
                   <a:srgbClr val="FFC000"/>
                 </a:solidFill>
               </a:rPr>
-              <a:t>Achieve Minimal Error Result </a:t>
-            </a:r>
-          </a:p>
-          <a:p>
-            <a:pPr algn="l"/>
-            <a:endParaRPr lang="en-US" sz="3200" b="1" dirty="0"/>
+              <a:t>Establish a Safe Execution Envelope</a:t>
+            </a:r>
+            <a:endParaRPr lang="en-US" sz="3200" b="1" dirty="0">
+              <a:solidFill>
+                <a:srgbClr val="FFC000"/>
+              </a:solidFill>
+            </a:endParaRPr>
           </a:p>
         </p:txBody>
       </p:sp>
@@ -29619,7 +30284,7 @@
         </p:nvSpPr>
         <p:spPr>
           <a:xfrm>
-            <a:off x="-8727830" y="1998824"/>
+            <a:off x="13061691" y="1905625"/>
             <a:ext cx="10515600" cy="563348"/>
           </a:xfrm>
           <a:prstGeom prst="rect">
@@ -29802,415 +30467,13 @@
                   <a:srgbClr val="FFC000"/>
                 </a:solidFill>
               </a:rPr>
-              <a:t>Establish a Safe Execution Envelope</a:t>
+              <a:t>Achieve Minimal Error Result</a:t>
             </a:r>
             <a:endParaRPr lang="en-US" sz="3200" b="1" dirty="0">
               <a:solidFill>
                 <a:srgbClr val="FFC000"/>
               </a:solidFill>
             </a:endParaRPr>
-          </a:p>
-        </p:txBody>
-      </p:sp>
-      <p:sp>
-        <p:nvSpPr>
-          <p:cNvPr id="3" name="Content Placeholder 2">
-            <a:extLst>
-              <a:ext uri="{FF2B5EF4-FFF2-40B4-BE49-F238E27FC236}">
-                <a16:creationId xmlns:a16="http://schemas.microsoft.com/office/drawing/2014/main" id="{31F4CC2A-4687-00DB-44A8-18FDED1D60C4}"/>
-              </a:ext>
-            </a:extLst>
-          </p:cNvPr>
-          <p:cNvSpPr txBox="1">
-            <a:spLocks/>
-          </p:cNvSpPr>
-          <p:nvPr/>
-        </p:nvSpPr>
-        <p:spPr>
-          <a:xfrm>
-            <a:off x="838200" y="15639215"/>
-            <a:ext cx="10515600" cy="563348"/>
-          </a:xfrm>
-          <a:prstGeom prst="rect">
-            <a:avLst/>
-          </a:prstGeom>
-        </p:spPr>
-        <p:txBody>
-          <a:bodyPr vert="horz" lIns="91440" tIns="45720" rIns="91440" bIns="45720" rtlCol="0">
-            <a:normAutofit lnSpcReduction="10000"/>
-          </a:bodyPr>
-          <a:lstStyle>
-            <a:lvl1pPr marL="0" indent="0" algn="ctr" defTabSz="914400" rtl="0" eaLnBrk="1" latinLnBrk="0" hangingPunct="1">
-              <a:lnSpc>
-                <a:spcPct val="90000"/>
-              </a:lnSpc>
-              <a:spcBef>
-                <a:spcPts val="1000"/>
-              </a:spcBef>
-              <a:buFont typeface="Arial" panose="020B0604020202020204" pitchFamily="34" charset="0"/>
-              <a:buNone/>
-              <a:defRPr sz="2400" kern="1200">
-                <a:solidFill>
-                  <a:schemeClr val="bg1"/>
-                </a:solidFill>
-                <a:latin typeface="Corbel Light" panose="020B0303020204020204" pitchFamily="34" charset="0"/>
-                <a:ea typeface="+mn-ea"/>
-                <a:cs typeface="+mn-cs"/>
-              </a:defRPr>
-            </a:lvl1pPr>
-            <a:lvl2pPr marL="457200" indent="0" algn="ctr" defTabSz="914400" rtl="0" eaLnBrk="1" latinLnBrk="0" hangingPunct="1">
-              <a:lnSpc>
-                <a:spcPct val="90000"/>
-              </a:lnSpc>
-              <a:spcBef>
-                <a:spcPts val="500"/>
-              </a:spcBef>
-              <a:buFont typeface="Arial" panose="020B0604020202020204" pitchFamily="34" charset="0"/>
-              <a:buNone/>
-              <a:defRPr sz="2000" kern="1200">
-                <a:solidFill>
-                  <a:schemeClr val="bg1"/>
-                </a:solidFill>
-                <a:latin typeface="Corbel Light" panose="020B0303020204020204" pitchFamily="34" charset="0"/>
-                <a:ea typeface="+mn-ea"/>
-                <a:cs typeface="+mn-cs"/>
-              </a:defRPr>
-            </a:lvl2pPr>
-            <a:lvl3pPr marL="914400" indent="0" algn="ctr" defTabSz="914400" rtl="0" eaLnBrk="1" latinLnBrk="0" hangingPunct="1">
-              <a:lnSpc>
-                <a:spcPct val="90000"/>
-              </a:lnSpc>
-              <a:spcBef>
-                <a:spcPts val="500"/>
-              </a:spcBef>
-              <a:buFont typeface="Arial" panose="020B0604020202020204" pitchFamily="34" charset="0"/>
-              <a:buNone/>
-              <a:defRPr sz="1800" kern="1200">
-                <a:solidFill>
-                  <a:schemeClr val="bg1"/>
-                </a:solidFill>
-                <a:latin typeface="Corbel Light" panose="020B0303020204020204" pitchFamily="34" charset="0"/>
-                <a:ea typeface="+mn-ea"/>
-                <a:cs typeface="+mn-cs"/>
-              </a:defRPr>
-            </a:lvl3pPr>
-            <a:lvl4pPr marL="1371600" indent="0" algn="ctr" defTabSz="914400" rtl="0" eaLnBrk="1" latinLnBrk="0" hangingPunct="1">
-              <a:lnSpc>
-                <a:spcPct val="90000"/>
-              </a:lnSpc>
-              <a:spcBef>
-                <a:spcPts val="500"/>
-              </a:spcBef>
-              <a:buFont typeface="Arial" panose="020B0604020202020204" pitchFamily="34" charset="0"/>
-              <a:buNone/>
-              <a:defRPr sz="1600" kern="1200">
-                <a:solidFill>
-                  <a:schemeClr val="bg1"/>
-                </a:solidFill>
-                <a:latin typeface="Corbel Light" panose="020B0303020204020204" pitchFamily="34" charset="0"/>
-                <a:ea typeface="+mn-ea"/>
-                <a:cs typeface="+mn-cs"/>
-              </a:defRPr>
-            </a:lvl4pPr>
-            <a:lvl5pPr marL="1828800" indent="0" algn="ctr" defTabSz="914400" rtl="0" eaLnBrk="1" latinLnBrk="0" hangingPunct="1">
-              <a:lnSpc>
-                <a:spcPct val="90000"/>
-              </a:lnSpc>
-              <a:spcBef>
-                <a:spcPts val="500"/>
-              </a:spcBef>
-              <a:buFont typeface="Arial" panose="020B0604020202020204" pitchFamily="34" charset="0"/>
-              <a:buNone/>
-              <a:defRPr sz="1600" kern="1200">
-                <a:solidFill>
-                  <a:schemeClr val="bg1"/>
-                </a:solidFill>
-                <a:latin typeface="Corbel Light" panose="020B0303020204020204" pitchFamily="34" charset="0"/>
-                <a:ea typeface="+mn-ea"/>
-                <a:cs typeface="+mn-cs"/>
-              </a:defRPr>
-            </a:lvl5pPr>
-            <a:lvl6pPr marL="2286000" indent="0" algn="ctr" defTabSz="914400" rtl="0" eaLnBrk="1" latinLnBrk="0" hangingPunct="1">
-              <a:lnSpc>
-                <a:spcPct val="90000"/>
-              </a:lnSpc>
-              <a:spcBef>
-                <a:spcPts val="500"/>
-              </a:spcBef>
-              <a:buFont typeface="Arial" panose="020B0604020202020204" pitchFamily="34" charset="0"/>
-              <a:buNone/>
-              <a:defRPr sz="1600" kern="1200">
-                <a:solidFill>
-                  <a:schemeClr val="tx1"/>
-                </a:solidFill>
-                <a:latin typeface="+mn-lt"/>
-                <a:ea typeface="+mn-ea"/>
-                <a:cs typeface="+mn-cs"/>
-              </a:defRPr>
-            </a:lvl6pPr>
-            <a:lvl7pPr marL="2743200" indent="0" algn="ctr" defTabSz="914400" rtl="0" eaLnBrk="1" latinLnBrk="0" hangingPunct="1">
-              <a:lnSpc>
-                <a:spcPct val="90000"/>
-              </a:lnSpc>
-              <a:spcBef>
-                <a:spcPts val="500"/>
-              </a:spcBef>
-              <a:buFont typeface="Arial" panose="020B0604020202020204" pitchFamily="34" charset="0"/>
-              <a:buNone/>
-              <a:defRPr sz="1600" kern="1200">
-                <a:solidFill>
-                  <a:schemeClr val="tx1"/>
-                </a:solidFill>
-                <a:latin typeface="+mn-lt"/>
-                <a:ea typeface="+mn-ea"/>
-                <a:cs typeface="+mn-cs"/>
-              </a:defRPr>
-            </a:lvl7pPr>
-            <a:lvl8pPr marL="3200400" indent="0" algn="ctr" defTabSz="914400" rtl="0" eaLnBrk="1" latinLnBrk="0" hangingPunct="1">
-              <a:lnSpc>
-                <a:spcPct val="90000"/>
-              </a:lnSpc>
-              <a:spcBef>
-                <a:spcPts val="500"/>
-              </a:spcBef>
-              <a:buFont typeface="Arial" panose="020B0604020202020204" pitchFamily="34" charset="0"/>
-              <a:buNone/>
-              <a:defRPr sz="1600" kern="1200">
-                <a:solidFill>
-                  <a:schemeClr val="tx1"/>
-                </a:solidFill>
-                <a:latin typeface="+mn-lt"/>
-                <a:ea typeface="+mn-ea"/>
-                <a:cs typeface="+mn-cs"/>
-              </a:defRPr>
-            </a:lvl8pPr>
-            <a:lvl9pPr marL="3657600" indent="0" algn="ctr" defTabSz="914400" rtl="0" eaLnBrk="1" latinLnBrk="0" hangingPunct="1">
-              <a:lnSpc>
-                <a:spcPct val="90000"/>
-              </a:lnSpc>
-              <a:spcBef>
-                <a:spcPts val="500"/>
-              </a:spcBef>
-              <a:buFont typeface="Arial" panose="020B0604020202020204" pitchFamily="34" charset="0"/>
-              <a:buNone/>
-              <a:defRPr sz="1600" kern="1200">
-                <a:solidFill>
-                  <a:schemeClr val="tx1"/>
-                </a:solidFill>
-                <a:latin typeface="+mn-lt"/>
-                <a:ea typeface="+mn-ea"/>
-                <a:cs typeface="+mn-cs"/>
-              </a:defRPr>
-            </a:lvl9pPr>
-          </a:lstStyle>
-          <a:p>
-            <a:pPr algn="l"/>
-            <a:r>
-              <a:rPr lang="en-US" sz="3600" dirty="0"/>
-              <a:t>Relax the Semantics of the Program</a:t>
-            </a:r>
-            <a:endParaRPr lang="en-US" sz="3200" dirty="0"/>
-          </a:p>
-        </p:txBody>
-      </p:sp>
-      <p:sp>
-        <p:nvSpPr>
-          <p:cNvPr id="10" name="Content Placeholder 2">
-            <a:extLst>
-              <a:ext uri="{FF2B5EF4-FFF2-40B4-BE49-F238E27FC236}">
-                <a16:creationId xmlns:a16="http://schemas.microsoft.com/office/drawing/2014/main" id="{B1E3AF73-E3C9-2438-E808-2A3A300696C1}"/>
-              </a:ext>
-            </a:extLst>
-          </p:cNvPr>
-          <p:cNvSpPr txBox="1">
-            <a:spLocks/>
-          </p:cNvSpPr>
-          <p:nvPr/>
-        </p:nvSpPr>
-        <p:spPr>
-          <a:xfrm>
-            <a:off x="838200" y="17509519"/>
-            <a:ext cx="10515600" cy="563348"/>
-          </a:xfrm>
-          <a:prstGeom prst="rect">
-            <a:avLst/>
-          </a:prstGeom>
-        </p:spPr>
-        <p:txBody>
-          <a:bodyPr vert="horz" lIns="91440" tIns="45720" rIns="91440" bIns="45720" rtlCol="0">
-            <a:normAutofit lnSpcReduction="10000"/>
-          </a:bodyPr>
-          <a:lstStyle>
-            <a:lvl1pPr marL="0" indent="0" algn="ctr" defTabSz="914400" rtl="0" eaLnBrk="1" latinLnBrk="0" hangingPunct="1">
-              <a:lnSpc>
-                <a:spcPct val="90000"/>
-              </a:lnSpc>
-              <a:spcBef>
-                <a:spcPts val="1000"/>
-              </a:spcBef>
-              <a:buFont typeface="Arial" panose="020B0604020202020204" pitchFamily="34" charset="0"/>
-              <a:buNone/>
-              <a:defRPr sz="2400" kern="1200">
-                <a:solidFill>
-                  <a:schemeClr val="bg1"/>
-                </a:solidFill>
-                <a:latin typeface="Corbel Light" panose="020B0303020204020204" pitchFamily="34" charset="0"/>
-                <a:ea typeface="+mn-ea"/>
-                <a:cs typeface="+mn-cs"/>
-              </a:defRPr>
-            </a:lvl1pPr>
-            <a:lvl2pPr marL="457200" indent="0" algn="ctr" defTabSz="914400" rtl="0" eaLnBrk="1" latinLnBrk="0" hangingPunct="1">
-              <a:lnSpc>
-                <a:spcPct val="90000"/>
-              </a:lnSpc>
-              <a:spcBef>
-                <a:spcPts val="500"/>
-              </a:spcBef>
-              <a:buFont typeface="Arial" panose="020B0604020202020204" pitchFamily="34" charset="0"/>
-              <a:buNone/>
-              <a:defRPr sz="2000" kern="1200">
-                <a:solidFill>
-                  <a:schemeClr val="bg1"/>
-                </a:solidFill>
-                <a:latin typeface="Corbel Light" panose="020B0303020204020204" pitchFamily="34" charset="0"/>
-                <a:ea typeface="+mn-ea"/>
-                <a:cs typeface="+mn-cs"/>
-              </a:defRPr>
-            </a:lvl2pPr>
-            <a:lvl3pPr marL="914400" indent="0" algn="ctr" defTabSz="914400" rtl="0" eaLnBrk="1" latinLnBrk="0" hangingPunct="1">
-              <a:lnSpc>
-                <a:spcPct val="90000"/>
-              </a:lnSpc>
-              <a:spcBef>
-                <a:spcPts val="500"/>
-              </a:spcBef>
-              <a:buFont typeface="Arial" panose="020B0604020202020204" pitchFamily="34" charset="0"/>
-              <a:buNone/>
-              <a:defRPr sz="1800" kern="1200">
-                <a:solidFill>
-                  <a:schemeClr val="bg1"/>
-                </a:solidFill>
-                <a:latin typeface="Corbel Light" panose="020B0303020204020204" pitchFamily="34" charset="0"/>
-                <a:ea typeface="+mn-ea"/>
-                <a:cs typeface="+mn-cs"/>
-              </a:defRPr>
-            </a:lvl3pPr>
-            <a:lvl4pPr marL="1371600" indent="0" algn="ctr" defTabSz="914400" rtl="0" eaLnBrk="1" latinLnBrk="0" hangingPunct="1">
-              <a:lnSpc>
-                <a:spcPct val="90000"/>
-              </a:lnSpc>
-              <a:spcBef>
-                <a:spcPts val="500"/>
-              </a:spcBef>
-              <a:buFont typeface="Arial" panose="020B0604020202020204" pitchFamily="34" charset="0"/>
-              <a:buNone/>
-              <a:defRPr sz="1600" kern="1200">
-                <a:solidFill>
-                  <a:schemeClr val="bg1"/>
-                </a:solidFill>
-                <a:latin typeface="Corbel Light" panose="020B0303020204020204" pitchFamily="34" charset="0"/>
-                <a:ea typeface="+mn-ea"/>
-                <a:cs typeface="+mn-cs"/>
-              </a:defRPr>
-            </a:lvl4pPr>
-            <a:lvl5pPr marL="1828800" indent="0" algn="ctr" defTabSz="914400" rtl="0" eaLnBrk="1" latinLnBrk="0" hangingPunct="1">
-              <a:lnSpc>
-                <a:spcPct val="90000"/>
-              </a:lnSpc>
-              <a:spcBef>
-                <a:spcPts val="500"/>
-              </a:spcBef>
-              <a:buFont typeface="Arial" panose="020B0604020202020204" pitchFamily="34" charset="0"/>
-              <a:buNone/>
-              <a:defRPr sz="1600" kern="1200">
-                <a:solidFill>
-                  <a:schemeClr val="bg1"/>
-                </a:solidFill>
-                <a:latin typeface="Corbel Light" panose="020B0303020204020204" pitchFamily="34" charset="0"/>
-                <a:ea typeface="+mn-ea"/>
-                <a:cs typeface="+mn-cs"/>
-              </a:defRPr>
-            </a:lvl5pPr>
-            <a:lvl6pPr marL="2286000" indent="0" algn="ctr" defTabSz="914400" rtl="0" eaLnBrk="1" latinLnBrk="0" hangingPunct="1">
-              <a:lnSpc>
-                <a:spcPct val="90000"/>
-              </a:lnSpc>
-              <a:spcBef>
-                <a:spcPts val="500"/>
-              </a:spcBef>
-              <a:buFont typeface="Arial" panose="020B0604020202020204" pitchFamily="34" charset="0"/>
-              <a:buNone/>
-              <a:defRPr sz="1600" kern="1200">
-                <a:solidFill>
-                  <a:schemeClr val="tx1"/>
-                </a:solidFill>
-                <a:latin typeface="+mn-lt"/>
-                <a:ea typeface="+mn-ea"/>
-                <a:cs typeface="+mn-cs"/>
-              </a:defRPr>
-            </a:lvl6pPr>
-            <a:lvl7pPr marL="2743200" indent="0" algn="ctr" defTabSz="914400" rtl="0" eaLnBrk="1" latinLnBrk="0" hangingPunct="1">
-              <a:lnSpc>
-                <a:spcPct val="90000"/>
-              </a:lnSpc>
-              <a:spcBef>
-                <a:spcPts val="500"/>
-              </a:spcBef>
-              <a:buFont typeface="Arial" panose="020B0604020202020204" pitchFamily="34" charset="0"/>
-              <a:buNone/>
-              <a:defRPr sz="1600" kern="1200">
-                <a:solidFill>
-                  <a:schemeClr val="tx1"/>
-                </a:solidFill>
-                <a:latin typeface="+mn-lt"/>
-                <a:ea typeface="+mn-ea"/>
-                <a:cs typeface="+mn-cs"/>
-              </a:defRPr>
-            </a:lvl7pPr>
-            <a:lvl8pPr marL="3200400" indent="0" algn="ctr" defTabSz="914400" rtl="0" eaLnBrk="1" latinLnBrk="0" hangingPunct="1">
-              <a:lnSpc>
-                <a:spcPct val="90000"/>
-              </a:lnSpc>
-              <a:spcBef>
-                <a:spcPts val="500"/>
-              </a:spcBef>
-              <a:buFont typeface="Arial" panose="020B0604020202020204" pitchFamily="34" charset="0"/>
-              <a:buNone/>
-              <a:defRPr sz="1600" kern="1200">
-                <a:solidFill>
-                  <a:schemeClr val="tx1"/>
-                </a:solidFill>
-                <a:latin typeface="+mn-lt"/>
-                <a:ea typeface="+mn-ea"/>
-                <a:cs typeface="+mn-cs"/>
-              </a:defRPr>
-            </a:lvl8pPr>
-            <a:lvl9pPr marL="3657600" indent="0" algn="ctr" defTabSz="914400" rtl="0" eaLnBrk="1" latinLnBrk="0" hangingPunct="1">
-              <a:lnSpc>
-                <a:spcPct val="90000"/>
-              </a:lnSpc>
-              <a:spcBef>
-                <a:spcPts val="500"/>
-              </a:spcBef>
-              <a:buFont typeface="Arial" panose="020B0604020202020204" pitchFamily="34" charset="0"/>
-              <a:buNone/>
-              <a:defRPr sz="1600" kern="1200">
-                <a:solidFill>
-                  <a:schemeClr val="tx1"/>
-                </a:solidFill>
-                <a:latin typeface="+mn-lt"/>
-                <a:ea typeface="+mn-ea"/>
-                <a:cs typeface="+mn-cs"/>
-              </a:defRPr>
-            </a:lvl9pPr>
-          </a:lstStyle>
-          <a:p>
-            <a:pPr algn="l"/>
-            <a:r>
-              <a:rPr lang="en-US" sz="3600" dirty="0"/>
-              <a:t>Verify the Program’s Result</a:t>
-            </a:r>
-            <a:endParaRPr lang="en-US" sz="3200" dirty="0"/>
           </a:p>
         </p:txBody>
       </p:sp>
@@ -30409,52 +30672,261 @@
             <a:pPr algn="l"/>
             <a:r>
               <a:rPr lang="en-US" sz="4000" dirty="0"/>
-              <a:t>Develop quantitative verification systems</a:t>
-            </a:r>
-          </a:p>
+              <a:t>Prominent concerns with radically inaccurate results, rarely correct results, crashes or other malicious actions </a:t>
+            </a:r>
+          </a:p>
+          <a:p>
+            <a:pPr lvl="1" algn="l"/>
+            <a:r>
+              <a:rPr lang="en-US" sz="3600" dirty="0"/>
+              <a:t>Mitigated via error bounding, for example, using assertions (e.g. </a:t>
+            </a:r>
+            <a:r>
+              <a:rPr lang="en-US" sz="3600" dirty="0">
+                <a:latin typeface="+mn-lt"/>
+              </a:rPr>
+              <a:t>a / b</a:t>
+            </a:r>
+            <a:r>
+              <a:rPr lang="en-US" sz="3600" dirty="0"/>
+              <a:t> such that </a:t>
+            </a:r>
+            <a:r>
+              <a:rPr lang="en-US" sz="3600" dirty="0">
+                <a:latin typeface="+mn-lt"/>
+              </a:rPr>
+              <a:t>b ≠ 0</a:t>
+            </a:r>
+            <a:r>
+              <a:rPr lang="en-US" sz="3600" dirty="0"/>
+              <a:t>, where </a:t>
+            </a:r>
+            <a:r>
+              <a:rPr lang="en-US" sz="3600" dirty="0">
+                <a:latin typeface="+mn-lt"/>
+              </a:rPr>
+              <a:t>b≠0</a:t>
+            </a:r>
+            <a:r>
+              <a:rPr lang="en-US" sz="3600" dirty="0"/>
+              <a:t> is the assertion)</a:t>
+            </a:r>
+          </a:p>
+        </p:txBody>
+      </p:sp>
+      <p:sp>
+        <p:nvSpPr>
+          <p:cNvPr id="11" name="Content Placeholder 2">
+            <a:extLst>
+              <a:ext uri="{FF2B5EF4-FFF2-40B4-BE49-F238E27FC236}">
+                <a16:creationId xmlns:a16="http://schemas.microsoft.com/office/drawing/2014/main" id="{2ED210BE-98D7-8841-68AA-7CE6E2799D99}"/>
+              </a:ext>
+            </a:extLst>
+          </p:cNvPr>
+          <p:cNvSpPr txBox="1">
+            <a:spLocks/>
+          </p:cNvSpPr>
+          <p:nvPr/>
+        </p:nvSpPr>
+        <p:spPr>
+          <a:xfrm>
+            <a:off x="-9148833" y="1907400"/>
+            <a:ext cx="10515600" cy="563348"/>
+          </a:xfrm>
+          <a:prstGeom prst="rect">
+            <a:avLst/>
+          </a:prstGeom>
+        </p:spPr>
+        <p:txBody>
+          <a:bodyPr vert="horz" lIns="91440" tIns="45720" rIns="91440" bIns="45720" rtlCol="0">
+            <a:normAutofit lnSpcReduction="10000"/>
+          </a:bodyPr>
+          <a:lstStyle>
+            <a:lvl1pPr marL="0" indent="0" algn="ctr" defTabSz="914400" rtl="0" eaLnBrk="1" latinLnBrk="0" hangingPunct="1">
+              <a:lnSpc>
+                <a:spcPct val="90000"/>
+              </a:lnSpc>
+              <a:spcBef>
+                <a:spcPts val="1000"/>
+              </a:spcBef>
+              <a:buFont typeface="Arial" panose="020B0604020202020204" pitchFamily="34" charset="0"/>
+              <a:buNone/>
+              <a:defRPr sz="2400" kern="1200">
+                <a:solidFill>
+                  <a:schemeClr val="bg1"/>
+                </a:solidFill>
+                <a:latin typeface="Corbel Light" panose="020B0303020204020204" pitchFamily="34" charset="0"/>
+                <a:ea typeface="+mn-ea"/>
+                <a:cs typeface="+mn-cs"/>
+              </a:defRPr>
+            </a:lvl1pPr>
+            <a:lvl2pPr marL="457200" indent="0" algn="ctr" defTabSz="914400" rtl="0" eaLnBrk="1" latinLnBrk="0" hangingPunct="1">
+              <a:lnSpc>
+                <a:spcPct val="90000"/>
+              </a:lnSpc>
+              <a:spcBef>
+                <a:spcPts val="500"/>
+              </a:spcBef>
+              <a:buFont typeface="Arial" panose="020B0604020202020204" pitchFamily="34" charset="0"/>
+              <a:buNone/>
+              <a:defRPr sz="2000" kern="1200">
+                <a:solidFill>
+                  <a:schemeClr val="bg1"/>
+                </a:solidFill>
+                <a:latin typeface="Corbel Light" panose="020B0303020204020204" pitchFamily="34" charset="0"/>
+                <a:ea typeface="+mn-ea"/>
+                <a:cs typeface="+mn-cs"/>
+              </a:defRPr>
+            </a:lvl2pPr>
+            <a:lvl3pPr marL="914400" indent="0" algn="ctr" defTabSz="914400" rtl="0" eaLnBrk="1" latinLnBrk="0" hangingPunct="1">
+              <a:lnSpc>
+                <a:spcPct val="90000"/>
+              </a:lnSpc>
+              <a:spcBef>
+                <a:spcPts val="500"/>
+              </a:spcBef>
+              <a:buFont typeface="Arial" panose="020B0604020202020204" pitchFamily="34" charset="0"/>
+              <a:buNone/>
+              <a:defRPr sz="1800" kern="1200">
+                <a:solidFill>
+                  <a:schemeClr val="bg1"/>
+                </a:solidFill>
+                <a:latin typeface="Corbel Light" panose="020B0303020204020204" pitchFamily="34" charset="0"/>
+                <a:ea typeface="+mn-ea"/>
+                <a:cs typeface="+mn-cs"/>
+              </a:defRPr>
+            </a:lvl3pPr>
+            <a:lvl4pPr marL="1371600" indent="0" algn="ctr" defTabSz="914400" rtl="0" eaLnBrk="1" latinLnBrk="0" hangingPunct="1">
+              <a:lnSpc>
+                <a:spcPct val="90000"/>
+              </a:lnSpc>
+              <a:spcBef>
+                <a:spcPts val="500"/>
+              </a:spcBef>
+              <a:buFont typeface="Arial" panose="020B0604020202020204" pitchFamily="34" charset="0"/>
+              <a:buNone/>
+              <a:defRPr sz="1600" kern="1200">
+                <a:solidFill>
+                  <a:schemeClr val="bg1"/>
+                </a:solidFill>
+                <a:latin typeface="Corbel Light" panose="020B0303020204020204" pitchFamily="34" charset="0"/>
+                <a:ea typeface="+mn-ea"/>
+                <a:cs typeface="+mn-cs"/>
+              </a:defRPr>
+            </a:lvl4pPr>
+            <a:lvl5pPr marL="1828800" indent="0" algn="ctr" defTabSz="914400" rtl="0" eaLnBrk="1" latinLnBrk="0" hangingPunct="1">
+              <a:lnSpc>
+                <a:spcPct val="90000"/>
+              </a:lnSpc>
+              <a:spcBef>
+                <a:spcPts val="500"/>
+              </a:spcBef>
+              <a:buFont typeface="Arial" panose="020B0604020202020204" pitchFamily="34" charset="0"/>
+              <a:buNone/>
+              <a:defRPr sz="1600" kern="1200">
+                <a:solidFill>
+                  <a:schemeClr val="bg1"/>
+                </a:solidFill>
+                <a:latin typeface="Corbel Light" panose="020B0303020204020204" pitchFamily="34" charset="0"/>
+                <a:ea typeface="+mn-ea"/>
+                <a:cs typeface="+mn-cs"/>
+              </a:defRPr>
+            </a:lvl5pPr>
+            <a:lvl6pPr marL="2286000" indent="0" algn="ctr" defTabSz="914400" rtl="0" eaLnBrk="1" latinLnBrk="0" hangingPunct="1">
+              <a:lnSpc>
+                <a:spcPct val="90000"/>
+              </a:lnSpc>
+              <a:spcBef>
+                <a:spcPts val="500"/>
+              </a:spcBef>
+              <a:buFont typeface="Arial" panose="020B0604020202020204" pitchFamily="34" charset="0"/>
+              <a:buNone/>
+              <a:defRPr sz="1600" kern="1200">
+                <a:solidFill>
+                  <a:schemeClr val="tx1"/>
+                </a:solidFill>
+                <a:latin typeface="+mn-lt"/>
+                <a:ea typeface="+mn-ea"/>
+                <a:cs typeface="+mn-cs"/>
+              </a:defRPr>
+            </a:lvl6pPr>
+            <a:lvl7pPr marL="2743200" indent="0" algn="ctr" defTabSz="914400" rtl="0" eaLnBrk="1" latinLnBrk="0" hangingPunct="1">
+              <a:lnSpc>
+                <a:spcPct val="90000"/>
+              </a:lnSpc>
+              <a:spcBef>
+                <a:spcPts val="500"/>
+              </a:spcBef>
+              <a:buFont typeface="Arial" panose="020B0604020202020204" pitchFamily="34" charset="0"/>
+              <a:buNone/>
+              <a:defRPr sz="1600" kern="1200">
+                <a:solidFill>
+                  <a:schemeClr val="tx1"/>
+                </a:solidFill>
+                <a:latin typeface="+mn-lt"/>
+                <a:ea typeface="+mn-ea"/>
+                <a:cs typeface="+mn-cs"/>
+              </a:defRPr>
+            </a:lvl7pPr>
+            <a:lvl8pPr marL="3200400" indent="0" algn="ctr" defTabSz="914400" rtl="0" eaLnBrk="1" latinLnBrk="0" hangingPunct="1">
+              <a:lnSpc>
+                <a:spcPct val="90000"/>
+              </a:lnSpc>
+              <a:spcBef>
+                <a:spcPts val="500"/>
+              </a:spcBef>
+              <a:buFont typeface="Arial" panose="020B0604020202020204" pitchFamily="34" charset="0"/>
+              <a:buNone/>
+              <a:defRPr sz="1600" kern="1200">
+                <a:solidFill>
+                  <a:schemeClr val="tx1"/>
+                </a:solidFill>
+                <a:latin typeface="+mn-lt"/>
+                <a:ea typeface="+mn-ea"/>
+                <a:cs typeface="+mn-cs"/>
+              </a:defRPr>
+            </a:lvl8pPr>
+            <a:lvl9pPr marL="3657600" indent="0" algn="ctr" defTabSz="914400" rtl="0" eaLnBrk="1" latinLnBrk="0" hangingPunct="1">
+              <a:lnSpc>
+                <a:spcPct val="90000"/>
+              </a:lnSpc>
+              <a:spcBef>
+                <a:spcPts val="500"/>
+              </a:spcBef>
+              <a:buFont typeface="Arial" panose="020B0604020202020204" pitchFamily="34" charset="0"/>
+              <a:buNone/>
+              <a:defRPr sz="1600" kern="1200">
+                <a:solidFill>
+                  <a:schemeClr val="tx1"/>
+                </a:solidFill>
+                <a:latin typeface="+mn-lt"/>
+                <a:ea typeface="+mn-ea"/>
+                <a:cs typeface="+mn-cs"/>
+              </a:defRPr>
+            </a:lvl9pPr>
+          </a:lstStyle>
           <a:p>
             <a:pPr algn="l"/>
             <a:r>
-              <a:rPr lang="en-US" sz="4000" dirty="0"/>
-              <a:t>Utilize error-resilient domains</a:t>
-            </a:r>
-          </a:p>
-          <a:p>
-            <a:pPr marL="571500" indent="-571500" algn="l">
-              <a:buFont typeface="Arial" panose="020B0604020202020204" pitchFamily="34" charset="0"/>
-              <a:buChar char="•"/>
-            </a:pPr>
-            <a:r>
-              <a:rPr lang="en-US" sz="4000" dirty="0"/>
-              <a:t>	Human Perception</a:t>
-            </a:r>
-          </a:p>
-          <a:p>
-            <a:pPr marL="571500" indent="-571500" algn="l">
-              <a:buFont typeface="Arial" panose="020B0604020202020204" pitchFamily="34" charset="0"/>
-              <a:buChar char="•"/>
-            </a:pPr>
-            <a:r>
-              <a:rPr lang="en-US" sz="4000" dirty="0"/>
-              <a:t>	Data Redundancy</a:t>
-            </a:r>
-          </a:p>
-          <a:p>
-            <a:pPr marL="571500" indent="-571500" algn="l">
-              <a:buFont typeface="Arial" panose="020B0604020202020204" pitchFamily="34" charset="0"/>
-              <a:buChar char="•"/>
-            </a:pPr>
-            <a:r>
-              <a:rPr lang="en-US" sz="4000" dirty="0"/>
-              <a:t>	Generally, areas with “no golden result” </a:t>
-            </a:r>
+              <a:rPr lang="en-US" sz="3600" b="1" dirty="0">
+                <a:solidFill>
+                  <a:srgbClr val="FFC000"/>
+                </a:solidFill>
+              </a:rPr>
+              <a:t>Relax the Semantics of the Program</a:t>
+            </a:r>
+            <a:endParaRPr lang="en-US" sz="3200" b="1" dirty="0">
+              <a:solidFill>
+                <a:srgbClr val="FFC000"/>
+              </a:solidFill>
+            </a:endParaRPr>
           </a:p>
         </p:txBody>
       </p:sp>
     </p:spTree>
     <p:extLst>
       <p:ext uri="{BB962C8B-B14F-4D97-AF65-F5344CB8AC3E}">
-        <p14:creationId xmlns:p14="http://schemas.microsoft.com/office/powerpoint/2010/main" val="3115362690"/>
+        <p14:creationId xmlns:p14="http://schemas.microsoft.com/office/powerpoint/2010/main" val="786978287"/>
       </p:ext>
     </p:extLst>
   </p:cSld>
@@ -30747,7 +31219,7 @@
                   <a:srgbClr val="FFC000"/>
                 </a:solidFill>
               </a:rPr>
-              <a:t>Establish a Safe Execution Envelope</a:t>
+              <a:t>Relax the Semantics of the Program</a:t>
             </a:r>
             <a:endParaRPr lang="en-US" sz="3200" b="1" dirty="0">
               <a:solidFill>
@@ -31028,7 +31500,7 @@
                   <a:srgbClr val="FFC000"/>
                 </a:solidFill>
               </a:rPr>
-              <a:t>Achieve Minimal Error Result</a:t>
+              <a:t>Establish a Safe Execution Envelope</a:t>
             </a:r>
             <a:endParaRPr lang="en-US" sz="3200" b="1" dirty="0">
               <a:solidFill>
@@ -31063,7 +31535,7 @@
         </p:spPr>
         <p:txBody>
           <a:bodyPr vert="horz" lIns="91440" tIns="45720" rIns="91440" bIns="45720" rtlCol="0">
-            <a:normAutofit/>
+            <a:normAutofit fontScale="85000" lnSpcReduction="20000"/>
           </a:bodyPr>
           <a:lstStyle>
             <a:lvl1pPr marL="0" indent="0" algn="ctr" defTabSz="914400" rtl="0" eaLnBrk="1" latinLnBrk="0" hangingPunct="1">
@@ -31233,54 +31705,54 @@
             <a:pPr algn="l"/>
             <a:r>
               <a:rPr lang="en-US" sz="4000" dirty="0"/>
-              <a:t>Prominent concerns with radically inaccurate results, rarely correct results, crashes or other malicious actions </a:t>
-            </a:r>
-          </a:p>
-          <a:p>
-            <a:pPr lvl="1" algn="l"/>
+              <a:t>If the relaxed version of a program is different to the original, when will they converge? When can they be related again? </a:t>
+            </a:r>
+          </a:p>
+          <a:p>
+            <a:pPr marL="1028700" lvl="1" indent="-571500" algn="l">
+              <a:buFont typeface="Arial" panose="020B0604020202020204" pitchFamily="34" charset="0"/>
+              <a:buChar char="•"/>
+            </a:pPr>
             <a:r>
               <a:rPr lang="en-US" sz="3600" dirty="0"/>
-              <a:t>Mitigated via error bounding, for example, using assertions (e.g. </a:t>
-            </a:r>
-            <a:r>
-              <a:rPr lang="en-US" sz="3600" dirty="0">
-                <a:latin typeface="+mn-lt"/>
-              </a:rPr>
-              <a:t>a / b</a:t>
-            </a:r>
+              <a:t>There are synchronization points where the 2 converge</a:t>
+            </a:r>
+          </a:p>
+          <a:p>
+            <a:pPr marL="1028700" lvl="1" indent="-571500" algn="l">
+              <a:buFont typeface="Arial" panose="020B0604020202020204" pitchFamily="34" charset="0"/>
+              <a:buChar char="•"/>
+            </a:pPr>
             <a:r>
               <a:rPr lang="en-US" sz="3600" dirty="0"/>
-              <a:t> such that </a:t>
-            </a:r>
-            <a:r>
-              <a:rPr lang="en-US" sz="3600" dirty="0">
-                <a:latin typeface="+mn-lt"/>
-              </a:rPr>
-              <a:t>b ≠ 0</a:t>
-            </a:r>
+              <a:t>We bring the assertion or result to a previous (or sometimes future) synchronization point and verify it there </a:t>
+            </a:r>
+          </a:p>
+          <a:p>
+            <a:pPr algn="l"/>
+            <a:r>
+              <a:rPr lang="en-US" sz="4000" dirty="0"/>
+              <a:t>Verification reuses existing reasoning from the original program</a:t>
+            </a:r>
+          </a:p>
+          <a:p>
+            <a:pPr marL="1028700" lvl="1" indent="-571500" algn="l">
+              <a:buFont typeface="Arial" panose="020B0604020202020204" pitchFamily="34" charset="0"/>
+              <a:buChar char="•"/>
+            </a:pPr>
             <a:r>
               <a:rPr lang="en-US" sz="3600" dirty="0"/>
-              <a:t>, where </a:t>
-            </a:r>
-            <a:r>
-              <a:rPr lang="en-US" sz="3600" dirty="0">
-                <a:latin typeface="+mn-lt"/>
-              </a:rPr>
-              <a:t>b≠0</a:t>
-            </a:r>
-            <a:r>
-              <a:rPr lang="en-US" sz="3600" dirty="0"/>
-              <a:t> is the assertion)</a:t>
+              <a:t>Languages such as Coq analyze raw source code using user-given inference rules to validate logic</a:t>
             </a:r>
           </a:p>
         </p:txBody>
       </p:sp>
       <p:sp>
         <p:nvSpPr>
-          <p:cNvPr id="11" name="Content Placeholder 2">
+          <p:cNvPr id="4" name="Content Placeholder 2">
             <a:extLst>
               <a:ext uri="{FF2B5EF4-FFF2-40B4-BE49-F238E27FC236}">
-                <a16:creationId xmlns:a16="http://schemas.microsoft.com/office/drawing/2014/main" id="{2ED210BE-98D7-8841-68AA-7CE6E2799D99}"/>
+                <a16:creationId xmlns:a16="http://schemas.microsoft.com/office/drawing/2014/main" id="{99DEB23B-D97E-9163-FFA9-017FFD1DF558}"/>
               </a:ext>
             </a:extLst>
           </p:cNvPr>
@@ -31291,7 +31763,7 @@
         </p:nvSpPr>
         <p:spPr>
           <a:xfrm>
-            <a:off x="-9148833" y="1907400"/>
+            <a:off x="-7644122" y="1884251"/>
             <a:ext cx="10515600" cy="563348"/>
           </a:xfrm>
           <a:prstGeom prst="rect">
@@ -31300,7 +31772,7 @@
         </p:spPr>
         <p:txBody>
           <a:bodyPr vert="horz" lIns="91440" tIns="45720" rIns="91440" bIns="45720" rtlCol="0">
-            <a:normAutofit lnSpcReduction="10000"/>
+            <a:normAutofit/>
           </a:bodyPr>
           <a:lstStyle>
             <a:lvl1pPr marL="0" indent="0" algn="ctr" defTabSz="914400" rtl="0" eaLnBrk="1" latinLnBrk="0" hangingPunct="1">
@@ -31469,25 +31941,20 @@
           <a:p>
             <a:pPr algn="l"/>
             <a:r>
-              <a:rPr lang="en-US" sz="3600" b="1" dirty="0">
+              <a:rPr lang="en-US" sz="3200" b="1" dirty="0">
                 <a:solidFill>
                   <a:srgbClr val="FFC000"/>
                 </a:solidFill>
               </a:rPr>
-              <a:t>Relax the Semantics of the Program</a:t>
-            </a:r>
-            <a:endParaRPr lang="en-US" sz="3200" b="1" dirty="0">
-              <a:solidFill>
-                <a:srgbClr val="FFC000"/>
-              </a:solidFill>
-            </a:endParaRPr>
+              <a:t>Verify the Program Result</a:t>
+            </a:r>
           </a:p>
         </p:txBody>
       </p:sp>
     </p:spTree>
     <p:extLst>
       <p:ext uri="{BB962C8B-B14F-4D97-AF65-F5344CB8AC3E}">
-        <p14:creationId xmlns:p14="http://schemas.microsoft.com/office/powerpoint/2010/main" val="786978287"/>
+        <p14:creationId xmlns:p14="http://schemas.microsoft.com/office/powerpoint/2010/main" val="2584975450"/>
       </p:ext>
     </p:extLst>
   </p:cSld>
@@ -31606,7 +32073,7 @@
         </p:spPr>
         <p:txBody>
           <a:bodyPr vert="horz" lIns="91440" tIns="45720" rIns="91440" bIns="45720" rtlCol="0">
-            <a:normAutofit lnSpcReduction="10000"/>
+            <a:normAutofit/>
           </a:bodyPr>
           <a:lstStyle>
             <a:lvl1pPr marL="0" indent="0" algn="ctr" defTabSz="914400" rtl="0" eaLnBrk="1" latinLnBrk="0" hangingPunct="1">
@@ -31775,18 +32242,13 @@
           <a:p>
             <a:pPr algn="l"/>
             <a:r>
-              <a:rPr lang="en-US" sz="3600" b="1" dirty="0">
+              <a:rPr lang="en-US" sz="3200" b="1" dirty="0">
                 <a:solidFill>
                   <a:srgbClr val="FFC000"/>
                 </a:solidFill>
               </a:rPr>
-              <a:t>Relax the Semantics of the Program</a:t>
-            </a:r>
-            <a:endParaRPr lang="en-US" sz="3200" b="1" dirty="0">
-              <a:solidFill>
-                <a:srgbClr val="FFC000"/>
-              </a:solidFill>
-            </a:endParaRPr>
+              <a:t>Verify the Program Result</a:t>
+            </a:r>
           </a:p>
         </p:txBody>
       </p:sp>
@@ -32061,7 +32523,7 @@
                   <a:srgbClr val="FFC000"/>
                 </a:solidFill>
               </a:rPr>
-              <a:t>Establish a Safe Execution Envelope</a:t>
+              <a:t>Relax the Semantics of the Program</a:t>
             </a:r>
             <a:endParaRPr lang="en-US" sz="3200" b="1" dirty="0">
               <a:solidFill>
@@ -32096,7 +32558,7 @@
         </p:spPr>
         <p:txBody>
           <a:bodyPr vert="horz" lIns="91440" tIns="45720" rIns="91440" bIns="45720" rtlCol="0">
-            <a:normAutofit fontScale="85000" lnSpcReduction="20000"/>
+            <a:normAutofit lnSpcReduction="10000"/>
           </a:bodyPr>
           <a:lstStyle>
             <a:lvl1pPr marL="0" indent="0" algn="ctr" defTabSz="914400" rtl="0" eaLnBrk="1" latinLnBrk="0" hangingPunct="1">
@@ -32265,249 +32727,45 @@
           <a:p>
             <a:pPr algn="l"/>
             <a:r>
-              <a:rPr lang="en-US" sz="4000" dirty="0"/>
-              <a:t>If the relaxed version of a program is different to the original, when will they converge? When can they be related again? </a:t>
-            </a:r>
-          </a:p>
-          <a:p>
-            <a:pPr marL="1028700" lvl="1" indent="-571500" algn="l">
-              <a:buFont typeface="Arial" panose="020B0604020202020204" pitchFamily="34" charset="0"/>
-              <a:buChar char="•"/>
-            </a:pPr>
-            <a:r>
               <a:rPr lang="en-US" sz="3600" dirty="0"/>
-              <a:t>There are synchronization points where the 2 converge</a:t>
-            </a:r>
-          </a:p>
-          <a:p>
-            <a:pPr marL="1028700" lvl="1" indent="-571500" algn="l">
-              <a:buFont typeface="Arial" panose="020B0604020202020204" pitchFamily="34" charset="0"/>
-              <a:buChar char="•"/>
-            </a:pPr>
+              <a:t>End performance can be measured via things like data processing and feature extraction </a:t>
+            </a:r>
+          </a:p>
+          <a:p>
+            <a:pPr lvl="1" algn="l"/>
+            <a:r>
+              <a:rPr lang="en-US" sz="3200" dirty="0">
+                <a:solidFill>
+                  <a:srgbClr val="FFC000"/>
+                </a:solidFill>
+              </a:rPr>
+              <a:t>Data processing </a:t>
+            </a:r>
+            <a:r>
+              <a:rPr lang="en-US" sz="3200" dirty="0"/>
+              <a:t>refers to the quality of filtering, compression, or equivalent action which can be measured by human perception </a:t>
+            </a:r>
+          </a:p>
+          <a:p>
+            <a:pPr lvl="1" algn="l"/>
+            <a:r>
+              <a:rPr lang="en-US" sz="3200" dirty="0">
+                <a:solidFill>
+                  <a:srgbClr val="FFC000"/>
+                </a:solidFill>
+              </a:rPr>
+              <a:t>Feature extraction </a:t>
+            </a:r>
+            <a:r>
+              <a:rPr lang="en-US" sz="3200" dirty="0"/>
+              <a:t>refers to the identification of properties or characteristics of a data instance using algorithms/methods </a:t>
+            </a:r>
+          </a:p>
+          <a:p>
+            <a:pPr algn="l"/>
             <a:r>
               <a:rPr lang="en-US" sz="3600" dirty="0"/>
-              <a:t>We bring the assertion or result to a previous (or sometimes future) synchronization point and verify it there </a:t>
-            </a:r>
-          </a:p>
-          <a:p>
-            <a:pPr algn="l"/>
-            <a:r>
-              <a:rPr lang="en-US" sz="4000" dirty="0"/>
-              <a:t>Verification reuses existing reasoning from the original program</a:t>
-            </a:r>
-          </a:p>
-          <a:p>
-            <a:pPr marL="1028700" lvl="1" indent="-571500" algn="l">
-              <a:buFont typeface="Arial" panose="020B0604020202020204" pitchFamily="34" charset="0"/>
-              <a:buChar char="•"/>
-            </a:pPr>
-            <a:r>
-              <a:rPr lang="en-US" sz="3600" dirty="0"/>
-              <a:t>Languages such as Coq analyze raw source code using user-given inference rules to validate logic</a:t>
-            </a:r>
-          </a:p>
-        </p:txBody>
-      </p:sp>
-      <p:sp>
-        <p:nvSpPr>
-          <p:cNvPr id="4" name="Content Placeholder 2">
-            <a:extLst>
-              <a:ext uri="{FF2B5EF4-FFF2-40B4-BE49-F238E27FC236}">
-                <a16:creationId xmlns:a16="http://schemas.microsoft.com/office/drawing/2014/main" id="{99DEB23B-D97E-9163-FFA9-017FFD1DF558}"/>
-              </a:ext>
-            </a:extLst>
-          </p:cNvPr>
-          <p:cNvSpPr txBox="1">
-            <a:spLocks/>
-          </p:cNvSpPr>
-          <p:nvPr/>
-        </p:nvSpPr>
-        <p:spPr>
-          <a:xfrm>
-            <a:off x="-7644122" y="1884251"/>
-            <a:ext cx="10515600" cy="563348"/>
-          </a:xfrm>
-          <a:prstGeom prst="rect">
-            <a:avLst/>
-          </a:prstGeom>
-        </p:spPr>
-        <p:txBody>
-          <a:bodyPr vert="horz" lIns="91440" tIns="45720" rIns="91440" bIns="45720" rtlCol="0">
-            <a:normAutofit/>
-          </a:bodyPr>
-          <a:lstStyle>
-            <a:lvl1pPr marL="0" indent="0" algn="ctr" defTabSz="914400" rtl="0" eaLnBrk="1" latinLnBrk="0" hangingPunct="1">
-              <a:lnSpc>
-                <a:spcPct val="90000"/>
-              </a:lnSpc>
-              <a:spcBef>
-                <a:spcPts val="1000"/>
-              </a:spcBef>
-              <a:buFont typeface="Arial" panose="020B0604020202020204" pitchFamily="34" charset="0"/>
-              <a:buNone/>
-              <a:defRPr sz="2400" kern="1200">
-                <a:solidFill>
-                  <a:schemeClr val="bg1"/>
-                </a:solidFill>
-                <a:latin typeface="Corbel Light" panose="020B0303020204020204" pitchFamily="34" charset="0"/>
-                <a:ea typeface="+mn-ea"/>
-                <a:cs typeface="+mn-cs"/>
-              </a:defRPr>
-            </a:lvl1pPr>
-            <a:lvl2pPr marL="457200" indent="0" algn="ctr" defTabSz="914400" rtl="0" eaLnBrk="1" latinLnBrk="0" hangingPunct="1">
-              <a:lnSpc>
-                <a:spcPct val="90000"/>
-              </a:lnSpc>
-              <a:spcBef>
-                <a:spcPts val="500"/>
-              </a:spcBef>
-              <a:buFont typeface="Arial" panose="020B0604020202020204" pitchFamily="34" charset="0"/>
-              <a:buNone/>
-              <a:defRPr sz="2000" kern="1200">
-                <a:solidFill>
-                  <a:schemeClr val="bg1"/>
-                </a:solidFill>
-                <a:latin typeface="Corbel Light" panose="020B0303020204020204" pitchFamily="34" charset="0"/>
-                <a:ea typeface="+mn-ea"/>
-                <a:cs typeface="+mn-cs"/>
-              </a:defRPr>
-            </a:lvl2pPr>
-            <a:lvl3pPr marL="914400" indent="0" algn="ctr" defTabSz="914400" rtl="0" eaLnBrk="1" latinLnBrk="0" hangingPunct="1">
-              <a:lnSpc>
-                <a:spcPct val="90000"/>
-              </a:lnSpc>
-              <a:spcBef>
-                <a:spcPts val="500"/>
-              </a:spcBef>
-              <a:buFont typeface="Arial" panose="020B0604020202020204" pitchFamily="34" charset="0"/>
-              <a:buNone/>
-              <a:defRPr sz="1800" kern="1200">
-                <a:solidFill>
-                  <a:schemeClr val="bg1"/>
-                </a:solidFill>
-                <a:latin typeface="Corbel Light" panose="020B0303020204020204" pitchFamily="34" charset="0"/>
-                <a:ea typeface="+mn-ea"/>
-                <a:cs typeface="+mn-cs"/>
-              </a:defRPr>
-            </a:lvl3pPr>
-            <a:lvl4pPr marL="1371600" indent="0" algn="ctr" defTabSz="914400" rtl="0" eaLnBrk="1" latinLnBrk="0" hangingPunct="1">
-              <a:lnSpc>
-                <a:spcPct val="90000"/>
-              </a:lnSpc>
-              <a:spcBef>
-                <a:spcPts val="500"/>
-              </a:spcBef>
-              <a:buFont typeface="Arial" panose="020B0604020202020204" pitchFamily="34" charset="0"/>
-              <a:buNone/>
-              <a:defRPr sz="1600" kern="1200">
-                <a:solidFill>
-                  <a:schemeClr val="bg1"/>
-                </a:solidFill>
-                <a:latin typeface="Corbel Light" panose="020B0303020204020204" pitchFamily="34" charset="0"/>
-                <a:ea typeface="+mn-ea"/>
-                <a:cs typeface="+mn-cs"/>
-              </a:defRPr>
-            </a:lvl4pPr>
-            <a:lvl5pPr marL="1828800" indent="0" algn="ctr" defTabSz="914400" rtl="0" eaLnBrk="1" latinLnBrk="0" hangingPunct="1">
-              <a:lnSpc>
-                <a:spcPct val="90000"/>
-              </a:lnSpc>
-              <a:spcBef>
-                <a:spcPts val="500"/>
-              </a:spcBef>
-              <a:buFont typeface="Arial" panose="020B0604020202020204" pitchFamily="34" charset="0"/>
-              <a:buNone/>
-              <a:defRPr sz="1600" kern="1200">
-                <a:solidFill>
-                  <a:schemeClr val="bg1"/>
-                </a:solidFill>
-                <a:latin typeface="Corbel Light" panose="020B0303020204020204" pitchFamily="34" charset="0"/>
-                <a:ea typeface="+mn-ea"/>
-                <a:cs typeface="+mn-cs"/>
-              </a:defRPr>
-            </a:lvl5pPr>
-            <a:lvl6pPr marL="2286000" indent="0" algn="ctr" defTabSz="914400" rtl="0" eaLnBrk="1" latinLnBrk="0" hangingPunct="1">
-              <a:lnSpc>
-                <a:spcPct val="90000"/>
-              </a:lnSpc>
-              <a:spcBef>
-                <a:spcPts val="500"/>
-              </a:spcBef>
-              <a:buFont typeface="Arial" panose="020B0604020202020204" pitchFamily="34" charset="0"/>
-              <a:buNone/>
-              <a:defRPr sz="1600" kern="1200">
-                <a:solidFill>
-                  <a:schemeClr val="tx1"/>
-                </a:solidFill>
-                <a:latin typeface="+mn-lt"/>
-                <a:ea typeface="+mn-ea"/>
-                <a:cs typeface="+mn-cs"/>
-              </a:defRPr>
-            </a:lvl6pPr>
-            <a:lvl7pPr marL="2743200" indent="0" algn="ctr" defTabSz="914400" rtl="0" eaLnBrk="1" latinLnBrk="0" hangingPunct="1">
-              <a:lnSpc>
-                <a:spcPct val="90000"/>
-              </a:lnSpc>
-              <a:spcBef>
-                <a:spcPts val="500"/>
-              </a:spcBef>
-              <a:buFont typeface="Arial" panose="020B0604020202020204" pitchFamily="34" charset="0"/>
-              <a:buNone/>
-              <a:defRPr sz="1600" kern="1200">
-                <a:solidFill>
-                  <a:schemeClr val="tx1"/>
-                </a:solidFill>
-                <a:latin typeface="+mn-lt"/>
-                <a:ea typeface="+mn-ea"/>
-                <a:cs typeface="+mn-cs"/>
-              </a:defRPr>
-            </a:lvl7pPr>
-            <a:lvl8pPr marL="3200400" indent="0" algn="ctr" defTabSz="914400" rtl="0" eaLnBrk="1" latinLnBrk="0" hangingPunct="1">
-              <a:lnSpc>
-                <a:spcPct val="90000"/>
-              </a:lnSpc>
-              <a:spcBef>
-                <a:spcPts val="500"/>
-              </a:spcBef>
-              <a:buFont typeface="Arial" panose="020B0604020202020204" pitchFamily="34" charset="0"/>
-              <a:buNone/>
-              <a:defRPr sz="1600" kern="1200">
-                <a:solidFill>
-                  <a:schemeClr val="tx1"/>
-                </a:solidFill>
-                <a:latin typeface="+mn-lt"/>
-                <a:ea typeface="+mn-ea"/>
-                <a:cs typeface="+mn-cs"/>
-              </a:defRPr>
-            </a:lvl8pPr>
-            <a:lvl9pPr marL="3657600" indent="0" algn="ctr" defTabSz="914400" rtl="0" eaLnBrk="1" latinLnBrk="0" hangingPunct="1">
-              <a:lnSpc>
-                <a:spcPct val="90000"/>
-              </a:lnSpc>
-              <a:spcBef>
-                <a:spcPts val="500"/>
-              </a:spcBef>
-              <a:buFont typeface="Arial" panose="020B0604020202020204" pitchFamily="34" charset="0"/>
-              <a:buNone/>
-              <a:defRPr sz="1600" kern="1200">
-                <a:solidFill>
-                  <a:schemeClr val="tx1"/>
-                </a:solidFill>
-                <a:latin typeface="+mn-lt"/>
-                <a:ea typeface="+mn-ea"/>
-                <a:cs typeface="+mn-cs"/>
-              </a:defRPr>
-            </a:lvl9pPr>
-          </a:lstStyle>
-          <a:p>
-            <a:pPr algn="l"/>
-            <a:r>
-              <a:rPr lang="en-US" sz="3200" b="1" dirty="0">
-                <a:solidFill>
-                  <a:srgbClr val="FFC000"/>
-                </a:solidFill>
-              </a:rPr>
-              <a:t>Verify the Program Result</a:t>
+              <a:t>All operations’ reliabilities are evaluated (reading, arithmetic, etc.) </a:t>
             </a:r>
           </a:p>
         </p:txBody>
@@ -32515,7 +32773,7 @@
     </p:spTree>
     <p:extLst>
       <p:ext uri="{BB962C8B-B14F-4D97-AF65-F5344CB8AC3E}">
-        <p14:creationId xmlns:p14="http://schemas.microsoft.com/office/powerpoint/2010/main" val="2584975450"/>
+        <p14:creationId xmlns:p14="http://schemas.microsoft.com/office/powerpoint/2010/main" val="3840002352"/>
       </p:ext>
     </p:extLst>
   </p:cSld>
@@ -33618,7 +33876,7 @@
         </p:blipFill>
         <p:spPr>
           <a:xfrm>
-            <a:off x="439368" y="619760"/>
+            <a:off x="3518234" y="3629178"/>
             <a:ext cx="462384" cy="462384"/>
           </a:xfrm>
           <a:prstGeom prst="rect">
@@ -33654,7 +33912,7 @@
         </p:blipFill>
         <p:spPr>
           <a:xfrm flipH="1" flipV="1">
-            <a:off x="5598233" y="1329961"/>
+            <a:off x="7971043" y="4224655"/>
             <a:ext cx="462384" cy="462384"/>
           </a:xfrm>
           <a:prstGeom prst="rect">
@@ -33662,215 +33920,6 @@
           </a:prstGeom>
         </p:spPr>
       </p:pic>
-      <p:sp>
-        <p:nvSpPr>
-          <p:cNvPr id="2" name="Content Placeholder 2">
-            <a:extLst>
-              <a:ext uri="{FF2B5EF4-FFF2-40B4-BE49-F238E27FC236}">
-                <a16:creationId xmlns:a16="http://schemas.microsoft.com/office/drawing/2014/main" id="{A8D66E99-5672-0A07-27DD-FF612D71BBA3}"/>
-              </a:ext>
-            </a:extLst>
-          </p:cNvPr>
-          <p:cNvSpPr txBox="1">
-            <a:spLocks/>
-          </p:cNvSpPr>
-          <p:nvPr/>
-        </p:nvSpPr>
-        <p:spPr>
-          <a:xfrm>
-            <a:off x="13061691" y="1905625"/>
-            <a:ext cx="10515600" cy="563348"/>
-          </a:xfrm>
-          <a:prstGeom prst="rect">
-            <a:avLst/>
-          </a:prstGeom>
-        </p:spPr>
-        <p:txBody>
-          <a:bodyPr vert="horz" lIns="91440" tIns="45720" rIns="91440" bIns="45720" rtlCol="0">
-            <a:normAutofit lnSpcReduction="10000"/>
-          </a:bodyPr>
-          <a:lstStyle>
-            <a:lvl1pPr marL="0" indent="0" algn="ctr" defTabSz="914400" rtl="0" eaLnBrk="1" latinLnBrk="0" hangingPunct="1">
-              <a:lnSpc>
-                <a:spcPct val="90000"/>
-              </a:lnSpc>
-              <a:spcBef>
-                <a:spcPts val="1000"/>
-              </a:spcBef>
-              <a:buFont typeface="Arial" panose="020B0604020202020204" pitchFamily="34" charset="0"/>
-              <a:buNone/>
-              <a:defRPr sz="2400" kern="1200">
-                <a:solidFill>
-                  <a:schemeClr val="bg1"/>
-                </a:solidFill>
-                <a:latin typeface="Corbel Light" panose="020B0303020204020204" pitchFamily="34" charset="0"/>
-                <a:ea typeface="+mn-ea"/>
-                <a:cs typeface="+mn-cs"/>
-              </a:defRPr>
-            </a:lvl1pPr>
-            <a:lvl2pPr marL="457200" indent="0" algn="ctr" defTabSz="914400" rtl="0" eaLnBrk="1" latinLnBrk="0" hangingPunct="1">
-              <a:lnSpc>
-                <a:spcPct val="90000"/>
-              </a:lnSpc>
-              <a:spcBef>
-                <a:spcPts val="500"/>
-              </a:spcBef>
-              <a:buFont typeface="Arial" panose="020B0604020202020204" pitchFamily="34" charset="0"/>
-              <a:buNone/>
-              <a:defRPr sz="2000" kern="1200">
-                <a:solidFill>
-                  <a:schemeClr val="bg1"/>
-                </a:solidFill>
-                <a:latin typeface="Corbel Light" panose="020B0303020204020204" pitchFamily="34" charset="0"/>
-                <a:ea typeface="+mn-ea"/>
-                <a:cs typeface="+mn-cs"/>
-              </a:defRPr>
-            </a:lvl2pPr>
-            <a:lvl3pPr marL="914400" indent="0" algn="ctr" defTabSz="914400" rtl="0" eaLnBrk="1" latinLnBrk="0" hangingPunct="1">
-              <a:lnSpc>
-                <a:spcPct val="90000"/>
-              </a:lnSpc>
-              <a:spcBef>
-                <a:spcPts val="500"/>
-              </a:spcBef>
-              <a:buFont typeface="Arial" panose="020B0604020202020204" pitchFamily="34" charset="0"/>
-              <a:buNone/>
-              <a:defRPr sz="1800" kern="1200">
-                <a:solidFill>
-                  <a:schemeClr val="bg1"/>
-                </a:solidFill>
-                <a:latin typeface="Corbel Light" panose="020B0303020204020204" pitchFamily="34" charset="0"/>
-                <a:ea typeface="+mn-ea"/>
-                <a:cs typeface="+mn-cs"/>
-              </a:defRPr>
-            </a:lvl3pPr>
-            <a:lvl4pPr marL="1371600" indent="0" algn="ctr" defTabSz="914400" rtl="0" eaLnBrk="1" latinLnBrk="0" hangingPunct="1">
-              <a:lnSpc>
-                <a:spcPct val="90000"/>
-              </a:lnSpc>
-              <a:spcBef>
-                <a:spcPts val="500"/>
-              </a:spcBef>
-              <a:buFont typeface="Arial" panose="020B0604020202020204" pitchFamily="34" charset="0"/>
-              <a:buNone/>
-              <a:defRPr sz="1600" kern="1200">
-                <a:solidFill>
-                  <a:schemeClr val="bg1"/>
-                </a:solidFill>
-                <a:latin typeface="Corbel Light" panose="020B0303020204020204" pitchFamily="34" charset="0"/>
-                <a:ea typeface="+mn-ea"/>
-                <a:cs typeface="+mn-cs"/>
-              </a:defRPr>
-            </a:lvl4pPr>
-            <a:lvl5pPr marL="1828800" indent="0" algn="ctr" defTabSz="914400" rtl="0" eaLnBrk="1" latinLnBrk="0" hangingPunct="1">
-              <a:lnSpc>
-                <a:spcPct val="90000"/>
-              </a:lnSpc>
-              <a:spcBef>
-                <a:spcPts val="500"/>
-              </a:spcBef>
-              <a:buFont typeface="Arial" panose="020B0604020202020204" pitchFamily="34" charset="0"/>
-              <a:buNone/>
-              <a:defRPr sz="1600" kern="1200">
-                <a:solidFill>
-                  <a:schemeClr val="bg1"/>
-                </a:solidFill>
-                <a:latin typeface="Corbel Light" panose="020B0303020204020204" pitchFamily="34" charset="0"/>
-                <a:ea typeface="+mn-ea"/>
-                <a:cs typeface="+mn-cs"/>
-              </a:defRPr>
-            </a:lvl5pPr>
-            <a:lvl6pPr marL="2286000" indent="0" algn="ctr" defTabSz="914400" rtl="0" eaLnBrk="1" latinLnBrk="0" hangingPunct="1">
-              <a:lnSpc>
-                <a:spcPct val="90000"/>
-              </a:lnSpc>
-              <a:spcBef>
-                <a:spcPts val="500"/>
-              </a:spcBef>
-              <a:buFont typeface="Arial" panose="020B0604020202020204" pitchFamily="34" charset="0"/>
-              <a:buNone/>
-              <a:defRPr sz="1600" kern="1200">
-                <a:solidFill>
-                  <a:schemeClr val="tx1"/>
-                </a:solidFill>
-                <a:latin typeface="+mn-lt"/>
-                <a:ea typeface="+mn-ea"/>
-                <a:cs typeface="+mn-cs"/>
-              </a:defRPr>
-            </a:lvl6pPr>
-            <a:lvl7pPr marL="2743200" indent="0" algn="ctr" defTabSz="914400" rtl="0" eaLnBrk="1" latinLnBrk="0" hangingPunct="1">
-              <a:lnSpc>
-                <a:spcPct val="90000"/>
-              </a:lnSpc>
-              <a:spcBef>
-                <a:spcPts val="500"/>
-              </a:spcBef>
-              <a:buFont typeface="Arial" panose="020B0604020202020204" pitchFamily="34" charset="0"/>
-              <a:buNone/>
-              <a:defRPr sz="1600" kern="1200">
-                <a:solidFill>
-                  <a:schemeClr val="tx1"/>
-                </a:solidFill>
-                <a:latin typeface="+mn-lt"/>
-                <a:ea typeface="+mn-ea"/>
-                <a:cs typeface="+mn-cs"/>
-              </a:defRPr>
-            </a:lvl7pPr>
-            <a:lvl8pPr marL="3200400" indent="0" algn="ctr" defTabSz="914400" rtl="0" eaLnBrk="1" latinLnBrk="0" hangingPunct="1">
-              <a:lnSpc>
-                <a:spcPct val="90000"/>
-              </a:lnSpc>
-              <a:spcBef>
-                <a:spcPts val="500"/>
-              </a:spcBef>
-              <a:buFont typeface="Arial" panose="020B0604020202020204" pitchFamily="34" charset="0"/>
-              <a:buNone/>
-              <a:defRPr sz="1600" kern="1200">
-                <a:solidFill>
-                  <a:schemeClr val="tx1"/>
-                </a:solidFill>
-                <a:latin typeface="+mn-lt"/>
-                <a:ea typeface="+mn-ea"/>
-                <a:cs typeface="+mn-cs"/>
-              </a:defRPr>
-            </a:lvl8pPr>
-            <a:lvl9pPr marL="3657600" indent="0" algn="ctr" defTabSz="914400" rtl="0" eaLnBrk="1" latinLnBrk="0" hangingPunct="1">
-              <a:lnSpc>
-                <a:spcPct val="90000"/>
-              </a:lnSpc>
-              <a:spcBef>
-                <a:spcPts val="500"/>
-              </a:spcBef>
-              <a:buFont typeface="Arial" panose="020B0604020202020204" pitchFamily="34" charset="0"/>
-              <a:buNone/>
-              <a:defRPr sz="1600" kern="1200">
-                <a:solidFill>
-                  <a:schemeClr val="tx1"/>
-                </a:solidFill>
-                <a:latin typeface="+mn-lt"/>
-                <a:ea typeface="+mn-ea"/>
-                <a:cs typeface="+mn-cs"/>
-              </a:defRPr>
-            </a:lvl9pPr>
-          </a:lstStyle>
-          <a:p>
-            <a:pPr algn="l"/>
-            <a:r>
-              <a:rPr lang="en-US" sz="3600" b="1" dirty="0">
-                <a:solidFill>
-                  <a:srgbClr val="FFC000"/>
-                </a:solidFill>
-              </a:rPr>
-              <a:t>Relax the Semantics of the Program</a:t>
-            </a:r>
-            <a:endParaRPr lang="en-US" sz="3200" b="1" dirty="0">
-              <a:solidFill>
-                <a:srgbClr val="FFC000"/>
-              </a:solidFill>
-            </a:endParaRPr>
-          </a:p>
-        </p:txBody>
-      </p:sp>
       <p:sp>
         <p:nvSpPr>
           <p:cNvPr id="15" name="Content Placeholder 2">
@@ -33896,7 +33945,7 @@
         </p:spPr>
         <p:txBody>
           <a:bodyPr vert="horz" lIns="91440" tIns="45720" rIns="91440" bIns="45720" rtlCol="0">
-            <a:normAutofit lnSpcReduction="10000"/>
+            <a:normAutofit/>
           </a:bodyPr>
           <a:lstStyle>
             <a:lvl1pPr marL="0" indent="0" algn="ctr" defTabSz="914400" rtl="0" eaLnBrk="1" latinLnBrk="0" hangingPunct="1">
@@ -34063,47 +34112,15 @@
             </a:lvl9pPr>
           </a:lstStyle>
           <a:p>
-            <a:pPr algn="l"/>
+            <a:endParaRPr lang="en-US" sz="3600" dirty="0"/>
+          </a:p>
+          <a:p>
+            <a:endParaRPr lang="en-US" sz="3600" dirty="0"/>
+          </a:p>
+          <a:p>
             <a:r>
               <a:rPr lang="en-US" sz="3600" dirty="0"/>
-              <a:t>End performance can be measured via things like data processing and feature extraction </a:t>
-            </a:r>
-          </a:p>
-          <a:p>
-            <a:pPr lvl="1" algn="l"/>
-            <a:r>
-              <a:rPr lang="en-US" sz="3200" dirty="0">
-                <a:solidFill>
-                  <a:srgbClr val="FFC000"/>
-                </a:solidFill>
-              </a:rPr>
-              <a:t>Data processing </a:t>
-            </a:r>
-            <a:r>
-              <a:rPr lang="en-US" sz="3200" dirty="0"/>
-              <a:t>refers to the quality of filtering, compression, or equivalent action which can be measured by human perception </a:t>
-            </a:r>
-          </a:p>
-          <a:p>
-            <a:pPr lvl="1" algn="l"/>
-            <a:r>
-              <a:rPr lang="en-US" sz="3200" dirty="0">
-                <a:solidFill>
-                  <a:srgbClr val="FFC000"/>
-                </a:solidFill>
-              </a:rPr>
-              <a:t>Feature extraction </a:t>
-            </a:r>
-            <a:r>
-              <a:rPr lang="en-US" sz="3200" dirty="0"/>
-              <a:t>refers to the identification of properties or characteristics of a data instance using algorithms/methods </a:t>
-            </a:r>
-          </a:p>
-          <a:p>
-            <a:pPr algn="l"/>
-            <a:r>
-              <a:rPr lang="en-US" sz="3600" dirty="0"/>
-              <a:t>All operations’ reliabilities are evaluated (reading, arithmetic, etc.) </a:t>
+              <a:t>Put junk in, get junk out</a:t>
             </a:r>
           </a:p>
         </p:txBody>
@@ -34111,7 +34128,7 @@
     </p:spTree>
     <p:extLst>
       <p:ext uri="{BB962C8B-B14F-4D97-AF65-F5344CB8AC3E}">
-        <p14:creationId xmlns:p14="http://schemas.microsoft.com/office/powerpoint/2010/main" val="3840002352"/>
+        <p14:creationId xmlns:p14="http://schemas.microsoft.com/office/powerpoint/2010/main" val="2841986311"/>
       </p:ext>
     </p:extLst>
   </p:cSld>
@@ -34437,584 +34454,6 @@
         </p:blipFill>
         <p:spPr>
           <a:xfrm>
-            <a:off x="3518234" y="3629178"/>
-            <a:ext cx="462384" cy="462384"/>
-          </a:xfrm>
-          <a:prstGeom prst="rect">
-            <a:avLst/>
-          </a:prstGeom>
-        </p:spPr>
-      </p:pic>
-      <p:pic>
-        <p:nvPicPr>
-          <p:cNvPr id="9" name="Graphic 8">
-            <a:extLst>
-              <a:ext uri="{FF2B5EF4-FFF2-40B4-BE49-F238E27FC236}">
-                <a16:creationId xmlns:a16="http://schemas.microsoft.com/office/drawing/2014/main" id="{98A50211-4B4B-F40E-059C-30657FD74135}"/>
-              </a:ext>
-            </a:extLst>
-          </p:cNvPr>
-          <p:cNvPicPr>
-            <a:picLocks noChangeAspect="1"/>
-          </p:cNvPicPr>
-          <p:nvPr/>
-        </p:nvPicPr>
-        <p:blipFill>
-          <a:blip r:embed="rId3">
-            <a:extLst>
-              <a:ext uri="{96DAC541-7B7A-43D3-8B79-37D633B846F1}">
-                <asvg:svgBlip xmlns:asvg="http://schemas.microsoft.com/office/drawing/2016/SVG/main" r:embed="rId4"/>
-              </a:ext>
-            </a:extLst>
-          </a:blip>
-          <a:stretch>
-            <a:fillRect/>
-          </a:stretch>
-        </p:blipFill>
-        <p:spPr>
-          <a:xfrm flipH="1" flipV="1">
-            <a:off x="7971043" y="4224655"/>
-            <a:ext cx="462384" cy="462384"/>
-          </a:xfrm>
-          <a:prstGeom prst="rect">
-            <a:avLst/>
-          </a:prstGeom>
-        </p:spPr>
-      </p:pic>
-      <p:sp>
-        <p:nvSpPr>
-          <p:cNvPr id="15" name="Content Placeholder 2">
-            <a:extLst>
-              <a:ext uri="{FF2B5EF4-FFF2-40B4-BE49-F238E27FC236}">
-                <a16:creationId xmlns:a16="http://schemas.microsoft.com/office/drawing/2014/main" id="{309E5EEB-C88B-A4EC-B309-9DAC73E63305}"/>
-              </a:ext>
-            </a:extLst>
-          </p:cNvPr>
-          <p:cNvSpPr txBox="1">
-            <a:spLocks/>
-          </p:cNvSpPr>
-          <p:nvPr/>
-        </p:nvSpPr>
-        <p:spPr>
-          <a:xfrm>
-            <a:off x="777240" y="2655523"/>
-            <a:ext cx="10515600" cy="4107762"/>
-          </a:xfrm>
-          <a:prstGeom prst="rect">
-            <a:avLst/>
-          </a:prstGeom>
-        </p:spPr>
-        <p:txBody>
-          <a:bodyPr vert="horz" lIns="91440" tIns="45720" rIns="91440" bIns="45720" rtlCol="0">
-            <a:normAutofit/>
-          </a:bodyPr>
-          <a:lstStyle>
-            <a:lvl1pPr marL="0" indent="0" algn="ctr" defTabSz="914400" rtl="0" eaLnBrk="1" latinLnBrk="0" hangingPunct="1">
-              <a:lnSpc>
-                <a:spcPct val="90000"/>
-              </a:lnSpc>
-              <a:spcBef>
-                <a:spcPts val="1000"/>
-              </a:spcBef>
-              <a:buFont typeface="Arial" panose="020B0604020202020204" pitchFamily="34" charset="0"/>
-              <a:buNone/>
-              <a:defRPr sz="2400" kern="1200">
-                <a:solidFill>
-                  <a:schemeClr val="bg1"/>
-                </a:solidFill>
-                <a:latin typeface="Corbel Light" panose="020B0303020204020204" pitchFamily="34" charset="0"/>
-                <a:ea typeface="+mn-ea"/>
-                <a:cs typeface="+mn-cs"/>
-              </a:defRPr>
-            </a:lvl1pPr>
-            <a:lvl2pPr marL="457200" indent="0" algn="ctr" defTabSz="914400" rtl="0" eaLnBrk="1" latinLnBrk="0" hangingPunct="1">
-              <a:lnSpc>
-                <a:spcPct val="90000"/>
-              </a:lnSpc>
-              <a:spcBef>
-                <a:spcPts val="500"/>
-              </a:spcBef>
-              <a:buFont typeface="Arial" panose="020B0604020202020204" pitchFamily="34" charset="0"/>
-              <a:buNone/>
-              <a:defRPr sz="2000" kern="1200">
-                <a:solidFill>
-                  <a:schemeClr val="bg1"/>
-                </a:solidFill>
-                <a:latin typeface="Corbel Light" panose="020B0303020204020204" pitchFamily="34" charset="0"/>
-                <a:ea typeface="+mn-ea"/>
-                <a:cs typeface="+mn-cs"/>
-              </a:defRPr>
-            </a:lvl2pPr>
-            <a:lvl3pPr marL="914400" indent="0" algn="ctr" defTabSz="914400" rtl="0" eaLnBrk="1" latinLnBrk="0" hangingPunct="1">
-              <a:lnSpc>
-                <a:spcPct val="90000"/>
-              </a:lnSpc>
-              <a:spcBef>
-                <a:spcPts val="500"/>
-              </a:spcBef>
-              <a:buFont typeface="Arial" panose="020B0604020202020204" pitchFamily="34" charset="0"/>
-              <a:buNone/>
-              <a:defRPr sz="1800" kern="1200">
-                <a:solidFill>
-                  <a:schemeClr val="bg1"/>
-                </a:solidFill>
-                <a:latin typeface="Corbel Light" panose="020B0303020204020204" pitchFamily="34" charset="0"/>
-                <a:ea typeface="+mn-ea"/>
-                <a:cs typeface="+mn-cs"/>
-              </a:defRPr>
-            </a:lvl3pPr>
-            <a:lvl4pPr marL="1371600" indent="0" algn="ctr" defTabSz="914400" rtl="0" eaLnBrk="1" latinLnBrk="0" hangingPunct="1">
-              <a:lnSpc>
-                <a:spcPct val="90000"/>
-              </a:lnSpc>
-              <a:spcBef>
-                <a:spcPts val="500"/>
-              </a:spcBef>
-              <a:buFont typeface="Arial" panose="020B0604020202020204" pitchFamily="34" charset="0"/>
-              <a:buNone/>
-              <a:defRPr sz="1600" kern="1200">
-                <a:solidFill>
-                  <a:schemeClr val="bg1"/>
-                </a:solidFill>
-                <a:latin typeface="Corbel Light" panose="020B0303020204020204" pitchFamily="34" charset="0"/>
-                <a:ea typeface="+mn-ea"/>
-                <a:cs typeface="+mn-cs"/>
-              </a:defRPr>
-            </a:lvl4pPr>
-            <a:lvl5pPr marL="1828800" indent="0" algn="ctr" defTabSz="914400" rtl="0" eaLnBrk="1" latinLnBrk="0" hangingPunct="1">
-              <a:lnSpc>
-                <a:spcPct val="90000"/>
-              </a:lnSpc>
-              <a:spcBef>
-                <a:spcPts val="500"/>
-              </a:spcBef>
-              <a:buFont typeface="Arial" panose="020B0604020202020204" pitchFamily="34" charset="0"/>
-              <a:buNone/>
-              <a:defRPr sz="1600" kern="1200">
-                <a:solidFill>
-                  <a:schemeClr val="bg1"/>
-                </a:solidFill>
-                <a:latin typeface="Corbel Light" panose="020B0303020204020204" pitchFamily="34" charset="0"/>
-                <a:ea typeface="+mn-ea"/>
-                <a:cs typeface="+mn-cs"/>
-              </a:defRPr>
-            </a:lvl5pPr>
-            <a:lvl6pPr marL="2286000" indent="0" algn="ctr" defTabSz="914400" rtl="0" eaLnBrk="1" latinLnBrk="0" hangingPunct="1">
-              <a:lnSpc>
-                <a:spcPct val="90000"/>
-              </a:lnSpc>
-              <a:spcBef>
-                <a:spcPts val="500"/>
-              </a:spcBef>
-              <a:buFont typeface="Arial" panose="020B0604020202020204" pitchFamily="34" charset="0"/>
-              <a:buNone/>
-              <a:defRPr sz="1600" kern="1200">
-                <a:solidFill>
-                  <a:schemeClr val="tx1"/>
-                </a:solidFill>
-                <a:latin typeface="+mn-lt"/>
-                <a:ea typeface="+mn-ea"/>
-                <a:cs typeface="+mn-cs"/>
-              </a:defRPr>
-            </a:lvl6pPr>
-            <a:lvl7pPr marL="2743200" indent="0" algn="ctr" defTabSz="914400" rtl="0" eaLnBrk="1" latinLnBrk="0" hangingPunct="1">
-              <a:lnSpc>
-                <a:spcPct val="90000"/>
-              </a:lnSpc>
-              <a:spcBef>
-                <a:spcPts val="500"/>
-              </a:spcBef>
-              <a:buFont typeface="Arial" panose="020B0604020202020204" pitchFamily="34" charset="0"/>
-              <a:buNone/>
-              <a:defRPr sz="1600" kern="1200">
-                <a:solidFill>
-                  <a:schemeClr val="tx1"/>
-                </a:solidFill>
-                <a:latin typeface="+mn-lt"/>
-                <a:ea typeface="+mn-ea"/>
-                <a:cs typeface="+mn-cs"/>
-              </a:defRPr>
-            </a:lvl7pPr>
-            <a:lvl8pPr marL="3200400" indent="0" algn="ctr" defTabSz="914400" rtl="0" eaLnBrk="1" latinLnBrk="0" hangingPunct="1">
-              <a:lnSpc>
-                <a:spcPct val="90000"/>
-              </a:lnSpc>
-              <a:spcBef>
-                <a:spcPts val="500"/>
-              </a:spcBef>
-              <a:buFont typeface="Arial" panose="020B0604020202020204" pitchFamily="34" charset="0"/>
-              <a:buNone/>
-              <a:defRPr sz="1600" kern="1200">
-                <a:solidFill>
-                  <a:schemeClr val="tx1"/>
-                </a:solidFill>
-                <a:latin typeface="+mn-lt"/>
-                <a:ea typeface="+mn-ea"/>
-                <a:cs typeface="+mn-cs"/>
-              </a:defRPr>
-            </a:lvl8pPr>
-            <a:lvl9pPr marL="3657600" indent="0" algn="ctr" defTabSz="914400" rtl="0" eaLnBrk="1" latinLnBrk="0" hangingPunct="1">
-              <a:lnSpc>
-                <a:spcPct val="90000"/>
-              </a:lnSpc>
-              <a:spcBef>
-                <a:spcPts val="500"/>
-              </a:spcBef>
-              <a:buFont typeface="Arial" panose="020B0604020202020204" pitchFamily="34" charset="0"/>
-              <a:buNone/>
-              <a:defRPr sz="1600" kern="1200">
-                <a:solidFill>
-                  <a:schemeClr val="tx1"/>
-                </a:solidFill>
-                <a:latin typeface="+mn-lt"/>
-                <a:ea typeface="+mn-ea"/>
-                <a:cs typeface="+mn-cs"/>
-              </a:defRPr>
-            </a:lvl9pPr>
-          </a:lstStyle>
-          <a:p>
-            <a:endParaRPr lang="en-US" sz="3600" dirty="0"/>
-          </a:p>
-          <a:p>
-            <a:endParaRPr lang="en-US" sz="3600" dirty="0"/>
-          </a:p>
-          <a:p>
-            <a:r>
-              <a:rPr lang="en-US" sz="3600" dirty="0"/>
-              <a:t>Put junk in, get junk out</a:t>
-            </a:r>
-          </a:p>
-        </p:txBody>
-      </p:sp>
-    </p:spTree>
-    <p:extLst>
-      <p:ext uri="{BB962C8B-B14F-4D97-AF65-F5344CB8AC3E}">
-        <p14:creationId xmlns:p14="http://schemas.microsoft.com/office/powerpoint/2010/main" val="2841986311"/>
-      </p:ext>
-    </p:extLst>
-  </p:cSld>
-  <p:clrMapOvr>
-    <a:masterClrMapping/>
-  </p:clrMapOvr>
-  <mc:AlternateContent xmlns:mc="http://schemas.openxmlformats.org/markup-compatibility/2006" xmlns:p159="http://schemas.microsoft.com/office/powerpoint/2015/09/main">
-    <mc:Choice Requires="p159">
-      <p:transition xmlns:p14="http://schemas.microsoft.com/office/powerpoint/2010/main" spd="slow" p14:dur="2000">
-        <p159:morph option="byObject"/>
-      </p:transition>
-    </mc:Choice>
-    <mc:Fallback xmlns="">
-      <p:transition spd="slow">
-        <p:fade/>
-      </p:transition>
-    </mc:Fallback>
-  </mc:AlternateContent>
-</p:sld>
-</file>
-
-<file path=ppt/slides/slide42.xml><?xml version="1.0" encoding="utf-8"?>
-<p:sld xmlns:a="http://schemas.openxmlformats.org/drawingml/2006/main" xmlns:r="http://schemas.openxmlformats.org/officeDocument/2006/relationships" xmlns:p="http://schemas.openxmlformats.org/presentationml/2006/main">
-  <p:cSld>
-    <p:spTree>
-      <p:nvGrpSpPr>
-        <p:cNvPr id="1" name=""/>
-        <p:cNvGrpSpPr/>
-        <p:nvPr/>
-      </p:nvGrpSpPr>
-      <p:grpSpPr>
-        <a:xfrm>
-          <a:off x="0" y="0"/>
-          <a:ext cx="0" cy="0"/>
-          <a:chOff x="0" y="0"/>
-          <a:chExt cx="0" cy="0"/>
-        </a:xfrm>
-      </p:grpSpPr>
-      <p:sp>
-        <p:nvSpPr>
-          <p:cNvPr id="6" name="Title 1">
-            <a:extLst>
-              <a:ext uri="{FF2B5EF4-FFF2-40B4-BE49-F238E27FC236}">
-                <a16:creationId xmlns:a16="http://schemas.microsoft.com/office/drawing/2014/main" id="{1EBFCE3D-0B65-2AE0-CBDD-38093ED612CC}"/>
-              </a:ext>
-            </a:extLst>
-          </p:cNvPr>
-          <p:cNvSpPr txBox="1">
-            <a:spLocks/>
-          </p:cNvSpPr>
-          <p:nvPr/>
-        </p:nvSpPr>
-        <p:spPr>
-          <a:xfrm>
-            <a:off x="838200" y="365125"/>
-            <a:ext cx="10515600" cy="1325563"/>
-          </a:xfrm>
-          <a:prstGeom prst="rect">
-            <a:avLst/>
-          </a:prstGeom>
-        </p:spPr>
-        <p:txBody>
-          <a:bodyPr vert="horz" lIns="91440" tIns="45720" rIns="91440" bIns="45720" rtlCol="0" anchor="b">
-            <a:normAutofit/>
-          </a:bodyPr>
-          <a:lstStyle>
-            <a:lvl1pPr algn="ctr" defTabSz="914400" rtl="0" eaLnBrk="1" latinLnBrk="0" hangingPunct="1">
-              <a:lnSpc>
-                <a:spcPct val="90000"/>
-              </a:lnSpc>
-              <a:spcBef>
-                <a:spcPct val="0"/>
-              </a:spcBef>
-              <a:buNone/>
-              <a:defRPr sz="6000" b="0" kern="1200">
-                <a:solidFill>
-                  <a:schemeClr val="bg1"/>
-                </a:solidFill>
-                <a:latin typeface="DengXian" panose="02010600030101010101" pitchFamily="2" charset="-122"/>
-                <a:ea typeface="DengXian" panose="02010600030101010101" pitchFamily="2" charset="-122"/>
-                <a:cs typeface="Calibri Light" panose="020F0302020204030204" pitchFamily="34" charset="0"/>
-              </a:defRPr>
-            </a:lvl1pPr>
-          </a:lstStyle>
-          <a:p>
-            <a:pPr algn="l"/>
-            <a:r>
-              <a:rPr lang="en-US" b="1" dirty="0"/>
-              <a:t>General Steps</a:t>
-            </a:r>
-          </a:p>
-        </p:txBody>
-      </p:sp>
-      <p:sp>
-        <p:nvSpPr>
-          <p:cNvPr id="7" name="Content Placeholder 2">
-            <a:extLst>
-              <a:ext uri="{FF2B5EF4-FFF2-40B4-BE49-F238E27FC236}">
-                <a16:creationId xmlns:a16="http://schemas.microsoft.com/office/drawing/2014/main" id="{5F57214C-7AB0-553E-28CD-6B9887F9E8E4}"/>
-              </a:ext>
-            </a:extLst>
-          </p:cNvPr>
-          <p:cNvSpPr txBox="1">
-            <a:spLocks/>
-          </p:cNvSpPr>
-          <p:nvPr/>
-        </p:nvSpPr>
-        <p:spPr>
-          <a:xfrm>
-            <a:off x="838200" y="1905473"/>
-            <a:ext cx="10515600" cy="563348"/>
-          </a:xfrm>
-          <a:prstGeom prst="rect">
-            <a:avLst/>
-          </a:prstGeom>
-        </p:spPr>
-        <p:txBody>
-          <a:bodyPr vert="horz" lIns="91440" tIns="45720" rIns="91440" bIns="45720" rtlCol="0">
-            <a:normAutofit/>
-          </a:bodyPr>
-          <a:lstStyle>
-            <a:lvl1pPr marL="0" indent="0" algn="ctr" defTabSz="914400" rtl="0" eaLnBrk="1" latinLnBrk="0" hangingPunct="1">
-              <a:lnSpc>
-                <a:spcPct val="90000"/>
-              </a:lnSpc>
-              <a:spcBef>
-                <a:spcPts val="1000"/>
-              </a:spcBef>
-              <a:buFont typeface="Arial" panose="020B0604020202020204" pitchFamily="34" charset="0"/>
-              <a:buNone/>
-              <a:defRPr sz="2400" kern="1200">
-                <a:solidFill>
-                  <a:schemeClr val="bg1"/>
-                </a:solidFill>
-                <a:latin typeface="Corbel Light" panose="020B0303020204020204" pitchFamily="34" charset="0"/>
-                <a:ea typeface="+mn-ea"/>
-                <a:cs typeface="+mn-cs"/>
-              </a:defRPr>
-            </a:lvl1pPr>
-            <a:lvl2pPr marL="457200" indent="0" algn="ctr" defTabSz="914400" rtl="0" eaLnBrk="1" latinLnBrk="0" hangingPunct="1">
-              <a:lnSpc>
-                <a:spcPct val="90000"/>
-              </a:lnSpc>
-              <a:spcBef>
-                <a:spcPts val="500"/>
-              </a:spcBef>
-              <a:buFont typeface="Arial" panose="020B0604020202020204" pitchFamily="34" charset="0"/>
-              <a:buNone/>
-              <a:defRPr sz="2000" kern="1200">
-                <a:solidFill>
-                  <a:schemeClr val="bg1"/>
-                </a:solidFill>
-                <a:latin typeface="Corbel Light" panose="020B0303020204020204" pitchFamily="34" charset="0"/>
-                <a:ea typeface="+mn-ea"/>
-                <a:cs typeface="+mn-cs"/>
-              </a:defRPr>
-            </a:lvl2pPr>
-            <a:lvl3pPr marL="914400" indent="0" algn="ctr" defTabSz="914400" rtl="0" eaLnBrk="1" latinLnBrk="0" hangingPunct="1">
-              <a:lnSpc>
-                <a:spcPct val="90000"/>
-              </a:lnSpc>
-              <a:spcBef>
-                <a:spcPts val="500"/>
-              </a:spcBef>
-              <a:buFont typeface="Arial" panose="020B0604020202020204" pitchFamily="34" charset="0"/>
-              <a:buNone/>
-              <a:defRPr sz="1800" kern="1200">
-                <a:solidFill>
-                  <a:schemeClr val="bg1"/>
-                </a:solidFill>
-                <a:latin typeface="Corbel Light" panose="020B0303020204020204" pitchFamily="34" charset="0"/>
-                <a:ea typeface="+mn-ea"/>
-                <a:cs typeface="+mn-cs"/>
-              </a:defRPr>
-            </a:lvl3pPr>
-            <a:lvl4pPr marL="1371600" indent="0" algn="ctr" defTabSz="914400" rtl="0" eaLnBrk="1" latinLnBrk="0" hangingPunct="1">
-              <a:lnSpc>
-                <a:spcPct val="90000"/>
-              </a:lnSpc>
-              <a:spcBef>
-                <a:spcPts val="500"/>
-              </a:spcBef>
-              <a:buFont typeface="Arial" panose="020B0604020202020204" pitchFamily="34" charset="0"/>
-              <a:buNone/>
-              <a:defRPr sz="1600" kern="1200">
-                <a:solidFill>
-                  <a:schemeClr val="bg1"/>
-                </a:solidFill>
-                <a:latin typeface="Corbel Light" panose="020B0303020204020204" pitchFamily="34" charset="0"/>
-                <a:ea typeface="+mn-ea"/>
-                <a:cs typeface="+mn-cs"/>
-              </a:defRPr>
-            </a:lvl4pPr>
-            <a:lvl5pPr marL="1828800" indent="0" algn="ctr" defTabSz="914400" rtl="0" eaLnBrk="1" latinLnBrk="0" hangingPunct="1">
-              <a:lnSpc>
-                <a:spcPct val="90000"/>
-              </a:lnSpc>
-              <a:spcBef>
-                <a:spcPts val="500"/>
-              </a:spcBef>
-              <a:buFont typeface="Arial" panose="020B0604020202020204" pitchFamily="34" charset="0"/>
-              <a:buNone/>
-              <a:defRPr sz="1600" kern="1200">
-                <a:solidFill>
-                  <a:schemeClr val="bg1"/>
-                </a:solidFill>
-                <a:latin typeface="Corbel Light" panose="020B0303020204020204" pitchFamily="34" charset="0"/>
-                <a:ea typeface="+mn-ea"/>
-                <a:cs typeface="+mn-cs"/>
-              </a:defRPr>
-            </a:lvl5pPr>
-            <a:lvl6pPr marL="2286000" indent="0" algn="ctr" defTabSz="914400" rtl="0" eaLnBrk="1" latinLnBrk="0" hangingPunct="1">
-              <a:lnSpc>
-                <a:spcPct val="90000"/>
-              </a:lnSpc>
-              <a:spcBef>
-                <a:spcPts val="500"/>
-              </a:spcBef>
-              <a:buFont typeface="Arial" panose="020B0604020202020204" pitchFamily="34" charset="0"/>
-              <a:buNone/>
-              <a:defRPr sz="1600" kern="1200">
-                <a:solidFill>
-                  <a:schemeClr val="tx1"/>
-                </a:solidFill>
-                <a:latin typeface="+mn-lt"/>
-                <a:ea typeface="+mn-ea"/>
-                <a:cs typeface="+mn-cs"/>
-              </a:defRPr>
-            </a:lvl6pPr>
-            <a:lvl7pPr marL="2743200" indent="0" algn="ctr" defTabSz="914400" rtl="0" eaLnBrk="1" latinLnBrk="0" hangingPunct="1">
-              <a:lnSpc>
-                <a:spcPct val="90000"/>
-              </a:lnSpc>
-              <a:spcBef>
-                <a:spcPts val="500"/>
-              </a:spcBef>
-              <a:buFont typeface="Arial" panose="020B0604020202020204" pitchFamily="34" charset="0"/>
-              <a:buNone/>
-              <a:defRPr sz="1600" kern="1200">
-                <a:solidFill>
-                  <a:schemeClr val="tx1"/>
-                </a:solidFill>
-                <a:latin typeface="+mn-lt"/>
-                <a:ea typeface="+mn-ea"/>
-                <a:cs typeface="+mn-cs"/>
-              </a:defRPr>
-            </a:lvl7pPr>
-            <a:lvl8pPr marL="3200400" indent="0" algn="ctr" defTabSz="914400" rtl="0" eaLnBrk="1" latinLnBrk="0" hangingPunct="1">
-              <a:lnSpc>
-                <a:spcPct val="90000"/>
-              </a:lnSpc>
-              <a:spcBef>
-                <a:spcPts val="500"/>
-              </a:spcBef>
-              <a:buFont typeface="Arial" panose="020B0604020202020204" pitchFamily="34" charset="0"/>
-              <a:buNone/>
-              <a:defRPr sz="1600" kern="1200">
-                <a:solidFill>
-                  <a:schemeClr val="tx1"/>
-                </a:solidFill>
-                <a:latin typeface="+mn-lt"/>
-                <a:ea typeface="+mn-ea"/>
-                <a:cs typeface="+mn-cs"/>
-              </a:defRPr>
-            </a:lvl8pPr>
-            <a:lvl9pPr marL="3657600" indent="0" algn="ctr" defTabSz="914400" rtl="0" eaLnBrk="1" latinLnBrk="0" hangingPunct="1">
-              <a:lnSpc>
-                <a:spcPct val="90000"/>
-              </a:lnSpc>
-              <a:spcBef>
-                <a:spcPts val="500"/>
-              </a:spcBef>
-              <a:buFont typeface="Arial" panose="020B0604020202020204" pitchFamily="34" charset="0"/>
-              <a:buNone/>
-              <a:defRPr sz="1600" kern="1200">
-                <a:solidFill>
-                  <a:schemeClr val="tx1"/>
-                </a:solidFill>
-                <a:latin typeface="+mn-lt"/>
-                <a:ea typeface="+mn-ea"/>
-                <a:cs typeface="+mn-cs"/>
-              </a:defRPr>
-            </a:lvl9pPr>
-          </a:lstStyle>
-          <a:p>
-            <a:pPr algn="l"/>
-            <a:r>
-              <a:rPr lang="en-US" sz="3200" b="1" dirty="0">
-                <a:solidFill>
-                  <a:srgbClr val="FFC000"/>
-                </a:solidFill>
-              </a:rPr>
-              <a:t>Verify the Program Result</a:t>
-            </a:r>
-          </a:p>
-        </p:txBody>
-      </p:sp>
-      <p:pic>
-        <p:nvPicPr>
-          <p:cNvPr id="8" name="Graphic 7">
-            <a:extLst>
-              <a:ext uri="{FF2B5EF4-FFF2-40B4-BE49-F238E27FC236}">
-                <a16:creationId xmlns:a16="http://schemas.microsoft.com/office/drawing/2014/main" id="{36047E84-C639-CDD8-25A8-344CD434300C}"/>
-              </a:ext>
-            </a:extLst>
-          </p:cNvPr>
-          <p:cNvPicPr>
-            <a:picLocks noChangeAspect="1"/>
-          </p:cNvPicPr>
-          <p:nvPr/>
-        </p:nvPicPr>
-        <p:blipFill>
-          <a:blip r:embed="rId3">
-            <a:extLst>
-              <a:ext uri="{96DAC541-7B7A-43D3-8B79-37D633B846F1}">
-                <asvg:svgBlip xmlns:asvg="http://schemas.microsoft.com/office/drawing/2016/SVG/main" r:embed="rId4"/>
-              </a:ext>
-            </a:extLst>
-          </a:blip>
-          <a:stretch>
-            <a:fillRect/>
-          </a:stretch>
-        </p:blipFill>
-        <p:spPr>
-          <a:xfrm>
             <a:off x="439368" y="619760"/>
             <a:ext cx="462384" cy="462384"/>
           </a:xfrm>
@@ -35365,7 +34804,7 @@
 </p:sld>
 </file>
 
-<file path=ppt/slides/slide43.xml><?xml version="1.0" encoding="utf-8"?>
+<file path=ppt/slides/slide42.xml><?xml version="1.0" encoding="utf-8"?>
 <p:sld xmlns:a="http://schemas.openxmlformats.org/drawingml/2006/main" xmlns:r="http://schemas.openxmlformats.org/officeDocument/2006/relationships" xmlns:p="http://schemas.openxmlformats.org/presentationml/2006/main">
   <p:cSld>
     <p:spTree>
@@ -35768,6 +35207,114 @@
 </p:sld>
 </file>
 
+<file path=ppt/slides/slide43.xml><?xml version="1.0" encoding="utf-8"?>
+<p:sld xmlns:a="http://schemas.openxmlformats.org/drawingml/2006/main" xmlns:r="http://schemas.openxmlformats.org/officeDocument/2006/relationships" xmlns:p="http://schemas.openxmlformats.org/presentationml/2006/main">
+  <p:cSld>
+    <p:spTree>
+      <p:nvGrpSpPr>
+        <p:cNvPr id="1" name=""/>
+        <p:cNvGrpSpPr/>
+        <p:nvPr/>
+      </p:nvGrpSpPr>
+      <p:grpSpPr>
+        <a:xfrm>
+          <a:off x="0" y="0"/>
+          <a:ext cx="0" cy="0"/>
+          <a:chOff x="0" y="0"/>
+          <a:chExt cx="0" cy="0"/>
+        </a:xfrm>
+      </p:grpSpPr>
+      <p:sp>
+        <p:nvSpPr>
+          <p:cNvPr id="4" name="Title 1">
+            <a:extLst>
+              <a:ext uri="{FF2B5EF4-FFF2-40B4-BE49-F238E27FC236}">
+                <a16:creationId xmlns:a16="http://schemas.microsoft.com/office/drawing/2014/main" id="{0CE0200A-D89C-BBBA-7DA7-11282DCE5A0F}"/>
+              </a:ext>
+            </a:extLst>
+          </p:cNvPr>
+          <p:cNvSpPr>
+            <a:spLocks noGrp="1"/>
+          </p:cNvSpPr>
+          <p:nvPr>
+            <p:ph type="ctrTitle"/>
+          </p:nvPr>
+        </p:nvSpPr>
+        <p:spPr>
+          <a:xfrm>
+            <a:off x="1524000" y="1122363"/>
+            <a:ext cx="9144000" cy="2387600"/>
+          </a:xfrm>
+        </p:spPr>
+        <p:txBody>
+          <a:bodyPr/>
+          <a:lstStyle/>
+          <a:p>
+            <a:r>
+              <a:rPr lang="en-US" dirty="0"/>
+              <a:t>Practical Coding Demo</a:t>
+            </a:r>
+          </a:p>
+        </p:txBody>
+      </p:sp>
+      <p:sp>
+        <p:nvSpPr>
+          <p:cNvPr id="5" name="Subtitle 2">
+            <a:extLst>
+              <a:ext uri="{FF2B5EF4-FFF2-40B4-BE49-F238E27FC236}">
+                <a16:creationId xmlns:a16="http://schemas.microsoft.com/office/drawing/2014/main" id="{1D7DD194-22C1-2F9A-4D8D-FD5367BA5FAB}"/>
+              </a:ext>
+            </a:extLst>
+          </p:cNvPr>
+          <p:cNvSpPr>
+            <a:spLocks noGrp="1"/>
+          </p:cNvSpPr>
+          <p:nvPr>
+            <p:ph type="subTitle" idx="1"/>
+          </p:nvPr>
+        </p:nvSpPr>
+        <p:spPr>
+          <a:xfrm>
+            <a:off x="1524000" y="3602038"/>
+            <a:ext cx="9144000" cy="1655762"/>
+          </a:xfrm>
+        </p:spPr>
+        <p:txBody>
+          <a:bodyPr/>
+          <a:lstStyle/>
+          <a:p>
+            <a:r>
+              <a:rPr lang="en-US" dirty="0"/>
+              <a:t>How Datatype Choice Affects Performance</a:t>
+            </a:r>
+          </a:p>
+        </p:txBody>
+      </p:sp>
+    </p:spTree>
+    <p:extLst>
+      <p:ext uri="{BB962C8B-B14F-4D97-AF65-F5344CB8AC3E}">
+        <p14:creationId xmlns:p14="http://schemas.microsoft.com/office/powerpoint/2010/main" val="3111488044"/>
+      </p:ext>
+    </p:extLst>
+  </p:cSld>
+  <p:clrMapOvr>
+    <a:masterClrMapping/>
+  </p:clrMapOvr>
+  <mc:AlternateContent xmlns:mc="http://schemas.openxmlformats.org/markup-compatibility/2006" xmlns:p159="http://schemas.microsoft.com/office/powerpoint/2015/09/main">
+    <mc:Choice Requires="p159">
+      <p:transition xmlns:p14="http://schemas.microsoft.com/office/powerpoint/2010/main" spd="slow" p14:dur="2000">
+        <p159:morph option="byObject"/>
+      </p:transition>
+    </mc:Choice>
+    <mc:Fallback xmlns="">
+      <p:transition spd="slow">
+        <p:fade/>
+      </p:transition>
+    </mc:Fallback>
+  </mc:AlternateContent>
+</p:sld>
+</file>
+
 <file path=ppt/slides/slide44.xml><?xml version="1.0" encoding="utf-8"?>
 <p:sld xmlns:a="http://schemas.openxmlformats.org/drawingml/2006/main" xmlns:r="http://schemas.openxmlformats.org/officeDocument/2006/relationships" xmlns:p="http://schemas.openxmlformats.org/presentationml/2006/main">
   <p:cSld>
@@ -35813,7 +35360,7 @@
           <a:p>
             <a:r>
               <a:rPr lang="en-US" dirty="0"/>
-              <a:t>Image Algorithm Demo</a:t>
+              <a:t>Closing Thoughts</a:t>
             </a:r>
           </a:p>
         </p:txBody>
@@ -35846,7 +35393,416 @@
           <a:p>
             <a:r>
               <a:rPr lang="en-US" dirty="0"/>
-              <a:t>Image Compression via Max Pooling</a:t>
+              <a:t>Key Takeaways for Your Computer Science Journey</a:t>
+            </a:r>
+          </a:p>
+        </p:txBody>
+      </p:sp>
+      <p:sp>
+        <p:nvSpPr>
+          <p:cNvPr id="2" name="Title 1">
+            <a:extLst>
+              <a:ext uri="{FF2B5EF4-FFF2-40B4-BE49-F238E27FC236}">
+                <a16:creationId xmlns:a16="http://schemas.microsoft.com/office/drawing/2014/main" id="{4C7263FE-5ABC-B8CA-6F12-E42BE7C6013C}"/>
+              </a:ext>
+            </a:extLst>
+          </p:cNvPr>
+          <p:cNvSpPr txBox="1">
+            <a:spLocks/>
+          </p:cNvSpPr>
+          <p:nvPr/>
+        </p:nvSpPr>
+        <p:spPr>
+          <a:xfrm>
+            <a:off x="838200" y="8803075"/>
+            <a:ext cx="10515600" cy="1325563"/>
+          </a:xfrm>
+          <a:prstGeom prst="rect">
+            <a:avLst/>
+          </a:prstGeom>
+        </p:spPr>
+        <p:txBody>
+          <a:bodyPr vert="horz" lIns="91440" tIns="45720" rIns="91440" bIns="45720" rtlCol="0" anchor="b">
+            <a:normAutofit/>
+          </a:bodyPr>
+          <a:lstStyle>
+            <a:lvl1pPr algn="ctr" defTabSz="914400" rtl="0" eaLnBrk="1" latinLnBrk="0" hangingPunct="1">
+              <a:lnSpc>
+                <a:spcPct val="90000"/>
+              </a:lnSpc>
+              <a:spcBef>
+                <a:spcPct val="0"/>
+              </a:spcBef>
+              <a:buNone/>
+              <a:defRPr sz="6000" b="0" kern="1200">
+                <a:solidFill>
+                  <a:schemeClr val="bg1"/>
+                </a:solidFill>
+                <a:latin typeface="DengXian" panose="02010600030101010101" pitchFamily="2" charset="-122"/>
+                <a:ea typeface="DengXian" panose="02010600030101010101" pitchFamily="2" charset="-122"/>
+                <a:cs typeface="Calibri Light" panose="020F0302020204030204" pitchFamily="34" charset="0"/>
+              </a:defRPr>
+            </a:lvl1pPr>
+          </a:lstStyle>
+          <a:p>
+            <a:pPr algn="l"/>
+            <a:r>
+              <a:rPr lang="en-US" b="1" dirty="0"/>
+              <a:t>Closing Thoughts</a:t>
+            </a:r>
+          </a:p>
+        </p:txBody>
+      </p:sp>
+      <p:pic>
+        <p:nvPicPr>
+          <p:cNvPr id="3" name="Graphic 2">
+            <a:extLst>
+              <a:ext uri="{FF2B5EF4-FFF2-40B4-BE49-F238E27FC236}">
+                <a16:creationId xmlns:a16="http://schemas.microsoft.com/office/drawing/2014/main" id="{B847A242-4F88-FBD6-E667-47523639BE6E}"/>
+              </a:ext>
+            </a:extLst>
+          </p:cNvPr>
+          <p:cNvPicPr>
+            <a:picLocks noChangeAspect="1"/>
+          </p:cNvPicPr>
+          <p:nvPr/>
+        </p:nvPicPr>
+        <p:blipFill>
+          <a:blip r:embed="rId3">
+            <a:extLst>
+              <a:ext uri="{96DAC541-7B7A-43D3-8B79-37D633B846F1}">
+                <asvg:svgBlip xmlns:asvg="http://schemas.microsoft.com/office/drawing/2016/SVG/main" r:embed="rId4"/>
+              </a:ext>
+            </a:extLst>
+          </a:blip>
+          <a:stretch>
+            <a:fillRect/>
+          </a:stretch>
+        </p:blipFill>
+        <p:spPr>
+          <a:xfrm>
+            <a:off x="439368" y="7981265"/>
+            <a:ext cx="462384" cy="462384"/>
+          </a:xfrm>
+          <a:prstGeom prst="rect">
+            <a:avLst/>
+          </a:prstGeom>
+        </p:spPr>
+      </p:pic>
+      <p:pic>
+        <p:nvPicPr>
+          <p:cNvPr id="6" name="Graphic 5">
+            <a:extLst>
+              <a:ext uri="{FF2B5EF4-FFF2-40B4-BE49-F238E27FC236}">
+                <a16:creationId xmlns:a16="http://schemas.microsoft.com/office/drawing/2014/main" id="{3D62E413-2DEE-249D-7BD4-A2D0CB6F8E62}"/>
+              </a:ext>
+            </a:extLst>
+          </p:cNvPr>
+          <p:cNvPicPr>
+            <a:picLocks noChangeAspect="1"/>
+          </p:cNvPicPr>
+          <p:nvPr/>
+        </p:nvPicPr>
+        <p:blipFill>
+          <a:blip r:embed="rId3">
+            <a:extLst>
+              <a:ext uri="{96DAC541-7B7A-43D3-8B79-37D633B846F1}">
+                <asvg:svgBlip xmlns:asvg="http://schemas.microsoft.com/office/drawing/2016/SVG/main" r:embed="rId4"/>
+              </a:ext>
+            </a:extLst>
+          </a:blip>
+          <a:stretch>
+            <a:fillRect/>
+          </a:stretch>
+        </p:blipFill>
+        <p:spPr>
+          <a:xfrm flipH="1" flipV="1">
+            <a:off x="7068212" y="11689307"/>
+            <a:ext cx="462384" cy="462384"/>
+          </a:xfrm>
+          <a:prstGeom prst="rect">
+            <a:avLst/>
+          </a:prstGeom>
+        </p:spPr>
+      </p:pic>
+      <p:sp>
+        <p:nvSpPr>
+          <p:cNvPr id="7" name="Content Placeholder 2">
+            <a:extLst>
+              <a:ext uri="{FF2B5EF4-FFF2-40B4-BE49-F238E27FC236}">
+                <a16:creationId xmlns:a16="http://schemas.microsoft.com/office/drawing/2014/main" id="{AC7A63E4-6AA3-9C63-82AC-B664C23458B1}"/>
+              </a:ext>
+            </a:extLst>
+          </p:cNvPr>
+          <p:cNvSpPr txBox="1">
+            <a:spLocks/>
+          </p:cNvSpPr>
+          <p:nvPr/>
+        </p:nvSpPr>
+        <p:spPr>
+          <a:xfrm>
+            <a:off x="777240" y="14920546"/>
+            <a:ext cx="10515600" cy="4912677"/>
+          </a:xfrm>
+          <a:prstGeom prst="rect">
+            <a:avLst/>
+          </a:prstGeom>
+        </p:spPr>
+        <p:txBody>
+          <a:bodyPr vert="horz" lIns="91440" tIns="45720" rIns="91440" bIns="45720" rtlCol="0">
+            <a:normAutofit fontScale="77500" lnSpcReduction="20000"/>
+          </a:bodyPr>
+          <a:lstStyle>
+            <a:lvl1pPr marL="0" indent="0" algn="ctr" defTabSz="914400" rtl="0" eaLnBrk="1" latinLnBrk="0" hangingPunct="1">
+              <a:lnSpc>
+                <a:spcPct val="90000"/>
+              </a:lnSpc>
+              <a:spcBef>
+                <a:spcPts val="1000"/>
+              </a:spcBef>
+              <a:buFont typeface="Arial" panose="020B0604020202020204" pitchFamily="34" charset="0"/>
+              <a:buNone/>
+              <a:defRPr sz="2400" kern="1200">
+                <a:solidFill>
+                  <a:schemeClr val="bg1"/>
+                </a:solidFill>
+                <a:latin typeface="Corbel Light" panose="020B0303020204020204" pitchFamily="34" charset="0"/>
+                <a:ea typeface="+mn-ea"/>
+                <a:cs typeface="+mn-cs"/>
+              </a:defRPr>
+            </a:lvl1pPr>
+            <a:lvl2pPr marL="457200" indent="0" algn="ctr" defTabSz="914400" rtl="0" eaLnBrk="1" latinLnBrk="0" hangingPunct="1">
+              <a:lnSpc>
+                <a:spcPct val="90000"/>
+              </a:lnSpc>
+              <a:spcBef>
+                <a:spcPts val="500"/>
+              </a:spcBef>
+              <a:buFont typeface="Arial" panose="020B0604020202020204" pitchFamily="34" charset="0"/>
+              <a:buNone/>
+              <a:defRPr sz="2000" kern="1200">
+                <a:solidFill>
+                  <a:schemeClr val="bg1"/>
+                </a:solidFill>
+                <a:latin typeface="Corbel Light" panose="020B0303020204020204" pitchFamily="34" charset="0"/>
+                <a:ea typeface="+mn-ea"/>
+                <a:cs typeface="+mn-cs"/>
+              </a:defRPr>
+            </a:lvl2pPr>
+            <a:lvl3pPr marL="914400" indent="0" algn="ctr" defTabSz="914400" rtl="0" eaLnBrk="1" latinLnBrk="0" hangingPunct="1">
+              <a:lnSpc>
+                <a:spcPct val="90000"/>
+              </a:lnSpc>
+              <a:spcBef>
+                <a:spcPts val="500"/>
+              </a:spcBef>
+              <a:buFont typeface="Arial" panose="020B0604020202020204" pitchFamily="34" charset="0"/>
+              <a:buNone/>
+              <a:defRPr sz="1800" kern="1200">
+                <a:solidFill>
+                  <a:schemeClr val="bg1"/>
+                </a:solidFill>
+                <a:latin typeface="Corbel Light" panose="020B0303020204020204" pitchFamily="34" charset="0"/>
+                <a:ea typeface="+mn-ea"/>
+                <a:cs typeface="+mn-cs"/>
+              </a:defRPr>
+            </a:lvl3pPr>
+            <a:lvl4pPr marL="1371600" indent="0" algn="ctr" defTabSz="914400" rtl="0" eaLnBrk="1" latinLnBrk="0" hangingPunct="1">
+              <a:lnSpc>
+                <a:spcPct val="90000"/>
+              </a:lnSpc>
+              <a:spcBef>
+                <a:spcPts val="500"/>
+              </a:spcBef>
+              <a:buFont typeface="Arial" panose="020B0604020202020204" pitchFamily="34" charset="0"/>
+              <a:buNone/>
+              <a:defRPr sz="1600" kern="1200">
+                <a:solidFill>
+                  <a:schemeClr val="bg1"/>
+                </a:solidFill>
+                <a:latin typeface="Corbel Light" panose="020B0303020204020204" pitchFamily="34" charset="0"/>
+                <a:ea typeface="+mn-ea"/>
+                <a:cs typeface="+mn-cs"/>
+              </a:defRPr>
+            </a:lvl4pPr>
+            <a:lvl5pPr marL="1828800" indent="0" algn="ctr" defTabSz="914400" rtl="0" eaLnBrk="1" latinLnBrk="0" hangingPunct="1">
+              <a:lnSpc>
+                <a:spcPct val="90000"/>
+              </a:lnSpc>
+              <a:spcBef>
+                <a:spcPts val="500"/>
+              </a:spcBef>
+              <a:buFont typeface="Arial" panose="020B0604020202020204" pitchFamily="34" charset="0"/>
+              <a:buNone/>
+              <a:defRPr sz="1600" kern="1200">
+                <a:solidFill>
+                  <a:schemeClr val="bg1"/>
+                </a:solidFill>
+                <a:latin typeface="Corbel Light" panose="020B0303020204020204" pitchFamily="34" charset="0"/>
+                <a:ea typeface="+mn-ea"/>
+                <a:cs typeface="+mn-cs"/>
+              </a:defRPr>
+            </a:lvl5pPr>
+            <a:lvl6pPr marL="2286000" indent="0" algn="ctr" defTabSz="914400" rtl="0" eaLnBrk="1" latinLnBrk="0" hangingPunct="1">
+              <a:lnSpc>
+                <a:spcPct val="90000"/>
+              </a:lnSpc>
+              <a:spcBef>
+                <a:spcPts val="500"/>
+              </a:spcBef>
+              <a:buFont typeface="Arial" panose="020B0604020202020204" pitchFamily="34" charset="0"/>
+              <a:buNone/>
+              <a:defRPr sz="1600" kern="1200">
+                <a:solidFill>
+                  <a:schemeClr val="tx1"/>
+                </a:solidFill>
+                <a:latin typeface="+mn-lt"/>
+                <a:ea typeface="+mn-ea"/>
+                <a:cs typeface="+mn-cs"/>
+              </a:defRPr>
+            </a:lvl6pPr>
+            <a:lvl7pPr marL="2743200" indent="0" algn="ctr" defTabSz="914400" rtl="0" eaLnBrk="1" latinLnBrk="0" hangingPunct="1">
+              <a:lnSpc>
+                <a:spcPct val="90000"/>
+              </a:lnSpc>
+              <a:spcBef>
+                <a:spcPts val="500"/>
+              </a:spcBef>
+              <a:buFont typeface="Arial" panose="020B0604020202020204" pitchFamily="34" charset="0"/>
+              <a:buNone/>
+              <a:defRPr sz="1600" kern="1200">
+                <a:solidFill>
+                  <a:schemeClr val="tx1"/>
+                </a:solidFill>
+                <a:latin typeface="+mn-lt"/>
+                <a:ea typeface="+mn-ea"/>
+                <a:cs typeface="+mn-cs"/>
+              </a:defRPr>
+            </a:lvl7pPr>
+            <a:lvl8pPr marL="3200400" indent="0" algn="ctr" defTabSz="914400" rtl="0" eaLnBrk="1" latinLnBrk="0" hangingPunct="1">
+              <a:lnSpc>
+                <a:spcPct val="90000"/>
+              </a:lnSpc>
+              <a:spcBef>
+                <a:spcPts val="500"/>
+              </a:spcBef>
+              <a:buFont typeface="Arial" panose="020B0604020202020204" pitchFamily="34" charset="0"/>
+              <a:buNone/>
+              <a:defRPr sz="1600" kern="1200">
+                <a:solidFill>
+                  <a:schemeClr val="tx1"/>
+                </a:solidFill>
+                <a:latin typeface="+mn-lt"/>
+                <a:ea typeface="+mn-ea"/>
+                <a:cs typeface="+mn-cs"/>
+              </a:defRPr>
+            </a:lvl8pPr>
+            <a:lvl9pPr marL="3657600" indent="0" algn="ctr" defTabSz="914400" rtl="0" eaLnBrk="1" latinLnBrk="0" hangingPunct="1">
+              <a:lnSpc>
+                <a:spcPct val="90000"/>
+              </a:lnSpc>
+              <a:spcBef>
+                <a:spcPts val="500"/>
+              </a:spcBef>
+              <a:buFont typeface="Arial" panose="020B0604020202020204" pitchFamily="34" charset="0"/>
+              <a:buNone/>
+              <a:defRPr sz="1600" kern="1200">
+                <a:solidFill>
+                  <a:schemeClr val="tx1"/>
+                </a:solidFill>
+                <a:latin typeface="+mn-lt"/>
+                <a:ea typeface="+mn-ea"/>
+                <a:cs typeface="+mn-cs"/>
+              </a:defRPr>
+            </a:lvl9pPr>
+          </a:lstStyle>
+          <a:p>
+            <a:pPr algn="l"/>
+            <a:r>
+              <a:rPr lang="en-US" sz="4000" dirty="0"/>
+              <a:t>Probability operations must stay within the established </a:t>
+            </a:r>
+            <a:r>
+              <a:rPr lang="en-US" sz="4000" dirty="0">
+                <a:solidFill>
+                  <a:srgbClr val="FFC000"/>
+                </a:solidFill>
+              </a:rPr>
+              <a:t>acceptable error threshold</a:t>
+            </a:r>
+          </a:p>
+          <a:p>
+            <a:pPr algn="l"/>
+            <a:endParaRPr lang="en-US" sz="4000" dirty="0">
+              <a:solidFill>
+                <a:srgbClr val="FFC000"/>
+              </a:solidFill>
+            </a:endParaRPr>
+          </a:p>
+          <a:p>
+            <a:pPr algn="l"/>
+            <a:r>
+              <a:rPr lang="en-US" sz="4000" dirty="0"/>
+              <a:t>Computations must still meet reliability requirements which can be ensured using </a:t>
+            </a:r>
+            <a:r>
+              <a:rPr lang="en-US" sz="4000" dirty="0">
+                <a:solidFill>
+                  <a:srgbClr val="FFC000"/>
+                </a:solidFill>
+              </a:rPr>
+              <a:t>error detection and correction mechanisms</a:t>
+            </a:r>
+            <a:r>
+              <a:rPr lang="en-US" sz="4000" dirty="0"/>
+              <a:t> or </a:t>
+            </a:r>
+            <a:r>
+              <a:rPr lang="en-US" sz="4000" dirty="0">
+                <a:solidFill>
+                  <a:srgbClr val="FFC000"/>
+                </a:solidFill>
+              </a:rPr>
+              <a:t>algorithmic adjustments </a:t>
+            </a:r>
+            <a:r>
+              <a:rPr lang="en-US" sz="4000" dirty="0"/>
+              <a:t>that compensate for potential errors </a:t>
+            </a:r>
+          </a:p>
+          <a:p>
+            <a:pPr algn="l"/>
+            <a:endParaRPr lang="en-US" sz="4000" dirty="0"/>
+          </a:p>
+          <a:p>
+            <a:pPr algn="l"/>
+            <a:r>
+              <a:rPr lang="en-US" sz="4000" dirty="0"/>
+              <a:t>Error-tolerant software must </a:t>
+            </a:r>
+            <a:r>
+              <a:rPr lang="en-US" sz="4000" dirty="0">
+                <a:solidFill>
+                  <a:srgbClr val="FFC000"/>
+                </a:solidFill>
+              </a:rPr>
+              <a:t>be tested, validated, or verified at an appropriate frequency </a:t>
+            </a:r>
+            <a:r>
+              <a:rPr lang="en-US" sz="4000" dirty="0"/>
+              <a:t>to ensure </a:t>
+            </a:r>
+            <a:r>
+              <a:rPr lang="en-US" sz="4000" dirty="0">
+                <a:solidFill>
+                  <a:srgbClr val="FFC000"/>
+                </a:solidFill>
+              </a:rPr>
+              <a:t>reliable results despite the uncertainties </a:t>
+            </a:r>
+            <a:r>
+              <a:rPr lang="en-US" sz="4000" dirty="0"/>
+              <a:t>introduced by the computer’s hardware or lower-level processes </a:t>
             </a:r>
           </a:p>
         </p:txBody>
@@ -35854,7 +35810,7 @@
     </p:spTree>
     <p:extLst>
       <p:ext uri="{BB962C8B-B14F-4D97-AF65-F5344CB8AC3E}">
-        <p14:creationId xmlns:p14="http://schemas.microsoft.com/office/powerpoint/2010/main" val="432263047"/>
+        <p14:creationId xmlns:p14="http://schemas.microsoft.com/office/powerpoint/2010/main" val="1094440086"/>
       </p:ext>
     </p:extLst>
   </p:cSld>
@@ -35895,631 +35851,6 @@
       </p:grpSpPr>
       <p:sp>
         <p:nvSpPr>
-          <p:cNvPr id="4" name="Title 1">
-            <a:extLst>
-              <a:ext uri="{FF2B5EF4-FFF2-40B4-BE49-F238E27FC236}">
-                <a16:creationId xmlns:a16="http://schemas.microsoft.com/office/drawing/2014/main" id="{0CE0200A-D89C-BBBA-7DA7-11282DCE5A0F}"/>
-              </a:ext>
-            </a:extLst>
-          </p:cNvPr>
-          <p:cNvSpPr>
-            <a:spLocks noGrp="1"/>
-          </p:cNvSpPr>
-          <p:nvPr>
-            <p:ph type="ctrTitle"/>
-          </p:nvPr>
-        </p:nvSpPr>
-        <p:spPr>
-          <a:xfrm>
-            <a:off x="1524000" y="1122363"/>
-            <a:ext cx="9144000" cy="2387600"/>
-          </a:xfrm>
-        </p:spPr>
-        <p:txBody>
-          <a:bodyPr/>
-          <a:lstStyle/>
-          <a:p>
-            <a:r>
-              <a:rPr lang="en-US" dirty="0"/>
-              <a:t>Practical Coding Demo</a:t>
-            </a:r>
-          </a:p>
-        </p:txBody>
-      </p:sp>
-      <p:sp>
-        <p:nvSpPr>
-          <p:cNvPr id="5" name="Subtitle 2">
-            <a:extLst>
-              <a:ext uri="{FF2B5EF4-FFF2-40B4-BE49-F238E27FC236}">
-                <a16:creationId xmlns:a16="http://schemas.microsoft.com/office/drawing/2014/main" id="{1D7DD194-22C1-2F9A-4D8D-FD5367BA5FAB}"/>
-              </a:ext>
-            </a:extLst>
-          </p:cNvPr>
-          <p:cNvSpPr>
-            <a:spLocks noGrp="1"/>
-          </p:cNvSpPr>
-          <p:nvPr>
-            <p:ph type="subTitle" idx="1"/>
-          </p:nvPr>
-        </p:nvSpPr>
-        <p:spPr>
-          <a:xfrm>
-            <a:off x="1524000" y="3602038"/>
-            <a:ext cx="9144000" cy="1655762"/>
-          </a:xfrm>
-        </p:spPr>
-        <p:txBody>
-          <a:bodyPr/>
-          <a:lstStyle/>
-          <a:p>
-            <a:r>
-              <a:rPr lang="en-US" dirty="0"/>
-              <a:t>How Datatype Choice Affects Performance</a:t>
-            </a:r>
-          </a:p>
-        </p:txBody>
-      </p:sp>
-    </p:spTree>
-    <p:extLst>
-      <p:ext uri="{BB962C8B-B14F-4D97-AF65-F5344CB8AC3E}">
-        <p14:creationId xmlns:p14="http://schemas.microsoft.com/office/powerpoint/2010/main" val="3111488044"/>
-      </p:ext>
-    </p:extLst>
-  </p:cSld>
-  <p:clrMapOvr>
-    <a:masterClrMapping/>
-  </p:clrMapOvr>
-  <mc:AlternateContent xmlns:mc="http://schemas.openxmlformats.org/markup-compatibility/2006" xmlns:p159="http://schemas.microsoft.com/office/powerpoint/2015/09/main">
-    <mc:Choice Requires="p159">
-      <p:transition xmlns:p14="http://schemas.microsoft.com/office/powerpoint/2010/main" spd="slow" p14:dur="2000">
-        <p159:morph option="byObject"/>
-      </p:transition>
-    </mc:Choice>
-    <mc:Fallback xmlns="">
-      <p:transition spd="slow">
-        <p:fade/>
-      </p:transition>
-    </mc:Fallback>
-  </mc:AlternateContent>
-</p:sld>
-</file>
-
-<file path=ppt/slides/slide46.xml><?xml version="1.0" encoding="utf-8"?>
-<p:sld xmlns:a="http://schemas.openxmlformats.org/drawingml/2006/main" xmlns:r="http://schemas.openxmlformats.org/officeDocument/2006/relationships" xmlns:p="http://schemas.openxmlformats.org/presentationml/2006/main">
-  <p:cSld>
-    <p:spTree>
-      <p:nvGrpSpPr>
-        <p:cNvPr id="1" name=""/>
-        <p:cNvGrpSpPr/>
-        <p:nvPr/>
-      </p:nvGrpSpPr>
-      <p:grpSpPr>
-        <a:xfrm>
-          <a:off x="0" y="0"/>
-          <a:ext cx="0" cy="0"/>
-          <a:chOff x="0" y="0"/>
-          <a:chExt cx="0" cy="0"/>
-        </a:xfrm>
-      </p:grpSpPr>
-      <p:sp>
-        <p:nvSpPr>
-          <p:cNvPr id="4" name="Title 1">
-            <a:extLst>
-              <a:ext uri="{FF2B5EF4-FFF2-40B4-BE49-F238E27FC236}">
-                <a16:creationId xmlns:a16="http://schemas.microsoft.com/office/drawing/2014/main" id="{0CE0200A-D89C-BBBA-7DA7-11282DCE5A0F}"/>
-              </a:ext>
-            </a:extLst>
-          </p:cNvPr>
-          <p:cNvSpPr>
-            <a:spLocks noGrp="1"/>
-          </p:cNvSpPr>
-          <p:nvPr>
-            <p:ph type="ctrTitle"/>
-          </p:nvPr>
-        </p:nvSpPr>
-        <p:spPr>
-          <a:xfrm>
-            <a:off x="1524000" y="1122363"/>
-            <a:ext cx="9144000" cy="2387600"/>
-          </a:xfrm>
-        </p:spPr>
-        <p:txBody>
-          <a:bodyPr/>
-          <a:lstStyle/>
-          <a:p>
-            <a:r>
-              <a:rPr lang="en-US" dirty="0"/>
-              <a:t>Closing Thoughts</a:t>
-            </a:r>
-          </a:p>
-        </p:txBody>
-      </p:sp>
-      <p:sp>
-        <p:nvSpPr>
-          <p:cNvPr id="5" name="Subtitle 2">
-            <a:extLst>
-              <a:ext uri="{FF2B5EF4-FFF2-40B4-BE49-F238E27FC236}">
-                <a16:creationId xmlns:a16="http://schemas.microsoft.com/office/drawing/2014/main" id="{1D7DD194-22C1-2F9A-4D8D-FD5367BA5FAB}"/>
-              </a:ext>
-            </a:extLst>
-          </p:cNvPr>
-          <p:cNvSpPr>
-            <a:spLocks noGrp="1"/>
-          </p:cNvSpPr>
-          <p:nvPr>
-            <p:ph type="subTitle" idx="1"/>
-          </p:nvPr>
-        </p:nvSpPr>
-        <p:spPr>
-          <a:xfrm>
-            <a:off x="1524000" y="3602038"/>
-            <a:ext cx="9144000" cy="1655762"/>
-          </a:xfrm>
-        </p:spPr>
-        <p:txBody>
-          <a:bodyPr/>
-          <a:lstStyle/>
-          <a:p>
-            <a:r>
-              <a:rPr lang="en-US" dirty="0"/>
-              <a:t>Key Takeaways for Your Computer Science Journey</a:t>
-            </a:r>
-          </a:p>
-        </p:txBody>
-      </p:sp>
-      <p:sp>
-        <p:nvSpPr>
-          <p:cNvPr id="2" name="Title 1">
-            <a:extLst>
-              <a:ext uri="{FF2B5EF4-FFF2-40B4-BE49-F238E27FC236}">
-                <a16:creationId xmlns:a16="http://schemas.microsoft.com/office/drawing/2014/main" id="{4C7263FE-5ABC-B8CA-6F12-E42BE7C6013C}"/>
-              </a:ext>
-            </a:extLst>
-          </p:cNvPr>
-          <p:cNvSpPr txBox="1">
-            <a:spLocks/>
-          </p:cNvSpPr>
-          <p:nvPr/>
-        </p:nvSpPr>
-        <p:spPr>
-          <a:xfrm>
-            <a:off x="838200" y="8803075"/>
-            <a:ext cx="10515600" cy="1325563"/>
-          </a:xfrm>
-          <a:prstGeom prst="rect">
-            <a:avLst/>
-          </a:prstGeom>
-        </p:spPr>
-        <p:txBody>
-          <a:bodyPr vert="horz" lIns="91440" tIns="45720" rIns="91440" bIns="45720" rtlCol="0" anchor="b">
-            <a:normAutofit/>
-          </a:bodyPr>
-          <a:lstStyle>
-            <a:lvl1pPr algn="ctr" defTabSz="914400" rtl="0" eaLnBrk="1" latinLnBrk="0" hangingPunct="1">
-              <a:lnSpc>
-                <a:spcPct val="90000"/>
-              </a:lnSpc>
-              <a:spcBef>
-                <a:spcPct val="0"/>
-              </a:spcBef>
-              <a:buNone/>
-              <a:defRPr sz="6000" b="0" kern="1200">
-                <a:solidFill>
-                  <a:schemeClr val="bg1"/>
-                </a:solidFill>
-                <a:latin typeface="DengXian" panose="02010600030101010101" pitchFamily="2" charset="-122"/>
-                <a:ea typeface="DengXian" panose="02010600030101010101" pitchFamily="2" charset="-122"/>
-                <a:cs typeface="Calibri Light" panose="020F0302020204030204" pitchFamily="34" charset="0"/>
-              </a:defRPr>
-            </a:lvl1pPr>
-          </a:lstStyle>
-          <a:p>
-            <a:pPr algn="l"/>
-            <a:r>
-              <a:rPr lang="en-US" b="1" dirty="0"/>
-              <a:t>Closing Thoughts</a:t>
-            </a:r>
-          </a:p>
-        </p:txBody>
-      </p:sp>
-      <p:pic>
-        <p:nvPicPr>
-          <p:cNvPr id="3" name="Graphic 2">
-            <a:extLst>
-              <a:ext uri="{FF2B5EF4-FFF2-40B4-BE49-F238E27FC236}">
-                <a16:creationId xmlns:a16="http://schemas.microsoft.com/office/drawing/2014/main" id="{B847A242-4F88-FBD6-E667-47523639BE6E}"/>
-              </a:ext>
-            </a:extLst>
-          </p:cNvPr>
-          <p:cNvPicPr>
-            <a:picLocks noChangeAspect="1"/>
-          </p:cNvPicPr>
-          <p:nvPr/>
-        </p:nvPicPr>
-        <p:blipFill>
-          <a:blip r:embed="rId3">
-            <a:extLst>
-              <a:ext uri="{96DAC541-7B7A-43D3-8B79-37D633B846F1}">
-                <asvg:svgBlip xmlns:asvg="http://schemas.microsoft.com/office/drawing/2016/SVG/main" r:embed="rId4"/>
-              </a:ext>
-            </a:extLst>
-          </a:blip>
-          <a:stretch>
-            <a:fillRect/>
-          </a:stretch>
-        </p:blipFill>
-        <p:spPr>
-          <a:xfrm>
-            <a:off x="439368" y="7981265"/>
-            <a:ext cx="462384" cy="462384"/>
-          </a:xfrm>
-          <a:prstGeom prst="rect">
-            <a:avLst/>
-          </a:prstGeom>
-        </p:spPr>
-      </p:pic>
-      <p:pic>
-        <p:nvPicPr>
-          <p:cNvPr id="6" name="Graphic 5">
-            <a:extLst>
-              <a:ext uri="{FF2B5EF4-FFF2-40B4-BE49-F238E27FC236}">
-                <a16:creationId xmlns:a16="http://schemas.microsoft.com/office/drawing/2014/main" id="{3D62E413-2DEE-249D-7BD4-A2D0CB6F8E62}"/>
-              </a:ext>
-            </a:extLst>
-          </p:cNvPr>
-          <p:cNvPicPr>
-            <a:picLocks noChangeAspect="1"/>
-          </p:cNvPicPr>
-          <p:nvPr/>
-        </p:nvPicPr>
-        <p:blipFill>
-          <a:blip r:embed="rId3">
-            <a:extLst>
-              <a:ext uri="{96DAC541-7B7A-43D3-8B79-37D633B846F1}">
-                <asvg:svgBlip xmlns:asvg="http://schemas.microsoft.com/office/drawing/2016/SVG/main" r:embed="rId4"/>
-              </a:ext>
-            </a:extLst>
-          </a:blip>
-          <a:stretch>
-            <a:fillRect/>
-          </a:stretch>
-        </p:blipFill>
-        <p:spPr>
-          <a:xfrm flipH="1" flipV="1">
-            <a:off x="7068212" y="11689307"/>
-            <a:ext cx="462384" cy="462384"/>
-          </a:xfrm>
-          <a:prstGeom prst="rect">
-            <a:avLst/>
-          </a:prstGeom>
-        </p:spPr>
-      </p:pic>
-      <p:sp>
-        <p:nvSpPr>
-          <p:cNvPr id="7" name="Content Placeholder 2">
-            <a:extLst>
-              <a:ext uri="{FF2B5EF4-FFF2-40B4-BE49-F238E27FC236}">
-                <a16:creationId xmlns:a16="http://schemas.microsoft.com/office/drawing/2014/main" id="{AC7A63E4-6AA3-9C63-82AC-B664C23458B1}"/>
-              </a:ext>
-            </a:extLst>
-          </p:cNvPr>
-          <p:cNvSpPr txBox="1">
-            <a:spLocks/>
-          </p:cNvSpPr>
-          <p:nvPr/>
-        </p:nvSpPr>
-        <p:spPr>
-          <a:xfrm>
-            <a:off x="777240" y="14920546"/>
-            <a:ext cx="10515600" cy="4912677"/>
-          </a:xfrm>
-          <a:prstGeom prst="rect">
-            <a:avLst/>
-          </a:prstGeom>
-        </p:spPr>
-        <p:txBody>
-          <a:bodyPr vert="horz" lIns="91440" tIns="45720" rIns="91440" bIns="45720" rtlCol="0">
-            <a:normAutofit fontScale="77500" lnSpcReduction="20000"/>
-          </a:bodyPr>
-          <a:lstStyle>
-            <a:lvl1pPr marL="0" indent="0" algn="ctr" defTabSz="914400" rtl="0" eaLnBrk="1" latinLnBrk="0" hangingPunct="1">
-              <a:lnSpc>
-                <a:spcPct val="90000"/>
-              </a:lnSpc>
-              <a:spcBef>
-                <a:spcPts val="1000"/>
-              </a:spcBef>
-              <a:buFont typeface="Arial" panose="020B0604020202020204" pitchFamily="34" charset="0"/>
-              <a:buNone/>
-              <a:defRPr sz="2400" kern="1200">
-                <a:solidFill>
-                  <a:schemeClr val="bg1"/>
-                </a:solidFill>
-                <a:latin typeface="Corbel Light" panose="020B0303020204020204" pitchFamily="34" charset="0"/>
-                <a:ea typeface="+mn-ea"/>
-                <a:cs typeface="+mn-cs"/>
-              </a:defRPr>
-            </a:lvl1pPr>
-            <a:lvl2pPr marL="457200" indent="0" algn="ctr" defTabSz="914400" rtl="0" eaLnBrk="1" latinLnBrk="0" hangingPunct="1">
-              <a:lnSpc>
-                <a:spcPct val="90000"/>
-              </a:lnSpc>
-              <a:spcBef>
-                <a:spcPts val="500"/>
-              </a:spcBef>
-              <a:buFont typeface="Arial" panose="020B0604020202020204" pitchFamily="34" charset="0"/>
-              <a:buNone/>
-              <a:defRPr sz="2000" kern="1200">
-                <a:solidFill>
-                  <a:schemeClr val="bg1"/>
-                </a:solidFill>
-                <a:latin typeface="Corbel Light" panose="020B0303020204020204" pitchFamily="34" charset="0"/>
-                <a:ea typeface="+mn-ea"/>
-                <a:cs typeface="+mn-cs"/>
-              </a:defRPr>
-            </a:lvl2pPr>
-            <a:lvl3pPr marL="914400" indent="0" algn="ctr" defTabSz="914400" rtl="0" eaLnBrk="1" latinLnBrk="0" hangingPunct="1">
-              <a:lnSpc>
-                <a:spcPct val="90000"/>
-              </a:lnSpc>
-              <a:spcBef>
-                <a:spcPts val="500"/>
-              </a:spcBef>
-              <a:buFont typeface="Arial" panose="020B0604020202020204" pitchFamily="34" charset="0"/>
-              <a:buNone/>
-              <a:defRPr sz="1800" kern="1200">
-                <a:solidFill>
-                  <a:schemeClr val="bg1"/>
-                </a:solidFill>
-                <a:latin typeface="Corbel Light" panose="020B0303020204020204" pitchFamily="34" charset="0"/>
-                <a:ea typeface="+mn-ea"/>
-                <a:cs typeface="+mn-cs"/>
-              </a:defRPr>
-            </a:lvl3pPr>
-            <a:lvl4pPr marL="1371600" indent="0" algn="ctr" defTabSz="914400" rtl="0" eaLnBrk="1" latinLnBrk="0" hangingPunct="1">
-              <a:lnSpc>
-                <a:spcPct val="90000"/>
-              </a:lnSpc>
-              <a:spcBef>
-                <a:spcPts val="500"/>
-              </a:spcBef>
-              <a:buFont typeface="Arial" panose="020B0604020202020204" pitchFamily="34" charset="0"/>
-              <a:buNone/>
-              <a:defRPr sz="1600" kern="1200">
-                <a:solidFill>
-                  <a:schemeClr val="bg1"/>
-                </a:solidFill>
-                <a:latin typeface="Corbel Light" panose="020B0303020204020204" pitchFamily="34" charset="0"/>
-                <a:ea typeface="+mn-ea"/>
-                <a:cs typeface="+mn-cs"/>
-              </a:defRPr>
-            </a:lvl4pPr>
-            <a:lvl5pPr marL="1828800" indent="0" algn="ctr" defTabSz="914400" rtl="0" eaLnBrk="1" latinLnBrk="0" hangingPunct="1">
-              <a:lnSpc>
-                <a:spcPct val="90000"/>
-              </a:lnSpc>
-              <a:spcBef>
-                <a:spcPts val="500"/>
-              </a:spcBef>
-              <a:buFont typeface="Arial" panose="020B0604020202020204" pitchFamily="34" charset="0"/>
-              <a:buNone/>
-              <a:defRPr sz="1600" kern="1200">
-                <a:solidFill>
-                  <a:schemeClr val="bg1"/>
-                </a:solidFill>
-                <a:latin typeface="Corbel Light" panose="020B0303020204020204" pitchFamily="34" charset="0"/>
-                <a:ea typeface="+mn-ea"/>
-                <a:cs typeface="+mn-cs"/>
-              </a:defRPr>
-            </a:lvl5pPr>
-            <a:lvl6pPr marL="2286000" indent="0" algn="ctr" defTabSz="914400" rtl="0" eaLnBrk="1" latinLnBrk="0" hangingPunct="1">
-              <a:lnSpc>
-                <a:spcPct val="90000"/>
-              </a:lnSpc>
-              <a:spcBef>
-                <a:spcPts val="500"/>
-              </a:spcBef>
-              <a:buFont typeface="Arial" panose="020B0604020202020204" pitchFamily="34" charset="0"/>
-              <a:buNone/>
-              <a:defRPr sz="1600" kern="1200">
-                <a:solidFill>
-                  <a:schemeClr val="tx1"/>
-                </a:solidFill>
-                <a:latin typeface="+mn-lt"/>
-                <a:ea typeface="+mn-ea"/>
-                <a:cs typeface="+mn-cs"/>
-              </a:defRPr>
-            </a:lvl6pPr>
-            <a:lvl7pPr marL="2743200" indent="0" algn="ctr" defTabSz="914400" rtl="0" eaLnBrk="1" latinLnBrk="0" hangingPunct="1">
-              <a:lnSpc>
-                <a:spcPct val="90000"/>
-              </a:lnSpc>
-              <a:spcBef>
-                <a:spcPts val="500"/>
-              </a:spcBef>
-              <a:buFont typeface="Arial" panose="020B0604020202020204" pitchFamily="34" charset="0"/>
-              <a:buNone/>
-              <a:defRPr sz="1600" kern="1200">
-                <a:solidFill>
-                  <a:schemeClr val="tx1"/>
-                </a:solidFill>
-                <a:latin typeface="+mn-lt"/>
-                <a:ea typeface="+mn-ea"/>
-                <a:cs typeface="+mn-cs"/>
-              </a:defRPr>
-            </a:lvl7pPr>
-            <a:lvl8pPr marL="3200400" indent="0" algn="ctr" defTabSz="914400" rtl="0" eaLnBrk="1" latinLnBrk="0" hangingPunct="1">
-              <a:lnSpc>
-                <a:spcPct val="90000"/>
-              </a:lnSpc>
-              <a:spcBef>
-                <a:spcPts val="500"/>
-              </a:spcBef>
-              <a:buFont typeface="Arial" panose="020B0604020202020204" pitchFamily="34" charset="0"/>
-              <a:buNone/>
-              <a:defRPr sz="1600" kern="1200">
-                <a:solidFill>
-                  <a:schemeClr val="tx1"/>
-                </a:solidFill>
-                <a:latin typeface="+mn-lt"/>
-                <a:ea typeface="+mn-ea"/>
-                <a:cs typeface="+mn-cs"/>
-              </a:defRPr>
-            </a:lvl8pPr>
-            <a:lvl9pPr marL="3657600" indent="0" algn="ctr" defTabSz="914400" rtl="0" eaLnBrk="1" latinLnBrk="0" hangingPunct="1">
-              <a:lnSpc>
-                <a:spcPct val="90000"/>
-              </a:lnSpc>
-              <a:spcBef>
-                <a:spcPts val="500"/>
-              </a:spcBef>
-              <a:buFont typeface="Arial" panose="020B0604020202020204" pitchFamily="34" charset="0"/>
-              <a:buNone/>
-              <a:defRPr sz="1600" kern="1200">
-                <a:solidFill>
-                  <a:schemeClr val="tx1"/>
-                </a:solidFill>
-                <a:latin typeface="+mn-lt"/>
-                <a:ea typeface="+mn-ea"/>
-                <a:cs typeface="+mn-cs"/>
-              </a:defRPr>
-            </a:lvl9pPr>
-          </a:lstStyle>
-          <a:p>
-            <a:pPr algn="l"/>
-            <a:r>
-              <a:rPr lang="en-US" sz="4000" dirty="0"/>
-              <a:t>Probability operations must stay within the established </a:t>
-            </a:r>
-            <a:r>
-              <a:rPr lang="en-US" sz="4000" dirty="0">
-                <a:solidFill>
-                  <a:srgbClr val="FFC000"/>
-                </a:solidFill>
-              </a:rPr>
-              <a:t>acceptable error threshold</a:t>
-            </a:r>
-          </a:p>
-          <a:p>
-            <a:pPr algn="l"/>
-            <a:endParaRPr lang="en-US" sz="4000" dirty="0">
-              <a:solidFill>
-                <a:srgbClr val="FFC000"/>
-              </a:solidFill>
-            </a:endParaRPr>
-          </a:p>
-          <a:p>
-            <a:pPr algn="l"/>
-            <a:r>
-              <a:rPr lang="en-US" sz="4000" dirty="0"/>
-              <a:t>Computations must still meet reliability requirements which can be ensured using </a:t>
-            </a:r>
-            <a:r>
-              <a:rPr lang="en-US" sz="4000" dirty="0">
-                <a:solidFill>
-                  <a:srgbClr val="FFC000"/>
-                </a:solidFill>
-              </a:rPr>
-              <a:t>error detection and correction mechanisms</a:t>
-            </a:r>
-            <a:r>
-              <a:rPr lang="en-US" sz="4000" dirty="0"/>
-              <a:t> or </a:t>
-            </a:r>
-            <a:r>
-              <a:rPr lang="en-US" sz="4000" dirty="0">
-                <a:solidFill>
-                  <a:srgbClr val="FFC000"/>
-                </a:solidFill>
-              </a:rPr>
-              <a:t>algorithmic adjustments </a:t>
-            </a:r>
-            <a:r>
-              <a:rPr lang="en-US" sz="4000" dirty="0"/>
-              <a:t>that compensate for potential errors </a:t>
-            </a:r>
-          </a:p>
-          <a:p>
-            <a:pPr algn="l"/>
-            <a:endParaRPr lang="en-US" sz="4000" dirty="0"/>
-          </a:p>
-          <a:p>
-            <a:pPr algn="l"/>
-            <a:r>
-              <a:rPr lang="en-US" sz="4000" dirty="0"/>
-              <a:t>Error-tolerant software must </a:t>
-            </a:r>
-            <a:r>
-              <a:rPr lang="en-US" sz="4000" dirty="0">
-                <a:solidFill>
-                  <a:srgbClr val="FFC000"/>
-                </a:solidFill>
-              </a:rPr>
-              <a:t>be tested, validated, or verified at an appropriate frequency </a:t>
-            </a:r>
-            <a:r>
-              <a:rPr lang="en-US" sz="4000" dirty="0"/>
-              <a:t>to ensure </a:t>
-            </a:r>
-            <a:r>
-              <a:rPr lang="en-US" sz="4000" dirty="0">
-                <a:solidFill>
-                  <a:srgbClr val="FFC000"/>
-                </a:solidFill>
-              </a:rPr>
-              <a:t>reliable results despite the uncertainties </a:t>
-            </a:r>
-            <a:r>
-              <a:rPr lang="en-US" sz="4000" dirty="0"/>
-              <a:t>introduced by the computer’s hardware or lower-level processes </a:t>
-            </a:r>
-          </a:p>
-        </p:txBody>
-      </p:sp>
-    </p:spTree>
-    <p:extLst>
-      <p:ext uri="{BB962C8B-B14F-4D97-AF65-F5344CB8AC3E}">
-        <p14:creationId xmlns:p14="http://schemas.microsoft.com/office/powerpoint/2010/main" val="1094440086"/>
-      </p:ext>
-    </p:extLst>
-  </p:cSld>
-  <p:clrMapOvr>
-    <a:masterClrMapping/>
-  </p:clrMapOvr>
-  <mc:AlternateContent xmlns:mc="http://schemas.openxmlformats.org/markup-compatibility/2006" xmlns:p159="http://schemas.microsoft.com/office/powerpoint/2015/09/main">
-    <mc:Choice Requires="p159">
-      <p:transition xmlns:p14="http://schemas.microsoft.com/office/powerpoint/2010/main" spd="slow" p14:dur="2000">
-        <p159:morph option="byObject"/>
-      </p:transition>
-    </mc:Choice>
-    <mc:Fallback xmlns="">
-      <p:transition spd="slow">
-        <p:fade/>
-      </p:transition>
-    </mc:Fallback>
-  </mc:AlternateContent>
-</p:sld>
-</file>
-
-<file path=ppt/slides/slide47.xml><?xml version="1.0" encoding="utf-8"?>
-<p:sld xmlns:a="http://schemas.openxmlformats.org/drawingml/2006/main" xmlns:r="http://schemas.openxmlformats.org/officeDocument/2006/relationships" xmlns:p="http://schemas.openxmlformats.org/presentationml/2006/main">
-  <p:cSld>
-    <p:spTree>
-      <p:nvGrpSpPr>
-        <p:cNvPr id="1" name=""/>
-        <p:cNvGrpSpPr/>
-        <p:nvPr/>
-      </p:nvGrpSpPr>
-      <p:grpSpPr>
-        <a:xfrm>
-          <a:off x="0" y="0"/>
-          <a:ext cx="0" cy="0"/>
-          <a:chOff x="0" y="0"/>
-          <a:chExt cx="0" cy="0"/>
-        </a:xfrm>
-      </p:grpSpPr>
-      <p:sp>
-        <p:nvSpPr>
           <p:cNvPr id="6" name="Title 1">
             <a:extLst>
               <a:ext uri="{FF2B5EF4-FFF2-40B4-BE49-F238E27FC236}">
@@ -36985,7 +36316,7 @@
 </p:sld>
 </file>
 
-<file path=ppt/slides/slide48.xml><?xml version="1.0" encoding="utf-8"?>
+<file path=ppt/slides/slide46.xml><?xml version="1.0" encoding="utf-8"?>
 <p:sld xmlns:a="http://schemas.openxmlformats.org/drawingml/2006/main" xmlns:r="http://schemas.openxmlformats.org/officeDocument/2006/relationships" xmlns:p="http://schemas.openxmlformats.org/presentationml/2006/main">
   <p:cSld>
     <p:spTree>

--- a/CS4630/Approximate Computing.pptx
+++ b/CS4630/Approximate Computing.pptx
@@ -242,7 +242,7 @@
           <a:p>
             <a:fld id="{D55EDEC6-B90A-4809-92A6-ED08E5D71D19}" type="datetimeFigureOut">
               <a:rPr lang="en-US" smtClean="0"/>
-              <a:t>4/24/2024</a:t>
+              <a:t>4/25/2024</a:t>
             </a:fld>
             <a:endParaRPr lang="en-US"/>
           </a:p>
@@ -2420,7 +2420,7 @@
           <a:p>
             <a:fld id="{C0E804FD-C32D-439D-8226-765290BCF944}" type="datetimeFigureOut">
               <a:rPr lang="en-US" smtClean="0"/>
-              <a:t>4/24/2024</a:t>
+              <a:t>4/25/2024</a:t>
             </a:fld>
             <a:endParaRPr lang="en-US"/>
           </a:p>
@@ -2618,7 +2618,7 @@
           <a:p>
             <a:fld id="{C0E804FD-C32D-439D-8226-765290BCF944}" type="datetimeFigureOut">
               <a:rPr lang="en-US" smtClean="0"/>
-              <a:t>4/24/2024</a:t>
+              <a:t>4/25/2024</a:t>
             </a:fld>
             <a:endParaRPr lang="en-US"/>
           </a:p>
@@ -2826,7 +2826,7 @@
           <a:p>
             <a:fld id="{C0E804FD-C32D-439D-8226-765290BCF944}" type="datetimeFigureOut">
               <a:rPr lang="en-US" smtClean="0"/>
-              <a:t>4/24/2024</a:t>
+              <a:t>4/25/2024</a:t>
             </a:fld>
             <a:endParaRPr lang="en-US"/>
           </a:p>
@@ -3024,7 +3024,7 @@
           <a:p>
             <a:fld id="{C0E804FD-C32D-439D-8226-765290BCF944}" type="datetimeFigureOut">
               <a:rPr lang="en-US" smtClean="0"/>
-              <a:t>4/24/2024</a:t>
+              <a:t>4/25/2024</a:t>
             </a:fld>
             <a:endParaRPr lang="en-US"/>
           </a:p>
@@ -3299,7 +3299,7 @@
           <a:p>
             <a:fld id="{C0E804FD-C32D-439D-8226-765290BCF944}" type="datetimeFigureOut">
               <a:rPr lang="en-US" smtClean="0"/>
-              <a:t>4/24/2024</a:t>
+              <a:t>4/25/2024</a:t>
             </a:fld>
             <a:endParaRPr lang="en-US"/>
           </a:p>
@@ -3564,7 +3564,7 @@
           <a:p>
             <a:fld id="{C0E804FD-C32D-439D-8226-765290BCF944}" type="datetimeFigureOut">
               <a:rPr lang="en-US" smtClean="0"/>
-              <a:t>4/24/2024</a:t>
+              <a:t>4/25/2024</a:t>
             </a:fld>
             <a:endParaRPr lang="en-US"/>
           </a:p>
@@ -3976,7 +3976,7 @@
           <a:p>
             <a:fld id="{C0E804FD-C32D-439D-8226-765290BCF944}" type="datetimeFigureOut">
               <a:rPr lang="en-US" smtClean="0"/>
-              <a:t>4/24/2024</a:t>
+              <a:t>4/25/2024</a:t>
             </a:fld>
             <a:endParaRPr lang="en-US"/>
           </a:p>
@@ -4117,7 +4117,7 @@
           <a:p>
             <a:fld id="{C0E804FD-C32D-439D-8226-765290BCF944}" type="datetimeFigureOut">
               <a:rPr lang="en-US" smtClean="0"/>
-              <a:t>4/24/2024</a:t>
+              <a:t>4/25/2024</a:t>
             </a:fld>
             <a:endParaRPr lang="en-US"/>
           </a:p>
@@ -4230,7 +4230,7 @@
           <a:p>
             <a:fld id="{C0E804FD-C32D-439D-8226-765290BCF944}" type="datetimeFigureOut">
               <a:rPr lang="en-US" smtClean="0"/>
-              <a:t>4/24/2024</a:t>
+              <a:t>4/25/2024</a:t>
             </a:fld>
             <a:endParaRPr lang="en-US"/>
           </a:p>
@@ -4541,7 +4541,7 @@
           <a:p>
             <a:fld id="{C0E804FD-C32D-439D-8226-765290BCF944}" type="datetimeFigureOut">
               <a:rPr lang="en-US" smtClean="0"/>
-              <a:t>4/24/2024</a:t>
+              <a:t>4/25/2024</a:t>
             </a:fld>
             <a:endParaRPr lang="en-US"/>
           </a:p>
@@ -4829,7 +4829,7 @@
           <a:p>
             <a:fld id="{C0E804FD-C32D-439D-8226-765290BCF944}" type="datetimeFigureOut">
               <a:rPr lang="en-US" smtClean="0"/>
-              <a:t>4/24/2024</a:t>
+              <a:t>4/25/2024</a:t>
             </a:fld>
             <a:endParaRPr lang="en-US"/>
           </a:p>
@@ -5142,7 +5142,7 @@
           <a:p>
             <a:fld id="{C0E804FD-C32D-439D-8226-765290BCF944}" type="datetimeFigureOut">
               <a:rPr lang="en-US" smtClean="0"/>
-              <a:t>4/24/2024</a:t>
+              <a:t>4/25/2024</a:t>
             </a:fld>
             <a:endParaRPr lang="en-US"/>
           </a:p>
@@ -6545,6 +6545,217 @@
           </a:p>
         </p:txBody>
       </p:sp>
+      <p:sp>
+        <p:nvSpPr>
+          <p:cNvPr id="2" name="Content Placeholder 2">
+            <a:extLst>
+              <a:ext uri="{FF2B5EF4-FFF2-40B4-BE49-F238E27FC236}">
+                <a16:creationId xmlns:a16="http://schemas.microsoft.com/office/drawing/2014/main" id="{F4324C79-5A7D-FE80-1E2A-F5D20CA01671}"/>
+              </a:ext>
+            </a:extLst>
+          </p:cNvPr>
+          <p:cNvSpPr txBox="1">
+            <a:spLocks/>
+          </p:cNvSpPr>
+          <p:nvPr/>
+        </p:nvSpPr>
+        <p:spPr>
+          <a:xfrm>
+            <a:off x="492898" y="6492875"/>
+            <a:ext cx="370702" cy="465010"/>
+          </a:xfrm>
+          <a:prstGeom prst="rect">
+            <a:avLst/>
+          </a:prstGeom>
+        </p:spPr>
+        <p:txBody>
+          <a:bodyPr vert="horz" lIns="91440" tIns="45720" rIns="91440" bIns="45720" rtlCol="0">
+            <a:normAutofit fontScale="92500" lnSpcReduction="20000"/>
+          </a:bodyPr>
+          <a:lstStyle>
+            <a:lvl1pPr marL="0" indent="0" algn="ctr" defTabSz="914400" rtl="0" eaLnBrk="1" latinLnBrk="0" hangingPunct="1">
+              <a:lnSpc>
+                <a:spcPct val="90000"/>
+              </a:lnSpc>
+              <a:spcBef>
+                <a:spcPts val="1000"/>
+              </a:spcBef>
+              <a:buFont typeface="Arial" panose="020B0604020202020204" pitchFamily="34" charset="0"/>
+              <a:buNone/>
+              <a:defRPr sz="2400" kern="1200">
+                <a:solidFill>
+                  <a:schemeClr val="bg1"/>
+                </a:solidFill>
+                <a:latin typeface="Corbel Light" panose="020B0303020204020204" pitchFamily="34" charset="0"/>
+                <a:ea typeface="+mn-ea"/>
+                <a:cs typeface="+mn-cs"/>
+              </a:defRPr>
+            </a:lvl1pPr>
+            <a:lvl2pPr marL="457200" indent="0" algn="ctr" defTabSz="914400" rtl="0" eaLnBrk="1" latinLnBrk="0" hangingPunct="1">
+              <a:lnSpc>
+                <a:spcPct val="90000"/>
+              </a:lnSpc>
+              <a:spcBef>
+                <a:spcPts val="500"/>
+              </a:spcBef>
+              <a:buFont typeface="Arial" panose="020B0604020202020204" pitchFamily="34" charset="0"/>
+              <a:buNone/>
+              <a:defRPr sz="2000" kern="1200">
+                <a:solidFill>
+                  <a:schemeClr val="bg1"/>
+                </a:solidFill>
+                <a:latin typeface="Corbel Light" panose="020B0303020204020204" pitchFamily="34" charset="0"/>
+                <a:ea typeface="+mn-ea"/>
+                <a:cs typeface="+mn-cs"/>
+              </a:defRPr>
+            </a:lvl2pPr>
+            <a:lvl3pPr marL="914400" indent="0" algn="ctr" defTabSz="914400" rtl="0" eaLnBrk="1" latinLnBrk="0" hangingPunct="1">
+              <a:lnSpc>
+                <a:spcPct val="90000"/>
+              </a:lnSpc>
+              <a:spcBef>
+                <a:spcPts val="500"/>
+              </a:spcBef>
+              <a:buFont typeface="Arial" panose="020B0604020202020204" pitchFamily="34" charset="0"/>
+              <a:buNone/>
+              <a:defRPr sz="1800" kern="1200">
+                <a:solidFill>
+                  <a:schemeClr val="bg1"/>
+                </a:solidFill>
+                <a:latin typeface="Corbel Light" panose="020B0303020204020204" pitchFamily="34" charset="0"/>
+                <a:ea typeface="+mn-ea"/>
+                <a:cs typeface="+mn-cs"/>
+              </a:defRPr>
+            </a:lvl3pPr>
+            <a:lvl4pPr marL="1371600" indent="0" algn="ctr" defTabSz="914400" rtl="0" eaLnBrk="1" latinLnBrk="0" hangingPunct="1">
+              <a:lnSpc>
+                <a:spcPct val="90000"/>
+              </a:lnSpc>
+              <a:spcBef>
+                <a:spcPts val="500"/>
+              </a:spcBef>
+              <a:buFont typeface="Arial" panose="020B0604020202020204" pitchFamily="34" charset="0"/>
+              <a:buNone/>
+              <a:defRPr sz="1600" kern="1200">
+                <a:solidFill>
+                  <a:schemeClr val="bg1"/>
+                </a:solidFill>
+                <a:latin typeface="Corbel Light" panose="020B0303020204020204" pitchFamily="34" charset="0"/>
+                <a:ea typeface="+mn-ea"/>
+                <a:cs typeface="+mn-cs"/>
+              </a:defRPr>
+            </a:lvl4pPr>
+            <a:lvl5pPr marL="1828800" indent="0" algn="ctr" defTabSz="914400" rtl="0" eaLnBrk="1" latinLnBrk="0" hangingPunct="1">
+              <a:lnSpc>
+                <a:spcPct val="90000"/>
+              </a:lnSpc>
+              <a:spcBef>
+                <a:spcPts val="500"/>
+              </a:spcBef>
+              <a:buFont typeface="Arial" panose="020B0604020202020204" pitchFamily="34" charset="0"/>
+              <a:buNone/>
+              <a:defRPr sz="1600" kern="1200">
+                <a:solidFill>
+                  <a:schemeClr val="bg1"/>
+                </a:solidFill>
+                <a:latin typeface="Corbel Light" panose="020B0303020204020204" pitchFamily="34" charset="0"/>
+                <a:ea typeface="+mn-ea"/>
+                <a:cs typeface="+mn-cs"/>
+              </a:defRPr>
+            </a:lvl5pPr>
+            <a:lvl6pPr marL="2286000" indent="0" algn="ctr" defTabSz="914400" rtl="0" eaLnBrk="1" latinLnBrk="0" hangingPunct="1">
+              <a:lnSpc>
+                <a:spcPct val="90000"/>
+              </a:lnSpc>
+              <a:spcBef>
+                <a:spcPts val="500"/>
+              </a:spcBef>
+              <a:buFont typeface="Arial" panose="020B0604020202020204" pitchFamily="34" charset="0"/>
+              <a:buNone/>
+              <a:defRPr sz="1600" kern="1200">
+                <a:solidFill>
+                  <a:schemeClr val="tx1"/>
+                </a:solidFill>
+                <a:latin typeface="+mn-lt"/>
+                <a:ea typeface="+mn-ea"/>
+                <a:cs typeface="+mn-cs"/>
+              </a:defRPr>
+            </a:lvl6pPr>
+            <a:lvl7pPr marL="2743200" indent="0" algn="ctr" defTabSz="914400" rtl="0" eaLnBrk="1" latinLnBrk="0" hangingPunct="1">
+              <a:lnSpc>
+                <a:spcPct val="90000"/>
+              </a:lnSpc>
+              <a:spcBef>
+                <a:spcPts val="500"/>
+              </a:spcBef>
+              <a:buFont typeface="Arial" panose="020B0604020202020204" pitchFamily="34" charset="0"/>
+              <a:buNone/>
+              <a:defRPr sz="1600" kern="1200">
+                <a:solidFill>
+                  <a:schemeClr val="tx1"/>
+                </a:solidFill>
+                <a:latin typeface="+mn-lt"/>
+                <a:ea typeface="+mn-ea"/>
+                <a:cs typeface="+mn-cs"/>
+              </a:defRPr>
+            </a:lvl7pPr>
+            <a:lvl8pPr marL="3200400" indent="0" algn="ctr" defTabSz="914400" rtl="0" eaLnBrk="1" latinLnBrk="0" hangingPunct="1">
+              <a:lnSpc>
+                <a:spcPct val="90000"/>
+              </a:lnSpc>
+              <a:spcBef>
+                <a:spcPts val="500"/>
+              </a:spcBef>
+              <a:buFont typeface="Arial" panose="020B0604020202020204" pitchFamily="34" charset="0"/>
+              <a:buNone/>
+              <a:defRPr sz="1600" kern="1200">
+                <a:solidFill>
+                  <a:schemeClr val="tx1"/>
+                </a:solidFill>
+                <a:latin typeface="+mn-lt"/>
+                <a:ea typeface="+mn-ea"/>
+                <a:cs typeface="+mn-cs"/>
+              </a:defRPr>
+            </a:lvl8pPr>
+            <a:lvl9pPr marL="3657600" indent="0" algn="ctr" defTabSz="914400" rtl="0" eaLnBrk="1" latinLnBrk="0" hangingPunct="1">
+              <a:lnSpc>
+                <a:spcPct val="90000"/>
+              </a:lnSpc>
+              <a:spcBef>
+                <a:spcPts val="500"/>
+              </a:spcBef>
+              <a:buFont typeface="Arial" panose="020B0604020202020204" pitchFamily="34" charset="0"/>
+              <a:buNone/>
+              <a:defRPr sz="1600" kern="1200">
+                <a:solidFill>
+                  <a:schemeClr val="tx1"/>
+                </a:solidFill>
+                <a:latin typeface="+mn-lt"/>
+                <a:ea typeface="+mn-ea"/>
+                <a:cs typeface="+mn-cs"/>
+              </a:defRPr>
+            </a:lvl9pPr>
+          </a:lstStyle>
+          <a:p>
+            <a:pPr algn="l"/>
+            <a:r>
+              <a:rPr lang="en-US" sz="3200" dirty="0">
+                <a:solidFill>
+                  <a:srgbClr val="00863D"/>
+                </a:solidFill>
+                <a:latin typeface="+mn-lt"/>
+              </a:rPr>
+              <a:t>5</a:t>
+            </a:r>
+            <a:endParaRPr lang="en-US" dirty="0">
+              <a:solidFill>
+                <a:srgbClr val="00863D"/>
+              </a:solidFill>
+              <a:latin typeface="+mn-lt"/>
+            </a:endParaRPr>
+          </a:p>
+        </p:txBody>
+      </p:sp>
     </p:spTree>
     <p:extLst>
       <p:ext uri="{BB962C8B-B14F-4D97-AF65-F5344CB8AC3E}">
@@ -7614,6 +7825,217 @@
           </a:p>
           <a:p>
             <a:endParaRPr lang="en-US" sz="3200" dirty="0"/>
+          </a:p>
+        </p:txBody>
+      </p:sp>
+      <p:sp>
+        <p:nvSpPr>
+          <p:cNvPr id="7" name="Content Placeholder 2">
+            <a:extLst>
+              <a:ext uri="{FF2B5EF4-FFF2-40B4-BE49-F238E27FC236}">
+                <a16:creationId xmlns:a16="http://schemas.microsoft.com/office/drawing/2014/main" id="{1F51F2AA-084A-E291-DC70-DEEB57114438}"/>
+              </a:ext>
+            </a:extLst>
+          </p:cNvPr>
+          <p:cNvSpPr txBox="1">
+            <a:spLocks/>
+          </p:cNvSpPr>
+          <p:nvPr/>
+        </p:nvSpPr>
+        <p:spPr>
+          <a:xfrm>
+            <a:off x="467498" y="6427715"/>
+            <a:ext cx="370702" cy="465010"/>
+          </a:xfrm>
+          <a:prstGeom prst="rect">
+            <a:avLst/>
+          </a:prstGeom>
+        </p:spPr>
+        <p:txBody>
+          <a:bodyPr vert="horz" lIns="91440" tIns="45720" rIns="91440" bIns="45720" rtlCol="0">
+            <a:normAutofit fontScale="92500" lnSpcReduction="20000"/>
+          </a:bodyPr>
+          <a:lstStyle>
+            <a:lvl1pPr marL="0" indent="0" algn="ctr" defTabSz="914400" rtl="0" eaLnBrk="1" latinLnBrk="0" hangingPunct="1">
+              <a:lnSpc>
+                <a:spcPct val="90000"/>
+              </a:lnSpc>
+              <a:spcBef>
+                <a:spcPts val="1000"/>
+              </a:spcBef>
+              <a:buFont typeface="Arial" panose="020B0604020202020204" pitchFamily="34" charset="0"/>
+              <a:buNone/>
+              <a:defRPr sz="2400" kern="1200">
+                <a:solidFill>
+                  <a:schemeClr val="bg1"/>
+                </a:solidFill>
+                <a:latin typeface="Corbel Light" panose="020B0303020204020204" pitchFamily="34" charset="0"/>
+                <a:ea typeface="+mn-ea"/>
+                <a:cs typeface="+mn-cs"/>
+              </a:defRPr>
+            </a:lvl1pPr>
+            <a:lvl2pPr marL="457200" indent="0" algn="ctr" defTabSz="914400" rtl="0" eaLnBrk="1" latinLnBrk="0" hangingPunct="1">
+              <a:lnSpc>
+                <a:spcPct val="90000"/>
+              </a:lnSpc>
+              <a:spcBef>
+                <a:spcPts val="500"/>
+              </a:spcBef>
+              <a:buFont typeface="Arial" panose="020B0604020202020204" pitchFamily="34" charset="0"/>
+              <a:buNone/>
+              <a:defRPr sz="2000" kern="1200">
+                <a:solidFill>
+                  <a:schemeClr val="bg1"/>
+                </a:solidFill>
+                <a:latin typeface="Corbel Light" panose="020B0303020204020204" pitchFamily="34" charset="0"/>
+                <a:ea typeface="+mn-ea"/>
+                <a:cs typeface="+mn-cs"/>
+              </a:defRPr>
+            </a:lvl2pPr>
+            <a:lvl3pPr marL="914400" indent="0" algn="ctr" defTabSz="914400" rtl="0" eaLnBrk="1" latinLnBrk="0" hangingPunct="1">
+              <a:lnSpc>
+                <a:spcPct val="90000"/>
+              </a:lnSpc>
+              <a:spcBef>
+                <a:spcPts val="500"/>
+              </a:spcBef>
+              <a:buFont typeface="Arial" panose="020B0604020202020204" pitchFamily="34" charset="0"/>
+              <a:buNone/>
+              <a:defRPr sz="1800" kern="1200">
+                <a:solidFill>
+                  <a:schemeClr val="bg1"/>
+                </a:solidFill>
+                <a:latin typeface="Corbel Light" panose="020B0303020204020204" pitchFamily="34" charset="0"/>
+                <a:ea typeface="+mn-ea"/>
+                <a:cs typeface="+mn-cs"/>
+              </a:defRPr>
+            </a:lvl3pPr>
+            <a:lvl4pPr marL="1371600" indent="0" algn="ctr" defTabSz="914400" rtl="0" eaLnBrk="1" latinLnBrk="0" hangingPunct="1">
+              <a:lnSpc>
+                <a:spcPct val="90000"/>
+              </a:lnSpc>
+              <a:spcBef>
+                <a:spcPts val="500"/>
+              </a:spcBef>
+              <a:buFont typeface="Arial" panose="020B0604020202020204" pitchFamily="34" charset="0"/>
+              <a:buNone/>
+              <a:defRPr sz="1600" kern="1200">
+                <a:solidFill>
+                  <a:schemeClr val="bg1"/>
+                </a:solidFill>
+                <a:latin typeface="Corbel Light" panose="020B0303020204020204" pitchFamily="34" charset="0"/>
+                <a:ea typeface="+mn-ea"/>
+                <a:cs typeface="+mn-cs"/>
+              </a:defRPr>
+            </a:lvl4pPr>
+            <a:lvl5pPr marL="1828800" indent="0" algn="ctr" defTabSz="914400" rtl="0" eaLnBrk="1" latinLnBrk="0" hangingPunct="1">
+              <a:lnSpc>
+                <a:spcPct val="90000"/>
+              </a:lnSpc>
+              <a:spcBef>
+                <a:spcPts val="500"/>
+              </a:spcBef>
+              <a:buFont typeface="Arial" panose="020B0604020202020204" pitchFamily="34" charset="0"/>
+              <a:buNone/>
+              <a:defRPr sz="1600" kern="1200">
+                <a:solidFill>
+                  <a:schemeClr val="bg1"/>
+                </a:solidFill>
+                <a:latin typeface="Corbel Light" panose="020B0303020204020204" pitchFamily="34" charset="0"/>
+                <a:ea typeface="+mn-ea"/>
+                <a:cs typeface="+mn-cs"/>
+              </a:defRPr>
+            </a:lvl5pPr>
+            <a:lvl6pPr marL="2286000" indent="0" algn="ctr" defTabSz="914400" rtl="0" eaLnBrk="1" latinLnBrk="0" hangingPunct="1">
+              <a:lnSpc>
+                <a:spcPct val="90000"/>
+              </a:lnSpc>
+              <a:spcBef>
+                <a:spcPts val="500"/>
+              </a:spcBef>
+              <a:buFont typeface="Arial" panose="020B0604020202020204" pitchFamily="34" charset="0"/>
+              <a:buNone/>
+              <a:defRPr sz="1600" kern="1200">
+                <a:solidFill>
+                  <a:schemeClr val="tx1"/>
+                </a:solidFill>
+                <a:latin typeface="+mn-lt"/>
+                <a:ea typeface="+mn-ea"/>
+                <a:cs typeface="+mn-cs"/>
+              </a:defRPr>
+            </a:lvl6pPr>
+            <a:lvl7pPr marL="2743200" indent="0" algn="ctr" defTabSz="914400" rtl="0" eaLnBrk="1" latinLnBrk="0" hangingPunct="1">
+              <a:lnSpc>
+                <a:spcPct val="90000"/>
+              </a:lnSpc>
+              <a:spcBef>
+                <a:spcPts val="500"/>
+              </a:spcBef>
+              <a:buFont typeface="Arial" panose="020B0604020202020204" pitchFamily="34" charset="0"/>
+              <a:buNone/>
+              <a:defRPr sz="1600" kern="1200">
+                <a:solidFill>
+                  <a:schemeClr val="tx1"/>
+                </a:solidFill>
+                <a:latin typeface="+mn-lt"/>
+                <a:ea typeface="+mn-ea"/>
+                <a:cs typeface="+mn-cs"/>
+              </a:defRPr>
+            </a:lvl7pPr>
+            <a:lvl8pPr marL="3200400" indent="0" algn="ctr" defTabSz="914400" rtl="0" eaLnBrk="1" latinLnBrk="0" hangingPunct="1">
+              <a:lnSpc>
+                <a:spcPct val="90000"/>
+              </a:lnSpc>
+              <a:spcBef>
+                <a:spcPts val="500"/>
+              </a:spcBef>
+              <a:buFont typeface="Arial" panose="020B0604020202020204" pitchFamily="34" charset="0"/>
+              <a:buNone/>
+              <a:defRPr sz="1600" kern="1200">
+                <a:solidFill>
+                  <a:schemeClr val="tx1"/>
+                </a:solidFill>
+                <a:latin typeface="+mn-lt"/>
+                <a:ea typeface="+mn-ea"/>
+                <a:cs typeface="+mn-cs"/>
+              </a:defRPr>
+            </a:lvl8pPr>
+            <a:lvl9pPr marL="3657600" indent="0" algn="ctr" defTabSz="914400" rtl="0" eaLnBrk="1" latinLnBrk="0" hangingPunct="1">
+              <a:lnSpc>
+                <a:spcPct val="90000"/>
+              </a:lnSpc>
+              <a:spcBef>
+                <a:spcPts val="500"/>
+              </a:spcBef>
+              <a:buFont typeface="Arial" panose="020B0604020202020204" pitchFamily="34" charset="0"/>
+              <a:buNone/>
+              <a:defRPr sz="1600" kern="1200">
+                <a:solidFill>
+                  <a:schemeClr val="tx1"/>
+                </a:solidFill>
+                <a:latin typeface="+mn-lt"/>
+                <a:ea typeface="+mn-ea"/>
+                <a:cs typeface="+mn-cs"/>
+              </a:defRPr>
+            </a:lvl9pPr>
+          </a:lstStyle>
+          <a:p>
+            <a:pPr algn="l"/>
+            <a:r>
+              <a:rPr lang="en-US" sz="3200" dirty="0">
+                <a:solidFill>
+                  <a:srgbClr val="00863D"/>
+                </a:solidFill>
+                <a:latin typeface="+mn-lt"/>
+              </a:rPr>
+              <a:t>6</a:t>
+            </a:r>
+            <a:endParaRPr lang="en-US" dirty="0">
+              <a:solidFill>
+                <a:srgbClr val="00863D"/>
+              </a:solidFill>
+              <a:latin typeface="+mn-lt"/>
+            </a:endParaRPr>
           </a:p>
         </p:txBody>
       </p:sp>
@@ -8732,6 +9154,217 @@
           </a:p>
         </p:txBody>
       </p:sp>
+      <p:sp>
+        <p:nvSpPr>
+          <p:cNvPr id="2" name="Content Placeholder 2">
+            <a:extLst>
+              <a:ext uri="{FF2B5EF4-FFF2-40B4-BE49-F238E27FC236}">
+                <a16:creationId xmlns:a16="http://schemas.microsoft.com/office/drawing/2014/main" id="{EB942FC1-4F26-4D20-E6E7-E608BCAEC14B}"/>
+              </a:ext>
+            </a:extLst>
+          </p:cNvPr>
+          <p:cNvSpPr txBox="1">
+            <a:spLocks/>
+          </p:cNvSpPr>
+          <p:nvPr/>
+        </p:nvSpPr>
+        <p:spPr>
+          <a:xfrm>
+            <a:off x="467498" y="6517481"/>
+            <a:ext cx="370702" cy="465010"/>
+          </a:xfrm>
+          <a:prstGeom prst="rect">
+            <a:avLst/>
+          </a:prstGeom>
+        </p:spPr>
+        <p:txBody>
+          <a:bodyPr vert="horz" lIns="91440" tIns="45720" rIns="91440" bIns="45720" rtlCol="0">
+            <a:normAutofit fontScale="92500" lnSpcReduction="20000"/>
+          </a:bodyPr>
+          <a:lstStyle>
+            <a:lvl1pPr marL="0" indent="0" algn="ctr" defTabSz="914400" rtl="0" eaLnBrk="1" latinLnBrk="0" hangingPunct="1">
+              <a:lnSpc>
+                <a:spcPct val="90000"/>
+              </a:lnSpc>
+              <a:spcBef>
+                <a:spcPts val="1000"/>
+              </a:spcBef>
+              <a:buFont typeface="Arial" panose="020B0604020202020204" pitchFamily="34" charset="0"/>
+              <a:buNone/>
+              <a:defRPr sz="2400" kern="1200">
+                <a:solidFill>
+                  <a:schemeClr val="bg1"/>
+                </a:solidFill>
+                <a:latin typeface="Corbel Light" panose="020B0303020204020204" pitchFamily="34" charset="0"/>
+                <a:ea typeface="+mn-ea"/>
+                <a:cs typeface="+mn-cs"/>
+              </a:defRPr>
+            </a:lvl1pPr>
+            <a:lvl2pPr marL="457200" indent="0" algn="ctr" defTabSz="914400" rtl="0" eaLnBrk="1" latinLnBrk="0" hangingPunct="1">
+              <a:lnSpc>
+                <a:spcPct val="90000"/>
+              </a:lnSpc>
+              <a:spcBef>
+                <a:spcPts val="500"/>
+              </a:spcBef>
+              <a:buFont typeface="Arial" panose="020B0604020202020204" pitchFamily="34" charset="0"/>
+              <a:buNone/>
+              <a:defRPr sz="2000" kern="1200">
+                <a:solidFill>
+                  <a:schemeClr val="bg1"/>
+                </a:solidFill>
+                <a:latin typeface="Corbel Light" panose="020B0303020204020204" pitchFamily="34" charset="0"/>
+                <a:ea typeface="+mn-ea"/>
+                <a:cs typeface="+mn-cs"/>
+              </a:defRPr>
+            </a:lvl2pPr>
+            <a:lvl3pPr marL="914400" indent="0" algn="ctr" defTabSz="914400" rtl="0" eaLnBrk="1" latinLnBrk="0" hangingPunct="1">
+              <a:lnSpc>
+                <a:spcPct val="90000"/>
+              </a:lnSpc>
+              <a:spcBef>
+                <a:spcPts val="500"/>
+              </a:spcBef>
+              <a:buFont typeface="Arial" panose="020B0604020202020204" pitchFamily="34" charset="0"/>
+              <a:buNone/>
+              <a:defRPr sz="1800" kern="1200">
+                <a:solidFill>
+                  <a:schemeClr val="bg1"/>
+                </a:solidFill>
+                <a:latin typeface="Corbel Light" panose="020B0303020204020204" pitchFamily="34" charset="0"/>
+                <a:ea typeface="+mn-ea"/>
+                <a:cs typeface="+mn-cs"/>
+              </a:defRPr>
+            </a:lvl3pPr>
+            <a:lvl4pPr marL="1371600" indent="0" algn="ctr" defTabSz="914400" rtl="0" eaLnBrk="1" latinLnBrk="0" hangingPunct="1">
+              <a:lnSpc>
+                <a:spcPct val="90000"/>
+              </a:lnSpc>
+              <a:spcBef>
+                <a:spcPts val="500"/>
+              </a:spcBef>
+              <a:buFont typeface="Arial" panose="020B0604020202020204" pitchFamily="34" charset="0"/>
+              <a:buNone/>
+              <a:defRPr sz="1600" kern="1200">
+                <a:solidFill>
+                  <a:schemeClr val="bg1"/>
+                </a:solidFill>
+                <a:latin typeface="Corbel Light" panose="020B0303020204020204" pitchFamily="34" charset="0"/>
+                <a:ea typeface="+mn-ea"/>
+                <a:cs typeface="+mn-cs"/>
+              </a:defRPr>
+            </a:lvl4pPr>
+            <a:lvl5pPr marL="1828800" indent="0" algn="ctr" defTabSz="914400" rtl="0" eaLnBrk="1" latinLnBrk="0" hangingPunct="1">
+              <a:lnSpc>
+                <a:spcPct val="90000"/>
+              </a:lnSpc>
+              <a:spcBef>
+                <a:spcPts val="500"/>
+              </a:spcBef>
+              <a:buFont typeface="Arial" panose="020B0604020202020204" pitchFamily="34" charset="0"/>
+              <a:buNone/>
+              <a:defRPr sz="1600" kern="1200">
+                <a:solidFill>
+                  <a:schemeClr val="bg1"/>
+                </a:solidFill>
+                <a:latin typeface="Corbel Light" panose="020B0303020204020204" pitchFamily="34" charset="0"/>
+                <a:ea typeface="+mn-ea"/>
+                <a:cs typeface="+mn-cs"/>
+              </a:defRPr>
+            </a:lvl5pPr>
+            <a:lvl6pPr marL="2286000" indent="0" algn="ctr" defTabSz="914400" rtl="0" eaLnBrk="1" latinLnBrk="0" hangingPunct="1">
+              <a:lnSpc>
+                <a:spcPct val="90000"/>
+              </a:lnSpc>
+              <a:spcBef>
+                <a:spcPts val="500"/>
+              </a:spcBef>
+              <a:buFont typeface="Arial" panose="020B0604020202020204" pitchFamily="34" charset="0"/>
+              <a:buNone/>
+              <a:defRPr sz="1600" kern="1200">
+                <a:solidFill>
+                  <a:schemeClr val="tx1"/>
+                </a:solidFill>
+                <a:latin typeface="+mn-lt"/>
+                <a:ea typeface="+mn-ea"/>
+                <a:cs typeface="+mn-cs"/>
+              </a:defRPr>
+            </a:lvl6pPr>
+            <a:lvl7pPr marL="2743200" indent="0" algn="ctr" defTabSz="914400" rtl="0" eaLnBrk="1" latinLnBrk="0" hangingPunct="1">
+              <a:lnSpc>
+                <a:spcPct val="90000"/>
+              </a:lnSpc>
+              <a:spcBef>
+                <a:spcPts val="500"/>
+              </a:spcBef>
+              <a:buFont typeface="Arial" panose="020B0604020202020204" pitchFamily="34" charset="0"/>
+              <a:buNone/>
+              <a:defRPr sz="1600" kern="1200">
+                <a:solidFill>
+                  <a:schemeClr val="tx1"/>
+                </a:solidFill>
+                <a:latin typeface="+mn-lt"/>
+                <a:ea typeface="+mn-ea"/>
+                <a:cs typeface="+mn-cs"/>
+              </a:defRPr>
+            </a:lvl7pPr>
+            <a:lvl8pPr marL="3200400" indent="0" algn="ctr" defTabSz="914400" rtl="0" eaLnBrk="1" latinLnBrk="0" hangingPunct="1">
+              <a:lnSpc>
+                <a:spcPct val="90000"/>
+              </a:lnSpc>
+              <a:spcBef>
+                <a:spcPts val="500"/>
+              </a:spcBef>
+              <a:buFont typeface="Arial" panose="020B0604020202020204" pitchFamily="34" charset="0"/>
+              <a:buNone/>
+              <a:defRPr sz="1600" kern="1200">
+                <a:solidFill>
+                  <a:schemeClr val="tx1"/>
+                </a:solidFill>
+                <a:latin typeface="+mn-lt"/>
+                <a:ea typeface="+mn-ea"/>
+                <a:cs typeface="+mn-cs"/>
+              </a:defRPr>
+            </a:lvl8pPr>
+            <a:lvl9pPr marL="3657600" indent="0" algn="ctr" defTabSz="914400" rtl="0" eaLnBrk="1" latinLnBrk="0" hangingPunct="1">
+              <a:lnSpc>
+                <a:spcPct val="90000"/>
+              </a:lnSpc>
+              <a:spcBef>
+                <a:spcPts val="500"/>
+              </a:spcBef>
+              <a:buFont typeface="Arial" panose="020B0604020202020204" pitchFamily="34" charset="0"/>
+              <a:buNone/>
+              <a:defRPr sz="1600" kern="1200">
+                <a:solidFill>
+                  <a:schemeClr val="tx1"/>
+                </a:solidFill>
+                <a:latin typeface="+mn-lt"/>
+                <a:ea typeface="+mn-ea"/>
+                <a:cs typeface="+mn-cs"/>
+              </a:defRPr>
+            </a:lvl9pPr>
+          </a:lstStyle>
+          <a:p>
+            <a:pPr algn="l"/>
+            <a:r>
+              <a:rPr lang="en-US" sz="3200" dirty="0">
+                <a:solidFill>
+                  <a:srgbClr val="00863D"/>
+                </a:solidFill>
+                <a:latin typeface="+mn-lt"/>
+              </a:rPr>
+              <a:t>7</a:t>
+            </a:r>
+            <a:endParaRPr lang="en-US" dirty="0">
+              <a:solidFill>
+                <a:srgbClr val="00863D"/>
+              </a:solidFill>
+              <a:latin typeface="+mn-lt"/>
+            </a:endParaRPr>
+          </a:p>
+        </p:txBody>
+      </p:sp>
     </p:spTree>
     <p:extLst>
       <p:ext uri="{BB962C8B-B14F-4D97-AF65-F5344CB8AC3E}">
@@ -9397,6 +10030,211 @@
           </a:p>
           <a:p>
             <a:endParaRPr lang="en-US" sz="3200" dirty="0"/>
+          </a:p>
+        </p:txBody>
+      </p:sp>
+      <p:sp>
+        <p:nvSpPr>
+          <p:cNvPr id="3" name="Content Placeholder 2">
+            <a:extLst>
+              <a:ext uri="{FF2B5EF4-FFF2-40B4-BE49-F238E27FC236}">
+                <a16:creationId xmlns:a16="http://schemas.microsoft.com/office/drawing/2014/main" id="{E5E9FCE7-4C6C-1464-92D9-5FE7D3C4EFEA}"/>
+              </a:ext>
+            </a:extLst>
+          </p:cNvPr>
+          <p:cNvSpPr txBox="1">
+            <a:spLocks/>
+          </p:cNvSpPr>
+          <p:nvPr/>
+        </p:nvSpPr>
+        <p:spPr>
+          <a:xfrm>
+            <a:off x="531050" y="6492875"/>
+            <a:ext cx="370702" cy="465010"/>
+          </a:xfrm>
+          <a:prstGeom prst="rect">
+            <a:avLst/>
+          </a:prstGeom>
+        </p:spPr>
+        <p:txBody>
+          <a:bodyPr vert="horz" lIns="91440" tIns="45720" rIns="91440" bIns="45720" rtlCol="0">
+            <a:normAutofit/>
+          </a:bodyPr>
+          <a:lstStyle>
+            <a:lvl1pPr marL="0" indent="0" algn="ctr" defTabSz="914400" rtl="0" eaLnBrk="1" latinLnBrk="0" hangingPunct="1">
+              <a:lnSpc>
+                <a:spcPct val="90000"/>
+              </a:lnSpc>
+              <a:spcBef>
+                <a:spcPts val="1000"/>
+              </a:spcBef>
+              <a:buFont typeface="Arial" panose="020B0604020202020204" pitchFamily="34" charset="0"/>
+              <a:buNone/>
+              <a:defRPr sz="2400" kern="1200">
+                <a:solidFill>
+                  <a:schemeClr val="bg1"/>
+                </a:solidFill>
+                <a:latin typeface="Corbel Light" panose="020B0303020204020204" pitchFamily="34" charset="0"/>
+                <a:ea typeface="+mn-ea"/>
+                <a:cs typeface="+mn-cs"/>
+              </a:defRPr>
+            </a:lvl1pPr>
+            <a:lvl2pPr marL="457200" indent="0" algn="ctr" defTabSz="914400" rtl="0" eaLnBrk="1" latinLnBrk="0" hangingPunct="1">
+              <a:lnSpc>
+                <a:spcPct val="90000"/>
+              </a:lnSpc>
+              <a:spcBef>
+                <a:spcPts val="500"/>
+              </a:spcBef>
+              <a:buFont typeface="Arial" panose="020B0604020202020204" pitchFamily="34" charset="0"/>
+              <a:buNone/>
+              <a:defRPr sz="2000" kern="1200">
+                <a:solidFill>
+                  <a:schemeClr val="bg1"/>
+                </a:solidFill>
+                <a:latin typeface="Corbel Light" panose="020B0303020204020204" pitchFamily="34" charset="0"/>
+                <a:ea typeface="+mn-ea"/>
+                <a:cs typeface="+mn-cs"/>
+              </a:defRPr>
+            </a:lvl2pPr>
+            <a:lvl3pPr marL="914400" indent="0" algn="ctr" defTabSz="914400" rtl="0" eaLnBrk="1" latinLnBrk="0" hangingPunct="1">
+              <a:lnSpc>
+                <a:spcPct val="90000"/>
+              </a:lnSpc>
+              <a:spcBef>
+                <a:spcPts val="500"/>
+              </a:spcBef>
+              <a:buFont typeface="Arial" panose="020B0604020202020204" pitchFamily="34" charset="0"/>
+              <a:buNone/>
+              <a:defRPr sz="1800" kern="1200">
+                <a:solidFill>
+                  <a:schemeClr val="bg1"/>
+                </a:solidFill>
+                <a:latin typeface="Corbel Light" panose="020B0303020204020204" pitchFamily="34" charset="0"/>
+                <a:ea typeface="+mn-ea"/>
+                <a:cs typeface="+mn-cs"/>
+              </a:defRPr>
+            </a:lvl3pPr>
+            <a:lvl4pPr marL="1371600" indent="0" algn="ctr" defTabSz="914400" rtl="0" eaLnBrk="1" latinLnBrk="0" hangingPunct="1">
+              <a:lnSpc>
+                <a:spcPct val="90000"/>
+              </a:lnSpc>
+              <a:spcBef>
+                <a:spcPts val="500"/>
+              </a:spcBef>
+              <a:buFont typeface="Arial" panose="020B0604020202020204" pitchFamily="34" charset="0"/>
+              <a:buNone/>
+              <a:defRPr sz="1600" kern="1200">
+                <a:solidFill>
+                  <a:schemeClr val="bg1"/>
+                </a:solidFill>
+                <a:latin typeface="Corbel Light" panose="020B0303020204020204" pitchFamily="34" charset="0"/>
+                <a:ea typeface="+mn-ea"/>
+                <a:cs typeface="+mn-cs"/>
+              </a:defRPr>
+            </a:lvl4pPr>
+            <a:lvl5pPr marL="1828800" indent="0" algn="ctr" defTabSz="914400" rtl="0" eaLnBrk="1" latinLnBrk="0" hangingPunct="1">
+              <a:lnSpc>
+                <a:spcPct val="90000"/>
+              </a:lnSpc>
+              <a:spcBef>
+                <a:spcPts val="500"/>
+              </a:spcBef>
+              <a:buFont typeface="Arial" panose="020B0604020202020204" pitchFamily="34" charset="0"/>
+              <a:buNone/>
+              <a:defRPr sz="1600" kern="1200">
+                <a:solidFill>
+                  <a:schemeClr val="bg1"/>
+                </a:solidFill>
+                <a:latin typeface="Corbel Light" panose="020B0303020204020204" pitchFamily="34" charset="0"/>
+                <a:ea typeface="+mn-ea"/>
+                <a:cs typeface="+mn-cs"/>
+              </a:defRPr>
+            </a:lvl5pPr>
+            <a:lvl6pPr marL="2286000" indent="0" algn="ctr" defTabSz="914400" rtl="0" eaLnBrk="1" latinLnBrk="0" hangingPunct="1">
+              <a:lnSpc>
+                <a:spcPct val="90000"/>
+              </a:lnSpc>
+              <a:spcBef>
+                <a:spcPts val="500"/>
+              </a:spcBef>
+              <a:buFont typeface="Arial" panose="020B0604020202020204" pitchFamily="34" charset="0"/>
+              <a:buNone/>
+              <a:defRPr sz="1600" kern="1200">
+                <a:solidFill>
+                  <a:schemeClr val="tx1"/>
+                </a:solidFill>
+                <a:latin typeface="+mn-lt"/>
+                <a:ea typeface="+mn-ea"/>
+                <a:cs typeface="+mn-cs"/>
+              </a:defRPr>
+            </a:lvl6pPr>
+            <a:lvl7pPr marL="2743200" indent="0" algn="ctr" defTabSz="914400" rtl="0" eaLnBrk="1" latinLnBrk="0" hangingPunct="1">
+              <a:lnSpc>
+                <a:spcPct val="90000"/>
+              </a:lnSpc>
+              <a:spcBef>
+                <a:spcPts val="500"/>
+              </a:spcBef>
+              <a:buFont typeface="Arial" panose="020B0604020202020204" pitchFamily="34" charset="0"/>
+              <a:buNone/>
+              <a:defRPr sz="1600" kern="1200">
+                <a:solidFill>
+                  <a:schemeClr val="tx1"/>
+                </a:solidFill>
+                <a:latin typeface="+mn-lt"/>
+                <a:ea typeface="+mn-ea"/>
+                <a:cs typeface="+mn-cs"/>
+              </a:defRPr>
+            </a:lvl7pPr>
+            <a:lvl8pPr marL="3200400" indent="0" algn="ctr" defTabSz="914400" rtl="0" eaLnBrk="1" latinLnBrk="0" hangingPunct="1">
+              <a:lnSpc>
+                <a:spcPct val="90000"/>
+              </a:lnSpc>
+              <a:spcBef>
+                <a:spcPts val="500"/>
+              </a:spcBef>
+              <a:buFont typeface="Arial" panose="020B0604020202020204" pitchFamily="34" charset="0"/>
+              <a:buNone/>
+              <a:defRPr sz="1600" kern="1200">
+                <a:solidFill>
+                  <a:schemeClr val="tx1"/>
+                </a:solidFill>
+                <a:latin typeface="+mn-lt"/>
+                <a:ea typeface="+mn-ea"/>
+                <a:cs typeface="+mn-cs"/>
+              </a:defRPr>
+            </a:lvl8pPr>
+            <a:lvl9pPr marL="3657600" indent="0" algn="ctr" defTabSz="914400" rtl="0" eaLnBrk="1" latinLnBrk="0" hangingPunct="1">
+              <a:lnSpc>
+                <a:spcPct val="90000"/>
+              </a:lnSpc>
+              <a:spcBef>
+                <a:spcPts val="500"/>
+              </a:spcBef>
+              <a:buFont typeface="Arial" panose="020B0604020202020204" pitchFamily="34" charset="0"/>
+              <a:buNone/>
+              <a:defRPr sz="1600" kern="1200">
+                <a:solidFill>
+                  <a:schemeClr val="tx1"/>
+                </a:solidFill>
+                <a:latin typeface="+mn-lt"/>
+                <a:ea typeface="+mn-ea"/>
+                <a:cs typeface="+mn-cs"/>
+              </a:defRPr>
+            </a:lvl9pPr>
+          </a:lstStyle>
+          <a:p>
+            <a:pPr algn="l"/>
+            <a:r>
+              <a:rPr lang="en-US" dirty="0">
+                <a:solidFill>
+                  <a:srgbClr val="00863D"/>
+                </a:solidFill>
+                <a:latin typeface="+mn-lt"/>
+              </a:rPr>
+              <a:t>8</a:t>
+            </a:r>
           </a:p>
         </p:txBody>
       </p:sp>
@@ -9649,6 +10487,217 @@
           </a:effectLst>
         </p:spPr>
       </p:pic>
+      <p:sp>
+        <p:nvSpPr>
+          <p:cNvPr id="2" name="Content Placeholder 2">
+            <a:extLst>
+              <a:ext uri="{FF2B5EF4-FFF2-40B4-BE49-F238E27FC236}">
+                <a16:creationId xmlns:a16="http://schemas.microsoft.com/office/drawing/2014/main" id="{7BFD0FB2-3A30-EE8F-D1AA-2B5FBADE308E}"/>
+              </a:ext>
+            </a:extLst>
+          </p:cNvPr>
+          <p:cNvSpPr txBox="1">
+            <a:spLocks/>
+          </p:cNvSpPr>
+          <p:nvPr/>
+        </p:nvSpPr>
+        <p:spPr>
+          <a:xfrm>
+            <a:off x="531050" y="6392990"/>
+            <a:ext cx="370702" cy="465010"/>
+          </a:xfrm>
+          <a:prstGeom prst="rect">
+            <a:avLst/>
+          </a:prstGeom>
+        </p:spPr>
+        <p:txBody>
+          <a:bodyPr vert="horz" lIns="91440" tIns="45720" rIns="91440" bIns="45720" rtlCol="0">
+            <a:normAutofit fontScale="92500" lnSpcReduction="20000"/>
+          </a:bodyPr>
+          <a:lstStyle>
+            <a:lvl1pPr marL="0" indent="0" algn="ctr" defTabSz="914400" rtl="0" eaLnBrk="1" latinLnBrk="0" hangingPunct="1">
+              <a:lnSpc>
+                <a:spcPct val="90000"/>
+              </a:lnSpc>
+              <a:spcBef>
+                <a:spcPts val="1000"/>
+              </a:spcBef>
+              <a:buFont typeface="Arial" panose="020B0604020202020204" pitchFamily="34" charset="0"/>
+              <a:buNone/>
+              <a:defRPr sz="2400" kern="1200">
+                <a:solidFill>
+                  <a:schemeClr val="bg1"/>
+                </a:solidFill>
+                <a:latin typeface="Corbel Light" panose="020B0303020204020204" pitchFamily="34" charset="0"/>
+                <a:ea typeface="+mn-ea"/>
+                <a:cs typeface="+mn-cs"/>
+              </a:defRPr>
+            </a:lvl1pPr>
+            <a:lvl2pPr marL="457200" indent="0" algn="ctr" defTabSz="914400" rtl="0" eaLnBrk="1" latinLnBrk="0" hangingPunct="1">
+              <a:lnSpc>
+                <a:spcPct val="90000"/>
+              </a:lnSpc>
+              <a:spcBef>
+                <a:spcPts val="500"/>
+              </a:spcBef>
+              <a:buFont typeface="Arial" panose="020B0604020202020204" pitchFamily="34" charset="0"/>
+              <a:buNone/>
+              <a:defRPr sz="2000" kern="1200">
+                <a:solidFill>
+                  <a:schemeClr val="bg1"/>
+                </a:solidFill>
+                <a:latin typeface="Corbel Light" panose="020B0303020204020204" pitchFamily="34" charset="0"/>
+                <a:ea typeface="+mn-ea"/>
+                <a:cs typeface="+mn-cs"/>
+              </a:defRPr>
+            </a:lvl2pPr>
+            <a:lvl3pPr marL="914400" indent="0" algn="ctr" defTabSz="914400" rtl="0" eaLnBrk="1" latinLnBrk="0" hangingPunct="1">
+              <a:lnSpc>
+                <a:spcPct val="90000"/>
+              </a:lnSpc>
+              <a:spcBef>
+                <a:spcPts val="500"/>
+              </a:spcBef>
+              <a:buFont typeface="Arial" panose="020B0604020202020204" pitchFamily="34" charset="0"/>
+              <a:buNone/>
+              <a:defRPr sz="1800" kern="1200">
+                <a:solidFill>
+                  <a:schemeClr val="bg1"/>
+                </a:solidFill>
+                <a:latin typeface="Corbel Light" panose="020B0303020204020204" pitchFamily="34" charset="0"/>
+                <a:ea typeface="+mn-ea"/>
+                <a:cs typeface="+mn-cs"/>
+              </a:defRPr>
+            </a:lvl3pPr>
+            <a:lvl4pPr marL="1371600" indent="0" algn="ctr" defTabSz="914400" rtl="0" eaLnBrk="1" latinLnBrk="0" hangingPunct="1">
+              <a:lnSpc>
+                <a:spcPct val="90000"/>
+              </a:lnSpc>
+              <a:spcBef>
+                <a:spcPts val="500"/>
+              </a:spcBef>
+              <a:buFont typeface="Arial" panose="020B0604020202020204" pitchFamily="34" charset="0"/>
+              <a:buNone/>
+              <a:defRPr sz="1600" kern="1200">
+                <a:solidFill>
+                  <a:schemeClr val="bg1"/>
+                </a:solidFill>
+                <a:latin typeface="Corbel Light" panose="020B0303020204020204" pitchFamily="34" charset="0"/>
+                <a:ea typeface="+mn-ea"/>
+                <a:cs typeface="+mn-cs"/>
+              </a:defRPr>
+            </a:lvl4pPr>
+            <a:lvl5pPr marL="1828800" indent="0" algn="ctr" defTabSz="914400" rtl="0" eaLnBrk="1" latinLnBrk="0" hangingPunct="1">
+              <a:lnSpc>
+                <a:spcPct val="90000"/>
+              </a:lnSpc>
+              <a:spcBef>
+                <a:spcPts val="500"/>
+              </a:spcBef>
+              <a:buFont typeface="Arial" panose="020B0604020202020204" pitchFamily="34" charset="0"/>
+              <a:buNone/>
+              <a:defRPr sz="1600" kern="1200">
+                <a:solidFill>
+                  <a:schemeClr val="bg1"/>
+                </a:solidFill>
+                <a:latin typeface="Corbel Light" panose="020B0303020204020204" pitchFamily="34" charset="0"/>
+                <a:ea typeface="+mn-ea"/>
+                <a:cs typeface="+mn-cs"/>
+              </a:defRPr>
+            </a:lvl5pPr>
+            <a:lvl6pPr marL="2286000" indent="0" algn="ctr" defTabSz="914400" rtl="0" eaLnBrk="1" latinLnBrk="0" hangingPunct="1">
+              <a:lnSpc>
+                <a:spcPct val="90000"/>
+              </a:lnSpc>
+              <a:spcBef>
+                <a:spcPts val="500"/>
+              </a:spcBef>
+              <a:buFont typeface="Arial" panose="020B0604020202020204" pitchFamily="34" charset="0"/>
+              <a:buNone/>
+              <a:defRPr sz="1600" kern="1200">
+                <a:solidFill>
+                  <a:schemeClr val="tx1"/>
+                </a:solidFill>
+                <a:latin typeface="+mn-lt"/>
+                <a:ea typeface="+mn-ea"/>
+                <a:cs typeface="+mn-cs"/>
+              </a:defRPr>
+            </a:lvl6pPr>
+            <a:lvl7pPr marL="2743200" indent="0" algn="ctr" defTabSz="914400" rtl="0" eaLnBrk="1" latinLnBrk="0" hangingPunct="1">
+              <a:lnSpc>
+                <a:spcPct val="90000"/>
+              </a:lnSpc>
+              <a:spcBef>
+                <a:spcPts val="500"/>
+              </a:spcBef>
+              <a:buFont typeface="Arial" panose="020B0604020202020204" pitchFamily="34" charset="0"/>
+              <a:buNone/>
+              <a:defRPr sz="1600" kern="1200">
+                <a:solidFill>
+                  <a:schemeClr val="tx1"/>
+                </a:solidFill>
+                <a:latin typeface="+mn-lt"/>
+                <a:ea typeface="+mn-ea"/>
+                <a:cs typeface="+mn-cs"/>
+              </a:defRPr>
+            </a:lvl7pPr>
+            <a:lvl8pPr marL="3200400" indent="0" algn="ctr" defTabSz="914400" rtl="0" eaLnBrk="1" latinLnBrk="0" hangingPunct="1">
+              <a:lnSpc>
+                <a:spcPct val="90000"/>
+              </a:lnSpc>
+              <a:spcBef>
+                <a:spcPts val="500"/>
+              </a:spcBef>
+              <a:buFont typeface="Arial" panose="020B0604020202020204" pitchFamily="34" charset="0"/>
+              <a:buNone/>
+              <a:defRPr sz="1600" kern="1200">
+                <a:solidFill>
+                  <a:schemeClr val="tx1"/>
+                </a:solidFill>
+                <a:latin typeface="+mn-lt"/>
+                <a:ea typeface="+mn-ea"/>
+                <a:cs typeface="+mn-cs"/>
+              </a:defRPr>
+            </a:lvl8pPr>
+            <a:lvl9pPr marL="3657600" indent="0" algn="ctr" defTabSz="914400" rtl="0" eaLnBrk="1" latinLnBrk="0" hangingPunct="1">
+              <a:lnSpc>
+                <a:spcPct val="90000"/>
+              </a:lnSpc>
+              <a:spcBef>
+                <a:spcPts val="500"/>
+              </a:spcBef>
+              <a:buFont typeface="Arial" panose="020B0604020202020204" pitchFamily="34" charset="0"/>
+              <a:buNone/>
+              <a:defRPr sz="1600" kern="1200">
+                <a:solidFill>
+                  <a:schemeClr val="tx1"/>
+                </a:solidFill>
+                <a:latin typeface="+mn-lt"/>
+                <a:ea typeface="+mn-ea"/>
+                <a:cs typeface="+mn-cs"/>
+              </a:defRPr>
+            </a:lvl9pPr>
+          </a:lstStyle>
+          <a:p>
+            <a:pPr algn="l"/>
+            <a:r>
+              <a:rPr lang="en-US" sz="3200" dirty="0">
+                <a:solidFill>
+                  <a:srgbClr val="00863D"/>
+                </a:solidFill>
+                <a:latin typeface="+mn-lt"/>
+              </a:rPr>
+              <a:t>9</a:t>
+            </a:r>
+            <a:endParaRPr lang="en-US" dirty="0">
+              <a:solidFill>
+                <a:srgbClr val="00863D"/>
+              </a:solidFill>
+              <a:latin typeface="+mn-lt"/>
+            </a:endParaRPr>
+          </a:p>
+        </p:txBody>
+      </p:sp>
     </p:spTree>
     <p:extLst>
       <p:ext uri="{BB962C8B-B14F-4D97-AF65-F5344CB8AC3E}">
@@ -10166,6 +11215,217 @@
               <a:rPr lang="en-US" dirty="0"/>
               <a:t>How Can You Use Approximate Computing Techniques?</a:t>
             </a:r>
+          </a:p>
+        </p:txBody>
+      </p:sp>
+      <p:sp>
+        <p:nvSpPr>
+          <p:cNvPr id="2" name="Content Placeholder 2">
+            <a:extLst>
+              <a:ext uri="{FF2B5EF4-FFF2-40B4-BE49-F238E27FC236}">
+                <a16:creationId xmlns:a16="http://schemas.microsoft.com/office/drawing/2014/main" id="{1CE4F300-0422-C756-339E-EFEC488B2083}"/>
+              </a:ext>
+            </a:extLst>
+          </p:cNvPr>
+          <p:cNvSpPr txBox="1">
+            <a:spLocks/>
+          </p:cNvSpPr>
+          <p:nvPr/>
+        </p:nvSpPr>
+        <p:spPr>
+          <a:xfrm>
+            <a:off x="522477" y="6421505"/>
+            <a:ext cx="992951" cy="465010"/>
+          </a:xfrm>
+          <a:prstGeom prst="rect">
+            <a:avLst/>
+          </a:prstGeom>
+        </p:spPr>
+        <p:txBody>
+          <a:bodyPr vert="horz" lIns="91440" tIns="45720" rIns="91440" bIns="45720" rtlCol="0">
+            <a:normAutofit fontScale="92500" lnSpcReduction="20000"/>
+          </a:bodyPr>
+          <a:lstStyle>
+            <a:lvl1pPr marL="0" indent="0" algn="ctr" defTabSz="914400" rtl="0" eaLnBrk="1" latinLnBrk="0" hangingPunct="1">
+              <a:lnSpc>
+                <a:spcPct val="90000"/>
+              </a:lnSpc>
+              <a:spcBef>
+                <a:spcPts val="1000"/>
+              </a:spcBef>
+              <a:buFont typeface="Arial" panose="020B0604020202020204" pitchFamily="34" charset="0"/>
+              <a:buNone/>
+              <a:defRPr sz="2400" kern="1200">
+                <a:solidFill>
+                  <a:schemeClr val="bg1"/>
+                </a:solidFill>
+                <a:latin typeface="Corbel Light" panose="020B0303020204020204" pitchFamily="34" charset="0"/>
+                <a:ea typeface="+mn-ea"/>
+                <a:cs typeface="+mn-cs"/>
+              </a:defRPr>
+            </a:lvl1pPr>
+            <a:lvl2pPr marL="457200" indent="0" algn="ctr" defTabSz="914400" rtl="0" eaLnBrk="1" latinLnBrk="0" hangingPunct="1">
+              <a:lnSpc>
+                <a:spcPct val="90000"/>
+              </a:lnSpc>
+              <a:spcBef>
+                <a:spcPts val="500"/>
+              </a:spcBef>
+              <a:buFont typeface="Arial" panose="020B0604020202020204" pitchFamily="34" charset="0"/>
+              <a:buNone/>
+              <a:defRPr sz="2000" kern="1200">
+                <a:solidFill>
+                  <a:schemeClr val="bg1"/>
+                </a:solidFill>
+                <a:latin typeface="Corbel Light" panose="020B0303020204020204" pitchFamily="34" charset="0"/>
+                <a:ea typeface="+mn-ea"/>
+                <a:cs typeface="+mn-cs"/>
+              </a:defRPr>
+            </a:lvl2pPr>
+            <a:lvl3pPr marL="914400" indent="0" algn="ctr" defTabSz="914400" rtl="0" eaLnBrk="1" latinLnBrk="0" hangingPunct="1">
+              <a:lnSpc>
+                <a:spcPct val="90000"/>
+              </a:lnSpc>
+              <a:spcBef>
+                <a:spcPts val="500"/>
+              </a:spcBef>
+              <a:buFont typeface="Arial" panose="020B0604020202020204" pitchFamily="34" charset="0"/>
+              <a:buNone/>
+              <a:defRPr sz="1800" kern="1200">
+                <a:solidFill>
+                  <a:schemeClr val="bg1"/>
+                </a:solidFill>
+                <a:latin typeface="Corbel Light" panose="020B0303020204020204" pitchFamily="34" charset="0"/>
+                <a:ea typeface="+mn-ea"/>
+                <a:cs typeface="+mn-cs"/>
+              </a:defRPr>
+            </a:lvl3pPr>
+            <a:lvl4pPr marL="1371600" indent="0" algn="ctr" defTabSz="914400" rtl="0" eaLnBrk="1" latinLnBrk="0" hangingPunct="1">
+              <a:lnSpc>
+                <a:spcPct val="90000"/>
+              </a:lnSpc>
+              <a:spcBef>
+                <a:spcPts val="500"/>
+              </a:spcBef>
+              <a:buFont typeface="Arial" panose="020B0604020202020204" pitchFamily="34" charset="0"/>
+              <a:buNone/>
+              <a:defRPr sz="1600" kern="1200">
+                <a:solidFill>
+                  <a:schemeClr val="bg1"/>
+                </a:solidFill>
+                <a:latin typeface="Corbel Light" panose="020B0303020204020204" pitchFamily="34" charset="0"/>
+                <a:ea typeface="+mn-ea"/>
+                <a:cs typeface="+mn-cs"/>
+              </a:defRPr>
+            </a:lvl4pPr>
+            <a:lvl5pPr marL="1828800" indent="0" algn="ctr" defTabSz="914400" rtl="0" eaLnBrk="1" latinLnBrk="0" hangingPunct="1">
+              <a:lnSpc>
+                <a:spcPct val="90000"/>
+              </a:lnSpc>
+              <a:spcBef>
+                <a:spcPts val="500"/>
+              </a:spcBef>
+              <a:buFont typeface="Arial" panose="020B0604020202020204" pitchFamily="34" charset="0"/>
+              <a:buNone/>
+              <a:defRPr sz="1600" kern="1200">
+                <a:solidFill>
+                  <a:schemeClr val="bg1"/>
+                </a:solidFill>
+                <a:latin typeface="Corbel Light" panose="020B0303020204020204" pitchFamily="34" charset="0"/>
+                <a:ea typeface="+mn-ea"/>
+                <a:cs typeface="+mn-cs"/>
+              </a:defRPr>
+            </a:lvl5pPr>
+            <a:lvl6pPr marL="2286000" indent="0" algn="ctr" defTabSz="914400" rtl="0" eaLnBrk="1" latinLnBrk="0" hangingPunct="1">
+              <a:lnSpc>
+                <a:spcPct val="90000"/>
+              </a:lnSpc>
+              <a:spcBef>
+                <a:spcPts val="500"/>
+              </a:spcBef>
+              <a:buFont typeface="Arial" panose="020B0604020202020204" pitchFamily="34" charset="0"/>
+              <a:buNone/>
+              <a:defRPr sz="1600" kern="1200">
+                <a:solidFill>
+                  <a:schemeClr val="tx1"/>
+                </a:solidFill>
+                <a:latin typeface="+mn-lt"/>
+                <a:ea typeface="+mn-ea"/>
+                <a:cs typeface="+mn-cs"/>
+              </a:defRPr>
+            </a:lvl6pPr>
+            <a:lvl7pPr marL="2743200" indent="0" algn="ctr" defTabSz="914400" rtl="0" eaLnBrk="1" latinLnBrk="0" hangingPunct="1">
+              <a:lnSpc>
+                <a:spcPct val="90000"/>
+              </a:lnSpc>
+              <a:spcBef>
+                <a:spcPts val="500"/>
+              </a:spcBef>
+              <a:buFont typeface="Arial" panose="020B0604020202020204" pitchFamily="34" charset="0"/>
+              <a:buNone/>
+              <a:defRPr sz="1600" kern="1200">
+                <a:solidFill>
+                  <a:schemeClr val="tx1"/>
+                </a:solidFill>
+                <a:latin typeface="+mn-lt"/>
+                <a:ea typeface="+mn-ea"/>
+                <a:cs typeface="+mn-cs"/>
+              </a:defRPr>
+            </a:lvl7pPr>
+            <a:lvl8pPr marL="3200400" indent="0" algn="ctr" defTabSz="914400" rtl="0" eaLnBrk="1" latinLnBrk="0" hangingPunct="1">
+              <a:lnSpc>
+                <a:spcPct val="90000"/>
+              </a:lnSpc>
+              <a:spcBef>
+                <a:spcPts val="500"/>
+              </a:spcBef>
+              <a:buFont typeface="Arial" panose="020B0604020202020204" pitchFamily="34" charset="0"/>
+              <a:buNone/>
+              <a:defRPr sz="1600" kern="1200">
+                <a:solidFill>
+                  <a:schemeClr val="tx1"/>
+                </a:solidFill>
+                <a:latin typeface="+mn-lt"/>
+                <a:ea typeface="+mn-ea"/>
+                <a:cs typeface="+mn-cs"/>
+              </a:defRPr>
+            </a:lvl8pPr>
+            <a:lvl9pPr marL="3657600" indent="0" algn="ctr" defTabSz="914400" rtl="0" eaLnBrk="1" latinLnBrk="0" hangingPunct="1">
+              <a:lnSpc>
+                <a:spcPct val="90000"/>
+              </a:lnSpc>
+              <a:spcBef>
+                <a:spcPts val="500"/>
+              </a:spcBef>
+              <a:buFont typeface="Arial" panose="020B0604020202020204" pitchFamily="34" charset="0"/>
+              <a:buNone/>
+              <a:defRPr sz="1600" kern="1200">
+                <a:solidFill>
+                  <a:schemeClr val="tx1"/>
+                </a:solidFill>
+                <a:latin typeface="+mn-lt"/>
+                <a:ea typeface="+mn-ea"/>
+                <a:cs typeface="+mn-cs"/>
+              </a:defRPr>
+            </a:lvl9pPr>
+          </a:lstStyle>
+          <a:p>
+            <a:pPr algn="l"/>
+            <a:r>
+              <a:rPr lang="en-US" sz="3200" dirty="0">
+                <a:solidFill>
+                  <a:srgbClr val="00863D"/>
+                </a:solidFill>
+                <a:latin typeface="+mn-lt"/>
+              </a:rPr>
+              <a:t>10</a:t>
+            </a:r>
+            <a:endParaRPr lang="en-US" dirty="0">
+              <a:solidFill>
+                <a:srgbClr val="00863D"/>
+              </a:solidFill>
+              <a:latin typeface="+mn-lt"/>
+            </a:endParaRPr>
           </a:p>
         </p:txBody>
       </p:sp>
@@ -10874,6 +12134,217 @@
           </a:prstGeom>
         </p:spPr>
       </p:pic>
+      <p:sp>
+        <p:nvSpPr>
+          <p:cNvPr id="5" name="Content Placeholder 2">
+            <a:extLst>
+              <a:ext uri="{FF2B5EF4-FFF2-40B4-BE49-F238E27FC236}">
+                <a16:creationId xmlns:a16="http://schemas.microsoft.com/office/drawing/2014/main" id="{828559E6-FAD9-18EE-1FE2-2061DB63525D}"/>
+              </a:ext>
+            </a:extLst>
+          </p:cNvPr>
+          <p:cNvSpPr txBox="1">
+            <a:spLocks/>
+          </p:cNvSpPr>
+          <p:nvPr/>
+        </p:nvSpPr>
+        <p:spPr>
+          <a:xfrm>
+            <a:off x="531049" y="6392990"/>
+            <a:ext cx="992951" cy="465010"/>
+          </a:xfrm>
+          <a:prstGeom prst="rect">
+            <a:avLst/>
+          </a:prstGeom>
+        </p:spPr>
+        <p:txBody>
+          <a:bodyPr vert="horz" lIns="91440" tIns="45720" rIns="91440" bIns="45720" rtlCol="0">
+            <a:normAutofit fontScale="92500" lnSpcReduction="20000"/>
+          </a:bodyPr>
+          <a:lstStyle>
+            <a:lvl1pPr marL="0" indent="0" algn="ctr" defTabSz="914400" rtl="0" eaLnBrk="1" latinLnBrk="0" hangingPunct="1">
+              <a:lnSpc>
+                <a:spcPct val="90000"/>
+              </a:lnSpc>
+              <a:spcBef>
+                <a:spcPts val="1000"/>
+              </a:spcBef>
+              <a:buFont typeface="Arial" panose="020B0604020202020204" pitchFamily="34" charset="0"/>
+              <a:buNone/>
+              <a:defRPr sz="2400" kern="1200">
+                <a:solidFill>
+                  <a:schemeClr val="bg1"/>
+                </a:solidFill>
+                <a:latin typeface="Corbel Light" panose="020B0303020204020204" pitchFamily="34" charset="0"/>
+                <a:ea typeface="+mn-ea"/>
+                <a:cs typeface="+mn-cs"/>
+              </a:defRPr>
+            </a:lvl1pPr>
+            <a:lvl2pPr marL="457200" indent="0" algn="ctr" defTabSz="914400" rtl="0" eaLnBrk="1" latinLnBrk="0" hangingPunct="1">
+              <a:lnSpc>
+                <a:spcPct val="90000"/>
+              </a:lnSpc>
+              <a:spcBef>
+                <a:spcPts val="500"/>
+              </a:spcBef>
+              <a:buFont typeface="Arial" panose="020B0604020202020204" pitchFamily="34" charset="0"/>
+              <a:buNone/>
+              <a:defRPr sz="2000" kern="1200">
+                <a:solidFill>
+                  <a:schemeClr val="bg1"/>
+                </a:solidFill>
+                <a:latin typeface="Corbel Light" panose="020B0303020204020204" pitchFamily="34" charset="0"/>
+                <a:ea typeface="+mn-ea"/>
+                <a:cs typeface="+mn-cs"/>
+              </a:defRPr>
+            </a:lvl2pPr>
+            <a:lvl3pPr marL="914400" indent="0" algn="ctr" defTabSz="914400" rtl="0" eaLnBrk="1" latinLnBrk="0" hangingPunct="1">
+              <a:lnSpc>
+                <a:spcPct val="90000"/>
+              </a:lnSpc>
+              <a:spcBef>
+                <a:spcPts val="500"/>
+              </a:spcBef>
+              <a:buFont typeface="Arial" panose="020B0604020202020204" pitchFamily="34" charset="0"/>
+              <a:buNone/>
+              <a:defRPr sz="1800" kern="1200">
+                <a:solidFill>
+                  <a:schemeClr val="bg1"/>
+                </a:solidFill>
+                <a:latin typeface="Corbel Light" panose="020B0303020204020204" pitchFamily="34" charset="0"/>
+                <a:ea typeface="+mn-ea"/>
+                <a:cs typeface="+mn-cs"/>
+              </a:defRPr>
+            </a:lvl3pPr>
+            <a:lvl4pPr marL="1371600" indent="0" algn="ctr" defTabSz="914400" rtl="0" eaLnBrk="1" latinLnBrk="0" hangingPunct="1">
+              <a:lnSpc>
+                <a:spcPct val="90000"/>
+              </a:lnSpc>
+              <a:spcBef>
+                <a:spcPts val="500"/>
+              </a:spcBef>
+              <a:buFont typeface="Arial" panose="020B0604020202020204" pitchFamily="34" charset="0"/>
+              <a:buNone/>
+              <a:defRPr sz="1600" kern="1200">
+                <a:solidFill>
+                  <a:schemeClr val="bg1"/>
+                </a:solidFill>
+                <a:latin typeface="Corbel Light" panose="020B0303020204020204" pitchFamily="34" charset="0"/>
+                <a:ea typeface="+mn-ea"/>
+                <a:cs typeface="+mn-cs"/>
+              </a:defRPr>
+            </a:lvl4pPr>
+            <a:lvl5pPr marL="1828800" indent="0" algn="ctr" defTabSz="914400" rtl="0" eaLnBrk="1" latinLnBrk="0" hangingPunct="1">
+              <a:lnSpc>
+                <a:spcPct val="90000"/>
+              </a:lnSpc>
+              <a:spcBef>
+                <a:spcPts val="500"/>
+              </a:spcBef>
+              <a:buFont typeface="Arial" panose="020B0604020202020204" pitchFamily="34" charset="0"/>
+              <a:buNone/>
+              <a:defRPr sz="1600" kern="1200">
+                <a:solidFill>
+                  <a:schemeClr val="bg1"/>
+                </a:solidFill>
+                <a:latin typeface="Corbel Light" panose="020B0303020204020204" pitchFamily="34" charset="0"/>
+                <a:ea typeface="+mn-ea"/>
+                <a:cs typeface="+mn-cs"/>
+              </a:defRPr>
+            </a:lvl5pPr>
+            <a:lvl6pPr marL="2286000" indent="0" algn="ctr" defTabSz="914400" rtl="0" eaLnBrk="1" latinLnBrk="0" hangingPunct="1">
+              <a:lnSpc>
+                <a:spcPct val="90000"/>
+              </a:lnSpc>
+              <a:spcBef>
+                <a:spcPts val="500"/>
+              </a:spcBef>
+              <a:buFont typeface="Arial" panose="020B0604020202020204" pitchFamily="34" charset="0"/>
+              <a:buNone/>
+              <a:defRPr sz="1600" kern="1200">
+                <a:solidFill>
+                  <a:schemeClr val="tx1"/>
+                </a:solidFill>
+                <a:latin typeface="+mn-lt"/>
+                <a:ea typeface="+mn-ea"/>
+                <a:cs typeface="+mn-cs"/>
+              </a:defRPr>
+            </a:lvl6pPr>
+            <a:lvl7pPr marL="2743200" indent="0" algn="ctr" defTabSz="914400" rtl="0" eaLnBrk="1" latinLnBrk="0" hangingPunct="1">
+              <a:lnSpc>
+                <a:spcPct val="90000"/>
+              </a:lnSpc>
+              <a:spcBef>
+                <a:spcPts val="500"/>
+              </a:spcBef>
+              <a:buFont typeface="Arial" panose="020B0604020202020204" pitchFamily="34" charset="0"/>
+              <a:buNone/>
+              <a:defRPr sz="1600" kern="1200">
+                <a:solidFill>
+                  <a:schemeClr val="tx1"/>
+                </a:solidFill>
+                <a:latin typeface="+mn-lt"/>
+                <a:ea typeface="+mn-ea"/>
+                <a:cs typeface="+mn-cs"/>
+              </a:defRPr>
+            </a:lvl7pPr>
+            <a:lvl8pPr marL="3200400" indent="0" algn="ctr" defTabSz="914400" rtl="0" eaLnBrk="1" latinLnBrk="0" hangingPunct="1">
+              <a:lnSpc>
+                <a:spcPct val="90000"/>
+              </a:lnSpc>
+              <a:spcBef>
+                <a:spcPts val="500"/>
+              </a:spcBef>
+              <a:buFont typeface="Arial" panose="020B0604020202020204" pitchFamily="34" charset="0"/>
+              <a:buNone/>
+              <a:defRPr sz="1600" kern="1200">
+                <a:solidFill>
+                  <a:schemeClr val="tx1"/>
+                </a:solidFill>
+                <a:latin typeface="+mn-lt"/>
+                <a:ea typeface="+mn-ea"/>
+                <a:cs typeface="+mn-cs"/>
+              </a:defRPr>
+            </a:lvl8pPr>
+            <a:lvl9pPr marL="3657600" indent="0" algn="ctr" defTabSz="914400" rtl="0" eaLnBrk="1" latinLnBrk="0" hangingPunct="1">
+              <a:lnSpc>
+                <a:spcPct val="90000"/>
+              </a:lnSpc>
+              <a:spcBef>
+                <a:spcPts val="500"/>
+              </a:spcBef>
+              <a:buFont typeface="Arial" panose="020B0604020202020204" pitchFamily="34" charset="0"/>
+              <a:buNone/>
+              <a:defRPr sz="1600" kern="1200">
+                <a:solidFill>
+                  <a:schemeClr val="tx1"/>
+                </a:solidFill>
+                <a:latin typeface="+mn-lt"/>
+                <a:ea typeface="+mn-ea"/>
+                <a:cs typeface="+mn-cs"/>
+              </a:defRPr>
+            </a:lvl9pPr>
+          </a:lstStyle>
+          <a:p>
+            <a:pPr algn="l"/>
+            <a:r>
+              <a:rPr lang="en-US" sz="3200" dirty="0">
+                <a:solidFill>
+                  <a:srgbClr val="00863D"/>
+                </a:solidFill>
+                <a:latin typeface="+mn-lt"/>
+              </a:rPr>
+              <a:t>11</a:t>
+            </a:r>
+            <a:endParaRPr lang="en-US" dirty="0">
+              <a:solidFill>
+                <a:srgbClr val="00863D"/>
+              </a:solidFill>
+              <a:latin typeface="+mn-lt"/>
+            </a:endParaRPr>
+          </a:p>
+        </p:txBody>
+      </p:sp>
     </p:spTree>
     <p:extLst>
       <p:ext uri="{BB962C8B-B14F-4D97-AF65-F5344CB8AC3E}">
@@ -11550,6 +13021,217 @@
               <a:rPr lang="en-US" sz="3200" dirty="0"/>
               <a:t>Choosing between the use of single and half precision numbers</a:t>
             </a:r>
+          </a:p>
+        </p:txBody>
+      </p:sp>
+      <p:sp>
+        <p:nvSpPr>
+          <p:cNvPr id="2" name="Content Placeholder 2">
+            <a:extLst>
+              <a:ext uri="{FF2B5EF4-FFF2-40B4-BE49-F238E27FC236}">
+                <a16:creationId xmlns:a16="http://schemas.microsoft.com/office/drawing/2014/main" id="{3CEDABBA-5EB7-C0CD-81E2-255A42FD6352}"/>
+              </a:ext>
+            </a:extLst>
+          </p:cNvPr>
+          <p:cNvSpPr txBox="1">
+            <a:spLocks/>
+          </p:cNvSpPr>
+          <p:nvPr/>
+        </p:nvSpPr>
+        <p:spPr>
+          <a:xfrm>
+            <a:off x="531049" y="6392990"/>
+            <a:ext cx="992951" cy="465010"/>
+          </a:xfrm>
+          <a:prstGeom prst="rect">
+            <a:avLst/>
+          </a:prstGeom>
+        </p:spPr>
+        <p:txBody>
+          <a:bodyPr vert="horz" lIns="91440" tIns="45720" rIns="91440" bIns="45720" rtlCol="0">
+            <a:normAutofit fontScale="92500" lnSpcReduction="20000"/>
+          </a:bodyPr>
+          <a:lstStyle>
+            <a:lvl1pPr marL="0" indent="0" algn="ctr" defTabSz="914400" rtl="0" eaLnBrk="1" latinLnBrk="0" hangingPunct="1">
+              <a:lnSpc>
+                <a:spcPct val="90000"/>
+              </a:lnSpc>
+              <a:spcBef>
+                <a:spcPts val="1000"/>
+              </a:spcBef>
+              <a:buFont typeface="Arial" panose="020B0604020202020204" pitchFamily="34" charset="0"/>
+              <a:buNone/>
+              <a:defRPr sz="2400" kern="1200">
+                <a:solidFill>
+                  <a:schemeClr val="bg1"/>
+                </a:solidFill>
+                <a:latin typeface="Corbel Light" panose="020B0303020204020204" pitchFamily="34" charset="0"/>
+                <a:ea typeface="+mn-ea"/>
+                <a:cs typeface="+mn-cs"/>
+              </a:defRPr>
+            </a:lvl1pPr>
+            <a:lvl2pPr marL="457200" indent="0" algn="ctr" defTabSz="914400" rtl="0" eaLnBrk="1" latinLnBrk="0" hangingPunct="1">
+              <a:lnSpc>
+                <a:spcPct val="90000"/>
+              </a:lnSpc>
+              <a:spcBef>
+                <a:spcPts val="500"/>
+              </a:spcBef>
+              <a:buFont typeface="Arial" panose="020B0604020202020204" pitchFamily="34" charset="0"/>
+              <a:buNone/>
+              <a:defRPr sz="2000" kern="1200">
+                <a:solidFill>
+                  <a:schemeClr val="bg1"/>
+                </a:solidFill>
+                <a:latin typeface="Corbel Light" panose="020B0303020204020204" pitchFamily="34" charset="0"/>
+                <a:ea typeface="+mn-ea"/>
+                <a:cs typeface="+mn-cs"/>
+              </a:defRPr>
+            </a:lvl2pPr>
+            <a:lvl3pPr marL="914400" indent="0" algn="ctr" defTabSz="914400" rtl="0" eaLnBrk="1" latinLnBrk="0" hangingPunct="1">
+              <a:lnSpc>
+                <a:spcPct val="90000"/>
+              </a:lnSpc>
+              <a:spcBef>
+                <a:spcPts val="500"/>
+              </a:spcBef>
+              <a:buFont typeface="Arial" panose="020B0604020202020204" pitchFamily="34" charset="0"/>
+              <a:buNone/>
+              <a:defRPr sz="1800" kern="1200">
+                <a:solidFill>
+                  <a:schemeClr val="bg1"/>
+                </a:solidFill>
+                <a:latin typeface="Corbel Light" panose="020B0303020204020204" pitchFamily="34" charset="0"/>
+                <a:ea typeface="+mn-ea"/>
+                <a:cs typeface="+mn-cs"/>
+              </a:defRPr>
+            </a:lvl3pPr>
+            <a:lvl4pPr marL="1371600" indent="0" algn="ctr" defTabSz="914400" rtl="0" eaLnBrk="1" latinLnBrk="0" hangingPunct="1">
+              <a:lnSpc>
+                <a:spcPct val="90000"/>
+              </a:lnSpc>
+              <a:spcBef>
+                <a:spcPts val="500"/>
+              </a:spcBef>
+              <a:buFont typeface="Arial" panose="020B0604020202020204" pitchFamily="34" charset="0"/>
+              <a:buNone/>
+              <a:defRPr sz="1600" kern="1200">
+                <a:solidFill>
+                  <a:schemeClr val="bg1"/>
+                </a:solidFill>
+                <a:latin typeface="Corbel Light" panose="020B0303020204020204" pitchFamily="34" charset="0"/>
+                <a:ea typeface="+mn-ea"/>
+                <a:cs typeface="+mn-cs"/>
+              </a:defRPr>
+            </a:lvl4pPr>
+            <a:lvl5pPr marL="1828800" indent="0" algn="ctr" defTabSz="914400" rtl="0" eaLnBrk="1" latinLnBrk="0" hangingPunct="1">
+              <a:lnSpc>
+                <a:spcPct val="90000"/>
+              </a:lnSpc>
+              <a:spcBef>
+                <a:spcPts val="500"/>
+              </a:spcBef>
+              <a:buFont typeface="Arial" panose="020B0604020202020204" pitchFamily="34" charset="0"/>
+              <a:buNone/>
+              <a:defRPr sz="1600" kern="1200">
+                <a:solidFill>
+                  <a:schemeClr val="bg1"/>
+                </a:solidFill>
+                <a:latin typeface="Corbel Light" panose="020B0303020204020204" pitchFamily="34" charset="0"/>
+                <a:ea typeface="+mn-ea"/>
+                <a:cs typeface="+mn-cs"/>
+              </a:defRPr>
+            </a:lvl5pPr>
+            <a:lvl6pPr marL="2286000" indent="0" algn="ctr" defTabSz="914400" rtl="0" eaLnBrk="1" latinLnBrk="0" hangingPunct="1">
+              <a:lnSpc>
+                <a:spcPct val="90000"/>
+              </a:lnSpc>
+              <a:spcBef>
+                <a:spcPts val="500"/>
+              </a:spcBef>
+              <a:buFont typeface="Arial" panose="020B0604020202020204" pitchFamily="34" charset="0"/>
+              <a:buNone/>
+              <a:defRPr sz="1600" kern="1200">
+                <a:solidFill>
+                  <a:schemeClr val="tx1"/>
+                </a:solidFill>
+                <a:latin typeface="+mn-lt"/>
+                <a:ea typeface="+mn-ea"/>
+                <a:cs typeface="+mn-cs"/>
+              </a:defRPr>
+            </a:lvl6pPr>
+            <a:lvl7pPr marL="2743200" indent="0" algn="ctr" defTabSz="914400" rtl="0" eaLnBrk="1" latinLnBrk="0" hangingPunct="1">
+              <a:lnSpc>
+                <a:spcPct val="90000"/>
+              </a:lnSpc>
+              <a:spcBef>
+                <a:spcPts val="500"/>
+              </a:spcBef>
+              <a:buFont typeface="Arial" panose="020B0604020202020204" pitchFamily="34" charset="0"/>
+              <a:buNone/>
+              <a:defRPr sz="1600" kern="1200">
+                <a:solidFill>
+                  <a:schemeClr val="tx1"/>
+                </a:solidFill>
+                <a:latin typeface="+mn-lt"/>
+                <a:ea typeface="+mn-ea"/>
+                <a:cs typeface="+mn-cs"/>
+              </a:defRPr>
+            </a:lvl7pPr>
+            <a:lvl8pPr marL="3200400" indent="0" algn="ctr" defTabSz="914400" rtl="0" eaLnBrk="1" latinLnBrk="0" hangingPunct="1">
+              <a:lnSpc>
+                <a:spcPct val="90000"/>
+              </a:lnSpc>
+              <a:spcBef>
+                <a:spcPts val="500"/>
+              </a:spcBef>
+              <a:buFont typeface="Arial" panose="020B0604020202020204" pitchFamily="34" charset="0"/>
+              <a:buNone/>
+              <a:defRPr sz="1600" kern="1200">
+                <a:solidFill>
+                  <a:schemeClr val="tx1"/>
+                </a:solidFill>
+                <a:latin typeface="+mn-lt"/>
+                <a:ea typeface="+mn-ea"/>
+                <a:cs typeface="+mn-cs"/>
+              </a:defRPr>
+            </a:lvl8pPr>
+            <a:lvl9pPr marL="3657600" indent="0" algn="ctr" defTabSz="914400" rtl="0" eaLnBrk="1" latinLnBrk="0" hangingPunct="1">
+              <a:lnSpc>
+                <a:spcPct val="90000"/>
+              </a:lnSpc>
+              <a:spcBef>
+                <a:spcPts val="500"/>
+              </a:spcBef>
+              <a:buFont typeface="Arial" panose="020B0604020202020204" pitchFamily="34" charset="0"/>
+              <a:buNone/>
+              <a:defRPr sz="1600" kern="1200">
+                <a:solidFill>
+                  <a:schemeClr val="tx1"/>
+                </a:solidFill>
+                <a:latin typeface="+mn-lt"/>
+                <a:ea typeface="+mn-ea"/>
+                <a:cs typeface="+mn-cs"/>
+              </a:defRPr>
+            </a:lvl9pPr>
+          </a:lstStyle>
+          <a:p>
+            <a:pPr algn="l"/>
+            <a:r>
+              <a:rPr lang="en-US" sz="3200" dirty="0">
+                <a:solidFill>
+                  <a:srgbClr val="00863D"/>
+                </a:solidFill>
+                <a:latin typeface="+mn-lt"/>
+              </a:rPr>
+              <a:t>11</a:t>
+            </a:r>
+            <a:endParaRPr lang="en-US" dirty="0">
+              <a:solidFill>
+                <a:srgbClr val="00863D"/>
+              </a:solidFill>
+              <a:latin typeface="+mn-lt"/>
+            </a:endParaRPr>
           </a:p>
         </p:txBody>
       </p:sp>
@@ -12232,6 +13914,217 @@
           </a:p>
         </p:txBody>
       </p:sp>
+      <p:sp>
+        <p:nvSpPr>
+          <p:cNvPr id="6" name="Content Placeholder 2">
+            <a:extLst>
+              <a:ext uri="{FF2B5EF4-FFF2-40B4-BE49-F238E27FC236}">
+                <a16:creationId xmlns:a16="http://schemas.microsoft.com/office/drawing/2014/main" id="{E36DAFA6-A1EF-A9B2-4DCB-9917E08E19B0}"/>
+              </a:ext>
+            </a:extLst>
+          </p:cNvPr>
+          <p:cNvSpPr txBox="1">
+            <a:spLocks/>
+          </p:cNvSpPr>
+          <p:nvPr/>
+        </p:nvSpPr>
+        <p:spPr>
+          <a:xfrm>
+            <a:off x="531049" y="6392990"/>
+            <a:ext cx="992951" cy="465010"/>
+          </a:xfrm>
+          <a:prstGeom prst="rect">
+            <a:avLst/>
+          </a:prstGeom>
+        </p:spPr>
+        <p:txBody>
+          <a:bodyPr vert="horz" lIns="91440" tIns="45720" rIns="91440" bIns="45720" rtlCol="0">
+            <a:normAutofit fontScale="92500" lnSpcReduction="20000"/>
+          </a:bodyPr>
+          <a:lstStyle>
+            <a:lvl1pPr marL="0" indent="0" algn="ctr" defTabSz="914400" rtl="0" eaLnBrk="1" latinLnBrk="0" hangingPunct="1">
+              <a:lnSpc>
+                <a:spcPct val="90000"/>
+              </a:lnSpc>
+              <a:spcBef>
+                <a:spcPts val="1000"/>
+              </a:spcBef>
+              <a:buFont typeface="Arial" panose="020B0604020202020204" pitchFamily="34" charset="0"/>
+              <a:buNone/>
+              <a:defRPr sz="2400" kern="1200">
+                <a:solidFill>
+                  <a:schemeClr val="bg1"/>
+                </a:solidFill>
+                <a:latin typeface="Corbel Light" panose="020B0303020204020204" pitchFamily="34" charset="0"/>
+                <a:ea typeface="+mn-ea"/>
+                <a:cs typeface="+mn-cs"/>
+              </a:defRPr>
+            </a:lvl1pPr>
+            <a:lvl2pPr marL="457200" indent="0" algn="ctr" defTabSz="914400" rtl="0" eaLnBrk="1" latinLnBrk="0" hangingPunct="1">
+              <a:lnSpc>
+                <a:spcPct val="90000"/>
+              </a:lnSpc>
+              <a:spcBef>
+                <a:spcPts val="500"/>
+              </a:spcBef>
+              <a:buFont typeface="Arial" panose="020B0604020202020204" pitchFamily="34" charset="0"/>
+              <a:buNone/>
+              <a:defRPr sz="2000" kern="1200">
+                <a:solidFill>
+                  <a:schemeClr val="bg1"/>
+                </a:solidFill>
+                <a:latin typeface="Corbel Light" panose="020B0303020204020204" pitchFamily="34" charset="0"/>
+                <a:ea typeface="+mn-ea"/>
+                <a:cs typeface="+mn-cs"/>
+              </a:defRPr>
+            </a:lvl2pPr>
+            <a:lvl3pPr marL="914400" indent="0" algn="ctr" defTabSz="914400" rtl="0" eaLnBrk="1" latinLnBrk="0" hangingPunct="1">
+              <a:lnSpc>
+                <a:spcPct val="90000"/>
+              </a:lnSpc>
+              <a:spcBef>
+                <a:spcPts val="500"/>
+              </a:spcBef>
+              <a:buFont typeface="Arial" panose="020B0604020202020204" pitchFamily="34" charset="0"/>
+              <a:buNone/>
+              <a:defRPr sz="1800" kern="1200">
+                <a:solidFill>
+                  <a:schemeClr val="bg1"/>
+                </a:solidFill>
+                <a:latin typeface="Corbel Light" panose="020B0303020204020204" pitchFamily="34" charset="0"/>
+                <a:ea typeface="+mn-ea"/>
+                <a:cs typeface="+mn-cs"/>
+              </a:defRPr>
+            </a:lvl3pPr>
+            <a:lvl4pPr marL="1371600" indent="0" algn="ctr" defTabSz="914400" rtl="0" eaLnBrk="1" latinLnBrk="0" hangingPunct="1">
+              <a:lnSpc>
+                <a:spcPct val="90000"/>
+              </a:lnSpc>
+              <a:spcBef>
+                <a:spcPts val="500"/>
+              </a:spcBef>
+              <a:buFont typeface="Arial" panose="020B0604020202020204" pitchFamily="34" charset="0"/>
+              <a:buNone/>
+              <a:defRPr sz="1600" kern="1200">
+                <a:solidFill>
+                  <a:schemeClr val="bg1"/>
+                </a:solidFill>
+                <a:latin typeface="Corbel Light" panose="020B0303020204020204" pitchFamily="34" charset="0"/>
+                <a:ea typeface="+mn-ea"/>
+                <a:cs typeface="+mn-cs"/>
+              </a:defRPr>
+            </a:lvl4pPr>
+            <a:lvl5pPr marL="1828800" indent="0" algn="ctr" defTabSz="914400" rtl="0" eaLnBrk="1" latinLnBrk="0" hangingPunct="1">
+              <a:lnSpc>
+                <a:spcPct val="90000"/>
+              </a:lnSpc>
+              <a:spcBef>
+                <a:spcPts val="500"/>
+              </a:spcBef>
+              <a:buFont typeface="Arial" panose="020B0604020202020204" pitchFamily="34" charset="0"/>
+              <a:buNone/>
+              <a:defRPr sz="1600" kern="1200">
+                <a:solidFill>
+                  <a:schemeClr val="bg1"/>
+                </a:solidFill>
+                <a:latin typeface="Corbel Light" panose="020B0303020204020204" pitchFamily="34" charset="0"/>
+                <a:ea typeface="+mn-ea"/>
+                <a:cs typeface="+mn-cs"/>
+              </a:defRPr>
+            </a:lvl5pPr>
+            <a:lvl6pPr marL="2286000" indent="0" algn="ctr" defTabSz="914400" rtl="0" eaLnBrk="1" latinLnBrk="0" hangingPunct="1">
+              <a:lnSpc>
+                <a:spcPct val="90000"/>
+              </a:lnSpc>
+              <a:spcBef>
+                <a:spcPts val="500"/>
+              </a:spcBef>
+              <a:buFont typeface="Arial" panose="020B0604020202020204" pitchFamily="34" charset="0"/>
+              <a:buNone/>
+              <a:defRPr sz="1600" kern="1200">
+                <a:solidFill>
+                  <a:schemeClr val="tx1"/>
+                </a:solidFill>
+                <a:latin typeface="+mn-lt"/>
+                <a:ea typeface="+mn-ea"/>
+                <a:cs typeface="+mn-cs"/>
+              </a:defRPr>
+            </a:lvl6pPr>
+            <a:lvl7pPr marL="2743200" indent="0" algn="ctr" defTabSz="914400" rtl="0" eaLnBrk="1" latinLnBrk="0" hangingPunct="1">
+              <a:lnSpc>
+                <a:spcPct val="90000"/>
+              </a:lnSpc>
+              <a:spcBef>
+                <a:spcPts val="500"/>
+              </a:spcBef>
+              <a:buFont typeface="Arial" panose="020B0604020202020204" pitchFamily="34" charset="0"/>
+              <a:buNone/>
+              <a:defRPr sz="1600" kern="1200">
+                <a:solidFill>
+                  <a:schemeClr val="tx1"/>
+                </a:solidFill>
+                <a:latin typeface="+mn-lt"/>
+                <a:ea typeface="+mn-ea"/>
+                <a:cs typeface="+mn-cs"/>
+              </a:defRPr>
+            </a:lvl7pPr>
+            <a:lvl8pPr marL="3200400" indent="0" algn="ctr" defTabSz="914400" rtl="0" eaLnBrk="1" latinLnBrk="0" hangingPunct="1">
+              <a:lnSpc>
+                <a:spcPct val="90000"/>
+              </a:lnSpc>
+              <a:spcBef>
+                <a:spcPts val="500"/>
+              </a:spcBef>
+              <a:buFont typeface="Arial" panose="020B0604020202020204" pitchFamily="34" charset="0"/>
+              <a:buNone/>
+              <a:defRPr sz="1600" kern="1200">
+                <a:solidFill>
+                  <a:schemeClr val="tx1"/>
+                </a:solidFill>
+                <a:latin typeface="+mn-lt"/>
+                <a:ea typeface="+mn-ea"/>
+                <a:cs typeface="+mn-cs"/>
+              </a:defRPr>
+            </a:lvl8pPr>
+            <a:lvl9pPr marL="3657600" indent="0" algn="ctr" defTabSz="914400" rtl="0" eaLnBrk="1" latinLnBrk="0" hangingPunct="1">
+              <a:lnSpc>
+                <a:spcPct val="90000"/>
+              </a:lnSpc>
+              <a:spcBef>
+                <a:spcPts val="500"/>
+              </a:spcBef>
+              <a:buFont typeface="Arial" panose="020B0604020202020204" pitchFamily="34" charset="0"/>
+              <a:buNone/>
+              <a:defRPr sz="1600" kern="1200">
+                <a:solidFill>
+                  <a:schemeClr val="tx1"/>
+                </a:solidFill>
+                <a:latin typeface="+mn-lt"/>
+                <a:ea typeface="+mn-ea"/>
+                <a:cs typeface="+mn-cs"/>
+              </a:defRPr>
+            </a:lvl9pPr>
+          </a:lstStyle>
+          <a:p>
+            <a:pPr algn="l"/>
+            <a:r>
+              <a:rPr lang="en-US" sz="3200" dirty="0">
+                <a:solidFill>
+                  <a:srgbClr val="00863D"/>
+                </a:solidFill>
+                <a:latin typeface="+mn-lt"/>
+              </a:rPr>
+              <a:t>11</a:t>
+            </a:r>
+            <a:endParaRPr lang="en-US" dirty="0">
+              <a:solidFill>
+                <a:srgbClr val="00863D"/>
+              </a:solidFill>
+              <a:latin typeface="+mn-lt"/>
+            </a:endParaRPr>
+          </a:p>
+        </p:txBody>
+      </p:sp>
     </p:spTree>
     <p:extLst>
       <p:ext uri="{BB962C8B-B14F-4D97-AF65-F5344CB8AC3E}">
@@ -13397,6 +15290,217 @@
               </a:rPr>
               <a:t>40</a:t>
             </a:r>
+          </a:p>
+        </p:txBody>
+      </p:sp>
+      <p:sp>
+        <p:nvSpPr>
+          <p:cNvPr id="8" name="Content Placeholder 2">
+            <a:extLst>
+              <a:ext uri="{FF2B5EF4-FFF2-40B4-BE49-F238E27FC236}">
+                <a16:creationId xmlns:a16="http://schemas.microsoft.com/office/drawing/2014/main" id="{F5C52F95-3366-03C5-0E5A-9694E94486EC}"/>
+              </a:ext>
+            </a:extLst>
+          </p:cNvPr>
+          <p:cNvSpPr txBox="1">
+            <a:spLocks/>
+          </p:cNvSpPr>
+          <p:nvPr/>
+        </p:nvSpPr>
+        <p:spPr>
+          <a:xfrm>
+            <a:off x="531049" y="6392990"/>
+            <a:ext cx="992951" cy="465010"/>
+          </a:xfrm>
+          <a:prstGeom prst="rect">
+            <a:avLst/>
+          </a:prstGeom>
+        </p:spPr>
+        <p:txBody>
+          <a:bodyPr vert="horz" lIns="91440" tIns="45720" rIns="91440" bIns="45720" rtlCol="0">
+            <a:normAutofit fontScale="92500" lnSpcReduction="20000"/>
+          </a:bodyPr>
+          <a:lstStyle>
+            <a:lvl1pPr marL="0" indent="0" algn="ctr" defTabSz="914400" rtl="0" eaLnBrk="1" latinLnBrk="0" hangingPunct="1">
+              <a:lnSpc>
+                <a:spcPct val="90000"/>
+              </a:lnSpc>
+              <a:spcBef>
+                <a:spcPts val="1000"/>
+              </a:spcBef>
+              <a:buFont typeface="Arial" panose="020B0604020202020204" pitchFamily="34" charset="0"/>
+              <a:buNone/>
+              <a:defRPr sz="2400" kern="1200">
+                <a:solidFill>
+                  <a:schemeClr val="bg1"/>
+                </a:solidFill>
+                <a:latin typeface="Corbel Light" panose="020B0303020204020204" pitchFamily="34" charset="0"/>
+                <a:ea typeface="+mn-ea"/>
+                <a:cs typeface="+mn-cs"/>
+              </a:defRPr>
+            </a:lvl1pPr>
+            <a:lvl2pPr marL="457200" indent="0" algn="ctr" defTabSz="914400" rtl="0" eaLnBrk="1" latinLnBrk="0" hangingPunct="1">
+              <a:lnSpc>
+                <a:spcPct val="90000"/>
+              </a:lnSpc>
+              <a:spcBef>
+                <a:spcPts val="500"/>
+              </a:spcBef>
+              <a:buFont typeface="Arial" panose="020B0604020202020204" pitchFamily="34" charset="0"/>
+              <a:buNone/>
+              <a:defRPr sz="2000" kern="1200">
+                <a:solidFill>
+                  <a:schemeClr val="bg1"/>
+                </a:solidFill>
+                <a:latin typeface="Corbel Light" panose="020B0303020204020204" pitchFamily="34" charset="0"/>
+                <a:ea typeface="+mn-ea"/>
+                <a:cs typeface="+mn-cs"/>
+              </a:defRPr>
+            </a:lvl2pPr>
+            <a:lvl3pPr marL="914400" indent="0" algn="ctr" defTabSz="914400" rtl="0" eaLnBrk="1" latinLnBrk="0" hangingPunct="1">
+              <a:lnSpc>
+                <a:spcPct val="90000"/>
+              </a:lnSpc>
+              <a:spcBef>
+                <a:spcPts val="500"/>
+              </a:spcBef>
+              <a:buFont typeface="Arial" panose="020B0604020202020204" pitchFamily="34" charset="0"/>
+              <a:buNone/>
+              <a:defRPr sz="1800" kern="1200">
+                <a:solidFill>
+                  <a:schemeClr val="bg1"/>
+                </a:solidFill>
+                <a:latin typeface="Corbel Light" panose="020B0303020204020204" pitchFamily="34" charset="0"/>
+                <a:ea typeface="+mn-ea"/>
+                <a:cs typeface="+mn-cs"/>
+              </a:defRPr>
+            </a:lvl3pPr>
+            <a:lvl4pPr marL="1371600" indent="0" algn="ctr" defTabSz="914400" rtl="0" eaLnBrk="1" latinLnBrk="0" hangingPunct="1">
+              <a:lnSpc>
+                <a:spcPct val="90000"/>
+              </a:lnSpc>
+              <a:spcBef>
+                <a:spcPts val="500"/>
+              </a:spcBef>
+              <a:buFont typeface="Arial" panose="020B0604020202020204" pitchFamily="34" charset="0"/>
+              <a:buNone/>
+              <a:defRPr sz="1600" kern="1200">
+                <a:solidFill>
+                  <a:schemeClr val="bg1"/>
+                </a:solidFill>
+                <a:latin typeface="Corbel Light" panose="020B0303020204020204" pitchFamily="34" charset="0"/>
+                <a:ea typeface="+mn-ea"/>
+                <a:cs typeface="+mn-cs"/>
+              </a:defRPr>
+            </a:lvl4pPr>
+            <a:lvl5pPr marL="1828800" indent="0" algn="ctr" defTabSz="914400" rtl="0" eaLnBrk="1" latinLnBrk="0" hangingPunct="1">
+              <a:lnSpc>
+                <a:spcPct val="90000"/>
+              </a:lnSpc>
+              <a:spcBef>
+                <a:spcPts val="500"/>
+              </a:spcBef>
+              <a:buFont typeface="Arial" panose="020B0604020202020204" pitchFamily="34" charset="0"/>
+              <a:buNone/>
+              <a:defRPr sz="1600" kern="1200">
+                <a:solidFill>
+                  <a:schemeClr val="bg1"/>
+                </a:solidFill>
+                <a:latin typeface="Corbel Light" panose="020B0303020204020204" pitchFamily="34" charset="0"/>
+                <a:ea typeface="+mn-ea"/>
+                <a:cs typeface="+mn-cs"/>
+              </a:defRPr>
+            </a:lvl5pPr>
+            <a:lvl6pPr marL="2286000" indent="0" algn="ctr" defTabSz="914400" rtl="0" eaLnBrk="1" latinLnBrk="0" hangingPunct="1">
+              <a:lnSpc>
+                <a:spcPct val="90000"/>
+              </a:lnSpc>
+              <a:spcBef>
+                <a:spcPts val="500"/>
+              </a:spcBef>
+              <a:buFont typeface="Arial" panose="020B0604020202020204" pitchFamily="34" charset="0"/>
+              <a:buNone/>
+              <a:defRPr sz="1600" kern="1200">
+                <a:solidFill>
+                  <a:schemeClr val="tx1"/>
+                </a:solidFill>
+                <a:latin typeface="+mn-lt"/>
+                <a:ea typeface="+mn-ea"/>
+                <a:cs typeface="+mn-cs"/>
+              </a:defRPr>
+            </a:lvl6pPr>
+            <a:lvl7pPr marL="2743200" indent="0" algn="ctr" defTabSz="914400" rtl="0" eaLnBrk="1" latinLnBrk="0" hangingPunct="1">
+              <a:lnSpc>
+                <a:spcPct val="90000"/>
+              </a:lnSpc>
+              <a:spcBef>
+                <a:spcPts val="500"/>
+              </a:spcBef>
+              <a:buFont typeface="Arial" panose="020B0604020202020204" pitchFamily="34" charset="0"/>
+              <a:buNone/>
+              <a:defRPr sz="1600" kern="1200">
+                <a:solidFill>
+                  <a:schemeClr val="tx1"/>
+                </a:solidFill>
+                <a:latin typeface="+mn-lt"/>
+                <a:ea typeface="+mn-ea"/>
+                <a:cs typeface="+mn-cs"/>
+              </a:defRPr>
+            </a:lvl7pPr>
+            <a:lvl8pPr marL="3200400" indent="0" algn="ctr" defTabSz="914400" rtl="0" eaLnBrk="1" latinLnBrk="0" hangingPunct="1">
+              <a:lnSpc>
+                <a:spcPct val="90000"/>
+              </a:lnSpc>
+              <a:spcBef>
+                <a:spcPts val="500"/>
+              </a:spcBef>
+              <a:buFont typeface="Arial" panose="020B0604020202020204" pitchFamily="34" charset="0"/>
+              <a:buNone/>
+              <a:defRPr sz="1600" kern="1200">
+                <a:solidFill>
+                  <a:schemeClr val="tx1"/>
+                </a:solidFill>
+                <a:latin typeface="+mn-lt"/>
+                <a:ea typeface="+mn-ea"/>
+                <a:cs typeface="+mn-cs"/>
+              </a:defRPr>
+            </a:lvl8pPr>
+            <a:lvl9pPr marL="3657600" indent="0" algn="ctr" defTabSz="914400" rtl="0" eaLnBrk="1" latinLnBrk="0" hangingPunct="1">
+              <a:lnSpc>
+                <a:spcPct val="90000"/>
+              </a:lnSpc>
+              <a:spcBef>
+                <a:spcPts val="500"/>
+              </a:spcBef>
+              <a:buFont typeface="Arial" panose="020B0604020202020204" pitchFamily="34" charset="0"/>
+              <a:buNone/>
+              <a:defRPr sz="1600" kern="1200">
+                <a:solidFill>
+                  <a:schemeClr val="tx1"/>
+                </a:solidFill>
+                <a:latin typeface="+mn-lt"/>
+                <a:ea typeface="+mn-ea"/>
+                <a:cs typeface="+mn-cs"/>
+              </a:defRPr>
+            </a:lvl9pPr>
+          </a:lstStyle>
+          <a:p>
+            <a:pPr algn="l"/>
+            <a:r>
+              <a:rPr lang="en-US" sz="3200" dirty="0">
+                <a:solidFill>
+                  <a:srgbClr val="00863D"/>
+                </a:solidFill>
+                <a:latin typeface="+mn-lt"/>
+              </a:rPr>
+              <a:t>11</a:t>
+            </a:r>
+            <a:endParaRPr lang="en-US" dirty="0">
+              <a:solidFill>
+                <a:srgbClr val="00863D"/>
+              </a:solidFill>
+              <a:latin typeface="+mn-lt"/>
+            </a:endParaRPr>
           </a:p>
         </p:txBody>
       </p:sp>
@@ -15265,6 +17369,217 @@
           </a:p>
         </p:txBody>
       </p:sp>
+      <p:sp>
+        <p:nvSpPr>
+          <p:cNvPr id="3" name="Content Placeholder 2">
+            <a:extLst>
+              <a:ext uri="{FF2B5EF4-FFF2-40B4-BE49-F238E27FC236}">
+                <a16:creationId xmlns:a16="http://schemas.microsoft.com/office/drawing/2014/main" id="{98A55608-31CF-7D84-AA45-5B566BBBCD96}"/>
+              </a:ext>
+            </a:extLst>
+          </p:cNvPr>
+          <p:cNvSpPr txBox="1">
+            <a:spLocks/>
+          </p:cNvSpPr>
+          <p:nvPr/>
+        </p:nvSpPr>
+        <p:spPr>
+          <a:xfrm>
+            <a:off x="439368" y="6329363"/>
+            <a:ext cx="992951" cy="465010"/>
+          </a:xfrm>
+          <a:prstGeom prst="rect">
+            <a:avLst/>
+          </a:prstGeom>
+        </p:spPr>
+        <p:txBody>
+          <a:bodyPr vert="horz" lIns="91440" tIns="45720" rIns="91440" bIns="45720" rtlCol="0">
+            <a:normAutofit fontScale="92500" lnSpcReduction="20000"/>
+          </a:bodyPr>
+          <a:lstStyle>
+            <a:lvl1pPr marL="0" indent="0" algn="ctr" defTabSz="914400" rtl="0" eaLnBrk="1" latinLnBrk="0" hangingPunct="1">
+              <a:lnSpc>
+                <a:spcPct val="90000"/>
+              </a:lnSpc>
+              <a:spcBef>
+                <a:spcPts val="1000"/>
+              </a:spcBef>
+              <a:buFont typeface="Arial" panose="020B0604020202020204" pitchFamily="34" charset="0"/>
+              <a:buNone/>
+              <a:defRPr sz="2400" kern="1200">
+                <a:solidFill>
+                  <a:schemeClr val="bg1"/>
+                </a:solidFill>
+                <a:latin typeface="Corbel Light" panose="020B0303020204020204" pitchFamily="34" charset="0"/>
+                <a:ea typeface="+mn-ea"/>
+                <a:cs typeface="+mn-cs"/>
+              </a:defRPr>
+            </a:lvl1pPr>
+            <a:lvl2pPr marL="457200" indent="0" algn="ctr" defTabSz="914400" rtl="0" eaLnBrk="1" latinLnBrk="0" hangingPunct="1">
+              <a:lnSpc>
+                <a:spcPct val="90000"/>
+              </a:lnSpc>
+              <a:spcBef>
+                <a:spcPts val="500"/>
+              </a:spcBef>
+              <a:buFont typeface="Arial" panose="020B0604020202020204" pitchFamily="34" charset="0"/>
+              <a:buNone/>
+              <a:defRPr sz="2000" kern="1200">
+                <a:solidFill>
+                  <a:schemeClr val="bg1"/>
+                </a:solidFill>
+                <a:latin typeface="Corbel Light" panose="020B0303020204020204" pitchFamily="34" charset="0"/>
+                <a:ea typeface="+mn-ea"/>
+                <a:cs typeface="+mn-cs"/>
+              </a:defRPr>
+            </a:lvl2pPr>
+            <a:lvl3pPr marL="914400" indent="0" algn="ctr" defTabSz="914400" rtl="0" eaLnBrk="1" latinLnBrk="0" hangingPunct="1">
+              <a:lnSpc>
+                <a:spcPct val="90000"/>
+              </a:lnSpc>
+              <a:spcBef>
+                <a:spcPts val="500"/>
+              </a:spcBef>
+              <a:buFont typeface="Arial" panose="020B0604020202020204" pitchFamily="34" charset="0"/>
+              <a:buNone/>
+              <a:defRPr sz="1800" kern="1200">
+                <a:solidFill>
+                  <a:schemeClr val="bg1"/>
+                </a:solidFill>
+                <a:latin typeface="Corbel Light" panose="020B0303020204020204" pitchFamily="34" charset="0"/>
+                <a:ea typeface="+mn-ea"/>
+                <a:cs typeface="+mn-cs"/>
+              </a:defRPr>
+            </a:lvl3pPr>
+            <a:lvl4pPr marL="1371600" indent="0" algn="ctr" defTabSz="914400" rtl="0" eaLnBrk="1" latinLnBrk="0" hangingPunct="1">
+              <a:lnSpc>
+                <a:spcPct val="90000"/>
+              </a:lnSpc>
+              <a:spcBef>
+                <a:spcPts val="500"/>
+              </a:spcBef>
+              <a:buFont typeface="Arial" panose="020B0604020202020204" pitchFamily="34" charset="0"/>
+              <a:buNone/>
+              <a:defRPr sz="1600" kern="1200">
+                <a:solidFill>
+                  <a:schemeClr val="bg1"/>
+                </a:solidFill>
+                <a:latin typeface="Corbel Light" panose="020B0303020204020204" pitchFamily="34" charset="0"/>
+                <a:ea typeface="+mn-ea"/>
+                <a:cs typeface="+mn-cs"/>
+              </a:defRPr>
+            </a:lvl4pPr>
+            <a:lvl5pPr marL="1828800" indent="0" algn="ctr" defTabSz="914400" rtl="0" eaLnBrk="1" latinLnBrk="0" hangingPunct="1">
+              <a:lnSpc>
+                <a:spcPct val="90000"/>
+              </a:lnSpc>
+              <a:spcBef>
+                <a:spcPts val="500"/>
+              </a:spcBef>
+              <a:buFont typeface="Arial" panose="020B0604020202020204" pitchFamily="34" charset="0"/>
+              <a:buNone/>
+              <a:defRPr sz="1600" kern="1200">
+                <a:solidFill>
+                  <a:schemeClr val="bg1"/>
+                </a:solidFill>
+                <a:latin typeface="Corbel Light" panose="020B0303020204020204" pitchFamily="34" charset="0"/>
+                <a:ea typeface="+mn-ea"/>
+                <a:cs typeface="+mn-cs"/>
+              </a:defRPr>
+            </a:lvl5pPr>
+            <a:lvl6pPr marL="2286000" indent="0" algn="ctr" defTabSz="914400" rtl="0" eaLnBrk="1" latinLnBrk="0" hangingPunct="1">
+              <a:lnSpc>
+                <a:spcPct val="90000"/>
+              </a:lnSpc>
+              <a:spcBef>
+                <a:spcPts val="500"/>
+              </a:spcBef>
+              <a:buFont typeface="Arial" panose="020B0604020202020204" pitchFamily="34" charset="0"/>
+              <a:buNone/>
+              <a:defRPr sz="1600" kern="1200">
+                <a:solidFill>
+                  <a:schemeClr val="tx1"/>
+                </a:solidFill>
+                <a:latin typeface="+mn-lt"/>
+                <a:ea typeface="+mn-ea"/>
+                <a:cs typeface="+mn-cs"/>
+              </a:defRPr>
+            </a:lvl6pPr>
+            <a:lvl7pPr marL="2743200" indent="0" algn="ctr" defTabSz="914400" rtl="0" eaLnBrk="1" latinLnBrk="0" hangingPunct="1">
+              <a:lnSpc>
+                <a:spcPct val="90000"/>
+              </a:lnSpc>
+              <a:spcBef>
+                <a:spcPts val="500"/>
+              </a:spcBef>
+              <a:buFont typeface="Arial" panose="020B0604020202020204" pitchFamily="34" charset="0"/>
+              <a:buNone/>
+              <a:defRPr sz="1600" kern="1200">
+                <a:solidFill>
+                  <a:schemeClr val="tx1"/>
+                </a:solidFill>
+                <a:latin typeface="+mn-lt"/>
+                <a:ea typeface="+mn-ea"/>
+                <a:cs typeface="+mn-cs"/>
+              </a:defRPr>
+            </a:lvl7pPr>
+            <a:lvl8pPr marL="3200400" indent="0" algn="ctr" defTabSz="914400" rtl="0" eaLnBrk="1" latinLnBrk="0" hangingPunct="1">
+              <a:lnSpc>
+                <a:spcPct val="90000"/>
+              </a:lnSpc>
+              <a:spcBef>
+                <a:spcPts val="500"/>
+              </a:spcBef>
+              <a:buFont typeface="Arial" panose="020B0604020202020204" pitchFamily="34" charset="0"/>
+              <a:buNone/>
+              <a:defRPr sz="1600" kern="1200">
+                <a:solidFill>
+                  <a:schemeClr val="tx1"/>
+                </a:solidFill>
+                <a:latin typeface="+mn-lt"/>
+                <a:ea typeface="+mn-ea"/>
+                <a:cs typeface="+mn-cs"/>
+              </a:defRPr>
+            </a:lvl8pPr>
+            <a:lvl9pPr marL="3657600" indent="0" algn="ctr" defTabSz="914400" rtl="0" eaLnBrk="1" latinLnBrk="0" hangingPunct="1">
+              <a:lnSpc>
+                <a:spcPct val="90000"/>
+              </a:lnSpc>
+              <a:spcBef>
+                <a:spcPts val="500"/>
+              </a:spcBef>
+              <a:buFont typeface="Arial" panose="020B0604020202020204" pitchFamily="34" charset="0"/>
+              <a:buNone/>
+              <a:defRPr sz="1600" kern="1200">
+                <a:solidFill>
+                  <a:schemeClr val="tx1"/>
+                </a:solidFill>
+                <a:latin typeface="+mn-lt"/>
+                <a:ea typeface="+mn-ea"/>
+                <a:cs typeface="+mn-cs"/>
+              </a:defRPr>
+            </a:lvl9pPr>
+          </a:lstStyle>
+          <a:p>
+            <a:pPr algn="l"/>
+            <a:r>
+              <a:rPr lang="en-US" sz="3200" dirty="0">
+                <a:solidFill>
+                  <a:srgbClr val="00863D"/>
+                </a:solidFill>
+                <a:latin typeface="+mn-lt"/>
+              </a:rPr>
+              <a:t>12</a:t>
+            </a:r>
+            <a:endParaRPr lang="en-US" dirty="0">
+              <a:solidFill>
+                <a:srgbClr val="00863D"/>
+              </a:solidFill>
+              <a:latin typeface="+mn-lt"/>
+            </a:endParaRPr>
+          </a:p>
+        </p:txBody>
+      </p:sp>
     </p:spTree>
     <p:extLst>
       <p:ext uri="{BB962C8B-B14F-4D97-AF65-F5344CB8AC3E}">
@@ -16513,6 +18828,217 @@
               <a:t>Error Resilient Algorithms</a:t>
             </a:r>
             <a:endParaRPr lang="en-US" sz="4000" dirty="0"/>
+          </a:p>
+        </p:txBody>
+      </p:sp>
+      <p:sp>
+        <p:nvSpPr>
+          <p:cNvPr id="2" name="Content Placeholder 2">
+            <a:extLst>
+              <a:ext uri="{FF2B5EF4-FFF2-40B4-BE49-F238E27FC236}">
+                <a16:creationId xmlns:a16="http://schemas.microsoft.com/office/drawing/2014/main" id="{6101C3BB-35D7-305C-8D79-850D6E74D2AB}"/>
+              </a:ext>
+            </a:extLst>
+          </p:cNvPr>
+          <p:cNvSpPr txBox="1">
+            <a:spLocks/>
+          </p:cNvSpPr>
+          <p:nvPr/>
+        </p:nvSpPr>
+        <p:spPr>
+          <a:xfrm>
+            <a:off x="439368" y="6392990"/>
+            <a:ext cx="992951" cy="465010"/>
+          </a:xfrm>
+          <a:prstGeom prst="rect">
+            <a:avLst/>
+          </a:prstGeom>
+        </p:spPr>
+        <p:txBody>
+          <a:bodyPr vert="horz" lIns="91440" tIns="45720" rIns="91440" bIns="45720" rtlCol="0">
+            <a:normAutofit fontScale="92500" lnSpcReduction="20000"/>
+          </a:bodyPr>
+          <a:lstStyle>
+            <a:lvl1pPr marL="0" indent="0" algn="ctr" defTabSz="914400" rtl="0" eaLnBrk="1" latinLnBrk="0" hangingPunct="1">
+              <a:lnSpc>
+                <a:spcPct val="90000"/>
+              </a:lnSpc>
+              <a:spcBef>
+                <a:spcPts val="1000"/>
+              </a:spcBef>
+              <a:buFont typeface="Arial" panose="020B0604020202020204" pitchFamily="34" charset="0"/>
+              <a:buNone/>
+              <a:defRPr sz="2400" kern="1200">
+                <a:solidFill>
+                  <a:schemeClr val="bg1"/>
+                </a:solidFill>
+                <a:latin typeface="Corbel Light" panose="020B0303020204020204" pitchFamily="34" charset="0"/>
+                <a:ea typeface="+mn-ea"/>
+                <a:cs typeface="+mn-cs"/>
+              </a:defRPr>
+            </a:lvl1pPr>
+            <a:lvl2pPr marL="457200" indent="0" algn="ctr" defTabSz="914400" rtl="0" eaLnBrk="1" latinLnBrk="0" hangingPunct="1">
+              <a:lnSpc>
+                <a:spcPct val="90000"/>
+              </a:lnSpc>
+              <a:spcBef>
+                <a:spcPts val="500"/>
+              </a:spcBef>
+              <a:buFont typeface="Arial" panose="020B0604020202020204" pitchFamily="34" charset="0"/>
+              <a:buNone/>
+              <a:defRPr sz="2000" kern="1200">
+                <a:solidFill>
+                  <a:schemeClr val="bg1"/>
+                </a:solidFill>
+                <a:latin typeface="Corbel Light" panose="020B0303020204020204" pitchFamily="34" charset="0"/>
+                <a:ea typeface="+mn-ea"/>
+                <a:cs typeface="+mn-cs"/>
+              </a:defRPr>
+            </a:lvl2pPr>
+            <a:lvl3pPr marL="914400" indent="0" algn="ctr" defTabSz="914400" rtl="0" eaLnBrk="1" latinLnBrk="0" hangingPunct="1">
+              <a:lnSpc>
+                <a:spcPct val="90000"/>
+              </a:lnSpc>
+              <a:spcBef>
+                <a:spcPts val="500"/>
+              </a:spcBef>
+              <a:buFont typeface="Arial" panose="020B0604020202020204" pitchFamily="34" charset="0"/>
+              <a:buNone/>
+              <a:defRPr sz="1800" kern="1200">
+                <a:solidFill>
+                  <a:schemeClr val="bg1"/>
+                </a:solidFill>
+                <a:latin typeface="Corbel Light" panose="020B0303020204020204" pitchFamily="34" charset="0"/>
+                <a:ea typeface="+mn-ea"/>
+                <a:cs typeface="+mn-cs"/>
+              </a:defRPr>
+            </a:lvl3pPr>
+            <a:lvl4pPr marL="1371600" indent="0" algn="ctr" defTabSz="914400" rtl="0" eaLnBrk="1" latinLnBrk="0" hangingPunct="1">
+              <a:lnSpc>
+                <a:spcPct val="90000"/>
+              </a:lnSpc>
+              <a:spcBef>
+                <a:spcPts val="500"/>
+              </a:spcBef>
+              <a:buFont typeface="Arial" panose="020B0604020202020204" pitchFamily="34" charset="0"/>
+              <a:buNone/>
+              <a:defRPr sz="1600" kern="1200">
+                <a:solidFill>
+                  <a:schemeClr val="bg1"/>
+                </a:solidFill>
+                <a:latin typeface="Corbel Light" panose="020B0303020204020204" pitchFamily="34" charset="0"/>
+                <a:ea typeface="+mn-ea"/>
+                <a:cs typeface="+mn-cs"/>
+              </a:defRPr>
+            </a:lvl4pPr>
+            <a:lvl5pPr marL="1828800" indent="0" algn="ctr" defTabSz="914400" rtl="0" eaLnBrk="1" latinLnBrk="0" hangingPunct="1">
+              <a:lnSpc>
+                <a:spcPct val="90000"/>
+              </a:lnSpc>
+              <a:spcBef>
+                <a:spcPts val="500"/>
+              </a:spcBef>
+              <a:buFont typeface="Arial" panose="020B0604020202020204" pitchFamily="34" charset="0"/>
+              <a:buNone/>
+              <a:defRPr sz="1600" kern="1200">
+                <a:solidFill>
+                  <a:schemeClr val="bg1"/>
+                </a:solidFill>
+                <a:latin typeface="Corbel Light" panose="020B0303020204020204" pitchFamily="34" charset="0"/>
+                <a:ea typeface="+mn-ea"/>
+                <a:cs typeface="+mn-cs"/>
+              </a:defRPr>
+            </a:lvl5pPr>
+            <a:lvl6pPr marL="2286000" indent="0" algn="ctr" defTabSz="914400" rtl="0" eaLnBrk="1" latinLnBrk="0" hangingPunct="1">
+              <a:lnSpc>
+                <a:spcPct val="90000"/>
+              </a:lnSpc>
+              <a:spcBef>
+                <a:spcPts val="500"/>
+              </a:spcBef>
+              <a:buFont typeface="Arial" panose="020B0604020202020204" pitchFamily="34" charset="0"/>
+              <a:buNone/>
+              <a:defRPr sz="1600" kern="1200">
+                <a:solidFill>
+                  <a:schemeClr val="tx1"/>
+                </a:solidFill>
+                <a:latin typeface="+mn-lt"/>
+                <a:ea typeface="+mn-ea"/>
+                <a:cs typeface="+mn-cs"/>
+              </a:defRPr>
+            </a:lvl6pPr>
+            <a:lvl7pPr marL="2743200" indent="0" algn="ctr" defTabSz="914400" rtl="0" eaLnBrk="1" latinLnBrk="0" hangingPunct="1">
+              <a:lnSpc>
+                <a:spcPct val="90000"/>
+              </a:lnSpc>
+              <a:spcBef>
+                <a:spcPts val="500"/>
+              </a:spcBef>
+              <a:buFont typeface="Arial" panose="020B0604020202020204" pitchFamily="34" charset="0"/>
+              <a:buNone/>
+              <a:defRPr sz="1600" kern="1200">
+                <a:solidFill>
+                  <a:schemeClr val="tx1"/>
+                </a:solidFill>
+                <a:latin typeface="+mn-lt"/>
+                <a:ea typeface="+mn-ea"/>
+                <a:cs typeface="+mn-cs"/>
+              </a:defRPr>
+            </a:lvl7pPr>
+            <a:lvl8pPr marL="3200400" indent="0" algn="ctr" defTabSz="914400" rtl="0" eaLnBrk="1" latinLnBrk="0" hangingPunct="1">
+              <a:lnSpc>
+                <a:spcPct val="90000"/>
+              </a:lnSpc>
+              <a:spcBef>
+                <a:spcPts val="500"/>
+              </a:spcBef>
+              <a:buFont typeface="Arial" panose="020B0604020202020204" pitchFamily="34" charset="0"/>
+              <a:buNone/>
+              <a:defRPr sz="1600" kern="1200">
+                <a:solidFill>
+                  <a:schemeClr val="tx1"/>
+                </a:solidFill>
+                <a:latin typeface="+mn-lt"/>
+                <a:ea typeface="+mn-ea"/>
+                <a:cs typeface="+mn-cs"/>
+              </a:defRPr>
+            </a:lvl8pPr>
+            <a:lvl9pPr marL="3657600" indent="0" algn="ctr" defTabSz="914400" rtl="0" eaLnBrk="1" latinLnBrk="0" hangingPunct="1">
+              <a:lnSpc>
+                <a:spcPct val="90000"/>
+              </a:lnSpc>
+              <a:spcBef>
+                <a:spcPts val="500"/>
+              </a:spcBef>
+              <a:buFont typeface="Arial" panose="020B0604020202020204" pitchFamily="34" charset="0"/>
+              <a:buNone/>
+              <a:defRPr sz="1600" kern="1200">
+                <a:solidFill>
+                  <a:schemeClr val="tx1"/>
+                </a:solidFill>
+                <a:latin typeface="+mn-lt"/>
+                <a:ea typeface="+mn-ea"/>
+                <a:cs typeface="+mn-cs"/>
+              </a:defRPr>
+            </a:lvl9pPr>
+          </a:lstStyle>
+          <a:p>
+            <a:pPr algn="l"/>
+            <a:r>
+              <a:rPr lang="en-US" sz="3200" dirty="0">
+                <a:solidFill>
+                  <a:srgbClr val="00863D"/>
+                </a:solidFill>
+                <a:latin typeface="+mn-lt"/>
+              </a:rPr>
+              <a:t>13</a:t>
+            </a:r>
+            <a:endParaRPr lang="en-US" dirty="0">
+              <a:solidFill>
+                <a:srgbClr val="00863D"/>
+              </a:solidFill>
+              <a:latin typeface="+mn-lt"/>
+            </a:endParaRPr>
           </a:p>
         </p:txBody>
       </p:sp>
@@ -17493,6 +20019,217 @@
           </a:p>
         </p:txBody>
       </p:sp>
+      <p:sp>
+        <p:nvSpPr>
+          <p:cNvPr id="5" name="Content Placeholder 2">
+            <a:extLst>
+              <a:ext uri="{FF2B5EF4-FFF2-40B4-BE49-F238E27FC236}">
+                <a16:creationId xmlns:a16="http://schemas.microsoft.com/office/drawing/2014/main" id="{4829F2FE-C09B-0593-8C51-960B6578DB54}"/>
+              </a:ext>
+            </a:extLst>
+          </p:cNvPr>
+          <p:cNvSpPr txBox="1">
+            <a:spLocks/>
+          </p:cNvSpPr>
+          <p:nvPr/>
+        </p:nvSpPr>
+        <p:spPr>
+          <a:xfrm>
+            <a:off x="439368" y="6392990"/>
+            <a:ext cx="992951" cy="465010"/>
+          </a:xfrm>
+          <a:prstGeom prst="rect">
+            <a:avLst/>
+          </a:prstGeom>
+        </p:spPr>
+        <p:txBody>
+          <a:bodyPr vert="horz" lIns="91440" tIns="45720" rIns="91440" bIns="45720" rtlCol="0">
+            <a:normAutofit fontScale="92500" lnSpcReduction="20000"/>
+          </a:bodyPr>
+          <a:lstStyle>
+            <a:lvl1pPr marL="0" indent="0" algn="ctr" defTabSz="914400" rtl="0" eaLnBrk="1" latinLnBrk="0" hangingPunct="1">
+              <a:lnSpc>
+                <a:spcPct val="90000"/>
+              </a:lnSpc>
+              <a:spcBef>
+                <a:spcPts val="1000"/>
+              </a:spcBef>
+              <a:buFont typeface="Arial" panose="020B0604020202020204" pitchFamily="34" charset="0"/>
+              <a:buNone/>
+              <a:defRPr sz="2400" kern="1200">
+                <a:solidFill>
+                  <a:schemeClr val="bg1"/>
+                </a:solidFill>
+                <a:latin typeface="Corbel Light" panose="020B0303020204020204" pitchFamily="34" charset="0"/>
+                <a:ea typeface="+mn-ea"/>
+                <a:cs typeface="+mn-cs"/>
+              </a:defRPr>
+            </a:lvl1pPr>
+            <a:lvl2pPr marL="457200" indent="0" algn="ctr" defTabSz="914400" rtl="0" eaLnBrk="1" latinLnBrk="0" hangingPunct="1">
+              <a:lnSpc>
+                <a:spcPct val="90000"/>
+              </a:lnSpc>
+              <a:spcBef>
+                <a:spcPts val="500"/>
+              </a:spcBef>
+              <a:buFont typeface="Arial" panose="020B0604020202020204" pitchFamily="34" charset="0"/>
+              <a:buNone/>
+              <a:defRPr sz="2000" kern="1200">
+                <a:solidFill>
+                  <a:schemeClr val="bg1"/>
+                </a:solidFill>
+                <a:latin typeface="Corbel Light" panose="020B0303020204020204" pitchFamily="34" charset="0"/>
+                <a:ea typeface="+mn-ea"/>
+                <a:cs typeface="+mn-cs"/>
+              </a:defRPr>
+            </a:lvl2pPr>
+            <a:lvl3pPr marL="914400" indent="0" algn="ctr" defTabSz="914400" rtl="0" eaLnBrk="1" latinLnBrk="0" hangingPunct="1">
+              <a:lnSpc>
+                <a:spcPct val="90000"/>
+              </a:lnSpc>
+              <a:spcBef>
+                <a:spcPts val="500"/>
+              </a:spcBef>
+              <a:buFont typeface="Arial" panose="020B0604020202020204" pitchFamily="34" charset="0"/>
+              <a:buNone/>
+              <a:defRPr sz="1800" kern="1200">
+                <a:solidFill>
+                  <a:schemeClr val="bg1"/>
+                </a:solidFill>
+                <a:latin typeface="Corbel Light" panose="020B0303020204020204" pitchFamily="34" charset="0"/>
+                <a:ea typeface="+mn-ea"/>
+                <a:cs typeface="+mn-cs"/>
+              </a:defRPr>
+            </a:lvl3pPr>
+            <a:lvl4pPr marL="1371600" indent="0" algn="ctr" defTabSz="914400" rtl="0" eaLnBrk="1" latinLnBrk="0" hangingPunct="1">
+              <a:lnSpc>
+                <a:spcPct val="90000"/>
+              </a:lnSpc>
+              <a:spcBef>
+                <a:spcPts val="500"/>
+              </a:spcBef>
+              <a:buFont typeface="Arial" panose="020B0604020202020204" pitchFamily="34" charset="0"/>
+              <a:buNone/>
+              <a:defRPr sz="1600" kern="1200">
+                <a:solidFill>
+                  <a:schemeClr val="bg1"/>
+                </a:solidFill>
+                <a:latin typeface="Corbel Light" panose="020B0303020204020204" pitchFamily="34" charset="0"/>
+                <a:ea typeface="+mn-ea"/>
+                <a:cs typeface="+mn-cs"/>
+              </a:defRPr>
+            </a:lvl4pPr>
+            <a:lvl5pPr marL="1828800" indent="0" algn="ctr" defTabSz="914400" rtl="0" eaLnBrk="1" latinLnBrk="0" hangingPunct="1">
+              <a:lnSpc>
+                <a:spcPct val="90000"/>
+              </a:lnSpc>
+              <a:spcBef>
+                <a:spcPts val="500"/>
+              </a:spcBef>
+              <a:buFont typeface="Arial" panose="020B0604020202020204" pitchFamily="34" charset="0"/>
+              <a:buNone/>
+              <a:defRPr sz="1600" kern="1200">
+                <a:solidFill>
+                  <a:schemeClr val="bg1"/>
+                </a:solidFill>
+                <a:latin typeface="Corbel Light" panose="020B0303020204020204" pitchFamily="34" charset="0"/>
+                <a:ea typeface="+mn-ea"/>
+                <a:cs typeface="+mn-cs"/>
+              </a:defRPr>
+            </a:lvl5pPr>
+            <a:lvl6pPr marL="2286000" indent="0" algn="ctr" defTabSz="914400" rtl="0" eaLnBrk="1" latinLnBrk="0" hangingPunct="1">
+              <a:lnSpc>
+                <a:spcPct val="90000"/>
+              </a:lnSpc>
+              <a:spcBef>
+                <a:spcPts val="500"/>
+              </a:spcBef>
+              <a:buFont typeface="Arial" panose="020B0604020202020204" pitchFamily="34" charset="0"/>
+              <a:buNone/>
+              <a:defRPr sz="1600" kern="1200">
+                <a:solidFill>
+                  <a:schemeClr val="tx1"/>
+                </a:solidFill>
+                <a:latin typeface="+mn-lt"/>
+                <a:ea typeface="+mn-ea"/>
+                <a:cs typeface="+mn-cs"/>
+              </a:defRPr>
+            </a:lvl6pPr>
+            <a:lvl7pPr marL="2743200" indent="0" algn="ctr" defTabSz="914400" rtl="0" eaLnBrk="1" latinLnBrk="0" hangingPunct="1">
+              <a:lnSpc>
+                <a:spcPct val="90000"/>
+              </a:lnSpc>
+              <a:spcBef>
+                <a:spcPts val="500"/>
+              </a:spcBef>
+              <a:buFont typeface="Arial" panose="020B0604020202020204" pitchFamily="34" charset="0"/>
+              <a:buNone/>
+              <a:defRPr sz="1600" kern="1200">
+                <a:solidFill>
+                  <a:schemeClr val="tx1"/>
+                </a:solidFill>
+                <a:latin typeface="+mn-lt"/>
+                <a:ea typeface="+mn-ea"/>
+                <a:cs typeface="+mn-cs"/>
+              </a:defRPr>
+            </a:lvl7pPr>
+            <a:lvl8pPr marL="3200400" indent="0" algn="ctr" defTabSz="914400" rtl="0" eaLnBrk="1" latinLnBrk="0" hangingPunct="1">
+              <a:lnSpc>
+                <a:spcPct val="90000"/>
+              </a:lnSpc>
+              <a:spcBef>
+                <a:spcPts val="500"/>
+              </a:spcBef>
+              <a:buFont typeface="Arial" panose="020B0604020202020204" pitchFamily="34" charset="0"/>
+              <a:buNone/>
+              <a:defRPr sz="1600" kern="1200">
+                <a:solidFill>
+                  <a:schemeClr val="tx1"/>
+                </a:solidFill>
+                <a:latin typeface="+mn-lt"/>
+                <a:ea typeface="+mn-ea"/>
+                <a:cs typeface="+mn-cs"/>
+              </a:defRPr>
+            </a:lvl8pPr>
+            <a:lvl9pPr marL="3657600" indent="0" algn="ctr" defTabSz="914400" rtl="0" eaLnBrk="1" latinLnBrk="0" hangingPunct="1">
+              <a:lnSpc>
+                <a:spcPct val="90000"/>
+              </a:lnSpc>
+              <a:spcBef>
+                <a:spcPts val="500"/>
+              </a:spcBef>
+              <a:buFont typeface="Arial" panose="020B0604020202020204" pitchFamily="34" charset="0"/>
+              <a:buNone/>
+              <a:defRPr sz="1600" kern="1200">
+                <a:solidFill>
+                  <a:schemeClr val="tx1"/>
+                </a:solidFill>
+                <a:latin typeface="+mn-lt"/>
+                <a:ea typeface="+mn-ea"/>
+                <a:cs typeface="+mn-cs"/>
+              </a:defRPr>
+            </a:lvl9pPr>
+          </a:lstStyle>
+          <a:p>
+            <a:pPr algn="l"/>
+            <a:r>
+              <a:rPr lang="en-US" sz="3200" dirty="0">
+                <a:solidFill>
+                  <a:srgbClr val="00863D"/>
+                </a:solidFill>
+                <a:latin typeface="+mn-lt"/>
+              </a:rPr>
+              <a:t>14</a:t>
+            </a:r>
+            <a:endParaRPr lang="en-US" dirty="0">
+              <a:solidFill>
+                <a:srgbClr val="00863D"/>
+              </a:solidFill>
+              <a:latin typeface="+mn-lt"/>
+            </a:endParaRPr>
+          </a:p>
+        </p:txBody>
+      </p:sp>
     </p:spTree>
     <p:extLst>
       <p:ext uri="{BB962C8B-B14F-4D97-AF65-F5344CB8AC3E}">
@@ -18462,6 +21199,217 @@
               <a:t>Quality-Aware Programming</a:t>
             </a:r>
             <a:endParaRPr lang="en-US" sz="4000" dirty="0"/>
+          </a:p>
+        </p:txBody>
+      </p:sp>
+      <p:sp>
+        <p:nvSpPr>
+          <p:cNvPr id="5" name="Content Placeholder 2">
+            <a:extLst>
+              <a:ext uri="{FF2B5EF4-FFF2-40B4-BE49-F238E27FC236}">
+                <a16:creationId xmlns:a16="http://schemas.microsoft.com/office/drawing/2014/main" id="{B16B854E-B4EC-FD1E-C82C-AD46097C3497}"/>
+              </a:ext>
+            </a:extLst>
+          </p:cNvPr>
+          <p:cNvSpPr txBox="1">
+            <a:spLocks/>
+          </p:cNvSpPr>
+          <p:nvPr/>
+        </p:nvSpPr>
+        <p:spPr>
+          <a:xfrm>
+            <a:off x="439368" y="6492875"/>
+            <a:ext cx="992951" cy="465010"/>
+          </a:xfrm>
+          <a:prstGeom prst="rect">
+            <a:avLst/>
+          </a:prstGeom>
+        </p:spPr>
+        <p:txBody>
+          <a:bodyPr vert="horz" lIns="91440" tIns="45720" rIns="91440" bIns="45720" rtlCol="0">
+            <a:normAutofit fontScale="92500" lnSpcReduction="20000"/>
+          </a:bodyPr>
+          <a:lstStyle>
+            <a:lvl1pPr marL="0" indent="0" algn="ctr" defTabSz="914400" rtl="0" eaLnBrk="1" latinLnBrk="0" hangingPunct="1">
+              <a:lnSpc>
+                <a:spcPct val="90000"/>
+              </a:lnSpc>
+              <a:spcBef>
+                <a:spcPts val="1000"/>
+              </a:spcBef>
+              <a:buFont typeface="Arial" panose="020B0604020202020204" pitchFamily="34" charset="0"/>
+              <a:buNone/>
+              <a:defRPr sz="2400" kern="1200">
+                <a:solidFill>
+                  <a:schemeClr val="bg1"/>
+                </a:solidFill>
+                <a:latin typeface="Corbel Light" panose="020B0303020204020204" pitchFamily="34" charset="0"/>
+                <a:ea typeface="+mn-ea"/>
+                <a:cs typeface="+mn-cs"/>
+              </a:defRPr>
+            </a:lvl1pPr>
+            <a:lvl2pPr marL="457200" indent="0" algn="ctr" defTabSz="914400" rtl="0" eaLnBrk="1" latinLnBrk="0" hangingPunct="1">
+              <a:lnSpc>
+                <a:spcPct val="90000"/>
+              </a:lnSpc>
+              <a:spcBef>
+                <a:spcPts val="500"/>
+              </a:spcBef>
+              <a:buFont typeface="Arial" panose="020B0604020202020204" pitchFamily="34" charset="0"/>
+              <a:buNone/>
+              <a:defRPr sz="2000" kern="1200">
+                <a:solidFill>
+                  <a:schemeClr val="bg1"/>
+                </a:solidFill>
+                <a:latin typeface="Corbel Light" panose="020B0303020204020204" pitchFamily="34" charset="0"/>
+                <a:ea typeface="+mn-ea"/>
+                <a:cs typeface="+mn-cs"/>
+              </a:defRPr>
+            </a:lvl2pPr>
+            <a:lvl3pPr marL="914400" indent="0" algn="ctr" defTabSz="914400" rtl="0" eaLnBrk="1" latinLnBrk="0" hangingPunct="1">
+              <a:lnSpc>
+                <a:spcPct val="90000"/>
+              </a:lnSpc>
+              <a:spcBef>
+                <a:spcPts val="500"/>
+              </a:spcBef>
+              <a:buFont typeface="Arial" panose="020B0604020202020204" pitchFamily="34" charset="0"/>
+              <a:buNone/>
+              <a:defRPr sz="1800" kern="1200">
+                <a:solidFill>
+                  <a:schemeClr val="bg1"/>
+                </a:solidFill>
+                <a:latin typeface="Corbel Light" panose="020B0303020204020204" pitchFamily="34" charset="0"/>
+                <a:ea typeface="+mn-ea"/>
+                <a:cs typeface="+mn-cs"/>
+              </a:defRPr>
+            </a:lvl3pPr>
+            <a:lvl4pPr marL="1371600" indent="0" algn="ctr" defTabSz="914400" rtl="0" eaLnBrk="1" latinLnBrk="0" hangingPunct="1">
+              <a:lnSpc>
+                <a:spcPct val="90000"/>
+              </a:lnSpc>
+              <a:spcBef>
+                <a:spcPts val="500"/>
+              </a:spcBef>
+              <a:buFont typeface="Arial" panose="020B0604020202020204" pitchFamily="34" charset="0"/>
+              <a:buNone/>
+              <a:defRPr sz="1600" kern="1200">
+                <a:solidFill>
+                  <a:schemeClr val="bg1"/>
+                </a:solidFill>
+                <a:latin typeface="Corbel Light" panose="020B0303020204020204" pitchFamily="34" charset="0"/>
+                <a:ea typeface="+mn-ea"/>
+                <a:cs typeface="+mn-cs"/>
+              </a:defRPr>
+            </a:lvl4pPr>
+            <a:lvl5pPr marL="1828800" indent="0" algn="ctr" defTabSz="914400" rtl="0" eaLnBrk="1" latinLnBrk="0" hangingPunct="1">
+              <a:lnSpc>
+                <a:spcPct val="90000"/>
+              </a:lnSpc>
+              <a:spcBef>
+                <a:spcPts val="500"/>
+              </a:spcBef>
+              <a:buFont typeface="Arial" panose="020B0604020202020204" pitchFamily="34" charset="0"/>
+              <a:buNone/>
+              <a:defRPr sz="1600" kern="1200">
+                <a:solidFill>
+                  <a:schemeClr val="bg1"/>
+                </a:solidFill>
+                <a:latin typeface="Corbel Light" panose="020B0303020204020204" pitchFamily="34" charset="0"/>
+                <a:ea typeface="+mn-ea"/>
+                <a:cs typeface="+mn-cs"/>
+              </a:defRPr>
+            </a:lvl5pPr>
+            <a:lvl6pPr marL="2286000" indent="0" algn="ctr" defTabSz="914400" rtl="0" eaLnBrk="1" latinLnBrk="0" hangingPunct="1">
+              <a:lnSpc>
+                <a:spcPct val="90000"/>
+              </a:lnSpc>
+              <a:spcBef>
+                <a:spcPts val="500"/>
+              </a:spcBef>
+              <a:buFont typeface="Arial" panose="020B0604020202020204" pitchFamily="34" charset="0"/>
+              <a:buNone/>
+              <a:defRPr sz="1600" kern="1200">
+                <a:solidFill>
+                  <a:schemeClr val="tx1"/>
+                </a:solidFill>
+                <a:latin typeface="+mn-lt"/>
+                <a:ea typeface="+mn-ea"/>
+                <a:cs typeface="+mn-cs"/>
+              </a:defRPr>
+            </a:lvl6pPr>
+            <a:lvl7pPr marL="2743200" indent="0" algn="ctr" defTabSz="914400" rtl="0" eaLnBrk="1" latinLnBrk="0" hangingPunct="1">
+              <a:lnSpc>
+                <a:spcPct val="90000"/>
+              </a:lnSpc>
+              <a:spcBef>
+                <a:spcPts val="500"/>
+              </a:spcBef>
+              <a:buFont typeface="Arial" panose="020B0604020202020204" pitchFamily="34" charset="0"/>
+              <a:buNone/>
+              <a:defRPr sz="1600" kern="1200">
+                <a:solidFill>
+                  <a:schemeClr val="tx1"/>
+                </a:solidFill>
+                <a:latin typeface="+mn-lt"/>
+                <a:ea typeface="+mn-ea"/>
+                <a:cs typeface="+mn-cs"/>
+              </a:defRPr>
+            </a:lvl7pPr>
+            <a:lvl8pPr marL="3200400" indent="0" algn="ctr" defTabSz="914400" rtl="0" eaLnBrk="1" latinLnBrk="0" hangingPunct="1">
+              <a:lnSpc>
+                <a:spcPct val="90000"/>
+              </a:lnSpc>
+              <a:spcBef>
+                <a:spcPts val="500"/>
+              </a:spcBef>
+              <a:buFont typeface="Arial" panose="020B0604020202020204" pitchFamily="34" charset="0"/>
+              <a:buNone/>
+              <a:defRPr sz="1600" kern="1200">
+                <a:solidFill>
+                  <a:schemeClr val="tx1"/>
+                </a:solidFill>
+                <a:latin typeface="+mn-lt"/>
+                <a:ea typeface="+mn-ea"/>
+                <a:cs typeface="+mn-cs"/>
+              </a:defRPr>
+            </a:lvl8pPr>
+            <a:lvl9pPr marL="3657600" indent="0" algn="ctr" defTabSz="914400" rtl="0" eaLnBrk="1" latinLnBrk="0" hangingPunct="1">
+              <a:lnSpc>
+                <a:spcPct val="90000"/>
+              </a:lnSpc>
+              <a:spcBef>
+                <a:spcPts val="500"/>
+              </a:spcBef>
+              <a:buFont typeface="Arial" panose="020B0604020202020204" pitchFamily="34" charset="0"/>
+              <a:buNone/>
+              <a:defRPr sz="1600" kern="1200">
+                <a:solidFill>
+                  <a:schemeClr val="tx1"/>
+                </a:solidFill>
+                <a:latin typeface="+mn-lt"/>
+                <a:ea typeface="+mn-ea"/>
+                <a:cs typeface="+mn-cs"/>
+              </a:defRPr>
+            </a:lvl9pPr>
+          </a:lstStyle>
+          <a:p>
+            <a:pPr algn="l"/>
+            <a:r>
+              <a:rPr lang="en-US" sz="3200" dirty="0">
+                <a:solidFill>
+                  <a:srgbClr val="00863D"/>
+                </a:solidFill>
+                <a:latin typeface="+mn-lt"/>
+              </a:rPr>
+              <a:t>14</a:t>
+            </a:r>
+            <a:endParaRPr lang="en-US" dirty="0">
+              <a:solidFill>
+                <a:srgbClr val="00863D"/>
+              </a:solidFill>
+              <a:latin typeface="+mn-lt"/>
+            </a:endParaRPr>
           </a:p>
         </p:txBody>
       </p:sp>
@@ -19247,6 +22195,217 @@
           </a:p>
         </p:txBody>
       </p:sp>
+      <p:sp>
+        <p:nvSpPr>
+          <p:cNvPr id="3" name="Content Placeholder 2">
+            <a:extLst>
+              <a:ext uri="{FF2B5EF4-FFF2-40B4-BE49-F238E27FC236}">
+                <a16:creationId xmlns:a16="http://schemas.microsoft.com/office/drawing/2014/main" id="{3B4D734B-4276-F238-6AE0-78E0FD47BBC1}"/>
+              </a:ext>
+            </a:extLst>
+          </p:cNvPr>
+          <p:cNvSpPr txBox="1">
+            <a:spLocks/>
+          </p:cNvSpPr>
+          <p:nvPr/>
+        </p:nvSpPr>
+        <p:spPr>
+          <a:xfrm>
+            <a:off x="439368" y="6392990"/>
+            <a:ext cx="992951" cy="465010"/>
+          </a:xfrm>
+          <a:prstGeom prst="rect">
+            <a:avLst/>
+          </a:prstGeom>
+        </p:spPr>
+        <p:txBody>
+          <a:bodyPr vert="horz" lIns="91440" tIns="45720" rIns="91440" bIns="45720" rtlCol="0">
+            <a:normAutofit fontScale="92500" lnSpcReduction="20000"/>
+          </a:bodyPr>
+          <a:lstStyle>
+            <a:lvl1pPr marL="0" indent="0" algn="ctr" defTabSz="914400" rtl="0" eaLnBrk="1" latinLnBrk="0" hangingPunct="1">
+              <a:lnSpc>
+                <a:spcPct val="90000"/>
+              </a:lnSpc>
+              <a:spcBef>
+                <a:spcPts val="1000"/>
+              </a:spcBef>
+              <a:buFont typeface="Arial" panose="020B0604020202020204" pitchFamily="34" charset="0"/>
+              <a:buNone/>
+              <a:defRPr sz="2400" kern="1200">
+                <a:solidFill>
+                  <a:schemeClr val="bg1"/>
+                </a:solidFill>
+                <a:latin typeface="Corbel Light" panose="020B0303020204020204" pitchFamily="34" charset="0"/>
+                <a:ea typeface="+mn-ea"/>
+                <a:cs typeface="+mn-cs"/>
+              </a:defRPr>
+            </a:lvl1pPr>
+            <a:lvl2pPr marL="457200" indent="0" algn="ctr" defTabSz="914400" rtl="0" eaLnBrk="1" latinLnBrk="0" hangingPunct="1">
+              <a:lnSpc>
+                <a:spcPct val="90000"/>
+              </a:lnSpc>
+              <a:spcBef>
+                <a:spcPts val="500"/>
+              </a:spcBef>
+              <a:buFont typeface="Arial" panose="020B0604020202020204" pitchFamily="34" charset="0"/>
+              <a:buNone/>
+              <a:defRPr sz="2000" kern="1200">
+                <a:solidFill>
+                  <a:schemeClr val="bg1"/>
+                </a:solidFill>
+                <a:latin typeface="Corbel Light" panose="020B0303020204020204" pitchFamily="34" charset="0"/>
+                <a:ea typeface="+mn-ea"/>
+                <a:cs typeface="+mn-cs"/>
+              </a:defRPr>
+            </a:lvl2pPr>
+            <a:lvl3pPr marL="914400" indent="0" algn="ctr" defTabSz="914400" rtl="0" eaLnBrk="1" latinLnBrk="0" hangingPunct="1">
+              <a:lnSpc>
+                <a:spcPct val="90000"/>
+              </a:lnSpc>
+              <a:spcBef>
+                <a:spcPts val="500"/>
+              </a:spcBef>
+              <a:buFont typeface="Arial" panose="020B0604020202020204" pitchFamily="34" charset="0"/>
+              <a:buNone/>
+              <a:defRPr sz="1800" kern="1200">
+                <a:solidFill>
+                  <a:schemeClr val="bg1"/>
+                </a:solidFill>
+                <a:latin typeface="Corbel Light" panose="020B0303020204020204" pitchFamily="34" charset="0"/>
+                <a:ea typeface="+mn-ea"/>
+                <a:cs typeface="+mn-cs"/>
+              </a:defRPr>
+            </a:lvl3pPr>
+            <a:lvl4pPr marL="1371600" indent="0" algn="ctr" defTabSz="914400" rtl="0" eaLnBrk="1" latinLnBrk="0" hangingPunct="1">
+              <a:lnSpc>
+                <a:spcPct val="90000"/>
+              </a:lnSpc>
+              <a:spcBef>
+                <a:spcPts val="500"/>
+              </a:spcBef>
+              <a:buFont typeface="Arial" panose="020B0604020202020204" pitchFamily="34" charset="0"/>
+              <a:buNone/>
+              <a:defRPr sz="1600" kern="1200">
+                <a:solidFill>
+                  <a:schemeClr val="bg1"/>
+                </a:solidFill>
+                <a:latin typeface="Corbel Light" panose="020B0303020204020204" pitchFamily="34" charset="0"/>
+                <a:ea typeface="+mn-ea"/>
+                <a:cs typeface="+mn-cs"/>
+              </a:defRPr>
+            </a:lvl4pPr>
+            <a:lvl5pPr marL="1828800" indent="0" algn="ctr" defTabSz="914400" rtl="0" eaLnBrk="1" latinLnBrk="0" hangingPunct="1">
+              <a:lnSpc>
+                <a:spcPct val="90000"/>
+              </a:lnSpc>
+              <a:spcBef>
+                <a:spcPts val="500"/>
+              </a:spcBef>
+              <a:buFont typeface="Arial" panose="020B0604020202020204" pitchFamily="34" charset="0"/>
+              <a:buNone/>
+              <a:defRPr sz="1600" kern="1200">
+                <a:solidFill>
+                  <a:schemeClr val="bg1"/>
+                </a:solidFill>
+                <a:latin typeface="Corbel Light" panose="020B0303020204020204" pitchFamily="34" charset="0"/>
+                <a:ea typeface="+mn-ea"/>
+                <a:cs typeface="+mn-cs"/>
+              </a:defRPr>
+            </a:lvl5pPr>
+            <a:lvl6pPr marL="2286000" indent="0" algn="ctr" defTabSz="914400" rtl="0" eaLnBrk="1" latinLnBrk="0" hangingPunct="1">
+              <a:lnSpc>
+                <a:spcPct val="90000"/>
+              </a:lnSpc>
+              <a:spcBef>
+                <a:spcPts val="500"/>
+              </a:spcBef>
+              <a:buFont typeface="Arial" panose="020B0604020202020204" pitchFamily="34" charset="0"/>
+              <a:buNone/>
+              <a:defRPr sz="1600" kern="1200">
+                <a:solidFill>
+                  <a:schemeClr val="tx1"/>
+                </a:solidFill>
+                <a:latin typeface="+mn-lt"/>
+                <a:ea typeface="+mn-ea"/>
+                <a:cs typeface="+mn-cs"/>
+              </a:defRPr>
+            </a:lvl6pPr>
+            <a:lvl7pPr marL="2743200" indent="0" algn="ctr" defTabSz="914400" rtl="0" eaLnBrk="1" latinLnBrk="0" hangingPunct="1">
+              <a:lnSpc>
+                <a:spcPct val="90000"/>
+              </a:lnSpc>
+              <a:spcBef>
+                <a:spcPts val="500"/>
+              </a:spcBef>
+              <a:buFont typeface="Arial" panose="020B0604020202020204" pitchFamily="34" charset="0"/>
+              <a:buNone/>
+              <a:defRPr sz="1600" kern="1200">
+                <a:solidFill>
+                  <a:schemeClr val="tx1"/>
+                </a:solidFill>
+                <a:latin typeface="+mn-lt"/>
+                <a:ea typeface="+mn-ea"/>
+                <a:cs typeface="+mn-cs"/>
+              </a:defRPr>
+            </a:lvl7pPr>
+            <a:lvl8pPr marL="3200400" indent="0" algn="ctr" defTabSz="914400" rtl="0" eaLnBrk="1" latinLnBrk="0" hangingPunct="1">
+              <a:lnSpc>
+                <a:spcPct val="90000"/>
+              </a:lnSpc>
+              <a:spcBef>
+                <a:spcPts val="500"/>
+              </a:spcBef>
+              <a:buFont typeface="Arial" panose="020B0604020202020204" pitchFamily="34" charset="0"/>
+              <a:buNone/>
+              <a:defRPr sz="1600" kern="1200">
+                <a:solidFill>
+                  <a:schemeClr val="tx1"/>
+                </a:solidFill>
+                <a:latin typeface="+mn-lt"/>
+                <a:ea typeface="+mn-ea"/>
+                <a:cs typeface="+mn-cs"/>
+              </a:defRPr>
+            </a:lvl8pPr>
+            <a:lvl9pPr marL="3657600" indent="0" algn="ctr" defTabSz="914400" rtl="0" eaLnBrk="1" latinLnBrk="0" hangingPunct="1">
+              <a:lnSpc>
+                <a:spcPct val="90000"/>
+              </a:lnSpc>
+              <a:spcBef>
+                <a:spcPts val="500"/>
+              </a:spcBef>
+              <a:buFont typeface="Arial" panose="020B0604020202020204" pitchFamily="34" charset="0"/>
+              <a:buNone/>
+              <a:defRPr sz="1600" kern="1200">
+                <a:solidFill>
+                  <a:schemeClr val="tx1"/>
+                </a:solidFill>
+                <a:latin typeface="+mn-lt"/>
+                <a:ea typeface="+mn-ea"/>
+                <a:cs typeface="+mn-cs"/>
+              </a:defRPr>
+            </a:lvl9pPr>
+          </a:lstStyle>
+          <a:p>
+            <a:pPr algn="l"/>
+            <a:r>
+              <a:rPr lang="en-US" sz="3200" dirty="0">
+                <a:solidFill>
+                  <a:srgbClr val="00863D"/>
+                </a:solidFill>
+                <a:latin typeface="+mn-lt"/>
+              </a:rPr>
+              <a:t>15</a:t>
+            </a:r>
+            <a:endParaRPr lang="en-US" dirty="0">
+              <a:solidFill>
+                <a:srgbClr val="00863D"/>
+              </a:solidFill>
+              <a:latin typeface="+mn-lt"/>
+            </a:endParaRPr>
+          </a:p>
+        </p:txBody>
+      </p:sp>
     </p:spTree>
     <p:extLst>
       <p:ext uri="{BB962C8B-B14F-4D97-AF65-F5344CB8AC3E}">
@@ -19723,6 +22882,217 @@
           </a:effectLst>
         </p:spPr>
       </p:pic>
+      <p:sp>
+        <p:nvSpPr>
+          <p:cNvPr id="8" name="Content Placeholder 2">
+            <a:extLst>
+              <a:ext uri="{FF2B5EF4-FFF2-40B4-BE49-F238E27FC236}">
+                <a16:creationId xmlns:a16="http://schemas.microsoft.com/office/drawing/2014/main" id="{164A2FF3-9404-FCE8-6F3B-BD8D0AC28FFD}"/>
+              </a:ext>
+            </a:extLst>
+          </p:cNvPr>
+          <p:cNvSpPr txBox="1">
+            <a:spLocks/>
+          </p:cNvSpPr>
+          <p:nvPr/>
+        </p:nvSpPr>
+        <p:spPr>
+          <a:xfrm>
+            <a:off x="510729" y="6392990"/>
+            <a:ext cx="992951" cy="465010"/>
+          </a:xfrm>
+          <a:prstGeom prst="rect">
+            <a:avLst/>
+          </a:prstGeom>
+        </p:spPr>
+        <p:txBody>
+          <a:bodyPr vert="horz" lIns="91440" tIns="45720" rIns="91440" bIns="45720" rtlCol="0">
+            <a:normAutofit fontScale="92500" lnSpcReduction="20000"/>
+          </a:bodyPr>
+          <a:lstStyle>
+            <a:lvl1pPr marL="0" indent="0" algn="ctr" defTabSz="914400" rtl="0" eaLnBrk="1" latinLnBrk="0" hangingPunct="1">
+              <a:lnSpc>
+                <a:spcPct val="90000"/>
+              </a:lnSpc>
+              <a:spcBef>
+                <a:spcPts val="1000"/>
+              </a:spcBef>
+              <a:buFont typeface="Arial" panose="020B0604020202020204" pitchFamily="34" charset="0"/>
+              <a:buNone/>
+              <a:defRPr sz="2400" kern="1200">
+                <a:solidFill>
+                  <a:schemeClr val="bg1"/>
+                </a:solidFill>
+                <a:latin typeface="Corbel Light" panose="020B0303020204020204" pitchFamily="34" charset="0"/>
+                <a:ea typeface="+mn-ea"/>
+                <a:cs typeface="+mn-cs"/>
+              </a:defRPr>
+            </a:lvl1pPr>
+            <a:lvl2pPr marL="457200" indent="0" algn="ctr" defTabSz="914400" rtl="0" eaLnBrk="1" latinLnBrk="0" hangingPunct="1">
+              <a:lnSpc>
+                <a:spcPct val="90000"/>
+              </a:lnSpc>
+              <a:spcBef>
+                <a:spcPts val="500"/>
+              </a:spcBef>
+              <a:buFont typeface="Arial" panose="020B0604020202020204" pitchFamily="34" charset="0"/>
+              <a:buNone/>
+              <a:defRPr sz="2000" kern="1200">
+                <a:solidFill>
+                  <a:schemeClr val="bg1"/>
+                </a:solidFill>
+                <a:latin typeface="Corbel Light" panose="020B0303020204020204" pitchFamily="34" charset="0"/>
+                <a:ea typeface="+mn-ea"/>
+                <a:cs typeface="+mn-cs"/>
+              </a:defRPr>
+            </a:lvl2pPr>
+            <a:lvl3pPr marL="914400" indent="0" algn="ctr" defTabSz="914400" rtl="0" eaLnBrk="1" latinLnBrk="0" hangingPunct="1">
+              <a:lnSpc>
+                <a:spcPct val="90000"/>
+              </a:lnSpc>
+              <a:spcBef>
+                <a:spcPts val="500"/>
+              </a:spcBef>
+              <a:buFont typeface="Arial" panose="020B0604020202020204" pitchFamily="34" charset="0"/>
+              <a:buNone/>
+              <a:defRPr sz="1800" kern="1200">
+                <a:solidFill>
+                  <a:schemeClr val="bg1"/>
+                </a:solidFill>
+                <a:latin typeface="Corbel Light" panose="020B0303020204020204" pitchFamily="34" charset="0"/>
+                <a:ea typeface="+mn-ea"/>
+                <a:cs typeface="+mn-cs"/>
+              </a:defRPr>
+            </a:lvl3pPr>
+            <a:lvl4pPr marL="1371600" indent="0" algn="ctr" defTabSz="914400" rtl="0" eaLnBrk="1" latinLnBrk="0" hangingPunct="1">
+              <a:lnSpc>
+                <a:spcPct val="90000"/>
+              </a:lnSpc>
+              <a:spcBef>
+                <a:spcPts val="500"/>
+              </a:spcBef>
+              <a:buFont typeface="Arial" panose="020B0604020202020204" pitchFamily="34" charset="0"/>
+              <a:buNone/>
+              <a:defRPr sz="1600" kern="1200">
+                <a:solidFill>
+                  <a:schemeClr val="bg1"/>
+                </a:solidFill>
+                <a:latin typeface="Corbel Light" panose="020B0303020204020204" pitchFamily="34" charset="0"/>
+                <a:ea typeface="+mn-ea"/>
+                <a:cs typeface="+mn-cs"/>
+              </a:defRPr>
+            </a:lvl4pPr>
+            <a:lvl5pPr marL="1828800" indent="0" algn="ctr" defTabSz="914400" rtl="0" eaLnBrk="1" latinLnBrk="0" hangingPunct="1">
+              <a:lnSpc>
+                <a:spcPct val="90000"/>
+              </a:lnSpc>
+              <a:spcBef>
+                <a:spcPts val="500"/>
+              </a:spcBef>
+              <a:buFont typeface="Arial" panose="020B0604020202020204" pitchFamily="34" charset="0"/>
+              <a:buNone/>
+              <a:defRPr sz="1600" kern="1200">
+                <a:solidFill>
+                  <a:schemeClr val="bg1"/>
+                </a:solidFill>
+                <a:latin typeface="Corbel Light" panose="020B0303020204020204" pitchFamily="34" charset="0"/>
+                <a:ea typeface="+mn-ea"/>
+                <a:cs typeface="+mn-cs"/>
+              </a:defRPr>
+            </a:lvl5pPr>
+            <a:lvl6pPr marL="2286000" indent="0" algn="ctr" defTabSz="914400" rtl="0" eaLnBrk="1" latinLnBrk="0" hangingPunct="1">
+              <a:lnSpc>
+                <a:spcPct val="90000"/>
+              </a:lnSpc>
+              <a:spcBef>
+                <a:spcPts val="500"/>
+              </a:spcBef>
+              <a:buFont typeface="Arial" panose="020B0604020202020204" pitchFamily="34" charset="0"/>
+              <a:buNone/>
+              <a:defRPr sz="1600" kern="1200">
+                <a:solidFill>
+                  <a:schemeClr val="tx1"/>
+                </a:solidFill>
+                <a:latin typeface="+mn-lt"/>
+                <a:ea typeface="+mn-ea"/>
+                <a:cs typeface="+mn-cs"/>
+              </a:defRPr>
+            </a:lvl6pPr>
+            <a:lvl7pPr marL="2743200" indent="0" algn="ctr" defTabSz="914400" rtl="0" eaLnBrk="1" latinLnBrk="0" hangingPunct="1">
+              <a:lnSpc>
+                <a:spcPct val="90000"/>
+              </a:lnSpc>
+              <a:spcBef>
+                <a:spcPts val="500"/>
+              </a:spcBef>
+              <a:buFont typeface="Arial" panose="020B0604020202020204" pitchFamily="34" charset="0"/>
+              <a:buNone/>
+              <a:defRPr sz="1600" kern="1200">
+                <a:solidFill>
+                  <a:schemeClr val="tx1"/>
+                </a:solidFill>
+                <a:latin typeface="+mn-lt"/>
+                <a:ea typeface="+mn-ea"/>
+                <a:cs typeface="+mn-cs"/>
+              </a:defRPr>
+            </a:lvl7pPr>
+            <a:lvl8pPr marL="3200400" indent="0" algn="ctr" defTabSz="914400" rtl="0" eaLnBrk="1" latinLnBrk="0" hangingPunct="1">
+              <a:lnSpc>
+                <a:spcPct val="90000"/>
+              </a:lnSpc>
+              <a:spcBef>
+                <a:spcPts val="500"/>
+              </a:spcBef>
+              <a:buFont typeface="Arial" panose="020B0604020202020204" pitchFamily="34" charset="0"/>
+              <a:buNone/>
+              <a:defRPr sz="1600" kern="1200">
+                <a:solidFill>
+                  <a:schemeClr val="tx1"/>
+                </a:solidFill>
+                <a:latin typeface="+mn-lt"/>
+                <a:ea typeface="+mn-ea"/>
+                <a:cs typeface="+mn-cs"/>
+              </a:defRPr>
+            </a:lvl8pPr>
+            <a:lvl9pPr marL="3657600" indent="0" algn="ctr" defTabSz="914400" rtl="0" eaLnBrk="1" latinLnBrk="0" hangingPunct="1">
+              <a:lnSpc>
+                <a:spcPct val="90000"/>
+              </a:lnSpc>
+              <a:spcBef>
+                <a:spcPts val="500"/>
+              </a:spcBef>
+              <a:buFont typeface="Arial" panose="020B0604020202020204" pitchFamily="34" charset="0"/>
+              <a:buNone/>
+              <a:defRPr sz="1600" kern="1200">
+                <a:solidFill>
+                  <a:schemeClr val="tx1"/>
+                </a:solidFill>
+                <a:latin typeface="+mn-lt"/>
+                <a:ea typeface="+mn-ea"/>
+                <a:cs typeface="+mn-cs"/>
+              </a:defRPr>
+            </a:lvl9pPr>
+          </a:lstStyle>
+          <a:p>
+            <a:pPr algn="l"/>
+            <a:r>
+              <a:rPr lang="en-US" sz="3200" dirty="0">
+                <a:solidFill>
+                  <a:srgbClr val="00863D"/>
+                </a:solidFill>
+                <a:latin typeface="+mn-lt"/>
+              </a:rPr>
+              <a:t>15</a:t>
+            </a:r>
+            <a:endParaRPr lang="en-US" dirty="0">
+              <a:solidFill>
+                <a:srgbClr val="00863D"/>
+              </a:solidFill>
+              <a:latin typeface="+mn-lt"/>
+            </a:endParaRPr>
+          </a:p>
+        </p:txBody>
+      </p:sp>
     </p:spTree>
     <p:extLst>
       <p:ext uri="{BB962C8B-B14F-4D97-AF65-F5344CB8AC3E}">
@@ -20199,6 +23569,217 @@
           </a:effectLst>
         </p:spPr>
       </p:pic>
+      <p:sp>
+        <p:nvSpPr>
+          <p:cNvPr id="3" name="Content Placeholder 2">
+            <a:extLst>
+              <a:ext uri="{FF2B5EF4-FFF2-40B4-BE49-F238E27FC236}">
+                <a16:creationId xmlns:a16="http://schemas.microsoft.com/office/drawing/2014/main" id="{97F07BC9-37B7-5F88-A55E-28BFEB3BAB70}"/>
+              </a:ext>
+            </a:extLst>
+          </p:cNvPr>
+          <p:cNvSpPr txBox="1">
+            <a:spLocks/>
+          </p:cNvSpPr>
+          <p:nvPr/>
+        </p:nvSpPr>
+        <p:spPr>
+          <a:xfrm>
+            <a:off x="439368" y="6492875"/>
+            <a:ext cx="992951" cy="465010"/>
+          </a:xfrm>
+          <a:prstGeom prst="rect">
+            <a:avLst/>
+          </a:prstGeom>
+        </p:spPr>
+        <p:txBody>
+          <a:bodyPr vert="horz" lIns="91440" tIns="45720" rIns="91440" bIns="45720" rtlCol="0">
+            <a:normAutofit fontScale="92500" lnSpcReduction="20000"/>
+          </a:bodyPr>
+          <a:lstStyle>
+            <a:lvl1pPr marL="0" indent="0" algn="ctr" defTabSz="914400" rtl="0" eaLnBrk="1" latinLnBrk="0" hangingPunct="1">
+              <a:lnSpc>
+                <a:spcPct val="90000"/>
+              </a:lnSpc>
+              <a:spcBef>
+                <a:spcPts val="1000"/>
+              </a:spcBef>
+              <a:buFont typeface="Arial" panose="020B0604020202020204" pitchFamily="34" charset="0"/>
+              <a:buNone/>
+              <a:defRPr sz="2400" kern="1200">
+                <a:solidFill>
+                  <a:schemeClr val="bg1"/>
+                </a:solidFill>
+                <a:latin typeface="Corbel Light" panose="020B0303020204020204" pitchFamily="34" charset="0"/>
+                <a:ea typeface="+mn-ea"/>
+                <a:cs typeface="+mn-cs"/>
+              </a:defRPr>
+            </a:lvl1pPr>
+            <a:lvl2pPr marL="457200" indent="0" algn="ctr" defTabSz="914400" rtl="0" eaLnBrk="1" latinLnBrk="0" hangingPunct="1">
+              <a:lnSpc>
+                <a:spcPct val="90000"/>
+              </a:lnSpc>
+              <a:spcBef>
+                <a:spcPts val="500"/>
+              </a:spcBef>
+              <a:buFont typeface="Arial" panose="020B0604020202020204" pitchFamily="34" charset="0"/>
+              <a:buNone/>
+              <a:defRPr sz="2000" kern="1200">
+                <a:solidFill>
+                  <a:schemeClr val="bg1"/>
+                </a:solidFill>
+                <a:latin typeface="Corbel Light" panose="020B0303020204020204" pitchFamily="34" charset="0"/>
+                <a:ea typeface="+mn-ea"/>
+                <a:cs typeface="+mn-cs"/>
+              </a:defRPr>
+            </a:lvl2pPr>
+            <a:lvl3pPr marL="914400" indent="0" algn="ctr" defTabSz="914400" rtl="0" eaLnBrk="1" latinLnBrk="0" hangingPunct="1">
+              <a:lnSpc>
+                <a:spcPct val="90000"/>
+              </a:lnSpc>
+              <a:spcBef>
+                <a:spcPts val="500"/>
+              </a:spcBef>
+              <a:buFont typeface="Arial" panose="020B0604020202020204" pitchFamily="34" charset="0"/>
+              <a:buNone/>
+              <a:defRPr sz="1800" kern="1200">
+                <a:solidFill>
+                  <a:schemeClr val="bg1"/>
+                </a:solidFill>
+                <a:latin typeface="Corbel Light" panose="020B0303020204020204" pitchFamily="34" charset="0"/>
+                <a:ea typeface="+mn-ea"/>
+                <a:cs typeface="+mn-cs"/>
+              </a:defRPr>
+            </a:lvl3pPr>
+            <a:lvl4pPr marL="1371600" indent="0" algn="ctr" defTabSz="914400" rtl="0" eaLnBrk="1" latinLnBrk="0" hangingPunct="1">
+              <a:lnSpc>
+                <a:spcPct val="90000"/>
+              </a:lnSpc>
+              <a:spcBef>
+                <a:spcPts val="500"/>
+              </a:spcBef>
+              <a:buFont typeface="Arial" panose="020B0604020202020204" pitchFamily="34" charset="0"/>
+              <a:buNone/>
+              <a:defRPr sz="1600" kern="1200">
+                <a:solidFill>
+                  <a:schemeClr val="bg1"/>
+                </a:solidFill>
+                <a:latin typeface="Corbel Light" panose="020B0303020204020204" pitchFamily="34" charset="0"/>
+                <a:ea typeface="+mn-ea"/>
+                <a:cs typeface="+mn-cs"/>
+              </a:defRPr>
+            </a:lvl4pPr>
+            <a:lvl5pPr marL="1828800" indent="0" algn="ctr" defTabSz="914400" rtl="0" eaLnBrk="1" latinLnBrk="0" hangingPunct="1">
+              <a:lnSpc>
+                <a:spcPct val="90000"/>
+              </a:lnSpc>
+              <a:spcBef>
+                <a:spcPts val="500"/>
+              </a:spcBef>
+              <a:buFont typeface="Arial" panose="020B0604020202020204" pitchFamily="34" charset="0"/>
+              <a:buNone/>
+              <a:defRPr sz="1600" kern="1200">
+                <a:solidFill>
+                  <a:schemeClr val="bg1"/>
+                </a:solidFill>
+                <a:latin typeface="Corbel Light" panose="020B0303020204020204" pitchFamily="34" charset="0"/>
+                <a:ea typeface="+mn-ea"/>
+                <a:cs typeface="+mn-cs"/>
+              </a:defRPr>
+            </a:lvl5pPr>
+            <a:lvl6pPr marL="2286000" indent="0" algn="ctr" defTabSz="914400" rtl="0" eaLnBrk="1" latinLnBrk="0" hangingPunct="1">
+              <a:lnSpc>
+                <a:spcPct val="90000"/>
+              </a:lnSpc>
+              <a:spcBef>
+                <a:spcPts val="500"/>
+              </a:spcBef>
+              <a:buFont typeface="Arial" panose="020B0604020202020204" pitchFamily="34" charset="0"/>
+              <a:buNone/>
+              <a:defRPr sz="1600" kern="1200">
+                <a:solidFill>
+                  <a:schemeClr val="tx1"/>
+                </a:solidFill>
+                <a:latin typeface="+mn-lt"/>
+                <a:ea typeface="+mn-ea"/>
+                <a:cs typeface="+mn-cs"/>
+              </a:defRPr>
+            </a:lvl6pPr>
+            <a:lvl7pPr marL="2743200" indent="0" algn="ctr" defTabSz="914400" rtl="0" eaLnBrk="1" latinLnBrk="0" hangingPunct="1">
+              <a:lnSpc>
+                <a:spcPct val="90000"/>
+              </a:lnSpc>
+              <a:spcBef>
+                <a:spcPts val="500"/>
+              </a:spcBef>
+              <a:buFont typeface="Arial" panose="020B0604020202020204" pitchFamily="34" charset="0"/>
+              <a:buNone/>
+              <a:defRPr sz="1600" kern="1200">
+                <a:solidFill>
+                  <a:schemeClr val="tx1"/>
+                </a:solidFill>
+                <a:latin typeface="+mn-lt"/>
+                <a:ea typeface="+mn-ea"/>
+                <a:cs typeface="+mn-cs"/>
+              </a:defRPr>
+            </a:lvl7pPr>
+            <a:lvl8pPr marL="3200400" indent="0" algn="ctr" defTabSz="914400" rtl="0" eaLnBrk="1" latinLnBrk="0" hangingPunct="1">
+              <a:lnSpc>
+                <a:spcPct val="90000"/>
+              </a:lnSpc>
+              <a:spcBef>
+                <a:spcPts val="500"/>
+              </a:spcBef>
+              <a:buFont typeface="Arial" panose="020B0604020202020204" pitchFamily="34" charset="0"/>
+              <a:buNone/>
+              <a:defRPr sz="1600" kern="1200">
+                <a:solidFill>
+                  <a:schemeClr val="tx1"/>
+                </a:solidFill>
+                <a:latin typeface="+mn-lt"/>
+                <a:ea typeface="+mn-ea"/>
+                <a:cs typeface="+mn-cs"/>
+              </a:defRPr>
+            </a:lvl8pPr>
+            <a:lvl9pPr marL="3657600" indent="0" algn="ctr" defTabSz="914400" rtl="0" eaLnBrk="1" latinLnBrk="0" hangingPunct="1">
+              <a:lnSpc>
+                <a:spcPct val="90000"/>
+              </a:lnSpc>
+              <a:spcBef>
+                <a:spcPts val="500"/>
+              </a:spcBef>
+              <a:buFont typeface="Arial" panose="020B0604020202020204" pitchFamily="34" charset="0"/>
+              <a:buNone/>
+              <a:defRPr sz="1600" kern="1200">
+                <a:solidFill>
+                  <a:schemeClr val="tx1"/>
+                </a:solidFill>
+                <a:latin typeface="+mn-lt"/>
+                <a:ea typeface="+mn-ea"/>
+                <a:cs typeface="+mn-cs"/>
+              </a:defRPr>
+            </a:lvl9pPr>
+          </a:lstStyle>
+          <a:p>
+            <a:pPr algn="l"/>
+            <a:r>
+              <a:rPr lang="en-US" sz="3200" dirty="0">
+                <a:solidFill>
+                  <a:srgbClr val="00863D"/>
+                </a:solidFill>
+                <a:latin typeface="+mn-lt"/>
+              </a:rPr>
+              <a:t>16</a:t>
+            </a:r>
+            <a:endParaRPr lang="en-US" dirty="0">
+              <a:solidFill>
+                <a:srgbClr val="00863D"/>
+              </a:solidFill>
+              <a:latin typeface="+mn-lt"/>
+            </a:endParaRPr>
+          </a:p>
+        </p:txBody>
+      </p:sp>
     </p:spTree>
     <p:extLst>
       <p:ext uri="{BB962C8B-B14F-4D97-AF65-F5344CB8AC3E}">
@@ -20731,6 +24312,217 @@
               <a:rPr lang="en-US" sz="4000" dirty="0"/>
               <a:t>Fixed point, block floating point, floating point, and posit-representation </a:t>
             </a:r>
+          </a:p>
+        </p:txBody>
+      </p:sp>
+      <p:sp>
+        <p:nvSpPr>
+          <p:cNvPr id="2" name="Content Placeholder 2">
+            <a:extLst>
+              <a:ext uri="{FF2B5EF4-FFF2-40B4-BE49-F238E27FC236}">
+                <a16:creationId xmlns:a16="http://schemas.microsoft.com/office/drawing/2014/main" id="{63373248-5104-6C3F-39AF-CEA0E4B61AFA}"/>
+              </a:ext>
+            </a:extLst>
+          </p:cNvPr>
+          <p:cNvSpPr txBox="1">
+            <a:spLocks/>
+          </p:cNvSpPr>
+          <p:nvPr/>
+        </p:nvSpPr>
+        <p:spPr>
+          <a:xfrm>
+            <a:off x="531049" y="6392990"/>
+            <a:ext cx="992951" cy="465010"/>
+          </a:xfrm>
+          <a:prstGeom prst="rect">
+            <a:avLst/>
+          </a:prstGeom>
+        </p:spPr>
+        <p:txBody>
+          <a:bodyPr vert="horz" lIns="91440" tIns="45720" rIns="91440" bIns="45720" rtlCol="0">
+            <a:normAutofit fontScale="92500" lnSpcReduction="20000"/>
+          </a:bodyPr>
+          <a:lstStyle>
+            <a:lvl1pPr marL="0" indent="0" algn="ctr" defTabSz="914400" rtl="0" eaLnBrk="1" latinLnBrk="0" hangingPunct="1">
+              <a:lnSpc>
+                <a:spcPct val="90000"/>
+              </a:lnSpc>
+              <a:spcBef>
+                <a:spcPts val="1000"/>
+              </a:spcBef>
+              <a:buFont typeface="Arial" panose="020B0604020202020204" pitchFamily="34" charset="0"/>
+              <a:buNone/>
+              <a:defRPr sz="2400" kern="1200">
+                <a:solidFill>
+                  <a:schemeClr val="bg1"/>
+                </a:solidFill>
+                <a:latin typeface="Corbel Light" panose="020B0303020204020204" pitchFamily="34" charset="0"/>
+                <a:ea typeface="+mn-ea"/>
+                <a:cs typeface="+mn-cs"/>
+              </a:defRPr>
+            </a:lvl1pPr>
+            <a:lvl2pPr marL="457200" indent="0" algn="ctr" defTabSz="914400" rtl="0" eaLnBrk="1" latinLnBrk="0" hangingPunct="1">
+              <a:lnSpc>
+                <a:spcPct val="90000"/>
+              </a:lnSpc>
+              <a:spcBef>
+                <a:spcPts val="500"/>
+              </a:spcBef>
+              <a:buFont typeface="Arial" panose="020B0604020202020204" pitchFamily="34" charset="0"/>
+              <a:buNone/>
+              <a:defRPr sz="2000" kern="1200">
+                <a:solidFill>
+                  <a:schemeClr val="bg1"/>
+                </a:solidFill>
+                <a:latin typeface="Corbel Light" panose="020B0303020204020204" pitchFamily="34" charset="0"/>
+                <a:ea typeface="+mn-ea"/>
+                <a:cs typeface="+mn-cs"/>
+              </a:defRPr>
+            </a:lvl2pPr>
+            <a:lvl3pPr marL="914400" indent="0" algn="ctr" defTabSz="914400" rtl="0" eaLnBrk="1" latinLnBrk="0" hangingPunct="1">
+              <a:lnSpc>
+                <a:spcPct val="90000"/>
+              </a:lnSpc>
+              <a:spcBef>
+                <a:spcPts val="500"/>
+              </a:spcBef>
+              <a:buFont typeface="Arial" panose="020B0604020202020204" pitchFamily="34" charset="0"/>
+              <a:buNone/>
+              <a:defRPr sz="1800" kern="1200">
+                <a:solidFill>
+                  <a:schemeClr val="bg1"/>
+                </a:solidFill>
+                <a:latin typeface="Corbel Light" panose="020B0303020204020204" pitchFamily="34" charset="0"/>
+                <a:ea typeface="+mn-ea"/>
+                <a:cs typeface="+mn-cs"/>
+              </a:defRPr>
+            </a:lvl3pPr>
+            <a:lvl4pPr marL="1371600" indent="0" algn="ctr" defTabSz="914400" rtl="0" eaLnBrk="1" latinLnBrk="0" hangingPunct="1">
+              <a:lnSpc>
+                <a:spcPct val="90000"/>
+              </a:lnSpc>
+              <a:spcBef>
+                <a:spcPts val="500"/>
+              </a:spcBef>
+              <a:buFont typeface="Arial" panose="020B0604020202020204" pitchFamily="34" charset="0"/>
+              <a:buNone/>
+              <a:defRPr sz="1600" kern="1200">
+                <a:solidFill>
+                  <a:schemeClr val="bg1"/>
+                </a:solidFill>
+                <a:latin typeface="Corbel Light" panose="020B0303020204020204" pitchFamily="34" charset="0"/>
+                <a:ea typeface="+mn-ea"/>
+                <a:cs typeface="+mn-cs"/>
+              </a:defRPr>
+            </a:lvl4pPr>
+            <a:lvl5pPr marL="1828800" indent="0" algn="ctr" defTabSz="914400" rtl="0" eaLnBrk="1" latinLnBrk="0" hangingPunct="1">
+              <a:lnSpc>
+                <a:spcPct val="90000"/>
+              </a:lnSpc>
+              <a:spcBef>
+                <a:spcPts val="500"/>
+              </a:spcBef>
+              <a:buFont typeface="Arial" panose="020B0604020202020204" pitchFamily="34" charset="0"/>
+              <a:buNone/>
+              <a:defRPr sz="1600" kern="1200">
+                <a:solidFill>
+                  <a:schemeClr val="bg1"/>
+                </a:solidFill>
+                <a:latin typeface="Corbel Light" panose="020B0303020204020204" pitchFamily="34" charset="0"/>
+                <a:ea typeface="+mn-ea"/>
+                <a:cs typeface="+mn-cs"/>
+              </a:defRPr>
+            </a:lvl5pPr>
+            <a:lvl6pPr marL="2286000" indent="0" algn="ctr" defTabSz="914400" rtl="0" eaLnBrk="1" latinLnBrk="0" hangingPunct="1">
+              <a:lnSpc>
+                <a:spcPct val="90000"/>
+              </a:lnSpc>
+              <a:spcBef>
+                <a:spcPts val="500"/>
+              </a:spcBef>
+              <a:buFont typeface="Arial" panose="020B0604020202020204" pitchFamily="34" charset="0"/>
+              <a:buNone/>
+              <a:defRPr sz="1600" kern="1200">
+                <a:solidFill>
+                  <a:schemeClr val="tx1"/>
+                </a:solidFill>
+                <a:latin typeface="+mn-lt"/>
+                <a:ea typeface="+mn-ea"/>
+                <a:cs typeface="+mn-cs"/>
+              </a:defRPr>
+            </a:lvl6pPr>
+            <a:lvl7pPr marL="2743200" indent="0" algn="ctr" defTabSz="914400" rtl="0" eaLnBrk="1" latinLnBrk="0" hangingPunct="1">
+              <a:lnSpc>
+                <a:spcPct val="90000"/>
+              </a:lnSpc>
+              <a:spcBef>
+                <a:spcPts val="500"/>
+              </a:spcBef>
+              <a:buFont typeface="Arial" panose="020B0604020202020204" pitchFamily="34" charset="0"/>
+              <a:buNone/>
+              <a:defRPr sz="1600" kern="1200">
+                <a:solidFill>
+                  <a:schemeClr val="tx1"/>
+                </a:solidFill>
+                <a:latin typeface="+mn-lt"/>
+                <a:ea typeface="+mn-ea"/>
+                <a:cs typeface="+mn-cs"/>
+              </a:defRPr>
+            </a:lvl7pPr>
+            <a:lvl8pPr marL="3200400" indent="0" algn="ctr" defTabSz="914400" rtl="0" eaLnBrk="1" latinLnBrk="0" hangingPunct="1">
+              <a:lnSpc>
+                <a:spcPct val="90000"/>
+              </a:lnSpc>
+              <a:spcBef>
+                <a:spcPts val="500"/>
+              </a:spcBef>
+              <a:buFont typeface="Arial" panose="020B0604020202020204" pitchFamily="34" charset="0"/>
+              <a:buNone/>
+              <a:defRPr sz="1600" kern="1200">
+                <a:solidFill>
+                  <a:schemeClr val="tx1"/>
+                </a:solidFill>
+                <a:latin typeface="+mn-lt"/>
+                <a:ea typeface="+mn-ea"/>
+                <a:cs typeface="+mn-cs"/>
+              </a:defRPr>
+            </a:lvl8pPr>
+            <a:lvl9pPr marL="3657600" indent="0" algn="ctr" defTabSz="914400" rtl="0" eaLnBrk="1" latinLnBrk="0" hangingPunct="1">
+              <a:lnSpc>
+                <a:spcPct val="90000"/>
+              </a:lnSpc>
+              <a:spcBef>
+                <a:spcPts val="500"/>
+              </a:spcBef>
+              <a:buFont typeface="Arial" panose="020B0604020202020204" pitchFamily="34" charset="0"/>
+              <a:buNone/>
+              <a:defRPr sz="1600" kern="1200">
+                <a:solidFill>
+                  <a:schemeClr val="tx1"/>
+                </a:solidFill>
+                <a:latin typeface="+mn-lt"/>
+                <a:ea typeface="+mn-ea"/>
+                <a:cs typeface="+mn-cs"/>
+              </a:defRPr>
+            </a:lvl9pPr>
+          </a:lstStyle>
+          <a:p>
+            <a:pPr algn="l"/>
+            <a:r>
+              <a:rPr lang="en-US" sz="3200" dirty="0">
+                <a:solidFill>
+                  <a:srgbClr val="00863D"/>
+                </a:solidFill>
+                <a:latin typeface="+mn-lt"/>
+              </a:rPr>
+              <a:t>17</a:t>
+            </a:r>
+            <a:endParaRPr lang="en-US" dirty="0">
+              <a:solidFill>
+                <a:srgbClr val="00863D"/>
+              </a:solidFill>
+              <a:latin typeface="+mn-lt"/>
+            </a:endParaRPr>
           </a:p>
         </p:txBody>
       </p:sp>
@@ -21653,6 +25445,217 @@
           </a:p>
         </p:txBody>
       </p:sp>
+      <p:sp>
+        <p:nvSpPr>
+          <p:cNvPr id="10" name="Content Placeholder 2">
+            <a:extLst>
+              <a:ext uri="{FF2B5EF4-FFF2-40B4-BE49-F238E27FC236}">
+                <a16:creationId xmlns:a16="http://schemas.microsoft.com/office/drawing/2014/main" id="{0C54E846-BECE-B3C3-79C9-D6DA8B0DE1B9}"/>
+              </a:ext>
+            </a:extLst>
+          </p:cNvPr>
+          <p:cNvSpPr txBox="1">
+            <a:spLocks/>
+          </p:cNvSpPr>
+          <p:nvPr/>
+        </p:nvSpPr>
+        <p:spPr>
+          <a:xfrm>
+            <a:off x="518160" y="6492875"/>
+            <a:ext cx="992951" cy="465010"/>
+          </a:xfrm>
+          <a:prstGeom prst="rect">
+            <a:avLst/>
+          </a:prstGeom>
+        </p:spPr>
+        <p:txBody>
+          <a:bodyPr vert="horz" lIns="91440" tIns="45720" rIns="91440" bIns="45720" rtlCol="0">
+            <a:normAutofit fontScale="92500" lnSpcReduction="20000"/>
+          </a:bodyPr>
+          <a:lstStyle>
+            <a:lvl1pPr marL="0" indent="0" algn="ctr" defTabSz="914400" rtl="0" eaLnBrk="1" latinLnBrk="0" hangingPunct="1">
+              <a:lnSpc>
+                <a:spcPct val="90000"/>
+              </a:lnSpc>
+              <a:spcBef>
+                <a:spcPts val="1000"/>
+              </a:spcBef>
+              <a:buFont typeface="Arial" panose="020B0604020202020204" pitchFamily="34" charset="0"/>
+              <a:buNone/>
+              <a:defRPr sz="2400" kern="1200">
+                <a:solidFill>
+                  <a:schemeClr val="bg1"/>
+                </a:solidFill>
+                <a:latin typeface="Corbel Light" panose="020B0303020204020204" pitchFamily="34" charset="0"/>
+                <a:ea typeface="+mn-ea"/>
+                <a:cs typeface="+mn-cs"/>
+              </a:defRPr>
+            </a:lvl1pPr>
+            <a:lvl2pPr marL="457200" indent="0" algn="ctr" defTabSz="914400" rtl="0" eaLnBrk="1" latinLnBrk="0" hangingPunct="1">
+              <a:lnSpc>
+                <a:spcPct val="90000"/>
+              </a:lnSpc>
+              <a:spcBef>
+                <a:spcPts val="500"/>
+              </a:spcBef>
+              <a:buFont typeface="Arial" panose="020B0604020202020204" pitchFamily="34" charset="0"/>
+              <a:buNone/>
+              <a:defRPr sz="2000" kern="1200">
+                <a:solidFill>
+                  <a:schemeClr val="bg1"/>
+                </a:solidFill>
+                <a:latin typeface="Corbel Light" panose="020B0303020204020204" pitchFamily="34" charset="0"/>
+                <a:ea typeface="+mn-ea"/>
+                <a:cs typeface="+mn-cs"/>
+              </a:defRPr>
+            </a:lvl2pPr>
+            <a:lvl3pPr marL="914400" indent="0" algn="ctr" defTabSz="914400" rtl="0" eaLnBrk="1" latinLnBrk="0" hangingPunct="1">
+              <a:lnSpc>
+                <a:spcPct val="90000"/>
+              </a:lnSpc>
+              <a:spcBef>
+                <a:spcPts val="500"/>
+              </a:spcBef>
+              <a:buFont typeface="Arial" panose="020B0604020202020204" pitchFamily="34" charset="0"/>
+              <a:buNone/>
+              <a:defRPr sz="1800" kern="1200">
+                <a:solidFill>
+                  <a:schemeClr val="bg1"/>
+                </a:solidFill>
+                <a:latin typeface="Corbel Light" panose="020B0303020204020204" pitchFamily="34" charset="0"/>
+                <a:ea typeface="+mn-ea"/>
+                <a:cs typeface="+mn-cs"/>
+              </a:defRPr>
+            </a:lvl3pPr>
+            <a:lvl4pPr marL="1371600" indent="0" algn="ctr" defTabSz="914400" rtl="0" eaLnBrk="1" latinLnBrk="0" hangingPunct="1">
+              <a:lnSpc>
+                <a:spcPct val="90000"/>
+              </a:lnSpc>
+              <a:spcBef>
+                <a:spcPts val="500"/>
+              </a:spcBef>
+              <a:buFont typeface="Arial" panose="020B0604020202020204" pitchFamily="34" charset="0"/>
+              <a:buNone/>
+              <a:defRPr sz="1600" kern="1200">
+                <a:solidFill>
+                  <a:schemeClr val="bg1"/>
+                </a:solidFill>
+                <a:latin typeface="Corbel Light" panose="020B0303020204020204" pitchFamily="34" charset="0"/>
+                <a:ea typeface="+mn-ea"/>
+                <a:cs typeface="+mn-cs"/>
+              </a:defRPr>
+            </a:lvl4pPr>
+            <a:lvl5pPr marL="1828800" indent="0" algn="ctr" defTabSz="914400" rtl="0" eaLnBrk="1" latinLnBrk="0" hangingPunct="1">
+              <a:lnSpc>
+                <a:spcPct val="90000"/>
+              </a:lnSpc>
+              <a:spcBef>
+                <a:spcPts val="500"/>
+              </a:spcBef>
+              <a:buFont typeface="Arial" panose="020B0604020202020204" pitchFamily="34" charset="0"/>
+              <a:buNone/>
+              <a:defRPr sz="1600" kern="1200">
+                <a:solidFill>
+                  <a:schemeClr val="bg1"/>
+                </a:solidFill>
+                <a:latin typeface="Corbel Light" panose="020B0303020204020204" pitchFamily="34" charset="0"/>
+                <a:ea typeface="+mn-ea"/>
+                <a:cs typeface="+mn-cs"/>
+              </a:defRPr>
+            </a:lvl5pPr>
+            <a:lvl6pPr marL="2286000" indent="0" algn="ctr" defTabSz="914400" rtl="0" eaLnBrk="1" latinLnBrk="0" hangingPunct="1">
+              <a:lnSpc>
+                <a:spcPct val="90000"/>
+              </a:lnSpc>
+              <a:spcBef>
+                <a:spcPts val="500"/>
+              </a:spcBef>
+              <a:buFont typeface="Arial" panose="020B0604020202020204" pitchFamily="34" charset="0"/>
+              <a:buNone/>
+              <a:defRPr sz="1600" kern="1200">
+                <a:solidFill>
+                  <a:schemeClr val="tx1"/>
+                </a:solidFill>
+                <a:latin typeface="+mn-lt"/>
+                <a:ea typeface="+mn-ea"/>
+                <a:cs typeface="+mn-cs"/>
+              </a:defRPr>
+            </a:lvl6pPr>
+            <a:lvl7pPr marL="2743200" indent="0" algn="ctr" defTabSz="914400" rtl="0" eaLnBrk="1" latinLnBrk="0" hangingPunct="1">
+              <a:lnSpc>
+                <a:spcPct val="90000"/>
+              </a:lnSpc>
+              <a:spcBef>
+                <a:spcPts val="500"/>
+              </a:spcBef>
+              <a:buFont typeface="Arial" panose="020B0604020202020204" pitchFamily="34" charset="0"/>
+              <a:buNone/>
+              <a:defRPr sz="1600" kern="1200">
+                <a:solidFill>
+                  <a:schemeClr val="tx1"/>
+                </a:solidFill>
+                <a:latin typeface="+mn-lt"/>
+                <a:ea typeface="+mn-ea"/>
+                <a:cs typeface="+mn-cs"/>
+              </a:defRPr>
+            </a:lvl7pPr>
+            <a:lvl8pPr marL="3200400" indent="0" algn="ctr" defTabSz="914400" rtl="0" eaLnBrk="1" latinLnBrk="0" hangingPunct="1">
+              <a:lnSpc>
+                <a:spcPct val="90000"/>
+              </a:lnSpc>
+              <a:spcBef>
+                <a:spcPts val="500"/>
+              </a:spcBef>
+              <a:buFont typeface="Arial" panose="020B0604020202020204" pitchFamily="34" charset="0"/>
+              <a:buNone/>
+              <a:defRPr sz="1600" kern="1200">
+                <a:solidFill>
+                  <a:schemeClr val="tx1"/>
+                </a:solidFill>
+                <a:latin typeface="+mn-lt"/>
+                <a:ea typeface="+mn-ea"/>
+                <a:cs typeface="+mn-cs"/>
+              </a:defRPr>
+            </a:lvl8pPr>
+            <a:lvl9pPr marL="3657600" indent="0" algn="ctr" defTabSz="914400" rtl="0" eaLnBrk="1" latinLnBrk="0" hangingPunct="1">
+              <a:lnSpc>
+                <a:spcPct val="90000"/>
+              </a:lnSpc>
+              <a:spcBef>
+                <a:spcPts val="500"/>
+              </a:spcBef>
+              <a:buFont typeface="Arial" panose="020B0604020202020204" pitchFamily="34" charset="0"/>
+              <a:buNone/>
+              <a:defRPr sz="1600" kern="1200">
+                <a:solidFill>
+                  <a:schemeClr val="tx1"/>
+                </a:solidFill>
+                <a:latin typeface="+mn-lt"/>
+                <a:ea typeface="+mn-ea"/>
+                <a:cs typeface="+mn-cs"/>
+              </a:defRPr>
+            </a:lvl9pPr>
+          </a:lstStyle>
+          <a:p>
+            <a:pPr algn="l"/>
+            <a:r>
+              <a:rPr lang="en-US" sz="3200" dirty="0">
+                <a:solidFill>
+                  <a:srgbClr val="00863D"/>
+                </a:solidFill>
+                <a:latin typeface="+mn-lt"/>
+              </a:rPr>
+              <a:t>17</a:t>
+            </a:r>
+            <a:endParaRPr lang="en-US" dirty="0">
+              <a:solidFill>
+                <a:srgbClr val="00863D"/>
+              </a:solidFill>
+              <a:latin typeface="+mn-lt"/>
+            </a:endParaRPr>
+          </a:p>
+        </p:txBody>
+      </p:sp>
     </p:spTree>
     <p:extLst>
       <p:ext uri="{BB962C8B-B14F-4D97-AF65-F5344CB8AC3E}">
@@ -22304,6 +26307,217 @@
               <a:rPr lang="en-US" sz="4000" dirty="0"/>
               <a:t> "...approximate computing techniques need to exploit the error-tolerance of humans and neural networks. This optimization can lead to lightweight neural networks." (21, Srivastava, Srishti, et al. "A Survey of Deep Learning Techniques for Vehicle Detection from UAV Images." CSE Department, IIT Dharwad, India, ECE Department, NIT Trichy, India, ECE Department, IIT Roorkee, India, 2024.)</a:t>
             </a:r>
+          </a:p>
+        </p:txBody>
+      </p:sp>
+      <p:sp>
+        <p:nvSpPr>
+          <p:cNvPr id="3" name="Content Placeholder 2">
+            <a:extLst>
+              <a:ext uri="{FF2B5EF4-FFF2-40B4-BE49-F238E27FC236}">
+                <a16:creationId xmlns:a16="http://schemas.microsoft.com/office/drawing/2014/main" id="{1A341B57-C38A-49ED-305D-5375339389BA}"/>
+              </a:ext>
+            </a:extLst>
+          </p:cNvPr>
+          <p:cNvSpPr txBox="1">
+            <a:spLocks/>
+          </p:cNvSpPr>
+          <p:nvPr/>
+        </p:nvSpPr>
+        <p:spPr>
+          <a:xfrm>
+            <a:off x="378408" y="6538595"/>
+            <a:ext cx="992951" cy="465010"/>
+          </a:xfrm>
+          <a:prstGeom prst="rect">
+            <a:avLst/>
+          </a:prstGeom>
+        </p:spPr>
+        <p:txBody>
+          <a:bodyPr vert="horz" lIns="91440" tIns="45720" rIns="91440" bIns="45720" rtlCol="0">
+            <a:normAutofit fontScale="92500" lnSpcReduction="20000"/>
+          </a:bodyPr>
+          <a:lstStyle>
+            <a:lvl1pPr marL="0" indent="0" algn="ctr" defTabSz="914400" rtl="0" eaLnBrk="1" latinLnBrk="0" hangingPunct="1">
+              <a:lnSpc>
+                <a:spcPct val="90000"/>
+              </a:lnSpc>
+              <a:spcBef>
+                <a:spcPts val="1000"/>
+              </a:spcBef>
+              <a:buFont typeface="Arial" panose="020B0604020202020204" pitchFamily="34" charset="0"/>
+              <a:buNone/>
+              <a:defRPr sz="2400" kern="1200">
+                <a:solidFill>
+                  <a:schemeClr val="bg1"/>
+                </a:solidFill>
+                <a:latin typeface="Corbel Light" panose="020B0303020204020204" pitchFamily="34" charset="0"/>
+                <a:ea typeface="+mn-ea"/>
+                <a:cs typeface="+mn-cs"/>
+              </a:defRPr>
+            </a:lvl1pPr>
+            <a:lvl2pPr marL="457200" indent="0" algn="ctr" defTabSz="914400" rtl="0" eaLnBrk="1" latinLnBrk="0" hangingPunct="1">
+              <a:lnSpc>
+                <a:spcPct val="90000"/>
+              </a:lnSpc>
+              <a:spcBef>
+                <a:spcPts val="500"/>
+              </a:spcBef>
+              <a:buFont typeface="Arial" panose="020B0604020202020204" pitchFamily="34" charset="0"/>
+              <a:buNone/>
+              <a:defRPr sz="2000" kern="1200">
+                <a:solidFill>
+                  <a:schemeClr val="bg1"/>
+                </a:solidFill>
+                <a:latin typeface="Corbel Light" panose="020B0303020204020204" pitchFamily="34" charset="0"/>
+                <a:ea typeface="+mn-ea"/>
+                <a:cs typeface="+mn-cs"/>
+              </a:defRPr>
+            </a:lvl2pPr>
+            <a:lvl3pPr marL="914400" indent="0" algn="ctr" defTabSz="914400" rtl="0" eaLnBrk="1" latinLnBrk="0" hangingPunct="1">
+              <a:lnSpc>
+                <a:spcPct val="90000"/>
+              </a:lnSpc>
+              <a:spcBef>
+                <a:spcPts val="500"/>
+              </a:spcBef>
+              <a:buFont typeface="Arial" panose="020B0604020202020204" pitchFamily="34" charset="0"/>
+              <a:buNone/>
+              <a:defRPr sz="1800" kern="1200">
+                <a:solidFill>
+                  <a:schemeClr val="bg1"/>
+                </a:solidFill>
+                <a:latin typeface="Corbel Light" panose="020B0303020204020204" pitchFamily="34" charset="0"/>
+                <a:ea typeface="+mn-ea"/>
+                <a:cs typeface="+mn-cs"/>
+              </a:defRPr>
+            </a:lvl3pPr>
+            <a:lvl4pPr marL="1371600" indent="0" algn="ctr" defTabSz="914400" rtl="0" eaLnBrk="1" latinLnBrk="0" hangingPunct="1">
+              <a:lnSpc>
+                <a:spcPct val="90000"/>
+              </a:lnSpc>
+              <a:spcBef>
+                <a:spcPts val="500"/>
+              </a:spcBef>
+              <a:buFont typeface="Arial" panose="020B0604020202020204" pitchFamily="34" charset="0"/>
+              <a:buNone/>
+              <a:defRPr sz="1600" kern="1200">
+                <a:solidFill>
+                  <a:schemeClr val="bg1"/>
+                </a:solidFill>
+                <a:latin typeface="Corbel Light" panose="020B0303020204020204" pitchFamily="34" charset="0"/>
+                <a:ea typeface="+mn-ea"/>
+                <a:cs typeface="+mn-cs"/>
+              </a:defRPr>
+            </a:lvl4pPr>
+            <a:lvl5pPr marL="1828800" indent="0" algn="ctr" defTabSz="914400" rtl="0" eaLnBrk="1" latinLnBrk="0" hangingPunct="1">
+              <a:lnSpc>
+                <a:spcPct val="90000"/>
+              </a:lnSpc>
+              <a:spcBef>
+                <a:spcPts val="500"/>
+              </a:spcBef>
+              <a:buFont typeface="Arial" panose="020B0604020202020204" pitchFamily="34" charset="0"/>
+              <a:buNone/>
+              <a:defRPr sz="1600" kern="1200">
+                <a:solidFill>
+                  <a:schemeClr val="bg1"/>
+                </a:solidFill>
+                <a:latin typeface="Corbel Light" panose="020B0303020204020204" pitchFamily="34" charset="0"/>
+                <a:ea typeface="+mn-ea"/>
+                <a:cs typeface="+mn-cs"/>
+              </a:defRPr>
+            </a:lvl5pPr>
+            <a:lvl6pPr marL="2286000" indent="0" algn="ctr" defTabSz="914400" rtl="0" eaLnBrk="1" latinLnBrk="0" hangingPunct="1">
+              <a:lnSpc>
+                <a:spcPct val="90000"/>
+              </a:lnSpc>
+              <a:spcBef>
+                <a:spcPts val="500"/>
+              </a:spcBef>
+              <a:buFont typeface="Arial" panose="020B0604020202020204" pitchFamily="34" charset="0"/>
+              <a:buNone/>
+              <a:defRPr sz="1600" kern="1200">
+                <a:solidFill>
+                  <a:schemeClr val="tx1"/>
+                </a:solidFill>
+                <a:latin typeface="+mn-lt"/>
+                <a:ea typeface="+mn-ea"/>
+                <a:cs typeface="+mn-cs"/>
+              </a:defRPr>
+            </a:lvl6pPr>
+            <a:lvl7pPr marL="2743200" indent="0" algn="ctr" defTabSz="914400" rtl="0" eaLnBrk="1" latinLnBrk="0" hangingPunct="1">
+              <a:lnSpc>
+                <a:spcPct val="90000"/>
+              </a:lnSpc>
+              <a:spcBef>
+                <a:spcPts val="500"/>
+              </a:spcBef>
+              <a:buFont typeface="Arial" panose="020B0604020202020204" pitchFamily="34" charset="0"/>
+              <a:buNone/>
+              <a:defRPr sz="1600" kern="1200">
+                <a:solidFill>
+                  <a:schemeClr val="tx1"/>
+                </a:solidFill>
+                <a:latin typeface="+mn-lt"/>
+                <a:ea typeface="+mn-ea"/>
+                <a:cs typeface="+mn-cs"/>
+              </a:defRPr>
+            </a:lvl7pPr>
+            <a:lvl8pPr marL="3200400" indent="0" algn="ctr" defTabSz="914400" rtl="0" eaLnBrk="1" latinLnBrk="0" hangingPunct="1">
+              <a:lnSpc>
+                <a:spcPct val="90000"/>
+              </a:lnSpc>
+              <a:spcBef>
+                <a:spcPts val="500"/>
+              </a:spcBef>
+              <a:buFont typeface="Arial" panose="020B0604020202020204" pitchFamily="34" charset="0"/>
+              <a:buNone/>
+              <a:defRPr sz="1600" kern="1200">
+                <a:solidFill>
+                  <a:schemeClr val="tx1"/>
+                </a:solidFill>
+                <a:latin typeface="+mn-lt"/>
+                <a:ea typeface="+mn-ea"/>
+                <a:cs typeface="+mn-cs"/>
+              </a:defRPr>
+            </a:lvl8pPr>
+            <a:lvl9pPr marL="3657600" indent="0" algn="ctr" defTabSz="914400" rtl="0" eaLnBrk="1" latinLnBrk="0" hangingPunct="1">
+              <a:lnSpc>
+                <a:spcPct val="90000"/>
+              </a:lnSpc>
+              <a:spcBef>
+                <a:spcPts val="500"/>
+              </a:spcBef>
+              <a:buFont typeface="Arial" panose="020B0604020202020204" pitchFamily="34" charset="0"/>
+              <a:buNone/>
+              <a:defRPr sz="1600" kern="1200">
+                <a:solidFill>
+                  <a:schemeClr val="tx1"/>
+                </a:solidFill>
+                <a:latin typeface="+mn-lt"/>
+                <a:ea typeface="+mn-ea"/>
+                <a:cs typeface="+mn-cs"/>
+              </a:defRPr>
+            </a:lvl9pPr>
+          </a:lstStyle>
+          <a:p>
+            <a:pPr algn="l"/>
+            <a:r>
+              <a:rPr lang="en-US" sz="3200" dirty="0">
+                <a:solidFill>
+                  <a:srgbClr val="00863D"/>
+                </a:solidFill>
+                <a:latin typeface="+mn-lt"/>
+              </a:rPr>
+              <a:t>18</a:t>
+            </a:r>
+            <a:endParaRPr lang="en-US" dirty="0">
+              <a:solidFill>
+                <a:srgbClr val="00863D"/>
+              </a:solidFill>
+              <a:latin typeface="+mn-lt"/>
+            </a:endParaRPr>
           </a:p>
         </p:txBody>
       </p:sp>
@@ -23145,6 +27359,217 @@
           </a:p>
         </p:txBody>
       </p:sp>
+      <p:sp>
+        <p:nvSpPr>
+          <p:cNvPr id="8" name="Content Placeholder 2">
+            <a:extLst>
+              <a:ext uri="{FF2B5EF4-FFF2-40B4-BE49-F238E27FC236}">
+                <a16:creationId xmlns:a16="http://schemas.microsoft.com/office/drawing/2014/main" id="{D0B91A40-6248-5459-5853-A2D07870DD82}"/>
+              </a:ext>
+            </a:extLst>
+          </p:cNvPr>
+          <p:cNvSpPr txBox="1">
+            <a:spLocks/>
+          </p:cNvSpPr>
+          <p:nvPr/>
+        </p:nvSpPr>
+        <p:spPr>
+          <a:xfrm>
+            <a:off x="531050" y="6492875"/>
+            <a:ext cx="370702" cy="465010"/>
+          </a:xfrm>
+          <a:prstGeom prst="rect">
+            <a:avLst/>
+          </a:prstGeom>
+        </p:spPr>
+        <p:txBody>
+          <a:bodyPr vert="horz" lIns="91440" tIns="45720" rIns="91440" bIns="45720" rtlCol="0">
+            <a:normAutofit fontScale="92500" lnSpcReduction="20000"/>
+          </a:bodyPr>
+          <a:lstStyle>
+            <a:lvl1pPr marL="0" indent="0" algn="ctr" defTabSz="914400" rtl="0" eaLnBrk="1" latinLnBrk="0" hangingPunct="1">
+              <a:lnSpc>
+                <a:spcPct val="90000"/>
+              </a:lnSpc>
+              <a:spcBef>
+                <a:spcPts val="1000"/>
+              </a:spcBef>
+              <a:buFont typeface="Arial" panose="020B0604020202020204" pitchFamily="34" charset="0"/>
+              <a:buNone/>
+              <a:defRPr sz="2400" kern="1200">
+                <a:solidFill>
+                  <a:schemeClr val="bg1"/>
+                </a:solidFill>
+                <a:latin typeface="Corbel Light" panose="020B0303020204020204" pitchFamily="34" charset="0"/>
+                <a:ea typeface="+mn-ea"/>
+                <a:cs typeface="+mn-cs"/>
+              </a:defRPr>
+            </a:lvl1pPr>
+            <a:lvl2pPr marL="457200" indent="0" algn="ctr" defTabSz="914400" rtl="0" eaLnBrk="1" latinLnBrk="0" hangingPunct="1">
+              <a:lnSpc>
+                <a:spcPct val="90000"/>
+              </a:lnSpc>
+              <a:spcBef>
+                <a:spcPts val="500"/>
+              </a:spcBef>
+              <a:buFont typeface="Arial" panose="020B0604020202020204" pitchFamily="34" charset="0"/>
+              <a:buNone/>
+              <a:defRPr sz="2000" kern="1200">
+                <a:solidFill>
+                  <a:schemeClr val="bg1"/>
+                </a:solidFill>
+                <a:latin typeface="Corbel Light" panose="020B0303020204020204" pitchFamily="34" charset="0"/>
+                <a:ea typeface="+mn-ea"/>
+                <a:cs typeface="+mn-cs"/>
+              </a:defRPr>
+            </a:lvl2pPr>
+            <a:lvl3pPr marL="914400" indent="0" algn="ctr" defTabSz="914400" rtl="0" eaLnBrk="1" latinLnBrk="0" hangingPunct="1">
+              <a:lnSpc>
+                <a:spcPct val="90000"/>
+              </a:lnSpc>
+              <a:spcBef>
+                <a:spcPts val="500"/>
+              </a:spcBef>
+              <a:buFont typeface="Arial" panose="020B0604020202020204" pitchFamily="34" charset="0"/>
+              <a:buNone/>
+              <a:defRPr sz="1800" kern="1200">
+                <a:solidFill>
+                  <a:schemeClr val="bg1"/>
+                </a:solidFill>
+                <a:latin typeface="Corbel Light" panose="020B0303020204020204" pitchFamily="34" charset="0"/>
+                <a:ea typeface="+mn-ea"/>
+                <a:cs typeface="+mn-cs"/>
+              </a:defRPr>
+            </a:lvl3pPr>
+            <a:lvl4pPr marL="1371600" indent="0" algn="ctr" defTabSz="914400" rtl="0" eaLnBrk="1" latinLnBrk="0" hangingPunct="1">
+              <a:lnSpc>
+                <a:spcPct val="90000"/>
+              </a:lnSpc>
+              <a:spcBef>
+                <a:spcPts val="500"/>
+              </a:spcBef>
+              <a:buFont typeface="Arial" panose="020B0604020202020204" pitchFamily="34" charset="0"/>
+              <a:buNone/>
+              <a:defRPr sz="1600" kern="1200">
+                <a:solidFill>
+                  <a:schemeClr val="bg1"/>
+                </a:solidFill>
+                <a:latin typeface="Corbel Light" panose="020B0303020204020204" pitchFamily="34" charset="0"/>
+                <a:ea typeface="+mn-ea"/>
+                <a:cs typeface="+mn-cs"/>
+              </a:defRPr>
+            </a:lvl4pPr>
+            <a:lvl5pPr marL="1828800" indent="0" algn="ctr" defTabSz="914400" rtl="0" eaLnBrk="1" latinLnBrk="0" hangingPunct="1">
+              <a:lnSpc>
+                <a:spcPct val="90000"/>
+              </a:lnSpc>
+              <a:spcBef>
+                <a:spcPts val="500"/>
+              </a:spcBef>
+              <a:buFont typeface="Arial" panose="020B0604020202020204" pitchFamily="34" charset="0"/>
+              <a:buNone/>
+              <a:defRPr sz="1600" kern="1200">
+                <a:solidFill>
+                  <a:schemeClr val="bg1"/>
+                </a:solidFill>
+                <a:latin typeface="Corbel Light" panose="020B0303020204020204" pitchFamily="34" charset="0"/>
+                <a:ea typeface="+mn-ea"/>
+                <a:cs typeface="+mn-cs"/>
+              </a:defRPr>
+            </a:lvl5pPr>
+            <a:lvl6pPr marL="2286000" indent="0" algn="ctr" defTabSz="914400" rtl="0" eaLnBrk="1" latinLnBrk="0" hangingPunct="1">
+              <a:lnSpc>
+                <a:spcPct val="90000"/>
+              </a:lnSpc>
+              <a:spcBef>
+                <a:spcPts val="500"/>
+              </a:spcBef>
+              <a:buFont typeface="Arial" panose="020B0604020202020204" pitchFamily="34" charset="0"/>
+              <a:buNone/>
+              <a:defRPr sz="1600" kern="1200">
+                <a:solidFill>
+                  <a:schemeClr val="tx1"/>
+                </a:solidFill>
+                <a:latin typeface="+mn-lt"/>
+                <a:ea typeface="+mn-ea"/>
+                <a:cs typeface="+mn-cs"/>
+              </a:defRPr>
+            </a:lvl6pPr>
+            <a:lvl7pPr marL="2743200" indent="0" algn="ctr" defTabSz="914400" rtl="0" eaLnBrk="1" latinLnBrk="0" hangingPunct="1">
+              <a:lnSpc>
+                <a:spcPct val="90000"/>
+              </a:lnSpc>
+              <a:spcBef>
+                <a:spcPts val="500"/>
+              </a:spcBef>
+              <a:buFont typeface="Arial" panose="020B0604020202020204" pitchFamily="34" charset="0"/>
+              <a:buNone/>
+              <a:defRPr sz="1600" kern="1200">
+                <a:solidFill>
+                  <a:schemeClr val="tx1"/>
+                </a:solidFill>
+                <a:latin typeface="+mn-lt"/>
+                <a:ea typeface="+mn-ea"/>
+                <a:cs typeface="+mn-cs"/>
+              </a:defRPr>
+            </a:lvl7pPr>
+            <a:lvl8pPr marL="3200400" indent="0" algn="ctr" defTabSz="914400" rtl="0" eaLnBrk="1" latinLnBrk="0" hangingPunct="1">
+              <a:lnSpc>
+                <a:spcPct val="90000"/>
+              </a:lnSpc>
+              <a:spcBef>
+                <a:spcPts val="500"/>
+              </a:spcBef>
+              <a:buFont typeface="Arial" panose="020B0604020202020204" pitchFamily="34" charset="0"/>
+              <a:buNone/>
+              <a:defRPr sz="1600" kern="1200">
+                <a:solidFill>
+                  <a:schemeClr val="tx1"/>
+                </a:solidFill>
+                <a:latin typeface="+mn-lt"/>
+                <a:ea typeface="+mn-ea"/>
+                <a:cs typeface="+mn-cs"/>
+              </a:defRPr>
+            </a:lvl8pPr>
+            <a:lvl9pPr marL="3657600" indent="0" algn="ctr" defTabSz="914400" rtl="0" eaLnBrk="1" latinLnBrk="0" hangingPunct="1">
+              <a:lnSpc>
+                <a:spcPct val="90000"/>
+              </a:lnSpc>
+              <a:spcBef>
+                <a:spcPts val="500"/>
+              </a:spcBef>
+              <a:buFont typeface="Arial" panose="020B0604020202020204" pitchFamily="34" charset="0"/>
+              <a:buNone/>
+              <a:defRPr sz="1600" kern="1200">
+                <a:solidFill>
+                  <a:schemeClr val="tx1"/>
+                </a:solidFill>
+                <a:latin typeface="+mn-lt"/>
+                <a:ea typeface="+mn-ea"/>
+                <a:cs typeface="+mn-cs"/>
+              </a:defRPr>
+            </a:lvl9pPr>
+          </a:lstStyle>
+          <a:p>
+            <a:pPr algn="l"/>
+            <a:r>
+              <a:rPr lang="en-US" sz="3200" dirty="0">
+                <a:solidFill>
+                  <a:srgbClr val="00863D"/>
+                </a:solidFill>
+                <a:latin typeface="+mn-lt"/>
+              </a:rPr>
+              <a:t>1</a:t>
+            </a:r>
+            <a:endParaRPr lang="en-US" dirty="0">
+              <a:solidFill>
+                <a:srgbClr val="00863D"/>
+              </a:solidFill>
+              <a:latin typeface="+mn-lt"/>
+            </a:endParaRPr>
+          </a:p>
+        </p:txBody>
+      </p:sp>
     </p:spTree>
     <p:extLst>
       <p:ext uri="{BB962C8B-B14F-4D97-AF65-F5344CB8AC3E}">
@@ -23761,6 +28186,217 @@
               <a:rPr lang="en-US" sz="5400" dirty="0"/>
               <a:t>ANSYS Mesh</a:t>
             </a:r>
+          </a:p>
+        </p:txBody>
+      </p:sp>
+      <p:sp>
+        <p:nvSpPr>
+          <p:cNvPr id="2" name="Content Placeholder 2">
+            <a:extLst>
+              <a:ext uri="{FF2B5EF4-FFF2-40B4-BE49-F238E27FC236}">
+                <a16:creationId xmlns:a16="http://schemas.microsoft.com/office/drawing/2014/main" id="{21474509-43B6-539D-63BE-F1348D2D6C18}"/>
+              </a:ext>
+            </a:extLst>
+          </p:cNvPr>
+          <p:cNvSpPr txBox="1">
+            <a:spLocks/>
+          </p:cNvSpPr>
+          <p:nvPr/>
+        </p:nvSpPr>
+        <p:spPr>
+          <a:xfrm>
+            <a:off x="378408" y="6515536"/>
+            <a:ext cx="992951" cy="465010"/>
+          </a:xfrm>
+          <a:prstGeom prst="rect">
+            <a:avLst/>
+          </a:prstGeom>
+        </p:spPr>
+        <p:txBody>
+          <a:bodyPr vert="horz" lIns="91440" tIns="45720" rIns="91440" bIns="45720" rtlCol="0">
+            <a:normAutofit fontScale="92500" lnSpcReduction="20000"/>
+          </a:bodyPr>
+          <a:lstStyle>
+            <a:lvl1pPr marL="0" indent="0" algn="ctr" defTabSz="914400" rtl="0" eaLnBrk="1" latinLnBrk="0" hangingPunct="1">
+              <a:lnSpc>
+                <a:spcPct val="90000"/>
+              </a:lnSpc>
+              <a:spcBef>
+                <a:spcPts val="1000"/>
+              </a:spcBef>
+              <a:buFont typeface="Arial" panose="020B0604020202020204" pitchFamily="34" charset="0"/>
+              <a:buNone/>
+              <a:defRPr sz="2400" kern="1200">
+                <a:solidFill>
+                  <a:schemeClr val="bg1"/>
+                </a:solidFill>
+                <a:latin typeface="Corbel Light" panose="020B0303020204020204" pitchFamily="34" charset="0"/>
+                <a:ea typeface="+mn-ea"/>
+                <a:cs typeface="+mn-cs"/>
+              </a:defRPr>
+            </a:lvl1pPr>
+            <a:lvl2pPr marL="457200" indent="0" algn="ctr" defTabSz="914400" rtl="0" eaLnBrk="1" latinLnBrk="0" hangingPunct="1">
+              <a:lnSpc>
+                <a:spcPct val="90000"/>
+              </a:lnSpc>
+              <a:spcBef>
+                <a:spcPts val="500"/>
+              </a:spcBef>
+              <a:buFont typeface="Arial" panose="020B0604020202020204" pitchFamily="34" charset="0"/>
+              <a:buNone/>
+              <a:defRPr sz="2000" kern="1200">
+                <a:solidFill>
+                  <a:schemeClr val="bg1"/>
+                </a:solidFill>
+                <a:latin typeface="Corbel Light" panose="020B0303020204020204" pitchFamily="34" charset="0"/>
+                <a:ea typeface="+mn-ea"/>
+                <a:cs typeface="+mn-cs"/>
+              </a:defRPr>
+            </a:lvl2pPr>
+            <a:lvl3pPr marL="914400" indent="0" algn="ctr" defTabSz="914400" rtl="0" eaLnBrk="1" latinLnBrk="0" hangingPunct="1">
+              <a:lnSpc>
+                <a:spcPct val="90000"/>
+              </a:lnSpc>
+              <a:spcBef>
+                <a:spcPts val="500"/>
+              </a:spcBef>
+              <a:buFont typeface="Arial" panose="020B0604020202020204" pitchFamily="34" charset="0"/>
+              <a:buNone/>
+              <a:defRPr sz="1800" kern="1200">
+                <a:solidFill>
+                  <a:schemeClr val="bg1"/>
+                </a:solidFill>
+                <a:latin typeface="Corbel Light" panose="020B0303020204020204" pitchFamily="34" charset="0"/>
+                <a:ea typeface="+mn-ea"/>
+                <a:cs typeface="+mn-cs"/>
+              </a:defRPr>
+            </a:lvl3pPr>
+            <a:lvl4pPr marL="1371600" indent="0" algn="ctr" defTabSz="914400" rtl="0" eaLnBrk="1" latinLnBrk="0" hangingPunct="1">
+              <a:lnSpc>
+                <a:spcPct val="90000"/>
+              </a:lnSpc>
+              <a:spcBef>
+                <a:spcPts val="500"/>
+              </a:spcBef>
+              <a:buFont typeface="Arial" panose="020B0604020202020204" pitchFamily="34" charset="0"/>
+              <a:buNone/>
+              <a:defRPr sz="1600" kern="1200">
+                <a:solidFill>
+                  <a:schemeClr val="bg1"/>
+                </a:solidFill>
+                <a:latin typeface="Corbel Light" panose="020B0303020204020204" pitchFamily="34" charset="0"/>
+                <a:ea typeface="+mn-ea"/>
+                <a:cs typeface="+mn-cs"/>
+              </a:defRPr>
+            </a:lvl4pPr>
+            <a:lvl5pPr marL="1828800" indent="0" algn="ctr" defTabSz="914400" rtl="0" eaLnBrk="1" latinLnBrk="0" hangingPunct="1">
+              <a:lnSpc>
+                <a:spcPct val="90000"/>
+              </a:lnSpc>
+              <a:spcBef>
+                <a:spcPts val="500"/>
+              </a:spcBef>
+              <a:buFont typeface="Arial" panose="020B0604020202020204" pitchFamily="34" charset="0"/>
+              <a:buNone/>
+              <a:defRPr sz="1600" kern="1200">
+                <a:solidFill>
+                  <a:schemeClr val="bg1"/>
+                </a:solidFill>
+                <a:latin typeface="Corbel Light" panose="020B0303020204020204" pitchFamily="34" charset="0"/>
+                <a:ea typeface="+mn-ea"/>
+                <a:cs typeface="+mn-cs"/>
+              </a:defRPr>
+            </a:lvl5pPr>
+            <a:lvl6pPr marL="2286000" indent="0" algn="ctr" defTabSz="914400" rtl="0" eaLnBrk="1" latinLnBrk="0" hangingPunct="1">
+              <a:lnSpc>
+                <a:spcPct val="90000"/>
+              </a:lnSpc>
+              <a:spcBef>
+                <a:spcPts val="500"/>
+              </a:spcBef>
+              <a:buFont typeface="Arial" panose="020B0604020202020204" pitchFamily="34" charset="0"/>
+              <a:buNone/>
+              <a:defRPr sz="1600" kern="1200">
+                <a:solidFill>
+                  <a:schemeClr val="tx1"/>
+                </a:solidFill>
+                <a:latin typeface="+mn-lt"/>
+                <a:ea typeface="+mn-ea"/>
+                <a:cs typeface="+mn-cs"/>
+              </a:defRPr>
+            </a:lvl6pPr>
+            <a:lvl7pPr marL="2743200" indent="0" algn="ctr" defTabSz="914400" rtl="0" eaLnBrk="1" latinLnBrk="0" hangingPunct="1">
+              <a:lnSpc>
+                <a:spcPct val="90000"/>
+              </a:lnSpc>
+              <a:spcBef>
+                <a:spcPts val="500"/>
+              </a:spcBef>
+              <a:buFont typeface="Arial" panose="020B0604020202020204" pitchFamily="34" charset="0"/>
+              <a:buNone/>
+              <a:defRPr sz="1600" kern="1200">
+                <a:solidFill>
+                  <a:schemeClr val="tx1"/>
+                </a:solidFill>
+                <a:latin typeface="+mn-lt"/>
+                <a:ea typeface="+mn-ea"/>
+                <a:cs typeface="+mn-cs"/>
+              </a:defRPr>
+            </a:lvl7pPr>
+            <a:lvl8pPr marL="3200400" indent="0" algn="ctr" defTabSz="914400" rtl="0" eaLnBrk="1" latinLnBrk="0" hangingPunct="1">
+              <a:lnSpc>
+                <a:spcPct val="90000"/>
+              </a:lnSpc>
+              <a:spcBef>
+                <a:spcPts val="500"/>
+              </a:spcBef>
+              <a:buFont typeface="Arial" panose="020B0604020202020204" pitchFamily="34" charset="0"/>
+              <a:buNone/>
+              <a:defRPr sz="1600" kern="1200">
+                <a:solidFill>
+                  <a:schemeClr val="tx1"/>
+                </a:solidFill>
+                <a:latin typeface="+mn-lt"/>
+                <a:ea typeface="+mn-ea"/>
+                <a:cs typeface="+mn-cs"/>
+              </a:defRPr>
+            </a:lvl8pPr>
+            <a:lvl9pPr marL="3657600" indent="0" algn="ctr" defTabSz="914400" rtl="0" eaLnBrk="1" latinLnBrk="0" hangingPunct="1">
+              <a:lnSpc>
+                <a:spcPct val="90000"/>
+              </a:lnSpc>
+              <a:spcBef>
+                <a:spcPts val="500"/>
+              </a:spcBef>
+              <a:buFont typeface="Arial" panose="020B0604020202020204" pitchFamily="34" charset="0"/>
+              <a:buNone/>
+              <a:defRPr sz="1600" kern="1200">
+                <a:solidFill>
+                  <a:schemeClr val="tx1"/>
+                </a:solidFill>
+                <a:latin typeface="+mn-lt"/>
+                <a:ea typeface="+mn-ea"/>
+                <a:cs typeface="+mn-cs"/>
+              </a:defRPr>
+            </a:lvl9pPr>
+          </a:lstStyle>
+          <a:p>
+            <a:pPr algn="l"/>
+            <a:r>
+              <a:rPr lang="en-US" sz="3200" dirty="0">
+                <a:solidFill>
+                  <a:srgbClr val="00863D"/>
+                </a:solidFill>
+                <a:latin typeface="+mn-lt"/>
+              </a:rPr>
+              <a:t>18</a:t>
+            </a:r>
+            <a:endParaRPr lang="en-US" dirty="0">
+              <a:solidFill>
+                <a:srgbClr val="00863D"/>
+              </a:solidFill>
+              <a:latin typeface="+mn-lt"/>
+            </a:endParaRPr>
           </a:p>
         </p:txBody>
       </p:sp>
@@ -24644,6 +29280,217 @@
           </a:p>
         </p:txBody>
       </p:sp>
+      <p:sp>
+        <p:nvSpPr>
+          <p:cNvPr id="2" name="Content Placeholder 2">
+            <a:extLst>
+              <a:ext uri="{FF2B5EF4-FFF2-40B4-BE49-F238E27FC236}">
+                <a16:creationId xmlns:a16="http://schemas.microsoft.com/office/drawing/2014/main" id="{781B9C5A-E235-D9B1-05FC-B9F4431F1DF5}"/>
+              </a:ext>
+            </a:extLst>
+          </p:cNvPr>
+          <p:cNvSpPr txBox="1">
+            <a:spLocks/>
+          </p:cNvSpPr>
+          <p:nvPr/>
+        </p:nvSpPr>
+        <p:spPr>
+          <a:xfrm>
+            <a:off x="531049" y="6318421"/>
+            <a:ext cx="992951" cy="465010"/>
+          </a:xfrm>
+          <a:prstGeom prst="rect">
+            <a:avLst/>
+          </a:prstGeom>
+        </p:spPr>
+        <p:txBody>
+          <a:bodyPr vert="horz" lIns="91440" tIns="45720" rIns="91440" bIns="45720" rtlCol="0">
+            <a:normAutofit fontScale="92500" lnSpcReduction="20000"/>
+          </a:bodyPr>
+          <a:lstStyle>
+            <a:lvl1pPr marL="0" indent="0" algn="ctr" defTabSz="914400" rtl="0" eaLnBrk="1" latinLnBrk="0" hangingPunct="1">
+              <a:lnSpc>
+                <a:spcPct val="90000"/>
+              </a:lnSpc>
+              <a:spcBef>
+                <a:spcPts val="1000"/>
+              </a:spcBef>
+              <a:buFont typeface="Arial" panose="020B0604020202020204" pitchFamily="34" charset="0"/>
+              <a:buNone/>
+              <a:defRPr sz="2400" kern="1200">
+                <a:solidFill>
+                  <a:schemeClr val="bg1"/>
+                </a:solidFill>
+                <a:latin typeface="Corbel Light" panose="020B0303020204020204" pitchFamily="34" charset="0"/>
+                <a:ea typeface="+mn-ea"/>
+                <a:cs typeface="+mn-cs"/>
+              </a:defRPr>
+            </a:lvl1pPr>
+            <a:lvl2pPr marL="457200" indent="0" algn="ctr" defTabSz="914400" rtl="0" eaLnBrk="1" latinLnBrk="0" hangingPunct="1">
+              <a:lnSpc>
+                <a:spcPct val="90000"/>
+              </a:lnSpc>
+              <a:spcBef>
+                <a:spcPts val="500"/>
+              </a:spcBef>
+              <a:buFont typeface="Arial" panose="020B0604020202020204" pitchFamily="34" charset="0"/>
+              <a:buNone/>
+              <a:defRPr sz="2000" kern="1200">
+                <a:solidFill>
+                  <a:schemeClr val="bg1"/>
+                </a:solidFill>
+                <a:latin typeface="Corbel Light" panose="020B0303020204020204" pitchFamily="34" charset="0"/>
+                <a:ea typeface="+mn-ea"/>
+                <a:cs typeface="+mn-cs"/>
+              </a:defRPr>
+            </a:lvl2pPr>
+            <a:lvl3pPr marL="914400" indent="0" algn="ctr" defTabSz="914400" rtl="0" eaLnBrk="1" latinLnBrk="0" hangingPunct="1">
+              <a:lnSpc>
+                <a:spcPct val="90000"/>
+              </a:lnSpc>
+              <a:spcBef>
+                <a:spcPts val="500"/>
+              </a:spcBef>
+              <a:buFont typeface="Arial" panose="020B0604020202020204" pitchFamily="34" charset="0"/>
+              <a:buNone/>
+              <a:defRPr sz="1800" kern="1200">
+                <a:solidFill>
+                  <a:schemeClr val="bg1"/>
+                </a:solidFill>
+                <a:latin typeface="Corbel Light" panose="020B0303020204020204" pitchFamily="34" charset="0"/>
+                <a:ea typeface="+mn-ea"/>
+                <a:cs typeface="+mn-cs"/>
+              </a:defRPr>
+            </a:lvl3pPr>
+            <a:lvl4pPr marL="1371600" indent="0" algn="ctr" defTabSz="914400" rtl="0" eaLnBrk="1" latinLnBrk="0" hangingPunct="1">
+              <a:lnSpc>
+                <a:spcPct val="90000"/>
+              </a:lnSpc>
+              <a:spcBef>
+                <a:spcPts val="500"/>
+              </a:spcBef>
+              <a:buFont typeface="Arial" panose="020B0604020202020204" pitchFamily="34" charset="0"/>
+              <a:buNone/>
+              <a:defRPr sz="1600" kern="1200">
+                <a:solidFill>
+                  <a:schemeClr val="bg1"/>
+                </a:solidFill>
+                <a:latin typeface="Corbel Light" panose="020B0303020204020204" pitchFamily="34" charset="0"/>
+                <a:ea typeface="+mn-ea"/>
+                <a:cs typeface="+mn-cs"/>
+              </a:defRPr>
+            </a:lvl4pPr>
+            <a:lvl5pPr marL="1828800" indent="0" algn="ctr" defTabSz="914400" rtl="0" eaLnBrk="1" latinLnBrk="0" hangingPunct="1">
+              <a:lnSpc>
+                <a:spcPct val="90000"/>
+              </a:lnSpc>
+              <a:spcBef>
+                <a:spcPts val="500"/>
+              </a:spcBef>
+              <a:buFont typeface="Arial" panose="020B0604020202020204" pitchFamily="34" charset="0"/>
+              <a:buNone/>
+              <a:defRPr sz="1600" kern="1200">
+                <a:solidFill>
+                  <a:schemeClr val="bg1"/>
+                </a:solidFill>
+                <a:latin typeface="Corbel Light" panose="020B0303020204020204" pitchFamily="34" charset="0"/>
+                <a:ea typeface="+mn-ea"/>
+                <a:cs typeface="+mn-cs"/>
+              </a:defRPr>
+            </a:lvl5pPr>
+            <a:lvl6pPr marL="2286000" indent="0" algn="ctr" defTabSz="914400" rtl="0" eaLnBrk="1" latinLnBrk="0" hangingPunct="1">
+              <a:lnSpc>
+                <a:spcPct val="90000"/>
+              </a:lnSpc>
+              <a:spcBef>
+                <a:spcPts val="500"/>
+              </a:spcBef>
+              <a:buFont typeface="Arial" panose="020B0604020202020204" pitchFamily="34" charset="0"/>
+              <a:buNone/>
+              <a:defRPr sz="1600" kern="1200">
+                <a:solidFill>
+                  <a:schemeClr val="tx1"/>
+                </a:solidFill>
+                <a:latin typeface="+mn-lt"/>
+                <a:ea typeface="+mn-ea"/>
+                <a:cs typeface="+mn-cs"/>
+              </a:defRPr>
+            </a:lvl6pPr>
+            <a:lvl7pPr marL="2743200" indent="0" algn="ctr" defTabSz="914400" rtl="0" eaLnBrk="1" latinLnBrk="0" hangingPunct="1">
+              <a:lnSpc>
+                <a:spcPct val="90000"/>
+              </a:lnSpc>
+              <a:spcBef>
+                <a:spcPts val="500"/>
+              </a:spcBef>
+              <a:buFont typeface="Arial" panose="020B0604020202020204" pitchFamily="34" charset="0"/>
+              <a:buNone/>
+              <a:defRPr sz="1600" kern="1200">
+                <a:solidFill>
+                  <a:schemeClr val="tx1"/>
+                </a:solidFill>
+                <a:latin typeface="+mn-lt"/>
+                <a:ea typeface="+mn-ea"/>
+                <a:cs typeface="+mn-cs"/>
+              </a:defRPr>
+            </a:lvl7pPr>
+            <a:lvl8pPr marL="3200400" indent="0" algn="ctr" defTabSz="914400" rtl="0" eaLnBrk="1" latinLnBrk="0" hangingPunct="1">
+              <a:lnSpc>
+                <a:spcPct val="90000"/>
+              </a:lnSpc>
+              <a:spcBef>
+                <a:spcPts val="500"/>
+              </a:spcBef>
+              <a:buFont typeface="Arial" panose="020B0604020202020204" pitchFamily="34" charset="0"/>
+              <a:buNone/>
+              <a:defRPr sz="1600" kern="1200">
+                <a:solidFill>
+                  <a:schemeClr val="tx1"/>
+                </a:solidFill>
+                <a:latin typeface="+mn-lt"/>
+                <a:ea typeface="+mn-ea"/>
+                <a:cs typeface="+mn-cs"/>
+              </a:defRPr>
+            </a:lvl8pPr>
+            <a:lvl9pPr marL="3657600" indent="0" algn="ctr" defTabSz="914400" rtl="0" eaLnBrk="1" latinLnBrk="0" hangingPunct="1">
+              <a:lnSpc>
+                <a:spcPct val="90000"/>
+              </a:lnSpc>
+              <a:spcBef>
+                <a:spcPts val="500"/>
+              </a:spcBef>
+              <a:buFont typeface="Arial" panose="020B0604020202020204" pitchFamily="34" charset="0"/>
+              <a:buNone/>
+              <a:defRPr sz="1600" kern="1200">
+                <a:solidFill>
+                  <a:schemeClr val="tx1"/>
+                </a:solidFill>
+                <a:latin typeface="+mn-lt"/>
+                <a:ea typeface="+mn-ea"/>
+                <a:cs typeface="+mn-cs"/>
+              </a:defRPr>
+            </a:lvl9pPr>
+          </a:lstStyle>
+          <a:p>
+            <a:pPr algn="l"/>
+            <a:r>
+              <a:rPr lang="en-US" sz="3200" dirty="0">
+                <a:solidFill>
+                  <a:srgbClr val="00863D"/>
+                </a:solidFill>
+                <a:latin typeface="+mn-lt"/>
+              </a:rPr>
+              <a:t>19</a:t>
+            </a:r>
+            <a:endParaRPr lang="en-US" dirty="0">
+              <a:solidFill>
+                <a:srgbClr val="00863D"/>
+              </a:solidFill>
+              <a:latin typeface="+mn-lt"/>
+            </a:endParaRPr>
+          </a:p>
+        </p:txBody>
+      </p:sp>
     </p:spTree>
     <p:extLst>
       <p:ext uri="{BB962C8B-B14F-4D97-AF65-F5344CB8AC3E}">
@@ -25549,6 +30396,217 @@
               <a:rPr lang="en-US" sz="5400" dirty="0"/>
               <a:t>Image Compression</a:t>
             </a:r>
+          </a:p>
+        </p:txBody>
+      </p:sp>
+      <p:sp>
+        <p:nvSpPr>
+          <p:cNvPr id="2" name="Content Placeholder 2">
+            <a:extLst>
+              <a:ext uri="{FF2B5EF4-FFF2-40B4-BE49-F238E27FC236}">
+                <a16:creationId xmlns:a16="http://schemas.microsoft.com/office/drawing/2014/main" id="{E8D7CD05-1B12-326C-9EC3-E53475318FFE}"/>
+              </a:ext>
+            </a:extLst>
+          </p:cNvPr>
+          <p:cNvSpPr txBox="1">
+            <a:spLocks/>
+          </p:cNvSpPr>
+          <p:nvPr/>
+        </p:nvSpPr>
+        <p:spPr>
+          <a:xfrm>
+            <a:off x="531049" y="6318421"/>
+            <a:ext cx="992951" cy="465010"/>
+          </a:xfrm>
+          <a:prstGeom prst="rect">
+            <a:avLst/>
+          </a:prstGeom>
+        </p:spPr>
+        <p:txBody>
+          <a:bodyPr vert="horz" lIns="91440" tIns="45720" rIns="91440" bIns="45720" rtlCol="0">
+            <a:normAutofit fontScale="92500" lnSpcReduction="20000"/>
+          </a:bodyPr>
+          <a:lstStyle>
+            <a:lvl1pPr marL="0" indent="0" algn="ctr" defTabSz="914400" rtl="0" eaLnBrk="1" latinLnBrk="0" hangingPunct="1">
+              <a:lnSpc>
+                <a:spcPct val="90000"/>
+              </a:lnSpc>
+              <a:spcBef>
+                <a:spcPts val="1000"/>
+              </a:spcBef>
+              <a:buFont typeface="Arial" panose="020B0604020202020204" pitchFamily="34" charset="0"/>
+              <a:buNone/>
+              <a:defRPr sz="2400" kern="1200">
+                <a:solidFill>
+                  <a:schemeClr val="bg1"/>
+                </a:solidFill>
+                <a:latin typeface="Corbel Light" panose="020B0303020204020204" pitchFamily="34" charset="0"/>
+                <a:ea typeface="+mn-ea"/>
+                <a:cs typeface="+mn-cs"/>
+              </a:defRPr>
+            </a:lvl1pPr>
+            <a:lvl2pPr marL="457200" indent="0" algn="ctr" defTabSz="914400" rtl="0" eaLnBrk="1" latinLnBrk="0" hangingPunct="1">
+              <a:lnSpc>
+                <a:spcPct val="90000"/>
+              </a:lnSpc>
+              <a:spcBef>
+                <a:spcPts val="500"/>
+              </a:spcBef>
+              <a:buFont typeface="Arial" panose="020B0604020202020204" pitchFamily="34" charset="0"/>
+              <a:buNone/>
+              <a:defRPr sz="2000" kern="1200">
+                <a:solidFill>
+                  <a:schemeClr val="bg1"/>
+                </a:solidFill>
+                <a:latin typeface="Corbel Light" panose="020B0303020204020204" pitchFamily="34" charset="0"/>
+                <a:ea typeface="+mn-ea"/>
+                <a:cs typeface="+mn-cs"/>
+              </a:defRPr>
+            </a:lvl2pPr>
+            <a:lvl3pPr marL="914400" indent="0" algn="ctr" defTabSz="914400" rtl="0" eaLnBrk="1" latinLnBrk="0" hangingPunct="1">
+              <a:lnSpc>
+                <a:spcPct val="90000"/>
+              </a:lnSpc>
+              <a:spcBef>
+                <a:spcPts val="500"/>
+              </a:spcBef>
+              <a:buFont typeface="Arial" panose="020B0604020202020204" pitchFamily="34" charset="0"/>
+              <a:buNone/>
+              <a:defRPr sz="1800" kern="1200">
+                <a:solidFill>
+                  <a:schemeClr val="bg1"/>
+                </a:solidFill>
+                <a:latin typeface="Corbel Light" panose="020B0303020204020204" pitchFamily="34" charset="0"/>
+                <a:ea typeface="+mn-ea"/>
+                <a:cs typeface="+mn-cs"/>
+              </a:defRPr>
+            </a:lvl3pPr>
+            <a:lvl4pPr marL="1371600" indent="0" algn="ctr" defTabSz="914400" rtl="0" eaLnBrk="1" latinLnBrk="0" hangingPunct="1">
+              <a:lnSpc>
+                <a:spcPct val="90000"/>
+              </a:lnSpc>
+              <a:spcBef>
+                <a:spcPts val="500"/>
+              </a:spcBef>
+              <a:buFont typeface="Arial" panose="020B0604020202020204" pitchFamily="34" charset="0"/>
+              <a:buNone/>
+              <a:defRPr sz="1600" kern="1200">
+                <a:solidFill>
+                  <a:schemeClr val="bg1"/>
+                </a:solidFill>
+                <a:latin typeface="Corbel Light" panose="020B0303020204020204" pitchFamily="34" charset="0"/>
+                <a:ea typeface="+mn-ea"/>
+                <a:cs typeface="+mn-cs"/>
+              </a:defRPr>
+            </a:lvl4pPr>
+            <a:lvl5pPr marL="1828800" indent="0" algn="ctr" defTabSz="914400" rtl="0" eaLnBrk="1" latinLnBrk="0" hangingPunct="1">
+              <a:lnSpc>
+                <a:spcPct val="90000"/>
+              </a:lnSpc>
+              <a:spcBef>
+                <a:spcPts val="500"/>
+              </a:spcBef>
+              <a:buFont typeface="Arial" panose="020B0604020202020204" pitchFamily="34" charset="0"/>
+              <a:buNone/>
+              <a:defRPr sz="1600" kern="1200">
+                <a:solidFill>
+                  <a:schemeClr val="bg1"/>
+                </a:solidFill>
+                <a:latin typeface="Corbel Light" panose="020B0303020204020204" pitchFamily="34" charset="0"/>
+                <a:ea typeface="+mn-ea"/>
+                <a:cs typeface="+mn-cs"/>
+              </a:defRPr>
+            </a:lvl5pPr>
+            <a:lvl6pPr marL="2286000" indent="0" algn="ctr" defTabSz="914400" rtl="0" eaLnBrk="1" latinLnBrk="0" hangingPunct="1">
+              <a:lnSpc>
+                <a:spcPct val="90000"/>
+              </a:lnSpc>
+              <a:spcBef>
+                <a:spcPts val="500"/>
+              </a:spcBef>
+              <a:buFont typeface="Arial" panose="020B0604020202020204" pitchFamily="34" charset="0"/>
+              <a:buNone/>
+              <a:defRPr sz="1600" kern="1200">
+                <a:solidFill>
+                  <a:schemeClr val="tx1"/>
+                </a:solidFill>
+                <a:latin typeface="+mn-lt"/>
+                <a:ea typeface="+mn-ea"/>
+                <a:cs typeface="+mn-cs"/>
+              </a:defRPr>
+            </a:lvl6pPr>
+            <a:lvl7pPr marL="2743200" indent="0" algn="ctr" defTabSz="914400" rtl="0" eaLnBrk="1" latinLnBrk="0" hangingPunct="1">
+              <a:lnSpc>
+                <a:spcPct val="90000"/>
+              </a:lnSpc>
+              <a:spcBef>
+                <a:spcPts val="500"/>
+              </a:spcBef>
+              <a:buFont typeface="Arial" panose="020B0604020202020204" pitchFamily="34" charset="0"/>
+              <a:buNone/>
+              <a:defRPr sz="1600" kern="1200">
+                <a:solidFill>
+                  <a:schemeClr val="tx1"/>
+                </a:solidFill>
+                <a:latin typeface="+mn-lt"/>
+                <a:ea typeface="+mn-ea"/>
+                <a:cs typeface="+mn-cs"/>
+              </a:defRPr>
+            </a:lvl7pPr>
+            <a:lvl8pPr marL="3200400" indent="0" algn="ctr" defTabSz="914400" rtl="0" eaLnBrk="1" latinLnBrk="0" hangingPunct="1">
+              <a:lnSpc>
+                <a:spcPct val="90000"/>
+              </a:lnSpc>
+              <a:spcBef>
+                <a:spcPts val="500"/>
+              </a:spcBef>
+              <a:buFont typeface="Arial" panose="020B0604020202020204" pitchFamily="34" charset="0"/>
+              <a:buNone/>
+              <a:defRPr sz="1600" kern="1200">
+                <a:solidFill>
+                  <a:schemeClr val="tx1"/>
+                </a:solidFill>
+                <a:latin typeface="+mn-lt"/>
+                <a:ea typeface="+mn-ea"/>
+                <a:cs typeface="+mn-cs"/>
+              </a:defRPr>
+            </a:lvl8pPr>
+            <a:lvl9pPr marL="3657600" indent="0" algn="ctr" defTabSz="914400" rtl="0" eaLnBrk="1" latinLnBrk="0" hangingPunct="1">
+              <a:lnSpc>
+                <a:spcPct val="90000"/>
+              </a:lnSpc>
+              <a:spcBef>
+                <a:spcPts val="500"/>
+              </a:spcBef>
+              <a:buFont typeface="Arial" panose="020B0604020202020204" pitchFamily="34" charset="0"/>
+              <a:buNone/>
+              <a:defRPr sz="1600" kern="1200">
+                <a:solidFill>
+                  <a:schemeClr val="tx1"/>
+                </a:solidFill>
+                <a:latin typeface="+mn-lt"/>
+                <a:ea typeface="+mn-ea"/>
+                <a:cs typeface="+mn-cs"/>
+              </a:defRPr>
+            </a:lvl9pPr>
+          </a:lstStyle>
+          <a:p>
+            <a:pPr algn="l"/>
+            <a:r>
+              <a:rPr lang="en-US" sz="3200" dirty="0">
+                <a:solidFill>
+                  <a:srgbClr val="00863D"/>
+                </a:solidFill>
+                <a:latin typeface="+mn-lt"/>
+              </a:rPr>
+              <a:t>20</a:t>
+            </a:r>
+            <a:endParaRPr lang="en-US" dirty="0">
+              <a:solidFill>
+                <a:srgbClr val="00863D"/>
+              </a:solidFill>
+              <a:latin typeface="+mn-lt"/>
+            </a:endParaRPr>
           </a:p>
         </p:txBody>
       </p:sp>
@@ -26287,6 +31345,217 @@
           </a:p>
         </p:txBody>
       </p:sp>
+      <p:sp>
+        <p:nvSpPr>
+          <p:cNvPr id="6" name="Content Placeholder 2">
+            <a:extLst>
+              <a:ext uri="{FF2B5EF4-FFF2-40B4-BE49-F238E27FC236}">
+                <a16:creationId xmlns:a16="http://schemas.microsoft.com/office/drawing/2014/main" id="{78B48073-455D-FB4F-411F-C3E3FAA3B59A}"/>
+              </a:ext>
+            </a:extLst>
+          </p:cNvPr>
+          <p:cNvSpPr txBox="1">
+            <a:spLocks/>
+          </p:cNvSpPr>
+          <p:nvPr/>
+        </p:nvSpPr>
+        <p:spPr>
+          <a:xfrm>
+            <a:off x="531049" y="6318421"/>
+            <a:ext cx="992951" cy="465010"/>
+          </a:xfrm>
+          <a:prstGeom prst="rect">
+            <a:avLst/>
+          </a:prstGeom>
+        </p:spPr>
+        <p:txBody>
+          <a:bodyPr vert="horz" lIns="91440" tIns="45720" rIns="91440" bIns="45720" rtlCol="0">
+            <a:normAutofit fontScale="92500" lnSpcReduction="20000"/>
+          </a:bodyPr>
+          <a:lstStyle>
+            <a:lvl1pPr marL="0" indent="0" algn="ctr" defTabSz="914400" rtl="0" eaLnBrk="1" latinLnBrk="0" hangingPunct="1">
+              <a:lnSpc>
+                <a:spcPct val="90000"/>
+              </a:lnSpc>
+              <a:spcBef>
+                <a:spcPts val="1000"/>
+              </a:spcBef>
+              <a:buFont typeface="Arial" panose="020B0604020202020204" pitchFamily="34" charset="0"/>
+              <a:buNone/>
+              <a:defRPr sz="2400" kern="1200">
+                <a:solidFill>
+                  <a:schemeClr val="bg1"/>
+                </a:solidFill>
+                <a:latin typeface="Corbel Light" panose="020B0303020204020204" pitchFamily="34" charset="0"/>
+                <a:ea typeface="+mn-ea"/>
+                <a:cs typeface="+mn-cs"/>
+              </a:defRPr>
+            </a:lvl1pPr>
+            <a:lvl2pPr marL="457200" indent="0" algn="ctr" defTabSz="914400" rtl="0" eaLnBrk="1" latinLnBrk="0" hangingPunct="1">
+              <a:lnSpc>
+                <a:spcPct val="90000"/>
+              </a:lnSpc>
+              <a:spcBef>
+                <a:spcPts val="500"/>
+              </a:spcBef>
+              <a:buFont typeface="Arial" panose="020B0604020202020204" pitchFamily="34" charset="0"/>
+              <a:buNone/>
+              <a:defRPr sz="2000" kern="1200">
+                <a:solidFill>
+                  <a:schemeClr val="bg1"/>
+                </a:solidFill>
+                <a:latin typeface="Corbel Light" panose="020B0303020204020204" pitchFamily="34" charset="0"/>
+                <a:ea typeface="+mn-ea"/>
+                <a:cs typeface="+mn-cs"/>
+              </a:defRPr>
+            </a:lvl2pPr>
+            <a:lvl3pPr marL="914400" indent="0" algn="ctr" defTabSz="914400" rtl="0" eaLnBrk="1" latinLnBrk="0" hangingPunct="1">
+              <a:lnSpc>
+                <a:spcPct val="90000"/>
+              </a:lnSpc>
+              <a:spcBef>
+                <a:spcPts val="500"/>
+              </a:spcBef>
+              <a:buFont typeface="Arial" panose="020B0604020202020204" pitchFamily="34" charset="0"/>
+              <a:buNone/>
+              <a:defRPr sz="1800" kern="1200">
+                <a:solidFill>
+                  <a:schemeClr val="bg1"/>
+                </a:solidFill>
+                <a:latin typeface="Corbel Light" panose="020B0303020204020204" pitchFamily="34" charset="0"/>
+                <a:ea typeface="+mn-ea"/>
+                <a:cs typeface="+mn-cs"/>
+              </a:defRPr>
+            </a:lvl3pPr>
+            <a:lvl4pPr marL="1371600" indent="0" algn="ctr" defTabSz="914400" rtl="0" eaLnBrk="1" latinLnBrk="0" hangingPunct="1">
+              <a:lnSpc>
+                <a:spcPct val="90000"/>
+              </a:lnSpc>
+              <a:spcBef>
+                <a:spcPts val="500"/>
+              </a:spcBef>
+              <a:buFont typeface="Arial" panose="020B0604020202020204" pitchFamily="34" charset="0"/>
+              <a:buNone/>
+              <a:defRPr sz="1600" kern="1200">
+                <a:solidFill>
+                  <a:schemeClr val="bg1"/>
+                </a:solidFill>
+                <a:latin typeface="Corbel Light" panose="020B0303020204020204" pitchFamily="34" charset="0"/>
+                <a:ea typeface="+mn-ea"/>
+                <a:cs typeface="+mn-cs"/>
+              </a:defRPr>
+            </a:lvl4pPr>
+            <a:lvl5pPr marL="1828800" indent="0" algn="ctr" defTabSz="914400" rtl="0" eaLnBrk="1" latinLnBrk="0" hangingPunct="1">
+              <a:lnSpc>
+                <a:spcPct val="90000"/>
+              </a:lnSpc>
+              <a:spcBef>
+                <a:spcPts val="500"/>
+              </a:spcBef>
+              <a:buFont typeface="Arial" panose="020B0604020202020204" pitchFamily="34" charset="0"/>
+              <a:buNone/>
+              <a:defRPr sz="1600" kern="1200">
+                <a:solidFill>
+                  <a:schemeClr val="bg1"/>
+                </a:solidFill>
+                <a:latin typeface="Corbel Light" panose="020B0303020204020204" pitchFamily="34" charset="0"/>
+                <a:ea typeface="+mn-ea"/>
+                <a:cs typeface="+mn-cs"/>
+              </a:defRPr>
+            </a:lvl5pPr>
+            <a:lvl6pPr marL="2286000" indent="0" algn="ctr" defTabSz="914400" rtl="0" eaLnBrk="1" latinLnBrk="0" hangingPunct="1">
+              <a:lnSpc>
+                <a:spcPct val="90000"/>
+              </a:lnSpc>
+              <a:spcBef>
+                <a:spcPts val="500"/>
+              </a:spcBef>
+              <a:buFont typeface="Arial" panose="020B0604020202020204" pitchFamily="34" charset="0"/>
+              <a:buNone/>
+              <a:defRPr sz="1600" kern="1200">
+                <a:solidFill>
+                  <a:schemeClr val="tx1"/>
+                </a:solidFill>
+                <a:latin typeface="+mn-lt"/>
+                <a:ea typeface="+mn-ea"/>
+                <a:cs typeface="+mn-cs"/>
+              </a:defRPr>
+            </a:lvl6pPr>
+            <a:lvl7pPr marL="2743200" indent="0" algn="ctr" defTabSz="914400" rtl="0" eaLnBrk="1" latinLnBrk="0" hangingPunct="1">
+              <a:lnSpc>
+                <a:spcPct val="90000"/>
+              </a:lnSpc>
+              <a:spcBef>
+                <a:spcPts val="500"/>
+              </a:spcBef>
+              <a:buFont typeface="Arial" panose="020B0604020202020204" pitchFamily="34" charset="0"/>
+              <a:buNone/>
+              <a:defRPr sz="1600" kern="1200">
+                <a:solidFill>
+                  <a:schemeClr val="tx1"/>
+                </a:solidFill>
+                <a:latin typeface="+mn-lt"/>
+                <a:ea typeface="+mn-ea"/>
+                <a:cs typeface="+mn-cs"/>
+              </a:defRPr>
+            </a:lvl7pPr>
+            <a:lvl8pPr marL="3200400" indent="0" algn="ctr" defTabSz="914400" rtl="0" eaLnBrk="1" latinLnBrk="0" hangingPunct="1">
+              <a:lnSpc>
+                <a:spcPct val="90000"/>
+              </a:lnSpc>
+              <a:spcBef>
+                <a:spcPts val="500"/>
+              </a:spcBef>
+              <a:buFont typeface="Arial" panose="020B0604020202020204" pitchFamily="34" charset="0"/>
+              <a:buNone/>
+              <a:defRPr sz="1600" kern="1200">
+                <a:solidFill>
+                  <a:schemeClr val="tx1"/>
+                </a:solidFill>
+                <a:latin typeface="+mn-lt"/>
+                <a:ea typeface="+mn-ea"/>
+                <a:cs typeface="+mn-cs"/>
+              </a:defRPr>
+            </a:lvl8pPr>
+            <a:lvl9pPr marL="3657600" indent="0" algn="ctr" defTabSz="914400" rtl="0" eaLnBrk="1" latinLnBrk="0" hangingPunct="1">
+              <a:lnSpc>
+                <a:spcPct val="90000"/>
+              </a:lnSpc>
+              <a:spcBef>
+                <a:spcPts val="500"/>
+              </a:spcBef>
+              <a:buFont typeface="Arial" panose="020B0604020202020204" pitchFamily="34" charset="0"/>
+              <a:buNone/>
+              <a:defRPr sz="1600" kern="1200">
+                <a:solidFill>
+                  <a:schemeClr val="tx1"/>
+                </a:solidFill>
+                <a:latin typeface="+mn-lt"/>
+                <a:ea typeface="+mn-ea"/>
+                <a:cs typeface="+mn-cs"/>
+              </a:defRPr>
+            </a:lvl9pPr>
+          </a:lstStyle>
+          <a:p>
+            <a:pPr algn="l"/>
+            <a:r>
+              <a:rPr lang="en-US" sz="3200" dirty="0">
+                <a:solidFill>
+                  <a:srgbClr val="00863D"/>
+                </a:solidFill>
+                <a:latin typeface="+mn-lt"/>
+              </a:rPr>
+              <a:t>21</a:t>
+            </a:r>
+            <a:endParaRPr lang="en-US" dirty="0">
+              <a:solidFill>
+                <a:srgbClr val="00863D"/>
+              </a:solidFill>
+              <a:latin typeface="+mn-lt"/>
+            </a:endParaRPr>
+          </a:p>
+        </p:txBody>
+      </p:sp>
     </p:spTree>
     <p:extLst>
       <p:ext uri="{BB962C8B-B14F-4D97-AF65-F5344CB8AC3E}">
@@ -27620,6 +32889,217 @@
               <a:t>Verify the Program’s Result</a:t>
             </a:r>
             <a:endParaRPr lang="en-US" sz="3200" dirty="0"/>
+          </a:p>
+        </p:txBody>
+      </p:sp>
+      <p:sp>
+        <p:nvSpPr>
+          <p:cNvPr id="13" name="Content Placeholder 2">
+            <a:extLst>
+              <a:ext uri="{FF2B5EF4-FFF2-40B4-BE49-F238E27FC236}">
+                <a16:creationId xmlns:a16="http://schemas.microsoft.com/office/drawing/2014/main" id="{89ECD4F7-DF48-714E-4E33-B90A7808B4B1}"/>
+              </a:ext>
+            </a:extLst>
+          </p:cNvPr>
+          <p:cNvSpPr txBox="1">
+            <a:spLocks/>
+          </p:cNvSpPr>
+          <p:nvPr/>
+        </p:nvSpPr>
+        <p:spPr>
+          <a:xfrm>
+            <a:off x="531049" y="6318421"/>
+            <a:ext cx="992951" cy="465010"/>
+          </a:xfrm>
+          <a:prstGeom prst="rect">
+            <a:avLst/>
+          </a:prstGeom>
+        </p:spPr>
+        <p:txBody>
+          <a:bodyPr vert="horz" lIns="91440" tIns="45720" rIns="91440" bIns="45720" rtlCol="0">
+            <a:normAutofit fontScale="92500" lnSpcReduction="20000"/>
+          </a:bodyPr>
+          <a:lstStyle>
+            <a:lvl1pPr marL="0" indent="0" algn="ctr" defTabSz="914400" rtl="0" eaLnBrk="1" latinLnBrk="0" hangingPunct="1">
+              <a:lnSpc>
+                <a:spcPct val="90000"/>
+              </a:lnSpc>
+              <a:spcBef>
+                <a:spcPts val="1000"/>
+              </a:spcBef>
+              <a:buFont typeface="Arial" panose="020B0604020202020204" pitchFamily="34" charset="0"/>
+              <a:buNone/>
+              <a:defRPr sz="2400" kern="1200">
+                <a:solidFill>
+                  <a:schemeClr val="bg1"/>
+                </a:solidFill>
+                <a:latin typeface="Corbel Light" panose="020B0303020204020204" pitchFamily="34" charset="0"/>
+                <a:ea typeface="+mn-ea"/>
+                <a:cs typeface="+mn-cs"/>
+              </a:defRPr>
+            </a:lvl1pPr>
+            <a:lvl2pPr marL="457200" indent="0" algn="ctr" defTabSz="914400" rtl="0" eaLnBrk="1" latinLnBrk="0" hangingPunct="1">
+              <a:lnSpc>
+                <a:spcPct val="90000"/>
+              </a:lnSpc>
+              <a:spcBef>
+                <a:spcPts val="500"/>
+              </a:spcBef>
+              <a:buFont typeface="Arial" panose="020B0604020202020204" pitchFamily="34" charset="0"/>
+              <a:buNone/>
+              <a:defRPr sz="2000" kern="1200">
+                <a:solidFill>
+                  <a:schemeClr val="bg1"/>
+                </a:solidFill>
+                <a:latin typeface="Corbel Light" panose="020B0303020204020204" pitchFamily="34" charset="0"/>
+                <a:ea typeface="+mn-ea"/>
+                <a:cs typeface="+mn-cs"/>
+              </a:defRPr>
+            </a:lvl2pPr>
+            <a:lvl3pPr marL="914400" indent="0" algn="ctr" defTabSz="914400" rtl="0" eaLnBrk="1" latinLnBrk="0" hangingPunct="1">
+              <a:lnSpc>
+                <a:spcPct val="90000"/>
+              </a:lnSpc>
+              <a:spcBef>
+                <a:spcPts val="500"/>
+              </a:spcBef>
+              <a:buFont typeface="Arial" panose="020B0604020202020204" pitchFamily="34" charset="0"/>
+              <a:buNone/>
+              <a:defRPr sz="1800" kern="1200">
+                <a:solidFill>
+                  <a:schemeClr val="bg1"/>
+                </a:solidFill>
+                <a:latin typeface="Corbel Light" panose="020B0303020204020204" pitchFamily="34" charset="0"/>
+                <a:ea typeface="+mn-ea"/>
+                <a:cs typeface="+mn-cs"/>
+              </a:defRPr>
+            </a:lvl3pPr>
+            <a:lvl4pPr marL="1371600" indent="0" algn="ctr" defTabSz="914400" rtl="0" eaLnBrk="1" latinLnBrk="0" hangingPunct="1">
+              <a:lnSpc>
+                <a:spcPct val="90000"/>
+              </a:lnSpc>
+              <a:spcBef>
+                <a:spcPts val="500"/>
+              </a:spcBef>
+              <a:buFont typeface="Arial" panose="020B0604020202020204" pitchFamily="34" charset="0"/>
+              <a:buNone/>
+              <a:defRPr sz="1600" kern="1200">
+                <a:solidFill>
+                  <a:schemeClr val="bg1"/>
+                </a:solidFill>
+                <a:latin typeface="Corbel Light" panose="020B0303020204020204" pitchFamily="34" charset="0"/>
+                <a:ea typeface="+mn-ea"/>
+                <a:cs typeface="+mn-cs"/>
+              </a:defRPr>
+            </a:lvl4pPr>
+            <a:lvl5pPr marL="1828800" indent="0" algn="ctr" defTabSz="914400" rtl="0" eaLnBrk="1" latinLnBrk="0" hangingPunct="1">
+              <a:lnSpc>
+                <a:spcPct val="90000"/>
+              </a:lnSpc>
+              <a:spcBef>
+                <a:spcPts val="500"/>
+              </a:spcBef>
+              <a:buFont typeface="Arial" panose="020B0604020202020204" pitchFamily="34" charset="0"/>
+              <a:buNone/>
+              <a:defRPr sz="1600" kern="1200">
+                <a:solidFill>
+                  <a:schemeClr val="bg1"/>
+                </a:solidFill>
+                <a:latin typeface="Corbel Light" panose="020B0303020204020204" pitchFamily="34" charset="0"/>
+                <a:ea typeface="+mn-ea"/>
+                <a:cs typeface="+mn-cs"/>
+              </a:defRPr>
+            </a:lvl5pPr>
+            <a:lvl6pPr marL="2286000" indent="0" algn="ctr" defTabSz="914400" rtl="0" eaLnBrk="1" latinLnBrk="0" hangingPunct="1">
+              <a:lnSpc>
+                <a:spcPct val="90000"/>
+              </a:lnSpc>
+              <a:spcBef>
+                <a:spcPts val="500"/>
+              </a:spcBef>
+              <a:buFont typeface="Arial" panose="020B0604020202020204" pitchFamily="34" charset="0"/>
+              <a:buNone/>
+              <a:defRPr sz="1600" kern="1200">
+                <a:solidFill>
+                  <a:schemeClr val="tx1"/>
+                </a:solidFill>
+                <a:latin typeface="+mn-lt"/>
+                <a:ea typeface="+mn-ea"/>
+                <a:cs typeface="+mn-cs"/>
+              </a:defRPr>
+            </a:lvl6pPr>
+            <a:lvl7pPr marL="2743200" indent="0" algn="ctr" defTabSz="914400" rtl="0" eaLnBrk="1" latinLnBrk="0" hangingPunct="1">
+              <a:lnSpc>
+                <a:spcPct val="90000"/>
+              </a:lnSpc>
+              <a:spcBef>
+                <a:spcPts val="500"/>
+              </a:spcBef>
+              <a:buFont typeface="Arial" panose="020B0604020202020204" pitchFamily="34" charset="0"/>
+              <a:buNone/>
+              <a:defRPr sz="1600" kern="1200">
+                <a:solidFill>
+                  <a:schemeClr val="tx1"/>
+                </a:solidFill>
+                <a:latin typeface="+mn-lt"/>
+                <a:ea typeface="+mn-ea"/>
+                <a:cs typeface="+mn-cs"/>
+              </a:defRPr>
+            </a:lvl7pPr>
+            <a:lvl8pPr marL="3200400" indent="0" algn="ctr" defTabSz="914400" rtl="0" eaLnBrk="1" latinLnBrk="0" hangingPunct="1">
+              <a:lnSpc>
+                <a:spcPct val="90000"/>
+              </a:lnSpc>
+              <a:spcBef>
+                <a:spcPts val="500"/>
+              </a:spcBef>
+              <a:buFont typeface="Arial" panose="020B0604020202020204" pitchFamily="34" charset="0"/>
+              <a:buNone/>
+              <a:defRPr sz="1600" kern="1200">
+                <a:solidFill>
+                  <a:schemeClr val="tx1"/>
+                </a:solidFill>
+                <a:latin typeface="+mn-lt"/>
+                <a:ea typeface="+mn-ea"/>
+                <a:cs typeface="+mn-cs"/>
+              </a:defRPr>
+            </a:lvl8pPr>
+            <a:lvl9pPr marL="3657600" indent="0" algn="ctr" defTabSz="914400" rtl="0" eaLnBrk="1" latinLnBrk="0" hangingPunct="1">
+              <a:lnSpc>
+                <a:spcPct val="90000"/>
+              </a:lnSpc>
+              <a:spcBef>
+                <a:spcPts val="500"/>
+              </a:spcBef>
+              <a:buFont typeface="Arial" panose="020B0604020202020204" pitchFamily="34" charset="0"/>
+              <a:buNone/>
+              <a:defRPr sz="1600" kern="1200">
+                <a:solidFill>
+                  <a:schemeClr val="tx1"/>
+                </a:solidFill>
+                <a:latin typeface="+mn-lt"/>
+                <a:ea typeface="+mn-ea"/>
+                <a:cs typeface="+mn-cs"/>
+              </a:defRPr>
+            </a:lvl9pPr>
+          </a:lstStyle>
+          <a:p>
+            <a:pPr algn="l"/>
+            <a:r>
+              <a:rPr lang="en-US" sz="3200" dirty="0">
+                <a:solidFill>
+                  <a:srgbClr val="00863D"/>
+                </a:solidFill>
+                <a:latin typeface="+mn-lt"/>
+              </a:rPr>
+              <a:t>22</a:t>
+            </a:r>
+            <a:endParaRPr lang="en-US" dirty="0">
+              <a:solidFill>
+                <a:srgbClr val="00863D"/>
+              </a:solidFill>
+              <a:latin typeface="+mn-lt"/>
+            </a:endParaRPr>
           </a:p>
         </p:txBody>
       </p:sp>
@@ -28665,6 +34145,217 @@
           </a:p>
         </p:txBody>
       </p:sp>
+      <p:sp>
+        <p:nvSpPr>
+          <p:cNvPr id="11" name="Content Placeholder 2">
+            <a:extLst>
+              <a:ext uri="{FF2B5EF4-FFF2-40B4-BE49-F238E27FC236}">
+                <a16:creationId xmlns:a16="http://schemas.microsoft.com/office/drawing/2014/main" id="{AEF26B86-D88C-F2CB-D8B6-802BE5B20252}"/>
+              </a:ext>
+            </a:extLst>
+          </p:cNvPr>
+          <p:cNvSpPr txBox="1">
+            <a:spLocks/>
+          </p:cNvSpPr>
+          <p:nvPr/>
+        </p:nvSpPr>
+        <p:spPr>
+          <a:xfrm>
+            <a:off x="531049" y="6318421"/>
+            <a:ext cx="992951" cy="465010"/>
+          </a:xfrm>
+          <a:prstGeom prst="rect">
+            <a:avLst/>
+          </a:prstGeom>
+        </p:spPr>
+        <p:txBody>
+          <a:bodyPr vert="horz" lIns="91440" tIns="45720" rIns="91440" bIns="45720" rtlCol="0">
+            <a:normAutofit fontScale="92500" lnSpcReduction="20000"/>
+          </a:bodyPr>
+          <a:lstStyle>
+            <a:lvl1pPr marL="0" indent="0" algn="ctr" defTabSz="914400" rtl="0" eaLnBrk="1" latinLnBrk="0" hangingPunct="1">
+              <a:lnSpc>
+                <a:spcPct val="90000"/>
+              </a:lnSpc>
+              <a:spcBef>
+                <a:spcPts val="1000"/>
+              </a:spcBef>
+              <a:buFont typeface="Arial" panose="020B0604020202020204" pitchFamily="34" charset="0"/>
+              <a:buNone/>
+              <a:defRPr sz="2400" kern="1200">
+                <a:solidFill>
+                  <a:schemeClr val="bg1"/>
+                </a:solidFill>
+                <a:latin typeface="Corbel Light" panose="020B0303020204020204" pitchFamily="34" charset="0"/>
+                <a:ea typeface="+mn-ea"/>
+                <a:cs typeface="+mn-cs"/>
+              </a:defRPr>
+            </a:lvl1pPr>
+            <a:lvl2pPr marL="457200" indent="0" algn="ctr" defTabSz="914400" rtl="0" eaLnBrk="1" latinLnBrk="0" hangingPunct="1">
+              <a:lnSpc>
+                <a:spcPct val="90000"/>
+              </a:lnSpc>
+              <a:spcBef>
+                <a:spcPts val="500"/>
+              </a:spcBef>
+              <a:buFont typeface="Arial" panose="020B0604020202020204" pitchFamily="34" charset="0"/>
+              <a:buNone/>
+              <a:defRPr sz="2000" kern="1200">
+                <a:solidFill>
+                  <a:schemeClr val="bg1"/>
+                </a:solidFill>
+                <a:latin typeface="Corbel Light" panose="020B0303020204020204" pitchFamily="34" charset="0"/>
+                <a:ea typeface="+mn-ea"/>
+                <a:cs typeface="+mn-cs"/>
+              </a:defRPr>
+            </a:lvl2pPr>
+            <a:lvl3pPr marL="914400" indent="0" algn="ctr" defTabSz="914400" rtl="0" eaLnBrk="1" latinLnBrk="0" hangingPunct="1">
+              <a:lnSpc>
+                <a:spcPct val="90000"/>
+              </a:lnSpc>
+              <a:spcBef>
+                <a:spcPts val="500"/>
+              </a:spcBef>
+              <a:buFont typeface="Arial" panose="020B0604020202020204" pitchFamily="34" charset="0"/>
+              <a:buNone/>
+              <a:defRPr sz="1800" kern="1200">
+                <a:solidFill>
+                  <a:schemeClr val="bg1"/>
+                </a:solidFill>
+                <a:latin typeface="Corbel Light" panose="020B0303020204020204" pitchFamily="34" charset="0"/>
+                <a:ea typeface="+mn-ea"/>
+                <a:cs typeface="+mn-cs"/>
+              </a:defRPr>
+            </a:lvl3pPr>
+            <a:lvl4pPr marL="1371600" indent="0" algn="ctr" defTabSz="914400" rtl="0" eaLnBrk="1" latinLnBrk="0" hangingPunct="1">
+              <a:lnSpc>
+                <a:spcPct val="90000"/>
+              </a:lnSpc>
+              <a:spcBef>
+                <a:spcPts val="500"/>
+              </a:spcBef>
+              <a:buFont typeface="Arial" panose="020B0604020202020204" pitchFamily="34" charset="0"/>
+              <a:buNone/>
+              <a:defRPr sz="1600" kern="1200">
+                <a:solidFill>
+                  <a:schemeClr val="bg1"/>
+                </a:solidFill>
+                <a:latin typeface="Corbel Light" panose="020B0303020204020204" pitchFamily="34" charset="0"/>
+                <a:ea typeface="+mn-ea"/>
+                <a:cs typeface="+mn-cs"/>
+              </a:defRPr>
+            </a:lvl4pPr>
+            <a:lvl5pPr marL="1828800" indent="0" algn="ctr" defTabSz="914400" rtl="0" eaLnBrk="1" latinLnBrk="0" hangingPunct="1">
+              <a:lnSpc>
+                <a:spcPct val="90000"/>
+              </a:lnSpc>
+              <a:spcBef>
+                <a:spcPts val="500"/>
+              </a:spcBef>
+              <a:buFont typeface="Arial" panose="020B0604020202020204" pitchFamily="34" charset="0"/>
+              <a:buNone/>
+              <a:defRPr sz="1600" kern="1200">
+                <a:solidFill>
+                  <a:schemeClr val="bg1"/>
+                </a:solidFill>
+                <a:latin typeface="Corbel Light" panose="020B0303020204020204" pitchFamily="34" charset="0"/>
+                <a:ea typeface="+mn-ea"/>
+                <a:cs typeface="+mn-cs"/>
+              </a:defRPr>
+            </a:lvl5pPr>
+            <a:lvl6pPr marL="2286000" indent="0" algn="ctr" defTabSz="914400" rtl="0" eaLnBrk="1" latinLnBrk="0" hangingPunct="1">
+              <a:lnSpc>
+                <a:spcPct val="90000"/>
+              </a:lnSpc>
+              <a:spcBef>
+                <a:spcPts val="500"/>
+              </a:spcBef>
+              <a:buFont typeface="Arial" panose="020B0604020202020204" pitchFamily="34" charset="0"/>
+              <a:buNone/>
+              <a:defRPr sz="1600" kern="1200">
+                <a:solidFill>
+                  <a:schemeClr val="tx1"/>
+                </a:solidFill>
+                <a:latin typeface="+mn-lt"/>
+                <a:ea typeface="+mn-ea"/>
+                <a:cs typeface="+mn-cs"/>
+              </a:defRPr>
+            </a:lvl6pPr>
+            <a:lvl7pPr marL="2743200" indent="0" algn="ctr" defTabSz="914400" rtl="0" eaLnBrk="1" latinLnBrk="0" hangingPunct="1">
+              <a:lnSpc>
+                <a:spcPct val="90000"/>
+              </a:lnSpc>
+              <a:spcBef>
+                <a:spcPts val="500"/>
+              </a:spcBef>
+              <a:buFont typeface="Arial" panose="020B0604020202020204" pitchFamily="34" charset="0"/>
+              <a:buNone/>
+              <a:defRPr sz="1600" kern="1200">
+                <a:solidFill>
+                  <a:schemeClr val="tx1"/>
+                </a:solidFill>
+                <a:latin typeface="+mn-lt"/>
+                <a:ea typeface="+mn-ea"/>
+                <a:cs typeface="+mn-cs"/>
+              </a:defRPr>
+            </a:lvl7pPr>
+            <a:lvl8pPr marL="3200400" indent="0" algn="ctr" defTabSz="914400" rtl="0" eaLnBrk="1" latinLnBrk="0" hangingPunct="1">
+              <a:lnSpc>
+                <a:spcPct val="90000"/>
+              </a:lnSpc>
+              <a:spcBef>
+                <a:spcPts val="500"/>
+              </a:spcBef>
+              <a:buFont typeface="Arial" panose="020B0604020202020204" pitchFamily="34" charset="0"/>
+              <a:buNone/>
+              <a:defRPr sz="1600" kern="1200">
+                <a:solidFill>
+                  <a:schemeClr val="tx1"/>
+                </a:solidFill>
+                <a:latin typeface="+mn-lt"/>
+                <a:ea typeface="+mn-ea"/>
+                <a:cs typeface="+mn-cs"/>
+              </a:defRPr>
+            </a:lvl8pPr>
+            <a:lvl9pPr marL="3657600" indent="0" algn="ctr" defTabSz="914400" rtl="0" eaLnBrk="1" latinLnBrk="0" hangingPunct="1">
+              <a:lnSpc>
+                <a:spcPct val="90000"/>
+              </a:lnSpc>
+              <a:spcBef>
+                <a:spcPts val="500"/>
+              </a:spcBef>
+              <a:buFont typeface="Arial" panose="020B0604020202020204" pitchFamily="34" charset="0"/>
+              <a:buNone/>
+              <a:defRPr sz="1600" kern="1200">
+                <a:solidFill>
+                  <a:schemeClr val="tx1"/>
+                </a:solidFill>
+                <a:latin typeface="+mn-lt"/>
+                <a:ea typeface="+mn-ea"/>
+                <a:cs typeface="+mn-cs"/>
+              </a:defRPr>
+            </a:lvl9pPr>
+          </a:lstStyle>
+          <a:p>
+            <a:pPr algn="l"/>
+            <a:r>
+              <a:rPr lang="en-US" sz="3200" dirty="0">
+                <a:solidFill>
+                  <a:srgbClr val="00863D"/>
+                </a:solidFill>
+                <a:latin typeface="+mn-lt"/>
+              </a:rPr>
+              <a:t>22</a:t>
+            </a:r>
+            <a:endParaRPr lang="en-US" dirty="0">
+              <a:solidFill>
+                <a:srgbClr val="00863D"/>
+              </a:solidFill>
+              <a:latin typeface="+mn-lt"/>
+            </a:endParaRPr>
+          </a:p>
+        </p:txBody>
+      </p:sp>
     </p:spTree>
     <p:extLst>
       <p:ext uri="{BB962C8B-B14F-4D97-AF65-F5344CB8AC3E}">
@@ -29887,6 +35578,217 @@
               <a:rPr lang="en-US" sz="4000" dirty="0"/>
               <a:t>	Generally, areas with “no golden result” </a:t>
             </a:r>
+          </a:p>
+        </p:txBody>
+      </p:sp>
+      <p:sp>
+        <p:nvSpPr>
+          <p:cNvPr id="4" name="Content Placeholder 2">
+            <a:extLst>
+              <a:ext uri="{FF2B5EF4-FFF2-40B4-BE49-F238E27FC236}">
+                <a16:creationId xmlns:a16="http://schemas.microsoft.com/office/drawing/2014/main" id="{AA3F95BC-319D-7273-ABF2-5E9131DB7B6B}"/>
+              </a:ext>
+            </a:extLst>
+          </p:cNvPr>
+          <p:cNvSpPr txBox="1">
+            <a:spLocks/>
+          </p:cNvSpPr>
+          <p:nvPr/>
+        </p:nvSpPr>
+        <p:spPr>
+          <a:xfrm>
+            <a:off x="531049" y="6318421"/>
+            <a:ext cx="992951" cy="465010"/>
+          </a:xfrm>
+          <a:prstGeom prst="rect">
+            <a:avLst/>
+          </a:prstGeom>
+        </p:spPr>
+        <p:txBody>
+          <a:bodyPr vert="horz" lIns="91440" tIns="45720" rIns="91440" bIns="45720" rtlCol="0">
+            <a:normAutofit fontScale="92500" lnSpcReduction="20000"/>
+          </a:bodyPr>
+          <a:lstStyle>
+            <a:lvl1pPr marL="0" indent="0" algn="ctr" defTabSz="914400" rtl="0" eaLnBrk="1" latinLnBrk="0" hangingPunct="1">
+              <a:lnSpc>
+                <a:spcPct val="90000"/>
+              </a:lnSpc>
+              <a:spcBef>
+                <a:spcPts val="1000"/>
+              </a:spcBef>
+              <a:buFont typeface="Arial" panose="020B0604020202020204" pitchFamily="34" charset="0"/>
+              <a:buNone/>
+              <a:defRPr sz="2400" kern="1200">
+                <a:solidFill>
+                  <a:schemeClr val="bg1"/>
+                </a:solidFill>
+                <a:latin typeface="Corbel Light" panose="020B0303020204020204" pitchFamily="34" charset="0"/>
+                <a:ea typeface="+mn-ea"/>
+                <a:cs typeface="+mn-cs"/>
+              </a:defRPr>
+            </a:lvl1pPr>
+            <a:lvl2pPr marL="457200" indent="0" algn="ctr" defTabSz="914400" rtl="0" eaLnBrk="1" latinLnBrk="0" hangingPunct="1">
+              <a:lnSpc>
+                <a:spcPct val="90000"/>
+              </a:lnSpc>
+              <a:spcBef>
+                <a:spcPts val="500"/>
+              </a:spcBef>
+              <a:buFont typeface="Arial" panose="020B0604020202020204" pitchFamily="34" charset="0"/>
+              <a:buNone/>
+              <a:defRPr sz="2000" kern="1200">
+                <a:solidFill>
+                  <a:schemeClr val="bg1"/>
+                </a:solidFill>
+                <a:latin typeface="Corbel Light" panose="020B0303020204020204" pitchFamily="34" charset="0"/>
+                <a:ea typeface="+mn-ea"/>
+                <a:cs typeface="+mn-cs"/>
+              </a:defRPr>
+            </a:lvl2pPr>
+            <a:lvl3pPr marL="914400" indent="0" algn="ctr" defTabSz="914400" rtl="0" eaLnBrk="1" latinLnBrk="0" hangingPunct="1">
+              <a:lnSpc>
+                <a:spcPct val="90000"/>
+              </a:lnSpc>
+              <a:spcBef>
+                <a:spcPts val="500"/>
+              </a:spcBef>
+              <a:buFont typeface="Arial" panose="020B0604020202020204" pitchFamily="34" charset="0"/>
+              <a:buNone/>
+              <a:defRPr sz="1800" kern="1200">
+                <a:solidFill>
+                  <a:schemeClr val="bg1"/>
+                </a:solidFill>
+                <a:latin typeface="Corbel Light" panose="020B0303020204020204" pitchFamily="34" charset="0"/>
+                <a:ea typeface="+mn-ea"/>
+                <a:cs typeface="+mn-cs"/>
+              </a:defRPr>
+            </a:lvl3pPr>
+            <a:lvl4pPr marL="1371600" indent="0" algn="ctr" defTabSz="914400" rtl="0" eaLnBrk="1" latinLnBrk="0" hangingPunct="1">
+              <a:lnSpc>
+                <a:spcPct val="90000"/>
+              </a:lnSpc>
+              <a:spcBef>
+                <a:spcPts val="500"/>
+              </a:spcBef>
+              <a:buFont typeface="Arial" panose="020B0604020202020204" pitchFamily="34" charset="0"/>
+              <a:buNone/>
+              <a:defRPr sz="1600" kern="1200">
+                <a:solidFill>
+                  <a:schemeClr val="bg1"/>
+                </a:solidFill>
+                <a:latin typeface="Corbel Light" panose="020B0303020204020204" pitchFamily="34" charset="0"/>
+                <a:ea typeface="+mn-ea"/>
+                <a:cs typeface="+mn-cs"/>
+              </a:defRPr>
+            </a:lvl4pPr>
+            <a:lvl5pPr marL="1828800" indent="0" algn="ctr" defTabSz="914400" rtl="0" eaLnBrk="1" latinLnBrk="0" hangingPunct="1">
+              <a:lnSpc>
+                <a:spcPct val="90000"/>
+              </a:lnSpc>
+              <a:spcBef>
+                <a:spcPts val="500"/>
+              </a:spcBef>
+              <a:buFont typeface="Arial" panose="020B0604020202020204" pitchFamily="34" charset="0"/>
+              <a:buNone/>
+              <a:defRPr sz="1600" kern="1200">
+                <a:solidFill>
+                  <a:schemeClr val="bg1"/>
+                </a:solidFill>
+                <a:latin typeface="Corbel Light" panose="020B0303020204020204" pitchFamily="34" charset="0"/>
+                <a:ea typeface="+mn-ea"/>
+                <a:cs typeface="+mn-cs"/>
+              </a:defRPr>
+            </a:lvl5pPr>
+            <a:lvl6pPr marL="2286000" indent="0" algn="ctr" defTabSz="914400" rtl="0" eaLnBrk="1" latinLnBrk="0" hangingPunct="1">
+              <a:lnSpc>
+                <a:spcPct val="90000"/>
+              </a:lnSpc>
+              <a:spcBef>
+                <a:spcPts val="500"/>
+              </a:spcBef>
+              <a:buFont typeface="Arial" panose="020B0604020202020204" pitchFamily="34" charset="0"/>
+              <a:buNone/>
+              <a:defRPr sz="1600" kern="1200">
+                <a:solidFill>
+                  <a:schemeClr val="tx1"/>
+                </a:solidFill>
+                <a:latin typeface="+mn-lt"/>
+                <a:ea typeface="+mn-ea"/>
+                <a:cs typeface="+mn-cs"/>
+              </a:defRPr>
+            </a:lvl6pPr>
+            <a:lvl7pPr marL="2743200" indent="0" algn="ctr" defTabSz="914400" rtl="0" eaLnBrk="1" latinLnBrk="0" hangingPunct="1">
+              <a:lnSpc>
+                <a:spcPct val="90000"/>
+              </a:lnSpc>
+              <a:spcBef>
+                <a:spcPts val="500"/>
+              </a:spcBef>
+              <a:buFont typeface="Arial" panose="020B0604020202020204" pitchFamily="34" charset="0"/>
+              <a:buNone/>
+              <a:defRPr sz="1600" kern="1200">
+                <a:solidFill>
+                  <a:schemeClr val="tx1"/>
+                </a:solidFill>
+                <a:latin typeface="+mn-lt"/>
+                <a:ea typeface="+mn-ea"/>
+                <a:cs typeface="+mn-cs"/>
+              </a:defRPr>
+            </a:lvl7pPr>
+            <a:lvl8pPr marL="3200400" indent="0" algn="ctr" defTabSz="914400" rtl="0" eaLnBrk="1" latinLnBrk="0" hangingPunct="1">
+              <a:lnSpc>
+                <a:spcPct val="90000"/>
+              </a:lnSpc>
+              <a:spcBef>
+                <a:spcPts val="500"/>
+              </a:spcBef>
+              <a:buFont typeface="Arial" panose="020B0604020202020204" pitchFamily="34" charset="0"/>
+              <a:buNone/>
+              <a:defRPr sz="1600" kern="1200">
+                <a:solidFill>
+                  <a:schemeClr val="tx1"/>
+                </a:solidFill>
+                <a:latin typeface="+mn-lt"/>
+                <a:ea typeface="+mn-ea"/>
+                <a:cs typeface="+mn-cs"/>
+              </a:defRPr>
+            </a:lvl8pPr>
+            <a:lvl9pPr marL="3657600" indent="0" algn="ctr" defTabSz="914400" rtl="0" eaLnBrk="1" latinLnBrk="0" hangingPunct="1">
+              <a:lnSpc>
+                <a:spcPct val="90000"/>
+              </a:lnSpc>
+              <a:spcBef>
+                <a:spcPts val="500"/>
+              </a:spcBef>
+              <a:buFont typeface="Arial" panose="020B0604020202020204" pitchFamily="34" charset="0"/>
+              <a:buNone/>
+              <a:defRPr sz="1600" kern="1200">
+                <a:solidFill>
+                  <a:schemeClr val="tx1"/>
+                </a:solidFill>
+                <a:latin typeface="+mn-lt"/>
+                <a:ea typeface="+mn-ea"/>
+                <a:cs typeface="+mn-cs"/>
+              </a:defRPr>
+            </a:lvl9pPr>
+          </a:lstStyle>
+          <a:p>
+            <a:pPr algn="l"/>
+            <a:r>
+              <a:rPr lang="en-US" sz="3200" dirty="0">
+                <a:solidFill>
+                  <a:srgbClr val="00863D"/>
+                </a:solidFill>
+                <a:latin typeface="+mn-lt"/>
+              </a:rPr>
+              <a:t>23</a:t>
+            </a:r>
+            <a:endParaRPr lang="en-US" dirty="0">
+              <a:solidFill>
+                <a:srgbClr val="00863D"/>
+              </a:solidFill>
+              <a:latin typeface="+mn-lt"/>
+            </a:endParaRPr>
           </a:p>
         </p:txBody>
       </p:sp>
@@ -30923,6 +36825,217 @@
           </a:p>
         </p:txBody>
       </p:sp>
+      <p:sp>
+        <p:nvSpPr>
+          <p:cNvPr id="3" name="Content Placeholder 2">
+            <a:extLst>
+              <a:ext uri="{FF2B5EF4-FFF2-40B4-BE49-F238E27FC236}">
+                <a16:creationId xmlns:a16="http://schemas.microsoft.com/office/drawing/2014/main" id="{A13CFE8F-90DB-A191-E76C-F1CD402B3F8E}"/>
+              </a:ext>
+            </a:extLst>
+          </p:cNvPr>
+          <p:cNvSpPr txBox="1">
+            <a:spLocks/>
+          </p:cNvSpPr>
+          <p:nvPr/>
+        </p:nvSpPr>
+        <p:spPr>
+          <a:xfrm>
+            <a:off x="531049" y="6318421"/>
+            <a:ext cx="992951" cy="465010"/>
+          </a:xfrm>
+          <a:prstGeom prst="rect">
+            <a:avLst/>
+          </a:prstGeom>
+        </p:spPr>
+        <p:txBody>
+          <a:bodyPr vert="horz" lIns="91440" tIns="45720" rIns="91440" bIns="45720" rtlCol="0">
+            <a:normAutofit fontScale="92500" lnSpcReduction="20000"/>
+          </a:bodyPr>
+          <a:lstStyle>
+            <a:lvl1pPr marL="0" indent="0" algn="ctr" defTabSz="914400" rtl="0" eaLnBrk="1" latinLnBrk="0" hangingPunct="1">
+              <a:lnSpc>
+                <a:spcPct val="90000"/>
+              </a:lnSpc>
+              <a:spcBef>
+                <a:spcPts val="1000"/>
+              </a:spcBef>
+              <a:buFont typeface="Arial" panose="020B0604020202020204" pitchFamily="34" charset="0"/>
+              <a:buNone/>
+              <a:defRPr sz="2400" kern="1200">
+                <a:solidFill>
+                  <a:schemeClr val="bg1"/>
+                </a:solidFill>
+                <a:latin typeface="Corbel Light" panose="020B0303020204020204" pitchFamily="34" charset="0"/>
+                <a:ea typeface="+mn-ea"/>
+                <a:cs typeface="+mn-cs"/>
+              </a:defRPr>
+            </a:lvl1pPr>
+            <a:lvl2pPr marL="457200" indent="0" algn="ctr" defTabSz="914400" rtl="0" eaLnBrk="1" latinLnBrk="0" hangingPunct="1">
+              <a:lnSpc>
+                <a:spcPct val="90000"/>
+              </a:lnSpc>
+              <a:spcBef>
+                <a:spcPts val="500"/>
+              </a:spcBef>
+              <a:buFont typeface="Arial" panose="020B0604020202020204" pitchFamily="34" charset="0"/>
+              <a:buNone/>
+              <a:defRPr sz="2000" kern="1200">
+                <a:solidFill>
+                  <a:schemeClr val="bg1"/>
+                </a:solidFill>
+                <a:latin typeface="Corbel Light" panose="020B0303020204020204" pitchFamily="34" charset="0"/>
+                <a:ea typeface="+mn-ea"/>
+                <a:cs typeface="+mn-cs"/>
+              </a:defRPr>
+            </a:lvl2pPr>
+            <a:lvl3pPr marL="914400" indent="0" algn="ctr" defTabSz="914400" rtl="0" eaLnBrk="1" latinLnBrk="0" hangingPunct="1">
+              <a:lnSpc>
+                <a:spcPct val="90000"/>
+              </a:lnSpc>
+              <a:spcBef>
+                <a:spcPts val="500"/>
+              </a:spcBef>
+              <a:buFont typeface="Arial" panose="020B0604020202020204" pitchFamily="34" charset="0"/>
+              <a:buNone/>
+              <a:defRPr sz="1800" kern="1200">
+                <a:solidFill>
+                  <a:schemeClr val="bg1"/>
+                </a:solidFill>
+                <a:latin typeface="Corbel Light" panose="020B0303020204020204" pitchFamily="34" charset="0"/>
+                <a:ea typeface="+mn-ea"/>
+                <a:cs typeface="+mn-cs"/>
+              </a:defRPr>
+            </a:lvl3pPr>
+            <a:lvl4pPr marL="1371600" indent="0" algn="ctr" defTabSz="914400" rtl="0" eaLnBrk="1" latinLnBrk="0" hangingPunct="1">
+              <a:lnSpc>
+                <a:spcPct val="90000"/>
+              </a:lnSpc>
+              <a:spcBef>
+                <a:spcPts val="500"/>
+              </a:spcBef>
+              <a:buFont typeface="Arial" panose="020B0604020202020204" pitchFamily="34" charset="0"/>
+              <a:buNone/>
+              <a:defRPr sz="1600" kern="1200">
+                <a:solidFill>
+                  <a:schemeClr val="bg1"/>
+                </a:solidFill>
+                <a:latin typeface="Corbel Light" panose="020B0303020204020204" pitchFamily="34" charset="0"/>
+                <a:ea typeface="+mn-ea"/>
+                <a:cs typeface="+mn-cs"/>
+              </a:defRPr>
+            </a:lvl4pPr>
+            <a:lvl5pPr marL="1828800" indent="0" algn="ctr" defTabSz="914400" rtl="0" eaLnBrk="1" latinLnBrk="0" hangingPunct="1">
+              <a:lnSpc>
+                <a:spcPct val="90000"/>
+              </a:lnSpc>
+              <a:spcBef>
+                <a:spcPts val="500"/>
+              </a:spcBef>
+              <a:buFont typeface="Arial" panose="020B0604020202020204" pitchFamily="34" charset="0"/>
+              <a:buNone/>
+              <a:defRPr sz="1600" kern="1200">
+                <a:solidFill>
+                  <a:schemeClr val="bg1"/>
+                </a:solidFill>
+                <a:latin typeface="Corbel Light" panose="020B0303020204020204" pitchFamily="34" charset="0"/>
+                <a:ea typeface="+mn-ea"/>
+                <a:cs typeface="+mn-cs"/>
+              </a:defRPr>
+            </a:lvl5pPr>
+            <a:lvl6pPr marL="2286000" indent="0" algn="ctr" defTabSz="914400" rtl="0" eaLnBrk="1" latinLnBrk="0" hangingPunct="1">
+              <a:lnSpc>
+                <a:spcPct val="90000"/>
+              </a:lnSpc>
+              <a:spcBef>
+                <a:spcPts val="500"/>
+              </a:spcBef>
+              <a:buFont typeface="Arial" panose="020B0604020202020204" pitchFamily="34" charset="0"/>
+              <a:buNone/>
+              <a:defRPr sz="1600" kern="1200">
+                <a:solidFill>
+                  <a:schemeClr val="tx1"/>
+                </a:solidFill>
+                <a:latin typeface="+mn-lt"/>
+                <a:ea typeface="+mn-ea"/>
+                <a:cs typeface="+mn-cs"/>
+              </a:defRPr>
+            </a:lvl6pPr>
+            <a:lvl7pPr marL="2743200" indent="0" algn="ctr" defTabSz="914400" rtl="0" eaLnBrk="1" latinLnBrk="0" hangingPunct="1">
+              <a:lnSpc>
+                <a:spcPct val="90000"/>
+              </a:lnSpc>
+              <a:spcBef>
+                <a:spcPts val="500"/>
+              </a:spcBef>
+              <a:buFont typeface="Arial" panose="020B0604020202020204" pitchFamily="34" charset="0"/>
+              <a:buNone/>
+              <a:defRPr sz="1600" kern="1200">
+                <a:solidFill>
+                  <a:schemeClr val="tx1"/>
+                </a:solidFill>
+                <a:latin typeface="+mn-lt"/>
+                <a:ea typeface="+mn-ea"/>
+                <a:cs typeface="+mn-cs"/>
+              </a:defRPr>
+            </a:lvl7pPr>
+            <a:lvl8pPr marL="3200400" indent="0" algn="ctr" defTabSz="914400" rtl="0" eaLnBrk="1" latinLnBrk="0" hangingPunct="1">
+              <a:lnSpc>
+                <a:spcPct val="90000"/>
+              </a:lnSpc>
+              <a:spcBef>
+                <a:spcPts val="500"/>
+              </a:spcBef>
+              <a:buFont typeface="Arial" panose="020B0604020202020204" pitchFamily="34" charset="0"/>
+              <a:buNone/>
+              <a:defRPr sz="1600" kern="1200">
+                <a:solidFill>
+                  <a:schemeClr val="tx1"/>
+                </a:solidFill>
+                <a:latin typeface="+mn-lt"/>
+                <a:ea typeface="+mn-ea"/>
+                <a:cs typeface="+mn-cs"/>
+              </a:defRPr>
+            </a:lvl8pPr>
+            <a:lvl9pPr marL="3657600" indent="0" algn="ctr" defTabSz="914400" rtl="0" eaLnBrk="1" latinLnBrk="0" hangingPunct="1">
+              <a:lnSpc>
+                <a:spcPct val="90000"/>
+              </a:lnSpc>
+              <a:spcBef>
+                <a:spcPts val="500"/>
+              </a:spcBef>
+              <a:buFont typeface="Arial" panose="020B0604020202020204" pitchFamily="34" charset="0"/>
+              <a:buNone/>
+              <a:defRPr sz="1600" kern="1200">
+                <a:solidFill>
+                  <a:schemeClr val="tx1"/>
+                </a:solidFill>
+                <a:latin typeface="+mn-lt"/>
+                <a:ea typeface="+mn-ea"/>
+                <a:cs typeface="+mn-cs"/>
+              </a:defRPr>
+            </a:lvl9pPr>
+          </a:lstStyle>
+          <a:p>
+            <a:pPr algn="l"/>
+            <a:r>
+              <a:rPr lang="en-US" sz="3200" dirty="0">
+                <a:solidFill>
+                  <a:srgbClr val="00863D"/>
+                </a:solidFill>
+                <a:latin typeface="+mn-lt"/>
+              </a:rPr>
+              <a:t>24</a:t>
+            </a:r>
+            <a:endParaRPr lang="en-US" dirty="0">
+              <a:solidFill>
+                <a:srgbClr val="00863D"/>
+              </a:solidFill>
+              <a:latin typeface="+mn-lt"/>
+            </a:endParaRPr>
+          </a:p>
+        </p:txBody>
+      </p:sp>
     </p:spTree>
     <p:extLst>
       <p:ext uri="{BB962C8B-B14F-4D97-AF65-F5344CB8AC3E}">
@@ -31948,6 +38061,217 @@
               </a:rPr>
               <a:t>Verify the Program Result</a:t>
             </a:r>
+          </a:p>
+        </p:txBody>
+      </p:sp>
+      <p:sp>
+        <p:nvSpPr>
+          <p:cNvPr id="3" name="Content Placeholder 2">
+            <a:extLst>
+              <a:ext uri="{FF2B5EF4-FFF2-40B4-BE49-F238E27FC236}">
+                <a16:creationId xmlns:a16="http://schemas.microsoft.com/office/drawing/2014/main" id="{3E030F06-B97F-88C1-A1B0-39FD6ED9DE59}"/>
+              </a:ext>
+            </a:extLst>
+          </p:cNvPr>
+          <p:cNvSpPr txBox="1">
+            <a:spLocks/>
+          </p:cNvSpPr>
+          <p:nvPr/>
+        </p:nvSpPr>
+        <p:spPr>
+          <a:xfrm>
+            <a:off x="531049" y="6318421"/>
+            <a:ext cx="992951" cy="465010"/>
+          </a:xfrm>
+          <a:prstGeom prst="rect">
+            <a:avLst/>
+          </a:prstGeom>
+        </p:spPr>
+        <p:txBody>
+          <a:bodyPr vert="horz" lIns="91440" tIns="45720" rIns="91440" bIns="45720" rtlCol="0">
+            <a:normAutofit fontScale="92500" lnSpcReduction="20000"/>
+          </a:bodyPr>
+          <a:lstStyle>
+            <a:lvl1pPr marL="0" indent="0" algn="ctr" defTabSz="914400" rtl="0" eaLnBrk="1" latinLnBrk="0" hangingPunct="1">
+              <a:lnSpc>
+                <a:spcPct val="90000"/>
+              </a:lnSpc>
+              <a:spcBef>
+                <a:spcPts val="1000"/>
+              </a:spcBef>
+              <a:buFont typeface="Arial" panose="020B0604020202020204" pitchFamily="34" charset="0"/>
+              <a:buNone/>
+              <a:defRPr sz="2400" kern="1200">
+                <a:solidFill>
+                  <a:schemeClr val="bg1"/>
+                </a:solidFill>
+                <a:latin typeface="Corbel Light" panose="020B0303020204020204" pitchFamily="34" charset="0"/>
+                <a:ea typeface="+mn-ea"/>
+                <a:cs typeface="+mn-cs"/>
+              </a:defRPr>
+            </a:lvl1pPr>
+            <a:lvl2pPr marL="457200" indent="0" algn="ctr" defTabSz="914400" rtl="0" eaLnBrk="1" latinLnBrk="0" hangingPunct="1">
+              <a:lnSpc>
+                <a:spcPct val="90000"/>
+              </a:lnSpc>
+              <a:spcBef>
+                <a:spcPts val="500"/>
+              </a:spcBef>
+              <a:buFont typeface="Arial" panose="020B0604020202020204" pitchFamily="34" charset="0"/>
+              <a:buNone/>
+              <a:defRPr sz="2000" kern="1200">
+                <a:solidFill>
+                  <a:schemeClr val="bg1"/>
+                </a:solidFill>
+                <a:latin typeface="Corbel Light" panose="020B0303020204020204" pitchFamily="34" charset="0"/>
+                <a:ea typeface="+mn-ea"/>
+                <a:cs typeface="+mn-cs"/>
+              </a:defRPr>
+            </a:lvl2pPr>
+            <a:lvl3pPr marL="914400" indent="0" algn="ctr" defTabSz="914400" rtl="0" eaLnBrk="1" latinLnBrk="0" hangingPunct="1">
+              <a:lnSpc>
+                <a:spcPct val="90000"/>
+              </a:lnSpc>
+              <a:spcBef>
+                <a:spcPts val="500"/>
+              </a:spcBef>
+              <a:buFont typeface="Arial" panose="020B0604020202020204" pitchFamily="34" charset="0"/>
+              <a:buNone/>
+              <a:defRPr sz="1800" kern="1200">
+                <a:solidFill>
+                  <a:schemeClr val="bg1"/>
+                </a:solidFill>
+                <a:latin typeface="Corbel Light" panose="020B0303020204020204" pitchFamily="34" charset="0"/>
+                <a:ea typeface="+mn-ea"/>
+                <a:cs typeface="+mn-cs"/>
+              </a:defRPr>
+            </a:lvl3pPr>
+            <a:lvl4pPr marL="1371600" indent="0" algn="ctr" defTabSz="914400" rtl="0" eaLnBrk="1" latinLnBrk="0" hangingPunct="1">
+              <a:lnSpc>
+                <a:spcPct val="90000"/>
+              </a:lnSpc>
+              <a:spcBef>
+                <a:spcPts val="500"/>
+              </a:spcBef>
+              <a:buFont typeface="Arial" panose="020B0604020202020204" pitchFamily="34" charset="0"/>
+              <a:buNone/>
+              <a:defRPr sz="1600" kern="1200">
+                <a:solidFill>
+                  <a:schemeClr val="bg1"/>
+                </a:solidFill>
+                <a:latin typeface="Corbel Light" panose="020B0303020204020204" pitchFamily="34" charset="0"/>
+                <a:ea typeface="+mn-ea"/>
+                <a:cs typeface="+mn-cs"/>
+              </a:defRPr>
+            </a:lvl4pPr>
+            <a:lvl5pPr marL="1828800" indent="0" algn="ctr" defTabSz="914400" rtl="0" eaLnBrk="1" latinLnBrk="0" hangingPunct="1">
+              <a:lnSpc>
+                <a:spcPct val="90000"/>
+              </a:lnSpc>
+              <a:spcBef>
+                <a:spcPts val="500"/>
+              </a:spcBef>
+              <a:buFont typeface="Arial" panose="020B0604020202020204" pitchFamily="34" charset="0"/>
+              <a:buNone/>
+              <a:defRPr sz="1600" kern="1200">
+                <a:solidFill>
+                  <a:schemeClr val="bg1"/>
+                </a:solidFill>
+                <a:latin typeface="Corbel Light" panose="020B0303020204020204" pitchFamily="34" charset="0"/>
+                <a:ea typeface="+mn-ea"/>
+                <a:cs typeface="+mn-cs"/>
+              </a:defRPr>
+            </a:lvl5pPr>
+            <a:lvl6pPr marL="2286000" indent="0" algn="ctr" defTabSz="914400" rtl="0" eaLnBrk="1" latinLnBrk="0" hangingPunct="1">
+              <a:lnSpc>
+                <a:spcPct val="90000"/>
+              </a:lnSpc>
+              <a:spcBef>
+                <a:spcPts val="500"/>
+              </a:spcBef>
+              <a:buFont typeface="Arial" panose="020B0604020202020204" pitchFamily="34" charset="0"/>
+              <a:buNone/>
+              <a:defRPr sz="1600" kern="1200">
+                <a:solidFill>
+                  <a:schemeClr val="tx1"/>
+                </a:solidFill>
+                <a:latin typeface="+mn-lt"/>
+                <a:ea typeface="+mn-ea"/>
+                <a:cs typeface="+mn-cs"/>
+              </a:defRPr>
+            </a:lvl6pPr>
+            <a:lvl7pPr marL="2743200" indent="0" algn="ctr" defTabSz="914400" rtl="0" eaLnBrk="1" latinLnBrk="0" hangingPunct="1">
+              <a:lnSpc>
+                <a:spcPct val="90000"/>
+              </a:lnSpc>
+              <a:spcBef>
+                <a:spcPts val="500"/>
+              </a:spcBef>
+              <a:buFont typeface="Arial" panose="020B0604020202020204" pitchFamily="34" charset="0"/>
+              <a:buNone/>
+              <a:defRPr sz="1600" kern="1200">
+                <a:solidFill>
+                  <a:schemeClr val="tx1"/>
+                </a:solidFill>
+                <a:latin typeface="+mn-lt"/>
+                <a:ea typeface="+mn-ea"/>
+                <a:cs typeface="+mn-cs"/>
+              </a:defRPr>
+            </a:lvl7pPr>
+            <a:lvl8pPr marL="3200400" indent="0" algn="ctr" defTabSz="914400" rtl="0" eaLnBrk="1" latinLnBrk="0" hangingPunct="1">
+              <a:lnSpc>
+                <a:spcPct val="90000"/>
+              </a:lnSpc>
+              <a:spcBef>
+                <a:spcPts val="500"/>
+              </a:spcBef>
+              <a:buFont typeface="Arial" panose="020B0604020202020204" pitchFamily="34" charset="0"/>
+              <a:buNone/>
+              <a:defRPr sz="1600" kern="1200">
+                <a:solidFill>
+                  <a:schemeClr val="tx1"/>
+                </a:solidFill>
+                <a:latin typeface="+mn-lt"/>
+                <a:ea typeface="+mn-ea"/>
+                <a:cs typeface="+mn-cs"/>
+              </a:defRPr>
+            </a:lvl8pPr>
+            <a:lvl9pPr marL="3657600" indent="0" algn="ctr" defTabSz="914400" rtl="0" eaLnBrk="1" latinLnBrk="0" hangingPunct="1">
+              <a:lnSpc>
+                <a:spcPct val="90000"/>
+              </a:lnSpc>
+              <a:spcBef>
+                <a:spcPts val="500"/>
+              </a:spcBef>
+              <a:buFont typeface="Arial" panose="020B0604020202020204" pitchFamily="34" charset="0"/>
+              <a:buNone/>
+              <a:defRPr sz="1600" kern="1200">
+                <a:solidFill>
+                  <a:schemeClr val="tx1"/>
+                </a:solidFill>
+                <a:latin typeface="+mn-lt"/>
+                <a:ea typeface="+mn-ea"/>
+                <a:cs typeface="+mn-cs"/>
+              </a:defRPr>
+            </a:lvl9pPr>
+          </a:lstStyle>
+          <a:p>
+            <a:pPr algn="l"/>
+            <a:r>
+              <a:rPr lang="en-US" sz="3200" dirty="0">
+                <a:solidFill>
+                  <a:srgbClr val="00863D"/>
+                </a:solidFill>
+                <a:latin typeface="+mn-lt"/>
+              </a:rPr>
+              <a:t>25</a:t>
+            </a:r>
+            <a:endParaRPr lang="en-US" dirty="0">
+              <a:solidFill>
+                <a:srgbClr val="00863D"/>
+              </a:solidFill>
+              <a:latin typeface="+mn-lt"/>
+            </a:endParaRPr>
           </a:p>
         </p:txBody>
       </p:sp>
@@ -32770,6 +39094,217 @@
           </a:p>
         </p:txBody>
       </p:sp>
+      <p:sp>
+        <p:nvSpPr>
+          <p:cNvPr id="3" name="Content Placeholder 2">
+            <a:extLst>
+              <a:ext uri="{FF2B5EF4-FFF2-40B4-BE49-F238E27FC236}">
+                <a16:creationId xmlns:a16="http://schemas.microsoft.com/office/drawing/2014/main" id="{2CFB4166-2D02-8EEC-BC7A-7BA79170E63B}"/>
+              </a:ext>
+            </a:extLst>
+          </p:cNvPr>
+          <p:cNvSpPr txBox="1">
+            <a:spLocks/>
+          </p:cNvSpPr>
+          <p:nvPr/>
+        </p:nvSpPr>
+        <p:spPr>
+          <a:xfrm>
+            <a:off x="10759999" y="6298275"/>
+            <a:ext cx="992951" cy="465010"/>
+          </a:xfrm>
+          <a:prstGeom prst="rect">
+            <a:avLst/>
+          </a:prstGeom>
+        </p:spPr>
+        <p:txBody>
+          <a:bodyPr vert="horz" lIns="91440" tIns="45720" rIns="91440" bIns="45720" rtlCol="0">
+            <a:normAutofit fontScale="92500" lnSpcReduction="20000"/>
+          </a:bodyPr>
+          <a:lstStyle>
+            <a:lvl1pPr marL="0" indent="0" algn="ctr" defTabSz="914400" rtl="0" eaLnBrk="1" latinLnBrk="0" hangingPunct="1">
+              <a:lnSpc>
+                <a:spcPct val="90000"/>
+              </a:lnSpc>
+              <a:spcBef>
+                <a:spcPts val="1000"/>
+              </a:spcBef>
+              <a:buFont typeface="Arial" panose="020B0604020202020204" pitchFamily="34" charset="0"/>
+              <a:buNone/>
+              <a:defRPr sz="2400" kern="1200">
+                <a:solidFill>
+                  <a:schemeClr val="bg1"/>
+                </a:solidFill>
+                <a:latin typeface="Corbel Light" panose="020B0303020204020204" pitchFamily="34" charset="0"/>
+                <a:ea typeface="+mn-ea"/>
+                <a:cs typeface="+mn-cs"/>
+              </a:defRPr>
+            </a:lvl1pPr>
+            <a:lvl2pPr marL="457200" indent="0" algn="ctr" defTabSz="914400" rtl="0" eaLnBrk="1" latinLnBrk="0" hangingPunct="1">
+              <a:lnSpc>
+                <a:spcPct val="90000"/>
+              </a:lnSpc>
+              <a:spcBef>
+                <a:spcPts val="500"/>
+              </a:spcBef>
+              <a:buFont typeface="Arial" panose="020B0604020202020204" pitchFamily="34" charset="0"/>
+              <a:buNone/>
+              <a:defRPr sz="2000" kern="1200">
+                <a:solidFill>
+                  <a:schemeClr val="bg1"/>
+                </a:solidFill>
+                <a:latin typeface="Corbel Light" panose="020B0303020204020204" pitchFamily="34" charset="0"/>
+                <a:ea typeface="+mn-ea"/>
+                <a:cs typeface="+mn-cs"/>
+              </a:defRPr>
+            </a:lvl2pPr>
+            <a:lvl3pPr marL="914400" indent="0" algn="ctr" defTabSz="914400" rtl="0" eaLnBrk="1" latinLnBrk="0" hangingPunct="1">
+              <a:lnSpc>
+                <a:spcPct val="90000"/>
+              </a:lnSpc>
+              <a:spcBef>
+                <a:spcPts val="500"/>
+              </a:spcBef>
+              <a:buFont typeface="Arial" panose="020B0604020202020204" pitchFamily="34" charset="0"/>
+              <a:buNone/>
+              <a:defRPr sz="1800" kern="1200">
+                <a:solidFill>
+                  <a:schemeClr val="bg1"/>
+                </a:solidFill>
+                <a:latin typeface="Corbel Light" panose="020B0303020204020204" pitchFamily="34" charset="0"/>
+                <a:ea typeface="+mn-ea"/>
+                <a:cs typeface="+mn-cs"/>
+              </a:defRPr>
+            </a:lvl3pPr>
+            <a:lvl4pPr marL="1371600" indent="0" algn="ctr" defTabSz="914400" rtl="0" eaLnBrk="1" latinLnBrk="0" hangingPunct="1">
+              <a:lnSpc>
+                <a:spcPct val="90000"/>
+              </a:lnSpc>
+              <a:spcBef>
+                <a:spcPts val="500"/>
+              </a:spcBef>
+              <a:buFont typeface="Arial" panose="020B0604020202020204" pitchFamily="34" charset="0"/>
+              <a:buNone/>
+              <a:defRPr sz="1600" kern="1200">
+                <a:solidFill>
+                  <a:schemeClr val="bg1"/>
+                </a:solidFill>
+                <a:latin typeface="Corbel Light" panose="020B0303020204020204" pitchFamily="34" charset="0"/>
+                <a:ea typeface="+mn-ea"/>
+                <a:cs typeface="+mn-cs"/>
+              </a:defRPr>
+            </a:lvl4pPr>
+            <a:lvl5pPr marL="1828800" indent="0" algn="ctr" defTabSz="914400" rtl="0" eaLnBrk="1" latinLnBrk="0" hangingPunct="1">
+              <a:lnSpc>
+                <a:spcPct val="90000"/>
+              </a:lnSpc>
+              <a:spcBef>
+                <a:spcPts val="500"/>
+              </a:spcBef>
+              <a:buFont typeface="Arial" panose="020B0604020202020204" pitchFamily="34" charset="0"/>
+              <a:buNone/>
+              <a:defRPr sz="1600" kern="1200">
+                <a:solidFill>
+                  <a:schemeClr val="bg1"/>
+                </a:solidFill>
+                <a:latin typeface="Corbel Light" panose="020B0303020204020204" pitchFamily="34" charset="0"/>
+                <a:ea typeface="+mn-ea"/>
+                <a:cs typeface="+mn-cs"/>
+              </a:defRPr>
+            </a:lvl5pPr>
+            <a:lvl6pPr marL="2286000" indent="0" algn="ctr" defTabSz="914400" rtl="0" eaLnBrk="1" latinLnBrk="0" hangingPunct="1">
+              <a:lnSpc>
+                <a:spcPct val="90000"/>
+              </a:lnSpc>
+              <a:spcBef>
+                <a:spcPts val="500"/>
+              </a:spcBef>
+              <a:buFont typeface="Arial" panose="020B0604020202020204" pitchFamily="34" charset="0"/>
+              <a:buNone/>
+              <a:defRPr sz="1600" kern="1200">
+                <a:solidFill>
+                  <a:schemeClr val="tx1"/>
+                </a:solidFill>
+                <a:latin typeface="+mn-lt"/>
+                <a:ea typeface="+mn-ea"/>
+                <a:cs typeface="+mn-cs"/>
+              </a:defRPr>
+            </a:lvl6pPr>
+            <a:lvl7pPr marL="2743200" indent="0" algn="ctr" defTabSz="914400" rtl="0" eaLnBrk="1" latinLnBrk="0" hangingPunct="1">
+              <a:lnSpc>
+                <a:spcPct val="90000"/>
+              </a:lnSpc>
+              <a:spcBef>
+                <a:spcPts val="500"/>
+              </a:spcBef>
+              <a:buFont typeface="Arial" panose="020B0604020202020204" pitchFamily="34" charset="0"/>
+              <a:buNone/>
+              <a:defRPr sz="1600" kern="1200">
+                <a:solidFill>
+                  <a:schemeClr val="tx1"/>
+                </a:solidFill>
+                <a:latin typeface="+mn-lt"/>
+                <a:ea typeface="+mn-ea"/>
+                <a:cs typeface="+mn-cs"/>
+              </a:defRPr>
+            </a:lvl7pPr>
+            <a:lvl8pPr marL="3200400" indent="0" algn="ctr" defTabSz="914400" rtl="0" eaLnBrk="1" latinLnBrk="0" hangingPunct="1">
+              <a:lnSpc>
+                <a:spcPct val="90000"/>
+              </a:lnSpc>
+              <a:spcBef>
+                <a:spcPts val="500"/>
+              </a:spcBef>
+              <a:buFont typeface="Arial" panose="020B0604020202020204" pitchFamily="34" charset="0"/>
+              <a:buNone/>
+              <a:defRPr sz="1600" kern="1200">
+                <a:solidFill>
+                  <a:schemeClr val="tx1"/>
+                </a:solidFill>
+                <a:latin typeface="+mn-lt"/>
+                <a:ea typeface="+mn-ea"/>
+                <a:cs typeface="+mn-cs"/>
+              </a:defRPr>
+            </a:lvl8pPr>
+            <a:lvl9pPr marL="3657600" indent="0" algn="ctr" defTabSz="914400" rtl="0" eaLnBrk="1" latinLnBrk="0" hangingPunct="1">
+              <a:lnSpc>
+                <a:spcPct val="90000"/>
+              </a:lnSpc>
+              <a:spcBef>
+                <a:spcPts val="500"/>
+              </a:spcBef>
+              <a:buFont typeface="Arial" panose="020B0604020202020204" pitchFamily="34" charset="0"/>
+              <a:buNone/>
+              <a:defRPr sz="1600" kern="1200">
+                <a:solidFill>
+                  <a:schemeClr val="tx1"/>
+                </a:solidFill>
+                <a:latin typeface="+mn-lt"/>
+                <a:ea typeface="+mn-ea"/>
+                <a:cs typeface="+mn-cs"/>
+              </a:defRPr>
+            </a:lvl9pPr>
+          </a:lstStyle>
+          <a:p>
+            <a:pPr algn="l"/>
+            <a:r>
+              <a:rPr lang="en-US" sz="3200" dirty="0">
+                <a:solidFill>
+                  <a:srgbClr val="00863D"/>
+                </a:solidFill>
+                <a:latin typeface="+mn-lt"/>
+              </a:rPr>
+              <a:t>26</a:t>
+            </a:r>
+            <a:endParaRPr lang="en-US" dirty="0">
+              <a:solidFill>
+                <a:srgbClr val="00863D"/>
+              </a:solidFill>
+              <a:latin typeface="+mn-lt"/>
+            </a:endParaRPr>
+          </a:p>
+        </p:txBody>
+      </p:sp>
     </p:spTree>
     <p:extLst>
       <p:ext uri="{BB962C8B-B14F-4D97-AF65-F5344CB8AC3E}">
@@ -33544,6 +40079,217 @@
               <a:t>A technique for achieving a satisfactory computational result with reliable and controllable error thresholds, yielding computationally faster algorithms that use less energy at the expense of lower quality results with negligible error </a:t>
             </a:r>
             <a:endParaRPr lang="en-US" dirty="0"/>
+          </a:p>
+        </p:txBody>
+      </p:sp>
+      <p:sp>
+        <p:nvSpPr>
+          <p:cNvPr id="2" name="Content Placeholder 2">
+            <a:extLst>
+              <a:ext uri="{FF2B5EF4-FFF2-40B4-BE49-F238E27FC236}">
+                <a16:creationId xmlns:a16="http://schemas.microsoft.com/office/drawing/2014/main" id="{21FF9475-C9E7-2203-C8DF-BFDE8A18D772}"/>
+              </a:ext>
+            </a:extLst>
+          </p:cNvPr>
+          <p:cNvSpPr txBox="1">
+            <a:spLocks/>
+          </p:cNvSpPr>
+          <p:nvPr/>
+        </p:nvSpPr>
+        <p:spPr>
+          <a:xfrm>
+            <a:off x="531050" y="6492875"/>
+            <a:ext cx="370702" cy="465010"/>
+          </a:xfrm>
+          <a:prstGeom prst="rect">
+            <a:avLst/>
+          </a:prstGeom>
+        </p:spPr>
+        <p:txBody>
+          <a:bodyPr vert="horz" lIns="91440" tIns="45720" rIns="91440" bIns="45720" rtlCol="0">
+            <a:normAutofit fontScale="92500" lnSpcReduction="20000"/>
+          </a:bodyPr>
+          <a:lstStyle>
+            <a:lvl1pPr marL="0" indent="0" algn="ctr" defTabSz="914400" rtl="0" eaLnBrk="1" latinLnBrk="0" hangingPunct="1">
+              <a:lnSpc>
+                <a:spcPct val="90000"/>
+              </a:lnSpc>
+              <a:spcBef>
+                <a:spcPts val="1000"/>
+              </a:spcBef>
+              <a:buFont typeface="Arial" panose="020B0604020202020204" pitchFamily="34" charset="0"/>
+              <a:buNone/>
+              <a:defRPr sz="2400" kern="1200">
+                <a:solidFill>
+                  <a:schemeClr val="bg1"/>
+                </a:solidFill>
+                <a:latin typeface="Corbel Light" panose="020B0303020204020204" pitchFamily="34" charset="0"/>
+                <a:ea typeface="+mn-ea"/>
+                <a:cs typeface="+mn-cs"/>
+              </a:defRPr>
+            </a:lvl1pPr>
+            <a:lvl2pPr marL="457200" indent="0" algn="ctr" defTabSz="914400" rtl="0" eaLnBrk="1" latinLnBrk="0" hangingPunct="1">
+              <a:lnSpc>
+                <a:spcPct val="90000"/>
+              </a:lnSpc>
+              <a:spcBef>
+                <a:spcPts val="500"/>
+              </a:spcBef>
+              <a:buFont typeface="Arial" panose="020B0604020202020204" pitchFamily="34" charset="0"/>
+              <a:buNone/>
+              <a:defRPr sz="2000" kern="1200">
+                <a:solidFill>
+                  <a:schemeClr val="bg1"/>
+                </a:solidFill>
+                <a:latin typeface="Corbel Light" panose="020B0303020204020204" pitchFamily="34" charset="0"/>
+                <a:ea typeface="+mn-ea"/>
+                <a:cs typeface="+mn-cs"/>
+              </a:defRPr>
+            </a:lvl2pPr>
+            <a:lvl3pPr marL="914400" indent="0" algn="ctr" defTabSz="914400" rtl="0" eaLnBrk="1" latinLnBrk="0" hangingPunct="1">
+              <a:lnSpc>
+                <a:spcPct val="90000"/>
+              </a:lnSpc>
+              <a:spcBef>
+                <a:spcPts val="500"/>
+              </a:spcBef>
+              <a:buFont typeface="Arial" panose="020B0604020202020204" pitchFamily="34" charset="0"/>
+              <a:buNone/>
+              <a:defRPr sz="1800" kern="1200">
+                <a:solidFill>
+                  <a:schemeClr val="bg1"/>
+                </a:solidFill>
+                <a:latin typeface="Corbel Light" panose="020B0303020204020204" pitchFamily="34" charset="0"/>
+                <a:ea typeface="+mn-ea"/>
+                <a:cs typeface="+mn-cs"/>
+              </a:defRPr>
+            </a:lvl3pPr>
+            <a:lvl4pPr marL="1371600" indent="0" algn="ctr" defTabSz="914400" rtl="0" eaLnBrk="1" latinLnBrk="0" hangingPunct="1">
+              <a:lnSpc>
+                <a:spcPct val="90000"/>
+              </a:lnSpc>
+              <a:spcBef>
+                <a:spcPts val="500"/>
+              </a:spcBef>
+              <a:buFont typeface="Arial" panose="020B0604020202020204" pitchFamily="34" charset="0"/>
+              <a:buNone/>
+              <a:defRPr sz="1600" kern="1200">
+                <a:solidFill>
+                  <a:schemeClr val="bg1"/>
+                </a:solidFill>
+                <a:latin typeface="Corbel Light" panose="020B0303020204020204" pitchFamily="34" charset="0"/>
+                <a:ea typeface="+mn-ea"/>
+                <a:cs typeface="+mn-cs"/>
+              </a:defRPr>
+            </a:lvl4pPr>
+            <a:lvl5pPr marL="1828800" indent="0" algn="ctr" defTabSz="914400" rtl="0" eaLnBrk="1" latinLnBrk="0" hangingPunct="1">
+              <a:lnSpc>
+                <a:spcPct val="90000"/>
+              </a:lnSpc>
+              <a:spcBef>
+                <a:spcPts val="500"/>
+              </a:spcBef>
+              <a:buFont typeface="Arial" panose="020B0604020202020204" pitchFamily="34" charset="0"/>
+              <a:buNone/>
+              <a:defRPr sz="1600" kern="1200">
+                <a:solidFill>
+                  <a:schemeClr val="bg1"/>
+                </a:solidFill>
+                <a:latin typeface="Corbel Light" panose="020B0303020204020204" pitchFamily="34" charset="0"/>
+                <a:ea typeface="+mn-ea"/>
+                <a:cs typeface="+mn-cs"/>
+              </a:defRPr>
+            </a:lvl5pPr>
+            <a:lvl6pPr marL="2286000" indent="0" algn="ctr" defTabSz="914400" rtl="0" eaLnBrk="1" latinLnBrk="0" hangingPunct="1">
+              <a:lnSpc>
+                <a:spcPct val="90000"/>
+              </a:lnSpc>
+              <a:spcBef>
+                <a:spcPts val="500"/>
+              </a:spcBef>
+              <a:buFont typeface="Arial" panose="020B0604020202020204" pitchFamily="34" charset="0"/>
+              <a:buNone/>
+              <a:defRPr sz="1600" kern="1200">
+                <a:solidFill>
+                  <a:schemeClr val="tx1"/>
+                </a:solidFill>
+                <a:latin typeface="+mn-lt"/>
+                <a:ea typeface="+mn-ea"/>
+                <a:cs typeface="+mn-cs"/>
+              </a:defRPr>
+            </a:lvl6pPr>
+            <a:lvl7pPr marL="2743200" indent="0" algn="ctr" defTabSz="914400" rtl="0" eaLnBrk="1" latinLnBrk="0" hangingPunct="1">
+              <a:lnSpc>
+                <a:spcPct val="90000"/>
+              </a:lnSpc>
+              <a:spcBef>
+                <a:spcPts val="500"/>
+              </a:spcBef>
+              <a:buFont typeface="Arial" panose="020B0604020202020204" pitchFamily="34" charset="0"/>
+              <a:buNone/>
+              <a:defRPr sz="1600" kern="1200">
+                <a:solidFill>
+                  <a:schemeClr val="tx1"/>
+                </a:solidFill>
+                <a:latin typeface="+mn-lt"/>
+                <a:ea typeface="+mn-ea"/>
+                <a:cs typeface="+mn-cs"/>
+              </a:defRPr>
+            </a:lvl7pPr>
+            <a:lvl8pPr marL="3200400" indent="0" algn="ctr" defTabSz="914400" rtl="0" eaLnBrk="1" latinLnBrk="0" hangingPunct="1">
+              <a:lnSpc>
+                <a:spcPct val="90000"/>
+              </a:lnSpc>
+              <a:spcBef>
+                <a:spcPts val="500"/>
+              </a:spcBef>
+              <a:buFont typeface="Arial" panose="020B0604020202020204" pitchFamily="34" charset="0"/>
+              <a:buNone/>
+              <a:defRPr sz="1600" kern="1200">
+                <a:solidFill>
+                  <a:schemeClr val="tx1"/>
+                </a:solidFill>
+                <a:latin typeface="+mn-lt"/>
+                <a:ea typeface="+mn-ea"/>
+                <a:cs typeface="+mn-cs"/>
+              </a:defRPr>
+            </a:lvl8pPr>
+            <a:lvl9pPr marL="3657600" indent="0" algn="ctr" defTabSz="914400" rtl="0" eaLnBrk="1" latinLnBrk="0" hangingPunct="1">
+              <a:lnSpc>
+                <a:spcPct val="90000"/>
+              </a:lnSpc>
+              <a:spcBef>
+                <a:spcPts val="500"/>
+              </a:spcBef>
+              <a:buFont typeface="Arial" panose="020B0604020202020204" pitchFamily="34" charset="0"/>
+              <a:buNone/>
+              <a:defRPr sz="1600" kern="1200">
+                <a:solidFill>
+                  <a:schemeClr val="tx1"/>
+                </a:solidFill>
+                <a:latin typeface="+mn-lt"/>
+                <a:ea typeface="+mn-ea"/>
+                <a:cs typeface="+mn-cs"/>
+              </a:defRPr>
+            </a:lvl9pPr>
+          </a:lstStyle>
+          <a:p>
+            <a:pPr algn="l"/>
+            <a:r>
+              <a:rPr lang="en-US" sz="3200" dirty="0">
+                <a:solidFill>
+                  <a:srgbClr val="00863D"/>
+                </a:solidFill>
+                <a:latin typeface="+mn-lt"/>
+              </a:rPr>
+              <a:t>2</a:t>
+            </a:r>
+            <a:endParaRPr lang="en-US" dirty="0">
+              <a:solidFill>
+                <a:srgbClr val="00863D"/>
+              </a:solidFill>
+              <a:latin typeface="+mn-lt"/>
+            </a:endParaRPr>
           </a:p>
         </p:txBody>
       </p:sp>
@@ -34125,6 +40871,217 @@
           </a:p>
         </p:txBody>
       </p:sp>
+      <p:sp>
+        <p:nvSpPr>
+          <p:cNvPr id="2" name="Content Placeholder 2">
+            <a:extLst>
+              <a:ext uri="{FF2B5EF4-FFF2-40B4-BE49-F238E27FC236}">
+                <a16:creationId xmlns:a16="http://schemas.microsoft.com/office/drawing/2014/main" id="{5AFD7B1B-F3B3-6D60-3774-259A3527EF33}"/>
+              </a:ext>
+            </a:extLst>
+          </p:cNvPr>
+          <p:cNvSpPr txBox="1">
+            <a:spLocks/>
+          </p:cNvSpPr>
+          <p:nvPr/>
+        </p:nvSpPr>
+        <p:spPr>
+          <a:xfrm>
+            <a:off x="376479" y="6298275"/>
+            <a:ext cx="992951" cy="465010"/>
+          </a:xfrm>
+          <a:prstGeom prst="rect">
+            <a:avLst/>
+          </a:prstGeom>
+        </p:spPr>
+        <p:txBody>
+          <a:bodyPr vert="horz" lIns="91440" tIns="45720" rIns="91440" bIns="45720" rtlCol="0">
+            <a:normAutofit fontScale="92500" lnSpcReduction="20000"/>
+          </a:bodyPr>
+          <a:lstStyle>
+            <a:lvl1pPr marL="0" indent="0" algn="ctr" defTabSz="914400" rtl="0" eaLnBrk="1" latinLnBrk="0" hangingPunct="1">
+              <a:lnSpc>
+                <a:spcPct val="90000"/>
+              </a:lnSpc>
+              <a:spcBef>
+                <a:spcPts val="1000"/>
+              </a:spcBef>
+              <a:buFont typeface="Arial" panose="020B0604020202020204" pitchFamily="34" charset="0"/>
+              <a:buNone/>
+              <a:defRPr sz="2400" kern="1200">
+                <a:solidFill>
+                  <a:schemeClr val="bg1"/>
+                </a:solidFill>
+                <a:latin typeface="Corbel Light" panose="020B0303020204020204" pitchFamily="34" charset="0"/>
+                <a:ea typeface="+mn-ea"/>
+                <a:cs typeface="+mn-cs"/>
+              </a:defRPr>
+            </a:lvl1pPr>
+            <a:lvl2pPr marL="457200" indent="0" algn="ctr" defTabSz="914400" rtl="0" eaLnBrk="1" latinLnBrk="0" hangingPunct="1">
+              <a:lnSpc>
+                <a:spcPct val="90000"/>
+              </a:lnSpc>
+              <a:spcBef>
+                <a:spcPts val="500"/>
+              </a:spcBef>
+              <a:buFont typeface="Arial" panose="020B0604020202020204" pitchFamily="34" charset="0"/>
+              <a:buNone/>
+              <a:defRPr sz="2000" kern="1200">
+                <a:solidFill>
+                  <a:schemeClr val="bg1"/>
+                </a:solidFill>
+                <a:latin typeface="Corbel Light" panose="020B0303020204020204" pitchFamily="34" charset="0"/>
+                <a:ea typeface="+mn-ea"/>
+                <a:cs typeface="+mn-cs"/>
+              </a:defRPr>
+            </a:lvl2pPr>
+            <a:lvl3pPr marL="914400" indent="0" algn="ctr" defTabSz="914400" rtl="0" eaLnBrk="1" latinLnBrk="0" hangingPunct="1">
+              <a:lnSpc>
+                <a:spcPct val="90000"/>
+              </a:lnSpc>
+              <a:spcBef>
+                <a:spcPts val="500"/>
+              </a:spcBef>
+              <a:buFont typeface="Arial" panose="020B0604020202020204" pitchFamily="34" charset="0"/>
+              <a:buNone/>
+              <a:defRPr sz="1800" kern="1200">
+                <a:solidFill>
+                  <a:schemeClr val="bg1"/>
+                </a:solidFill>
+                <a:latin typeface="Corbel Light" panose="020B0303020204020204" pitchFamily="34" charset="0"/>
+                <a:ea typeface="+mn-ea"/>
+                <a:cs typeface="+mn-cs"/>
+              </a:defRPr>
+            </a:lvl3pPr>
+            <a:lvl4pPr marL="1371600" indent="0" algn="ctr" defTabSz="914400" rtl="0" eaLnBrk="1" latinLnBrk="0" hangingPunct="1">
+              <a:lnSpc>
+                <a:spcPct val="90000"/>
+              </a:lnSpc>
+              <a:spcBef>
+                <a:spcPts val="500"/>
+              </a:spcBef>
+              <a:buFont typeface="Arial" panose="020B0604020202020204" pitchFamily="34" charset="0"/>
+              <a:buNone/>
+              <a:defRPr sz="1600" kern="1200">
+                <a:solidFill>
+                  <a:schemeClr val="bg1"/>
+                </a:solidFill>
+                <a:latin typeface="Corbel Light" panose="020B0303020204020204" pitchFamily="34" charset="0"/>
+                <a:ea typeface="+mn-ea"/>
+                <a:cs typeface="+mn-cs"/>
+              </a:defRPr>
+            </a:lvl4pPr>
+            <a:lvl5pPr marL="1828800" indent="0" algn="ctr" defTabSz="914400" rtl="0" eaLnBrk="1" latinLnBrk="0" hangingPunct="1">
+              <a:lnSpc>
+                <a:spcPct val="90000"/>
+              </a:lnSpc>
+              <a:spcBef>
+                <a:spcPts val="500"/>
+              </a:spcBef>
+              <a:buFont typeface="Arial" panose="020B0604020202020204" pitchFamily="34" charset="0"/>
+              <a:buNone/>
+              <a:defRPr sz="1600" kern="1200">
+                <a:solidFill>
+                  <a:schemeClr val="bg1"/>
+                </a:solidFill>
+                <a:latin typeface="Corbel Light" panose="020B0303020204020204" pitchFamily="34" charset="0"/>
+                <a:ea typeface="+mn-ea"/>
+                <a:cs typeface="+mn-cs"/>
+              </a:defRPr>
+            </a:lvl5pPr>
+            <a:lvl6pPr marL="2286000" indent="0" algn="ctr" defTabSz="914400" rtl="0" eaLnBrk="1" latinLnBrk="0" hangingPunct="1">
+              <a:lnSpc>
+                <a:spcPct val="90000"/>
+              </a:lnSpc>
+              <a:spcBef>
+                <a:spcPts val="500"/>
+              </a:spcBef>
+              <a:buFont typeface="Arial" panose="020B0604020202020204" pitchFamily="34" charset="0"/>
+              <a:buNone/>
+              <a:defRPr sz="1600" kern="1200">
+                <a:solidFill>
+                  <a:schemeClr val="tx1"/>
+                </a:solidFill>
+                <a:latin typeface="+mn-lt"/>
+                <a:ea typeface="+mn-ea"/>
+                <a:cs typeface="+mn-cs"/>
+              </a:defRPr>
+            </a:lvl6pPr>
+            <a:lvl7pPr marL="2743200" indent="0" algn="ctr" defTabSz="914400" rtl="0" eaLnBrk="1" latinLnBrk="0" hangingPunct="1">
+              <a:lnSpc>
+                <a:spcPct val="90000"/>
+              </a:lnSpc>
+              <a:spcBef>
+                <a:spcPts val="500"/>
+              </a:spcBef>
+              <a:buFont typeface="Arial" panose="020B0604020202020204" pitchFamily="34" charset="0"/>
+              <a:buNone/>
+              <a:defRPr sz="1600" kern="1200">
+                <a:solidFill>
+                  <a:schemeClr val="tx1"/>
+                </a:solidFill>
+                <a:latin typeface="+mn-lt"/>
+                <a:ea typeface="+mn-ea"/>
+                <a:cs typeface="+mn-cs"/>
+              </a:defRPr>
+            </a:lvl7pPr>
+            <a:lvl8pPr marL="3200400" indent="0" algn="ctr" defTabSz="914400" rtl="0" eaLnBrk="1" latinLnBrk="0" hangingPunct="1">
+              <a:lnSpc>
+                <a:spcPct val="90000"/>
+              </a:lnSpc>
+              <a:spcBef>
+                <a:spcPts val="500"/>
+              </a:spcBef>
+              <a:buFont typeface="Arial" panose="020B0604020202020204" pitchFamily="34" charset="0"/>
+              <a:buNone/>
+              <a:defRPr sz="1600" kern="1200">
+                <a:solidFill>
+                  <a:schemeClr val="tx1"/>
+                </a:solidFill>
+                <a:latin typeface="+mn-lt"/>
+                <a:ea typeface="+mn-ea"/>
+                <a:cs typeface="+mn-cs"/>
+              </a:defRPr>
+            </a:lvl8pPr>
+            <a:lvl9pPr marL="3657600" indent="0" algn="ctr" defTabSz="914400" rtl="0" eaLnBrk="1" latinLnBrk="0" hangingPunct="1">
+              <a:lnSpc>
+                <a:spcPct val="90000"/>
+              </a:lnSpc>
+              <a:spcBef>
+                <a:spcPts val="500"/>
+              </a:spcBef>
+              <a:buFont typeface="Arial" panose="020B0604020202020204" pitchFamily="34" charset="0"/>
+              <a:buNone/>
+              <a:defRPr sz="1600" kern="1200">
+                <a:solidFill>
+                  <a:schemeClr val="tx1"/>
+                </a:solidFill>
+                <a:latin typeface="+mn-lt"/>
+                <a:ea typeface="+mn-ea"/>
+                <a:cs typeface="+mn-cs"/>
+              </a:defRPr>
+            </a:lvl9pPr>
+          </a:lstStyle>
+          <a:p>
+            <a:pPr algn="l"/>
+            <a:r>
+              <a:rPr lang="en-US" sz="3200" dirty="0">
+                <a:solidFill>
+                  <a:srgbClr val="00863D"/>
+                </a:solidFill>
+                <a:latin typeface="+mn-lt"/>
+              </a:rPr>
+              <a:t>26</a:t>
+            </a:r>
+            <a:endParaRPr lang="en-US" dirty="0">
+              <a:solidFill>
+                <a:srgbClr val="00863D"/>
+              </a:solidFill>
+              <a:latin typeface="+mn-lt"/>
+            </a:endParaRPr>
+          </a:p>
+        </p:txBody>
+      </p:sp>
     </p:spTree>
     <p:extLst>
       <p:ext uri="{BB962C8B-B14F-4D97-AF65-F5344CB8AC3E}">
@@ -34776,6 +41733,217 @@
               <a:rPr lang="en-US" sz="3600" dirty="0"/>
               <a:t>The Specified Bound * Reliability of Operation &lt;= the probability we read the value right * the probability the operand performs right * the probability that the input value itself is right </a:t>
             </a:r>
+          </a:p>
+        </p:txBody>
+      </p:sp>
+      <p:sp>
+        <p:nvSpPr>
+          <p:cNvPr id="2" name="Content Placeholder 2">
+            <a:extLst>
+              <a:ext uri="{FF2B5EF4-FFF2-40B4-BE49-F238E27FC236}">
+                <a16:creationId xmlns:a16="http://schemas.microsoft.com/office/drawing/2014/main" id="{7C9CB21E-2119-1123-5F77-9A946D335B62}"/>
+              </a:ext>
+            </a:extLst>
+          </p:cNvPr>
+          <p:cNvSpPr txBox="1">
+            <a:spLocks/>
+          </p:cNvSpPr>
+          <p:nvPr/>
+        </p:nvSpPr>
+        <p:spPr>
+          <a:xfrm>
+            <a:off x="376479" y="6450675"/>
+            <a:ext cx="992951" cy="465010"/>
+          </a:xfrm>
+          <a:prstGeom prst="rect">
+            <a:avLst/>
+          </a:prstGeom>
+        </p:spPr>
+        <p:txBody>
+          <a:bodyPr vert="horz" lIns="91440" tIns="45720" rIns="91440" bIns="45720" rtlCol="0">
+            <a:normAutofit fontScale="92500" lnSpcReduction="20000"/>
+          </a:bodyPr>
+          <a:lstStyle>
+            <a:lvl1pPr marL="0" indent="0" algn="ctr" defTabSz="914400" rtl="0" eaLnBrk="1" latinLnBrk="0" hangingPunct="1">
+              <a:lnSpc>
+                <a:spcPct val="90000"/>
+              </a:lnSpc>
+              <a:spcBef>
+                <a:spcPts val="1000"/>
+              </a:spcBef>
+              <a:buFont typeface="Arial" panose="020B0604020202020204" pitchFamily="34" charset="0"/>
+              <a:buNone/>
+              <a:defRPr sz="2400" kern="1200">
+                <a:solidFill>
+                  <a:schemeClr val="bg1"/>
+                </a:solidFill>
+                <a:latin typeface="Corbel Light" panose="020B0303020204020204" pitchFamily="34" charset="0"/>
+                <a:ea typeface="+mn-ea"/>
+                <a:cs typeface="+mn-cs"/>
+              </a:defRPr>
+            </a:lvl1pPr>
+            <a:lvl2pPr marL="457200" indent="0" algn="ctr" defTabSz="914400" rtl="0" eaLnBrk="1" latinLnBrk="0" hangingPunct="1">
+              <a:lnSpc>
+                <a:spcPct val="90000"/>
+              </a:lnSpc>
+              <a:spcBef>
+                <a:spcPts val="500"/>
+              </a:spcBef>
+              <a:buFont typeface="Arial" panose="020B0604020202020204" pitchFamily="34" charset="0"/>
+              <a:buNone/>
+              <a:defRPr sz="2000" kern="1200">
+                <a:solidFill>
+                  <a:schemeClr val="bg1"/>
+                </a:solidFill>
+                <a:latin typeface="Corbel Light" panose="020B0303020204020204" pitchFamily="34" charset="0"/>
+                <a:ea typeface="+mn-ea"/>
+                <a:cs typeface="+mn-cs"/>
+              </a:defRPr>
+            </a:lvl2pPr>
+            <a:lvl3pPr marL="914400" indent="0" algn="ctr" defTabSz="914400" rtl="0" eaLnBrk="1" latinLnBrk="0" hangingPunct="1">
+              <a:lnSpc>
+                <a:spcPct val="90000"/>
+              </a:lnSpc>
+              <a:spcBef>
+                <a:spcPts val="500"/>
+              </a:spcBef>
+              <a:buFont typeface="Arial" panose="020B0604020202020204" pitchFamily="34" charset="0"/>
+              <a:buNone/>
+              <a:defRPr sz="1800" kern="1200">
+                <a:solidFill>
+                  <a:schemeClr val="bg1"/>
+                </a:solidFill>
+                <a:latin typeface="Corbel Light" panose="020B0303020204020204" pitchFamily="34" charset="0"/>
+                <a:ea typeface="+mn-ea"/>
+                <a:cs typeface="+mn-cs"/>
+              </a:defRPr>
+            </a:lvl3pPr>
+            <a:lvl4pPr marL="1371600" indent="0" algn="ctr" defTabSz="914400" rtl="0" eaLnBrk="1" latinLnBrk="0" hangingPunct="1">
+              <a:lnSpc>
+                <a:spcPct val="90000"/>
+              </a:lnSpc>
+              <a:spcBef>
+                <a:spcPts val="500"/>
+              </a:spcBef>
+              <a:buFont typeface="Arial" panose="020B0604020202020204" pitchFamily="34" charset="0"/>
+              <a:buNone/>
+              <a:defRPr sz="1600" kern="1200">
+                <a:solidFill>
+                  <a:schemeClr val="bg1"/>
+                </a:solidFill>
+                <a:latin typeface="Corbel Light" panose="020B0303020204020204" pitchFamily="34" charset="0"/>
+                <a:ea typeface="+mn-ea"/>
+                <a:cs typeface="+mn-cs"/>
+              </a:defRPr>
+            </a:lvl4pPr>
+            <a:lvl5pPr marL="1828800" indent="0" algn="ctr" defTabSz="914400" rtl="0" eaLnBrk="1" latinLnBrk="0" hangingPunct="1">
+              <a:lnSpc>
+                <a:spcPct val="90000"/>
+              </a:lnSpc>
+              <a:spcBef>
+                <a:spcPts val="500"/>
+              </a:spcBef>
+              <a:buFont typeface="Arial" panose="020B0604020202020204" pitchFamily="34" charset="0"/>
+              <a:buNone/>
+              <a:defRPr sz="1600" kern="1200">
+                <a:solidFill>
+                  <a:schemeClr val="bg1"/>
+                </a:solidFill>
+                <a:latin typeface="Corbel Light" panose="020B0303020204020204" pitchFamily="34" charset="0"/>
+                <a:ea typeface="+mn-ea"/>
+                <a:cs typeface="+mn-cs"/>
+              </a:defRPr>
+            </a:lvl5pPr>
+            <a:lvl6pPr marL="2286000" indent="0" algn="ctr" defTabSz="914400" rtl="0" eaLnBrk="1" latinLnBrk="0" hangingPunct="1">
+              <a:lnSpc>
+                <a:spcPct val="90000"/>
+              </a:lnSpc>
+              <a:spcBef>
+                <a:spcPts val="500"/>
+              </a:spcBef>
+              <a:buFont typeface="Arial" panose="020B0604020202020204" pitchFamily="34" charset="0"/>
+              <a:buNone/>
+              <a:defRPr sz="1600" kern="1200">
+                <a:solidFill>
+                  <a:schemeClr val="tx1"/>
+                </a:solidFill>
+                <a:latin typeface="+mn-lt"/>
+                <a:ea typeface="+mn-ea"/>
+                <a:cs typeface="+mn-cs"/>
+              </a:defRPr>
+            </a:lvl6pPr>
+            <a:lvl7pPr marL="2743200" indent="0" algn="ctr" defTabSz="914400" rtl="0" eaLnBrk="1" latinLnBrk="0" hangingPunct="1">
+              <a:lnSpc>
+                <a:spcPct val="90000"/>
+              </a:lnSpc>
+              <a:spcBef>
+                <a:spcPts val="500"/>
+              </a:spcBef>
+              <a:buFont typeface="Arial" panose="020B0604020202020204" pitchFamily="34" charset="0"/>
+              <a:buNone/>
+              <a:defRPr sz="1600" kern="1200">
+                <a:solidFill>
+                  <a:schemeClr val="tx1"/>
+                </a:solidFill>
+                <a:latin typeface="+mn-lt"/>
+                <a:ea typeface="+mn-ea"/>
+                <a:cs typeface="+mn-cs"/>
+              </a:defRPr>
+            </a:lvl7pPr>
+            <a:lvl8pPr marL="3200400" indent="0" algn="ctr" defTabSz="914400" rtl="0" eaLnBrk="1" latinLnBrk="0" hangingPunct="1">
+              <a:lnSpc>
+                <a:spcPct val="90000"/>
+              </a:lnSpc>
+              <a:spcBef>
+                <a:spcPts val="500"/>
+              </a:spcBef>
+              <a:buFont typeface="Arial" panose="020B0604020202020204" pitchFamily="34" charset="0"/>
+              <a:buNone/>
+              <a:defRPr sz="1600" kern="1200">
+                <a:solidFill>
+                  <a:schemeClr val="tx1"/>
+                </a:solidFill>
+                <a:latin typeface="+mn-lt"/>
+                <a:ea typeface="+mn-ea"/>
+                <a:cs typeface="+mn-cs"/>
+              </a:defRPr>
+            </a:lvl8pPr>
+            <a:lvl9pPr marL="3657600" indent="0" algn="ctr" defTabSz="914400" rtl="0" eaLnBrk="1" latinLnBrk="0" hangingPunct="1">
+              <a:lnSpc>
+                <a:spcPct val="90000"/>
+              </a:lnSpc>
+              <a:spcBef>
+                <a:spcPts val="500"/>
+              </a:spcBef>
+              <a:buFont typeface="Arial" panose="020B0604020202020204" pitchFamily="34" charset="0"/>
+              <a:buNone/>
+              <a:defRPr sz="1600" kern="1200">
+                <a:solidFill>
+                  <a:schemeClr val="tx1"/>
+                </a:solidFill>
+                <a:latin typeface="+mn-lt"/>
+                <a:ea typeface="+mn-ea"/>
+                <a:cs typeface="+mn-cs"/>
+              </a:defRPr>
+            </a:lvl9pPr>
+          </a:lstStyle>
+          <a:p>
+            <a:pPr algn="l"/>
+            <a:r>
+              <a:rPr lang="en-US" sz="3200" dirty="0">
+                <a:solidFill>
+                  <a:srgbClr val="00863D"/>
+                </a:solidFill>
+                <a:latin typeface="+mn-lt"/>
+              </a:rPr>
+              <a:t>26</a:t>
+            </a:r>
+            <a:endParaRPr lang="en-US" dirty="0">
+              <a:solidFill>
+                <a:srgbClr val="00863D"/>
+              </a:solidFill>
+              <a:latin typeface="+mn-lt"/>
+            </a:endParaRPr>
           </a:p>
         </p:txBody>
       </p:sp>
@@ -35182,6 +42350,217 @@
           </a:prstGeom>
         </p:spPr>
       </p:pic>
+      <p:sp>
+        <p:nvSpPr>
+          <p:cNvPr id="3" name="Content Placeholder 2">
+            <a:extLst>
+              <a:ext uri="{FF2B5EF4-FFF2-40B4-BE49-F238E27FC236}">
+                <a16:creationId xmlns:a16="http://schemas.microsoft.com/office/drawing/2014/main" id="{06D5B565-40C7-2C78-A1E0-E898C1F5E4EA}"/>
+              </a:ext>
+            </a:extLst>
+          </p:cNvPr>
+          <p:cNvSpPr txBox="1">
+            <a:spLocks/>
+          </p:cNvSpPr>
+          <p:nvPr/>
+        </p:nvSpPr>
+        <p:spPr>
+          <a:xfrm>
+            <a:off x="376479" y="6298275"/>
+            <a:ext cx="992951" cy="465010"/>
+          </a:xfrm>
+          <a:prstGeom prst="rect">
+            <a:avLst/>
+          </a:prstGeom>
+        </p:spPr>
+        <p:txBody>
+          <a:bodyPr vert="horz" lIns="91440" tIns="45720" rIns="91440" bIns="45720" rtlCol="0">
+            <a:normAutofit fontScale="92500" lnSpcReduction="20000"/>
+          </a:bodyPr>
+          <a:lstStyle>
+            <a:lvl1pPr marL="0" indent="0" algn="ctr" defTabSz="914400" rtl="0" eaLnBrk="1" latinLnBrk="0" hangingPunct="1">
+              <a:lnSpc>
+                <a:spcPct val="90000"/>
+              </a:lnSpc>
+              <a:spcBef>
+                <a:spcPts val="1000"/>
+              </a:spcBef>
+              <a:buFont typeface="Arial" panose="020B0604020202020204" pitchFamily="34" charset="0"/>
+              <a:buNone/>
+              <a:defRPr sz="2400" kern="1200">
+                <a:solidFill>
+                  <a:schemeClr val="bg1"/>
+                </a:solidFill>
+                <a:latin typeface="Corbel Light" panose="020B0303020204020204" pitchFamily="34" charset="0"/>
+                <a:ea typeface="+mn-ea"/>
+                <a:cs typeface="+mn-cs"/>
+              </a:defRPr>
+            </a:lvl1pPr>
+            <a:lvl2pPr marL="457200" indent="0" algn="ctr" defTabSz="914400" rtl="0" eaLnBrk="1" latinLnBrk="0" hangingPunct="1">
+              <a:lnSpc>
+                <a:spcPct val="90000"/>
+              </a:lnSpc>
+              <a:spcBef>
+                <a:spcPts val="500"/>
+              </a:spcBef>
+              <a:buFont typeface="Arial" panose="020B0604020202020204" pitchFamily="34" charset="0"/>
+              <a:buNone/>
+              <a:defRPr sz="2000" kern="1200">
+                <a:solidFill>
+                  <a:schemeClr val="bg1"/>
+                </a:solidFill>
+                <a:latin typeface="Corbel Light" panose="020B0303020204020204" pitchFamily="34" charset="0"/>
+                <a:ea typeface="+mn-ea"/>
+                <a:cs typeface="+mn-cs"/>
+              </a:defRPr>
+            </a:lvl2pPr>
+            <a:lvl3pPr marL="914400" indent="0" algn="ctr" defTabSz="914400" rtl="0" eaLnBrk="1" latinLnBrk="0" hangingPunct="1">
+              <a:lnSpc>
+                <a:spcPct val="90000"/>
+              </a:lnSpc>
+              <a:spcBef>
+                <a:spcPts val="500"/>
+              </a:spcBef>
+              <a:buFont typeface="Arial" panose="020B0604020202020204" pitchFamily="34" charset="0"/>
+              <a:buNone/>
+              <a:defRPr sz="1800" kern="1200">
+                <a:solidFill>
+                  <a:schemeClr val="bg1"/>
+                </a:solidFill>
+                <a:latin typeface="Corbel Light" panose="020B0303020204020204" pitchFamily="34" charset="0"/>
+                <a:ea typeface="+mn-ea"/>
+                <a:cs typeface="+mn-cs"/>
+              </a:defRPr>
+            </a:lvl3pPr>
+            <a:lvl4pPr marL="1371600" indent="0" algn="ctr" defTabSz="914400" rtl="0" eaLnBrk="1" latinLnBrk="0" hangingPunct="1">
+              <a:lnSpc>
+                <a:spcPct val="90000"/>
+              </a:lnSpc>
+              <a:spcBef>
+                <a:spcPts val="500"/>
+              </a:spcBef>
+              <a:buFont typeface="Arial" panose="020B0604020202020204" pitchFamily="34" charset="0"/>
+              <a:buNone/>
+              <a:defRPr sz="1600" kern="1200">
+                <a:solidFill>
+                  <a:schemeClr val="bg1"/>
+                </a:solidFill>
+                <a:latin typeface="Corbel Light" panose="020B0303020204020204" pitchFamily="34" charset="0"/>
+                <a:ea typeface="+mn-ea"/>
+                <a:cs typeface="+mn-cs"/>
+              </a:defRPr>
+            </a:lvl4pPr>
+            <a:lvl5pPr marL="1828800" indent="0" algn="ctr" defTabSz="914400" rtl="0" eaLnBrk="1" latinLnBrk="0" hangingPunct="1">
+              <a:lnSpc>
+                <a:spcPct val="90000"/>
+              </a:lnSpc>
+              <a:spcBef>
+                <a:spcPts val="500"/>
+              </a:spcBef>
+              <a:buFont typeface="Arial" panose="020B0604020202020204" pitchFamily="34" charset="0"/>
+              <a:buNone/>
+              <a:defRPr sz="1600" kern="1200">
+                <a:solidFill>
+                  <a:schemeClr val="bg1"/>
+                </a:solidFill>
+                <a:latin typeface="Corbel Light" panose="020B0303020204020204" pitchFamily="34" charset="0"/>
+                <a:ea typeface="+mn-ea"/>
+                <a:cs typeface="+mn-cs"/>
+              </a:defRPr>
+            </a:lvl5pPr>
+            <a:lvl6pPr marL="2286000" indent="0" algn="ctr" defTabSz="914400" rtl="0" eaLnBrk="1" latinLnBrk="0" hangingPunct="1">
+              <a:lnSpc>
+                <a:spcPct val="90000"/>
+              </a:lnSpc>
+              <a:spcBef>
+                <a:spcPts val="500"/>
+              </a:spcBef>
+              <a:buFont typeface="Arial" panose="020B0604020202020204" pitchFamily="34" charset="0"/>
+              <a:buNone/>
+              <a:defRPr sz="1600" kern="1200">
+                <a:solidFill>
+                  <a:schemeClr val="tx1"/>
+                </a:solidFill>
+                <a:latin typeface="+mn-lt"/>
+                <a:ea typeface="+mn-ea"/>
+                <a:cs typeface="+mn-cs"/>
+              </a:defRPr>
+            </a:lvl6pPr>
+            <a:lvl7pPr marL="2743200" indent="0" algn="ctr" defTabSz="914400" rtl="0" eaLnBrk="1" latinLnBrk="0" hangingPunct="1">
+              <a:lnSpc>
+                <a:spcPct val="90000"/>
+              </a:lnSpc>
+              <a:spcBef>
+                <a:spcPts val="500"/>
+              </a:spcBef>
+              <a:buFont typeface="Arial" panose="020B0604020202020204" pitchFamily="34" charset="0"/>
+              <a:buNone/>
+              <a:defRPr sz="1600" kern="1200">
+                <a:solidFill>
+                  <a:schemeClr val="tx1"/>
+                </a:solidFill>
+                <a:latin typeface="+mn-lt"/>
+                <a:ea typeface="+mn-ea"/>
+                <a:cs typeface="+mn-cs"/>
+              </a:defRPr>
+            </a:lvl7pPr>
+            <a:lvl8pPr marL="3200400" indent="0" algn="ctr" defTabSz="914400" rtl="0" eaLnBrk="1" latinLnBrk="0" hangingPunct="1">
+              <a:lnSpc>
+                <a:spcPct val="90000"/>
+              </a:lnSpc>
+              <a:spcBef>
+                <a:spcPts val="500"/>
+              </a:spcBef>
+              <a:buFont typeface="Arial" panose="020B0604020202020204" pitchFamily="34" charset="0"/>
+              <a:buNone/>
+              <a:defRPr sz="1600" kern="1200">
+                <a:solidFill>
+                  <a:schemeClr val="tx1"/>
+                </a:solidFill>
+                <a:latin typeface="+mn-lt"/>
+                <a:ea typeface="+mn-ea"/>
+                <a:cs typeface="+mn-cs"/>
+              </a:defRPr>
+            </a:lvl8pPr>
+            <a:lvl9pPr marL="3657600" indent="0" algn="ctr" defTabSz="914400" rtl="0" eaLnBrk="1" latinLnBrk="0" hangingPunct="1">
+              <a:lnSpc>
+                <a:spcPct val="90000"/>
+              </a:lnSpc>
+              <a:spcBef>
+                <a:spcPts val="500"/>
+              </a:spcBef>
+              <a:buFont typeface="Arial" panose="020B0604020202020204" pitchFamily="34" charset="0"/>
+              <a:buNone/>
+              <a:defRPr sz="1600" kern="1200">
+                <a:solidFill>
+                  <a:schemeClr val="tx1"/>
+                </a:solidFill>
+                <a:latin typeface="+mn-lt"/>
+                <a:ea typeface="+mn-ea"/>
+                <a:cs typeface="+mn-cs"/>
+              </a:defRPr>
+            </a:lvl9pPr>
+          </a:lstStyle>
+          <a:p>
+            <a:pPr algn="l"/>
+            <a:r>
+              <a:rPr lang="en-US" sz="3200" dirty="0">
+                <a:solidFill>
+                  <a:srgbClr val="00863D"/>
+                </a:solidFill>
+                <a:latin typeface="+mn-lt"/>
+              </a:rPr>
+              <a:t>26</a:t>
+            </a:r>
+            <a:endParaRPr lang="en-US" dirty="0">
+              <a:solidFill>
+                <a:srgbClr val="00863D"/>
+              </a:solidFill>
+              <a:latin typeface="+mn-lt"/>
+            </a:endParaRPr>
+          </a:p>
+        </p:txBody>
+      </p:sp>
     </p:spTree>
     <p:extLst>
       <p:ext uri="{BB962C8B-B14F-4D97-AF65-F5344CB8AC3E}">
@@ -36291,6 +43670,217 @@
           </a:p>
         </p:txBody>
       </p:sp>
+      <p:sp>
+        <p:nvSpPr>
+          <p:cNvPr id="3" name="Content Placeholder 2">
+            <a:extLst>
+              <a:ext uri="{FF2B5EF4-FFF2-40B4-BE49-F238E27FC236}">
+                <a16:creationId xmlns:a16="http://schemas.microsoft.com/office/drawing/2014/main" id="{66DD3E27-6B12-44E3-EBF1-E6BC3E992481}"/>
+              </a:ext>
+            </a:extLst>
+          </p:cNvPr>
+          <p:cNvSpPr txBox="1">
+            <a:spLocks/>
+          </p:cNvSpPr>
+          <p:nvPr/>
+        </p:nvSpPr>
+        <p:spPr>
+          <a:xfrm>
+            <a:off x="376479" y="6298275"/>
+            <a:ext cx="992951" cy="465010"/>
+          </a:xfrm>
+          <a:prstGeom prst="rect">
+            <a:avLst/>
+          </a:prstGeom>
+        </p:spPr>
+        <p:txBody>
+          <a:bodyPr vert="horz" lIns="91440" tIns="45720" rIns="91440" bIns="45720" rtlCol="0">
+            <a:normAutofit fontScale="92500" lnSpcReduction="20000"/>
+          </a:bodyPr>
+          <a:lstStyle>
+            <a:lvl1pPr marL="0" indent="0" algn="ctr" defTabSz="914400" rtl="0" eaLnBrk="1" latinLnBrk="0" hangingPunct="1">
+              <a:lnSpc>
+                <a:spcPct val="90000"/>
+              </a:lnSpc>
+              <a:spcBef>
+                <a:spcPts val="1000"/>
+              </a:spcBef>
+              <a:buFont typeface="Arial" panose="020B0604020202020204" pitchFamily="34" charset="0"/>
+              <a:buNone/>
+              <a:defRPr sz="2400" kern="1200">
+                <a:solidFill>
+                  <a:schemeClr val="bg1"/>
+                </a:solidFill>
+                <a:latin typeface="Corbel Light" panose="020B0303020204020204" pitchFamily="34" charset="0"/>
+                <a:ea typeface="+mn-ea"/>
+                <a:cs typeface="+mn-cs"/>
+              </a:defRPr>
+            </a:lvl1pPr>
+            <a:lvl2pPr marL="457200" indent="0" algn="ctr" defTabSz="914400" rtl="0" eaLnBrk="1" latinLnBrk="0" hangingPunct="1">
+              <a:lnSpc>
+                <a:spcPct val="90000"/>
+              </a:lnSpc>
+              <a:spcBef>
+                <a:spcPts val="500"/>
+              </a:spcBef>
+              <a:buFont typeface="Arial" panose="020B0604020202020204" pitchFamily="34" charset="0"/>
+              <a:buNone/>
+              <a:defRPr sz="2000" kern="1200">
+                <a:solidFill>
+                  <a:schemeClr val="bg1"/>
+                </a:solidFill>
+                <a:latin typeface="Corbel Light" panose="020B0303020204020204" pitchFamily="34" charset="0"/>
+                <a:ea typeface="+mn-ea"/>
+                <a:cs typeface="+mn-cs"/>
+              </a:defRPr>
+            </a:lvl2pPr>
+            <a:lvl3pPr marL="914400" indent="0" algn="ctr" defTabSz="914400" rtl="0" eaLnBrk="1" latinLnBrk="0" hangingPunct="1">
+              <a:lnSpc>
+                <a:spcPct val="90000"/>
+              </a:lnSpc>
+              <a:spcBef>
+                <a:spcPts val="500"/>
+              </a:spcBef>
+              <a:buFont typeface="Arial" panose="020B0604020202020204" pitchFamily="34" charset="0"/>
+              <a:buNone/>
+              <a:defRPr sz="1800" kern="1200">
+                <a:solidFill>
+                  <a:schemeClr val="bg1"/>
+                </a:solidFill>
+                <a:latin typeface="Corbel Light" panose="020B0303020204020204" pitchFamily="34" charset="0"/>
+                <a:ea typeface="+mn-ea"/>
+                <a:cs typeface="+mn-cs"/>
+              </a:defRPr>
+            </a:lvl3pPr>
+            <a:lvl4pPr marL="1371600" indent="0" algn="ctr" defTabSz="914400" rtl="0" eaLnBrk="1" latinLnBrk="0" hangingPunct="1">
+              <a:lnSpc>
+                <a:spcPct val="90000"/>
+              </a:lnSpc>
+              <a:spcBef>
+                <a:spcPts val="500"/>
+              </a:spcBef>
+              <a:buFont typeface="Arial" panose="020B0604020202020204" pitchFamily="34" charset="0"/>
+              <a:buNone/>
+              <a:defRPr sz="1600" kern="1200">
+                <a:solidFill>
+                  <a:schemeClr val="bg1"/>
+                </a:solidFill>
+                <a:latin typeface="Corbel Light" panose="020B0303020204020204" pitchFamily="34" charset="0"/>
+                <a:ea typeface="+mn-ea"/>
+                <a:cs typeface="+mn-cs"/>
+              </a:defRPr>
+            </a:lvl4pPr>
+            <a:lvl5pPr marL="1828800" indent="0" algn="ctr" defTabSz="914400" rtl="0" eaLnBrk="1" latinLnBrk="0" hangingPunct="1">
+              <a:lnSpc>
+                <a:spcPct val="90000"/>
+              </a:lnSpc>
+              <a:spcBef>
+                <a:spcPts val="500"/>
+              </a:spcBef>
+              <a:buFont typeface="Arial" panose="020B0604020202020204" pitchFamily="34" charset="0"/>
+              <a:buNone/>
+              <a:defRPr sz="1600" kern="1200">
+                <a:solidFill>
+                  <a:schemeClr val="bg1"/>
+                </a:solidFill>
+                <a:latin typeface="Corbel Light" panose="020B0303020204020204" pitchFamily="34" charset="0"/>
+                <a:ea typeface="+mn-ea"/>
+                <a:cs typeface="+mn-cs"/>
+              </a:defRPr>
+            </a:lvl5pPr>
+            <a:lvl6pPr marL="2286000" indent="0" algn="ctr" defTabSz="914400" rtl="0" eaLnBrk="1" latinLnBrk="0" hangingPunct="1">
+              <a:lnSpc>
+                <a:spcPct val="90000"/>
+              </a:lnSpc>
+              <a:spcBef>
+                <a:spcPts val="500"/>
+              </a:spcBef>
+              <a:buFont typeface="Arial" panose="020B0604020202020204" pitchFamily="34" charset="0"/>
+              <a:buNone/>
+              <a:defRPr sz="1600" kern="1200">
+                <a:solidFill>
+                  <a:schemeClr val="tx1"/>
+                </a:solidFill>
+                <a:latin typeface="+mn-lt"/>
+                <a:ea typeface="+mn-ea"/>
+                <a:cs typeface="+mn-cs"/>
+              </a:defRPr>
+            </a:lvl6pPr>
+            <a:lvl7pPr marL="2743200" indent="0" algn="ctr" defTabSz="914400" rtl="0" eaLnBrk="1" latinLnBrk="0" hangingPunct="1">
+              <a:lnSpc>
+                <a:spcPct val="90000"/>
+              </a:lnSpc>
+              <a:spcBef>
+                <a:spcPts val="500"/>
+              </a:spcBef>
+              <a:buFont typeface="Arial" panose="020B0604020202020204" pitchFamily="34" charset="0"/>
+              <a:buNone/>
+              <a:defRPr sz="1600" kern="1200">
+                <a:solidFill>
+                  <a:schemeClr val="tx1"/>
+                </a:solidFill>
+                <a:latin typeface="+mn-lt"/>
+                <a:ea typeface="+mn-ea"/>
+                <a:cs typeface="+mn-cs"/>
+              </a:defRPr>
+            </a:lvl7pPr>
+            <a:lvl8pPr marL="3200400" indent="0" algn="ctr" defTabSz="914400" rtl="0" eaLnBrk="1" latinLnBrk="0" hangingPunct="1">
+              <a:lnSpc>
+                <a:spcPct val="90000"/>
+              </a:lnSpc>
+              <a:spcBef>
+                <a:spcPts val="500"/>
+              </a:spcBef>
+              <a:buFont typeface="Arial" panose="020B0604020202020204" pitchFamily="34" charset="0"/>
+              <a:buNone/>
+              <a:defRPr sz="1600" kern="1200">
+                <a:solidFill>
+                  <a:schemeClr val="tx1"/>
+                </a:solidFill>
+                <a:latin typeface="+mn-lt"/>
+                <a:ea typeface="+mn-ea"/>
+                <a:cs typeface="+mn-cs"/>
+              </a:defRPr>
+            </a:lvl8pPr>
+            <a:lvl9pPr marL="3657600" indent="0" algn="ctr" defTabSz="914400" rtl="0" eaLnBrk="1" latinLnBrk="0" hangingPunct="1">
+              <a:lnSpc>
+                <a:spcPct val="90000"/>
+              </a:lnSpc>
+              <a:spcBef>
+                <a:spcPts val="500"/>
+              </a:spcBef>
+              <a:buFont typeface="Arial" panose="020B0604020202020204" pitchFamily="34" charset="0"/>
+              <a:buNone/>
+              <a:defRPr sz="1600" kern="1200">
+                <a:solidFill>
+                  <a:schemeClr val="tx1"/>
+                </a:solidFill>
+                <a:latin typeface="+mn-lt"/>
+                <a:ea typeface="+mn-ea"/>
+                <a:cs typeface="+mn-cs"/>
+              </a:defRPr>
+            </a:lvl9pPr>
+          </a:lstStyle>
+          <a:p>
+            <a:pPr algn="l"/>
+            <a:r>
+              <a:rPr lang="en-US" sz="3200" dirty="0">
+                <a:solidFill>
+                  <a:srgbClr val="00863D"/>
+                </a:solidFill>
+                <a:latin typeface="+mn-lt"/>
+              </a:rPr>
+              <a:t>27</a:t>
+            </a:r>
+            <a:endParaRPr lang="en-US" dirty="0">
+              <a:solidFill>
+                <a:srgbClr val="00863D"/>
+              </a:solidFill>
+              <a:latin typeface="+mn-lt"/>
+            </a:endParaRPr>
+          </a:p>
+        </p:txBody>
+      </p:sp>
     </p:spTree>
     <p:extLst>
       <p:ext uri="{BB962C8B-B14F-4D97-AF65-F5344CB8AC3E}">
@@ -37438,6 +45028,217 @@
           </a:p>
         </p:txBody>
       </p:sp>
+      <p:sp>
+        <p:nvSpPr>
+          <p:cNvPr id="3" name="Content Placeholder 2">
+            <a:extLst>
+              <a:ext uri="{FF2B5EF4-FFF2-40B4-BE49-F238E27FC236}">
+                <a16:creationId xmlns:a16="http://schemas.microsoft.com/office/drawing/2014/main" id="{EE3096B3-2D4F-D262-33B2-0995A6F65762}"/>
+              </a:ext>
+            </a:extLst>
+          </p:cNvPr>
+          <p:cNvSpPr txBox="1">
+            <a:spLocks/>
+          </p:cNvSpPr>
+          <p:nvPr/>
+        </p:nvSpPr>
+        <p:spPr>
+          <a:xfrm>
+            <a:off x="531050" y="6492875"/>
+            <a:ext cx="370702" cy="465010"/>
+          </a:xfrm>
+          <a:prstGeom prst="rect">
+            <a:avLst/>
+          </a:prstGeom>
+        </p:spPr>
+        <p:txBody>
+          <a:bodyPr vert="horz" lIns="91440" tIns="45720" rIns="91440" bIns="45720" rtlCol="0">
+            <a:normAutofit fontScale="92500" lnSpcReduction="20000"/>
+          </a:bodyPr>
+          <a:lstStyle>
+            <a:lvl1pPr marL="0" indent="0" algn="ctr" defTabSz="914400" rtl="0" eaLnBrk="1" latinLnBrk="0" hangingPunct="1">
+              <a:lnSpc>
+                <a:spcPct val="90000"/>
+              </a:lnSpc>
+              <a:spcBef>
+                <a:spcPts val="1000"/>
+              </a:spcBef>
+              <a:buFont typeface="Arial" panose="020B0604020202020204" pitchFamily="34" charset="0"/>
+              <a:buNone/>
+              <a:defRPr sz="2400" kern="1200">
+                <a:solidFill>
+                  <a:schemeClr val="bg1"/>
+                </a:solidFill>
+                <a:latin typeface="Corbel Light" panose="020B0303020204020204" pitchFamily="34" charset="0"/>
+                <a:ea typeface="+mn-ea"/>
+                <a:cs typeface="+mn-cs"/>
+              </a:defRPr>
+            </a:lvl1pPr>
+            <a:lvl2pPr marL="457200" indent="0" algn="ctr" defTabSz="914400" rtl="0" eaLnBrk="1" latinLnBrk="0" hangingPunct="1">
+              <a:lnSpc>
+                <a:spcPct val="90000"/>
+              </a:lnSpc>
+              <a:spcBef>
+                <a:spcPts val="500"/>
+              </a:spcBef>
+              <a:buFont typeface="Arial" panose="020B0604020202020204" pitchFamily="34" charset="0"/>
+              <a:buNone/>
+              <a:defRPr sz="2000" kern="1200">
+                <a:solidFill>
+                  <a:schemeClr val="bg1"/>
+                </a:solidFill>
+                <a:latin typeface="Corbel Light" panose="020B0303020204020204" pitchFamily="34" charset="0"/>
+                <a:ea typeface="+mn-ea"/>
+                <a:cs typeface="+mn-cs"/>
+              </a:defRPr>
+            </a:lvl2pPr>
+            <a:lvl3pPr marL="914400" indent="0" algn="ctr" defTabSz="914400" rtl="0" eaLnBrk="1" latinLnBrk="0" hangingPunct="1">
+              <a:lnSpc>
+                <a:spcPct val="90000"/>
+              </a:lnSpc>
+              <a:spcBef>
+                <a:spcPts val="500"/>
+              </a:spcBef>
+              <a:buFont typeface="Arial" panose="020B0604020202020204" pitchFamily="34" charset="0"/>
+              <a:buNone/>
+              <a:defRPr sz="1800" kern="1200">
+                <a:solidFill>
+                  <a:schemeClr val="bg1"/>
+                </a:solidFill>
+                <a:latin typeface="Corbel Light" panose="020B0303020204020204" pitchFamily="34" charset="0"/>
+                <a:ea typeface="+mn-ea"/>
+                <a:cs typeface="+mn-cs"/>
+              </a:defRPr>
+            </a:lvl3pPr>
+            <a:lvl4pPr marL="1371600" indent="0" algn="ctr" defTabSz="914400" rtl="0" eaLnBrk="1" latinLnBrk="0" hangingPunct="1">
+              <a:lnSpc>
+                <a:spcPct val="90000"/>
+              </a:lnSpc>
+              <a:spcBef>
+                <a:spcPts val="500"/>
+              </a:spcBef>
+              <a:buFont typeface="Arial" panose="020B0604020202020204" pitchFamily="34" charset="0"/>
+              <a:buNone/>
+              <a:defRPr sz="1600" kern="1200">
+                <a:solidFill>
+                  <a:schemeClr val="bg1"/>
+                </a:solidFill>
+                <a:latin typeface="Corbel Light" panose="020B0303020204020204" pitchFamily="34" charset="0"/>
+                <a:ea typeface="+mn-ea"/>
+                <a:cs typeface="+mn-cs"/>
+              </a:defRPr>
+            </a:lvl4pPr>
+            <a:lvl5pPr marL="1828800" indent="0" algn="ctr" defTabSz="914400" rtl="0" eaLnBrk="1" latinLnBrk="0" hangingPunct="1">
+              <a:lnSpc>
+                <a:spcPct val="90000"/>
+              </a:lnSpc>
+              <a:spcBef>
+                <a:spcPts val="500"/>
+              </a:spcBef>
+              <a:buFont typeface="Arial" panose="020B0604020202020204" pitchFamily="34" charset="0"/>
+              <a:buNone/>
+              <a:defRPr sz="1600" kern="1200">
+                <a:solidFill>
+                  <a:schemeClr val="bg1"/>
+                </a:solidFill>
+                <a:latin typeface="Corbel Light" panose="020B0303020204020204" pitchFamily="34" charset="0"/>
+                <a:ea typeface="+mn-ea"/>
+                <a:cs typeface="+mn-cs"/>
+              </a:defRPr>
+            </a:lvl5pPr>
+            <a:lvl6pPr marL="2286000" indent="0" algn="ctr" defTabSz="914400" rtl="0" eaLnBrk="1" latinLnBrk="0" hangingPunct="1">
+              <a:lnSpc>
+                <a:spcPct val="90000"/>
+              </a:lnSpc>
+              <a:spcBef>
+                <a:spcPts val="500"/>
+              </a:spcBef>
+              <a:buFont typeface="Arial" panose="020B0604020202020204" pitchFamily="34" charset="0"/>
+              <a:buNone/>
+              <a:defRPr sz="1600" kern="1200">
+                <a:solidFill>
+                  <a:schemeClr val="tx1"/>
+                </a:solidFill>
+                <a:latin typeface="+mn-lt"/>
+                <a:ea typeface="+mn-ea"/>
+                <a:cs typeface="+mn-cs"/>
+              </a:defRPr>
+            </a:lvl6pPr>
+            <a:lvl7pPr marL="2743200" indent="0" algn="ctr" defTabSz="914400" rtl="0" eaLnBrk="1" latinLnBrk="0" hangingPunct="1">
+              <a:lnSpc>
+                <a:spcPct val="90000"/>
+              </a:lnSpc>
+              <a:spcBef>
+                <a:spcPts val="500"/>
+              </a:spcBef>
+              <a:buFont typeface="Arial" panose="020B0604020202020204" pitchFamily="34" charset="0"/>
+              <a:buNone/>
+              <a:defRPr sz="1600" kern="1200">
+                <a:solidFill>
+                  <a:schemeClr val="tx1"/>
+                </a:solidFill>
+                <a:latin typeface="+mn-lt"/>
+                <a:ea typeface="+mn-ea"/>
+                <a:cs typeface="+mn-cs"/>
+              </a:defRPr>
+            </a:lvl7pPr>
+            <a:lvl8pPr marL="3200400" indent="0" algn="ctr" defTabSz="914400" rtl="0" eaLnBrk="1" latinLnBrk="0" hangingPunct="1">
+              <a:lnSpc>
+                <a:spcPct val="90000"/>
+              </a:lnSpc>
+              <a:spcBef>
+                <a:spcPts val="500"/>
+              </a:spcBef>
+              <a:buFont typeface="Arial" panose="020B0604020202020204" pitchFamily="34" charset="0"/>
+              <a:buNone/>
+              <a:defRPr sz="1600" kern="1200">
+                <a:solidFill>
+                  <a:schemeClr val="tx1"/>
+                </a:solidFill>
+                <a:latin typeface="+mn-lt"/>
+                <a:ea typeface="+mn-ea"/>
+                <a:cs typeface="+mn-cs"/>
+              </a:defRPr>
+            </a:lvl8pPr>
+            <a:lvl9pPr marL="3657600" indent="0" algn="ctr" defTabSz="914400" rtl="0" eaLnBrk="1" latinLnBrk="0" hangingPunct="1">
+              <a:lnSpc>
+                <a:spcPct val="90000"/>
+              </a:lnSpc>
+              <a:spcBef>
+                <a:spcPts val="500"/>
+              </a:spcBef>
+              <a:buFont typeface="Arial" panose="020B0604020202020204" pitchFamily="34" charset="0"/>
+              <a:buNone/>
+              <a:defRPr sz="1600" kern="1200">
+                <a:solidFill>
+                  <a:schemeClr val="tx1"/>
+                </a:solidFill>
+                <a:latin typeface="+mn-lt"/>
+                <a:ea typeface="+mn-ea"/>
+                <a:cs typeface="+mn-cs"/>
+              </a:defRPr>
+            </a:lvl9pPr>
+          </a:lstStyle>
+          <a:p>
+            <a:pPr algn="l"/>
+            <a:r>
+              <a:rPr lang="en-US" sz="3200" dirty="0">
+                <a:solidFill>
+                  <a:srgbClr val="00863D"/>
+                </a:solidFill>
+                <a:latin typeface="+mn-lt"/>
+              </a:rPr>
+              <a:t>2</a:t>
+            </a:r>
+            <a:endParaRPr lang="en-US" dirty="0">
+              <a:solidFill>
+                <a:srgbClr val="00863D"/>
+              </a:solidFill>
+              <a:latin typeface="+mn-lt"/>
+            </a:endParaRPr>
+          </a:p>
+        </p:txBody>
+      </p:sp>
     </p:spTree>
     <p:extLst>
       <p:ext uri="{BB962C8B-B14F-4D97-AF65-F5344CB8AC3E}">
@@ -38065,6 +45866,217 @@
               <a:rPr lang="en-US" sz="3200" dirty="0"/>
               <a:t>Parameters</a:t>
             </a:r>
+          </a:p>
+        </p:txBody>
+      </p:sp>
+      <p:sp>
+        <p:nvSpPr>
+          <p:cNvPr id="3" name="Content Placeholder 2">
+            <a:extLst>
+              <a:ext uri="{FF2B5EF4-FFF2-40B4-BE49-F238E27FC236}">
+                <a16:creationId xmlns:a16="http://schemas.microsoft.com/office/drawing/2014/main" id="{234270F8-E312-BFBE-1F58-132EA4CF080A}"/>
+              </a:ext>
+            </a:extLst>
+          </p:cNvPr>
+          <p:cNvSpPr txBox="1">
+            <a:spLocks/>
+          </p:cNvSpPr>
+          <p:nvPr/>
+        </p:nvSpPr>
+        <p:spPr>
+          <a:xfrm>
+            <a:off x="467498" y="6492875"/>
+            <a:ext cx="370702" cy="465010"/>
+          </a:xfrm>
+          <a:prstGeom prst="rect">
+            <a:avLst/>
+          </a:prstGeom>
+        </p:spPr>
+        <p:txBody>
+          <a:bodyPr vert="horz" lIns="91440" tIns="45720" rIns="91440" bIns="45720" rtlCol="0">
+            <a:normAutofit fontScale="92500" lnSpcReduction="20000"/>
+          </a:bodyPr>
+          <a:lstStyle>
+            <a:lvl1pPr marL="0" indent="0" algn="ctr" defTabSz="914400" rtl="0" eaLnBrk="1" latinLnBrk="0" hangingPunct="1">
+              <a:lnSpc>
+                <a:spcPct val="90000"/>
+              </a:lnSpc>
+              <a:spcBef>
+                <a:spcPts val="1000"/>
+              </a:spcBef>
+              <a:buFont typeface="Arial" panose="020B0604020202020204" pitchFamily="34" charset="0"/>
+              <a:buNone/>
+              <a:defRPr sz="2400" kern="1200">
+                <a:solidFill>
+                  <a:schemeClr val="bg1"/>
+                </a:solidFill>
+                <a:latin typeface="Corbel Light" panose="020B0303020204020204" pitchFamily="34" charset="0"/>
+                <a:ea typeface="+mn-ea"/>
+                <a:cs typeface="+mn-cs"/>
+              </a:defRPr>
+            </a:lvl1pPr>
+            <a:lvl2pPr marL="457200" indent="0" algn="ctr" defTabSz="914400" rtl="0" eaLnBrk="1" latinLnBrk="0" hangingPunct="1">
+              <a:lnSpc>
+                <a:spcPct val="90000"/>
+              </a:lnSpc>
+              <a:spcBef>
+                <a:spcPts val="500"/>
+              </a:spcBef>
+              <a:buFont typeface="Arial" panose="020B0604020202020204" pitchFamily="34" charset="0"/>
+              <a:buNone/>
+              <a:defRPr sz="2000" kern="1200">
+                <a:solidFill>
+                  <a:schemeClr val="bg1"/>
+                </a:solidFill>
+                <a:latin typeface="Corbel Light" panose="020B0303020204020204" pitchFamily="34" charset="0"/>
+                <a:ea typeface="+mn-ea"/>
+                <a:cs typeface="+mn-cs"/>
+              </a:defRPr>
+            </a:lvl2pPr>
+            <a:lvl3pPr marL="914400" indent="0" algn="ctr" defTabSz="914400" rtl="0" eaLnBrk="1" latinLnBrk="0" hangingPunct="1">
+              <a:lnSpc>
+                <a:spcPct val="90000"/>
+              </a:lnSpc>
+              <a:spcBef>
+                <a:spcPts val="500"/>
+              </a:spcBef>
+              <a:buFont typeface="Arial" panose="020B0604020202020204" pitchFamily="34" charset="0"/>
+              <a:buNone/>
+              <a:defRPr sz="1800" kern="1200">
+                <a:solidFill>
+                  <a:schemeClr val="bg1"/>
+                </a:solidFill>
+                <a:latin typeface="Corbel Light" panose="020B0303020204020204" pitchFamily="34" charset="0"/>
+                <a:ea typeface="+mn-ea"/>
+                <a:cs typeface="+mn-cs"/>
+              </a:defRPr>
+            </a:lvl3pPr>
+            <a:lvl4pPr marL="1371600" indent="0" algn="ctr" defTabSz="914400" rtl="0" eaLnBrk="1" latinLnBrk="0" hangingPunct="1">
+              <a:lnSpc>
+                <a:spcPct val="90000"/>
+              </a:lnSpc>
+              <a:spcBef>
+                <a:spcPts val="500"/>
+              </a:spcBef>
+              <a:buFont typeface="Arial" panose="020B0604020202020204" pitchFamily="34" charset="0"/>
+              <a:buNone/>
+              <a:defRPr sz="1600" kern="1200">
+                <a:solidFill>
+                  <a:schemeClr val="bg1"/>
+                </a:solidFill>
+                <a:latin typeface="Corbel Light" panose="020B0303020204020204" pitchFamily="34" charset="0"/>
+                <a:ea typeface="+mn-ea"/>
+                <a:cs typeface="+mn-cs"/>
+              </a:defRPr>
+            </a:lvl4pPr>
+            <a:lvl5pPr marL="1828800" indent="0" algn="ctr" defTabSz="914400" rtl="0" eaLnBrk="1" latinLnBrk="0" hangingPunct="1">
+              <a:lnSpc>
+                <a:spcPct val="90000"/>
+              </a:lnSpc>
+              <a:spcBef>
+                <a:spcPts val="500"/>
+              </a:spcBef>
+              <a:buFont typeface="Arial" panose="020B0604020202020204" pitchFamily="34" charset="0"/>
+              <a:buNone/>
+              <a:defRPr sz="1600" kern="1200">
+                <a:solidFill>
+                  <a:schemeClr val="bg1"/>
+                </a:solidFill>
+                <a:latin typeface="Corbel Light" panose="020B0303020204020204" pitchFamily="34" charset="0"/>
+                <a:ea typeface="+mn-ea"/>
+                <a:cs typeface="+mn-cs"/>
+              </a:defRPr>
+            </a:lvl5pPr>
+            <a:lvl6pPr marL="2286000" indent="0" algn="ctr" defTabSz="914400" rtl="0" eaLnBrk="1" latinLnBrk="0" hangingPunct="1">
+              <a:lnSpc>
+                <a:spcPct val="90000"/>
+              </a:lnSpc>
+              <a:spcBef>
+                <a:spcPts val="500"/>
+              </a:spcBef>
+              <a:buFont typeface="Arial" panose="020B0604020202020204" pitchFamily="34" charset="0"/>
+              <a:buNone/>
+              <a:defRPr sz="1600" kern="1200">
+                <a:solidFill>
+                  <a:schemeClr val="tx1"/>
+                </a:solidFill>
+                <a:latin typeface="+mn-lt"/>
+                <a:ea typeface="+mn-ea"/>
+                <a:cs typeface="+mn-cs"/>
+              </a:defRPr>
+            </a:lvl6pPr>
+            <a:lvl7pPr marL="2743200" indent="0" algn="ctr" defTabSz="914400" rtl="0" eaLnBrk="1" latinLnBrk="0" hangingPunct="1">
+              <a:lnSpc>
+                <a:spcPct val="90000"/>
+              </a:lnSpc>
+              <a:spcBef>
+                <a:spcPts val="500"/>
+              </a:spcBef>
+              <a:buFont typeface="Arial" panose="020B0604020202020204" pitchFamily="34" charset="0"/>
+              <a:buNone/>
+              <a:defRPr sz="1600" kern="1200">
+                <a:solidFill>
+                  <a:schemeClr val="tx1"/>
+                </a:solidFill>
+                <a:latin typeface="+mn-lt"/>
+                <a:ea typeface="+mn-ea"/>
+                <a:cs typeface="+mn-cs"/>
+              </a:defRPr>
+            </a:lvl7pPr>
+            <a:lvl8pPr marL="3200400" indent="0" algn="ctr" defTabSz="914400" rtl="0" eaLnBrk="1" latinLnBrk="0" hangingPunct="1">
+              <a:lnSpc>
+                <a:spcPct val="90000"/>
+              </a:lnSpc>
+              <a:spcBef>
+                <a:spcPts val="500"/>
+              </a:spcBef>
+              <a:buFont typeface="Arial" panose="020B0604020202020204" pitchFamily="34" charset="0"/>
+              <a:buNone/>
+              <a:defRPr sz="1600" kern="1200">
+                <a:solidFill>
+                  <a:schemeClr val="tx1"/>
+                </a:solidFill>
+                <a:latin typeface="+mn-lt"/>
+                <a:ea typeface="+mn-ea"/>
+                <a:cs typeface="+mn-cs"/>
+              </a:defRPr>
+            </a:lvl8pPr>
+            <a:lvl9pPr marL="3657600" indent="0" algn="ctr" defTabSz="914400" rtl="0" eaLnBrk="1" latinLnBrk="0" hangingPunct="1">
+              <a:lnSpc>
+                <a:spcPct val="90000"/>
+              </a:lnSpc>
+              <a:spcBef>
+                <a:spcPts val="500"/>
+              </a:spcBef>
+              <a:buFont typeface="Arial" panose="020B0604020202020204" pitchFamily="34" charset="0"/>
+              <a:buNone/>
+              <a:defRPr sz="1600" kern="1200">
+                <a:solidFill>
+                  <a:schemeClr val="tx1"/>
+                </a:solidFill>
+                <a:latin typeface="+mn-lt"/>
+                <a:ea typeface="+mn-ea"/>
+                <a:cs typeface="+mn-cs"/>
+              </a:defRPr>
+            </a:lvl9pPr>
+          </a:lstStyle>
+          <a:p>
+            <a:pPr algn="l"/>
+            <a:r>
+              <a:rPr lang="en-US" sz="3200" dirty="0">
+                <a:solidFill>
+                  <a:srgbClr val="00863D"/>
+                </a:solidFill>
+                <a:latin typeface="+mn-lt"/>
+              </a:rPr>
+              <a:t>2</a:t>
+            </a:r>
+            <a:endParaRPr lang="en-US" dirty="0">
+              <a:solidFill>
+                <a:srgbClr val="00863D"/>
+              </a:solidFill>
+              <a:latin typeface="+mn-lt"/>
+            </a:endParaRPr>
           </a:p>
         </p:txBody>
       </p:sp>
@@ -38942,6 +46954,217 @@
           </a:p>
         </p:txBody>
       </p:sp>
+      <p:sp>
+        <p:nvSpPr>
+          <p:cNvPr id="3" name="Content Placeholder 2">
+            <a:extLst>
+              <a:ext uri="{FF2B5EF4-FFF2-40B4-BE49-F238E27FC236}">
+                <a16:creationId xmlns:a16="http://schemas.microsoft.com/office/drawing/2014/main" id="{DFD0D4A4-E5DB-0847-44F5-EB6525517633}"/>
+              </a:ext>
+            </a:extLst>
+          </p:cNvPr>
+          <p:cNvSpPr txBox="1">
+            <a:spLocks/>
+          </p:cNvSpPr>
+          <p:nvPr/>
+        </p:nvSpPr>
+        <p:spPr>
+          <a:xfrm>
+            <a:off x="503058" y="6492875"/>
+            <a:ext cx="370702" cy="465010"/>
+          </a:xfrm>
+          <a:prstGeom prst="rect">
+            <a:avLst/>
+          </a:prstGeom>
+        </p:spPr>
+        <p:txBody>
+          <a:bodyPr vert="horz" lIns="91440" tIns="45720" rIns="91440" bIns="45720" rtlCol="0">
+            <a:normAutofit fontScale="92500" lnSpcReduction="20000"/>
+          </a:bodyPr>
+          <a:lstStyle>
+            <a:lvl1pPr marL="0" indent="0" algn="ctr" defTabSz="914400" rtl="0" eaLnBrk="1" latinLnBrk="0" hangingPunct="1">
+              <a:lnSpc>
+                <a:spcPct val="90000"/>
+              </a:lnSpc>
+              <a:spcBef>
+                <a:spcPts val="1000"/>
+              </a:spcBef>
+              <a:buFont typeface="Arial" panose="020B0604020202020204" pitchFamily="34" charset="0"/>
+              <a:buNone/>
+              <a:defRPr sz="2400" kern="1200">
+                <a:solidFill>
+                  <a:schemeClr val="bg1"/>
+                </a:solidFill>
+                <a:latin typeface="Corbel Light" panose="020B0303020204020204" pitchFamily="34" charset="0"/>
+                <a:ea typeface="+mn-ea"/>
+                <a:cs typeface="+mn-cs"/>
+              </a:defRPr>
+            </a:lvl1pPr>
+            <a:lvl2pPr marL="457200" indent="0" algn="ctr" defTabSz="914400" rtl="0" eaLnBrk="1" latinLnBrk="0" hangingPunct="1">
+              <a:lnSpc>
+                <a:spcPct val="90000"/>
+              </a:lnSpc>
+              <a:spcBef>
+                <a:spcPts val="500"/>
+              </a:spcBef>
+              <a:buFont typeface="Arial" panose="020B0604020202020204" pitchFamily="34" charset="0"/>
+              <a:buNone/>
+              <a:defRPr sz="2000" kern="1200">
+                <a:solidFill>
+                  <a:schemeClr val="bg1"/>
+                </a:solidFill>
+                <a:latin typeface="Corbel Light" panose="020B0303020204020204" pitchFamily="34" charset="0"/>
+                <a:ea typeface="+mn-ea"/>
+                <a:cs typeface="+mn-cs"/>
+              </a:defRPr>
+            </a:lvl2pPr>
+            <a:lvl3pPr marL="914400" indent="0" algn="ctr" defTabSz="914400" rtl="0" eaLnBrk="1" latinLnBrk="0" hangingPunct="1">
+              <a:lnSpc>
+                <a:spcPct val="90000"/>
+              </a:lnSpc>
+              <a:spcBef>
+                <a:spcPts val="500"/>
+              </a:spcBef>
+              <a:buFont typeface="Arial" panose="020B0604020202020204" pitchFamily="34" charset="0"/>
+              <a:buNone/>
+              <a:defRPr sz="1800" kern="1200">
+                <a:solidFill>
+                  <a:schemeClr val="bg1"/>
+                </a:solidFill>
+                <a:latin typeface="Corbel Light" panose="020B0303020204020204" pitchFamily="34" charset="0"/>
+                <a:ea typeface="+mn-ea"/>
+                <a:cs typeface="+mn-cs"/>
+              </a:defRPr>
+            </a:lvl3pPr>
+            <a:lvl4pPr marL="1371600" indent="0" algn="ctr" defTabSz="914400" rtl="0" eaLnBrk="1" latinLnBrk="0" hangingPunct="1">
+              <a:lnSpc>
+                <a:spcPct val="90000"/>
+              </a:lnSpc>
+              <a:spcBef>
+                <a:spcPts val="500"/>
+              </a:spcBef>
+              <a:buFont typeface="Arial" panose="020B0604020202020204" pitchFamily="34" charset="0"/>
+              <a:buNone/>
+              <a:defRPr sz="1600" kern="1200">
+                <a:solidFill>
+                  <a:schemeClr val="bg1"/>
+                </a:solidFill>
+                <a:latin typeface="Corbel Light" panose="020B0303020204020204" pitchFamily="34" charset="0"/>
+                <a:ea typeface="+mn-ea"/>
+                <a:cs typeface="+mn-cs"/>
+              </a:defRPr>
+            </a:lvl4pPr>
+            <a:lvl5pPr marL="1828800" indent="0" algn="ctr" defTabSz="914400" rtl="0" eaLnBrk="1" latinLnBrk="0" hangingPunct="1">
+              <a:lnSpc>
+                <a:spcPct val="90000"/>
+              </a:lnSpc>
+              <a:spcBef>
+                <a:spcPts val="500"/>
+              </a:spcBef>
+              <a:buFont typeface="Arial" panose="020B0604020202020204" pitchFamily="34" charset="0"/>
+              <a:buNone/>
+              <a:defRPr sz="1600" kern="1200">
+                <a:solidFill>
+                  <a:schemeClr val="bg1"/>
+                </a:solidFill>
+                <a:latin typeface="Corbel Light" panose="020B0303020204020204" pitchFamily="34" charset="0"/>
+                <a:ea typeface="+mn-ea"/>
+                <a:cs typeface="+mn-cs"/>
+              </a:defRPr>
+            </a:lvl5pPr>
+            <a:lvl6pPr marL="2286000" indent="0" algn="ctr" defTabSz="914400" rtl="0" eaLnBrk="1" latinLnBrk="0" hangingPunct="1">
+              <a:lnSpc>
+                <a:spcPct val="90000"/>
+              </a:lnSpc>
+              <a:spcBef>
+                <a:spcPts val="500"/>
+              </a:spcBef>
+              <a:buFont typeface="Arial" panose="020B0604020202020204" pitchFamily="34" charset="0"/>
+              <a:buNone/>
+              <a:defRPr sz="1600" kern="1200">
+                <a:solidFill>
+                  <a:schemeClr val="tx1"/>
+                </a:solidFill>
+                <a:latin typeface="+mn-lt"/>
+                <a:ea typeface="+mn-ea"/>
+                <a:cs typeface="+mn-cs"/>
+              </a:defRPr>
+            </a:lvl6pPr>
+            <a:lvl7pPr marL="2743200" indent="0" algn="ctr" defTabSz="914400" rtl="0" eaLnBrk="1" latinLnBrk="0" hangingPunct="1">
+              <a:lnSpc>
+                <a:spcPct val="90000"/>
+              </a:lnSpc>
+              <a:spcBef>
+                <a:spcPts val="500"/>
+              </a:spcBef>
+              <a:buFont typeface="Arial" panose="020B0604020202020204" pitchFamily="34" charset="0"/>
+              <a:buNone/>
+              <a:defRPr sz="1600" kern="1200">
+                <a:solidFill>
+                  <a:schemeClr val="tx1"/>
+                </a:solidFill>
+                <a:latin typeface="+mn-lt"/>
+                <a:ea typeface="+mn-ea"/>
+                <a:cs typeface="+mn-cs"/>
+              </a:defRPr>
+            </a:lvl7pPr>
+            <a:lvl8pPr marL="3200400" indent="0" algn="ctr" defTabSz="914400" rtl="0" eaLnBrk="1" latinLnBrk="0" hangingPunct="1">
+              <a:lnSpc>
+                <a:spcPct val="90000"/>
+              </a:lnSpc>
+              <a:spcBef>
+                <a:spcPts val="500"/>
+              </a:spcBef>
+              <a:buFont typeface="Arial" panose="020B0604020202020204" pitchFamily="34" charset="0"/>
+              <a:buNone/>
+              <a:defRPr sz="1600" kern="1200">
+                <a:solidFill>
+                  <a:schemeClr val="tx1"/>
+                </a:solidFill>
+                <a:latin typeface="+mn-lt"/>
+                <a:ea typeface="+mn-ea"/>
+                <a:cs typeface="+mn-cs"/>
+              </a:defRPr>
+            </a:lvl8pPr>
+            <a:lvl9pPr marL="3657600" indent="0" algn="ctr" defTabSz="914400" rtl="0" eaLnBrk="1" latinLnBrk="0" hangingPunct="1">
+              <a:lnSpc>
+                <a:spcPct val="90000"/>
+              </a:lnSpc>
+              <a:spcBef>
+                <a:spcPts val="500"/>
+              </a:spcBef>
+              <a:buFont typeface="Arial" panose="020B0604020202020204" pitchFamily="34" charset="0"/>
+              <a:buNone/>
+              <a:defRPr sz="1600" kern="1200">
+                <a:solidFill>
+                  <a:schemeClr val="tx1"/>
+                </a:solidFill>
+                <a:latin typeface="+mn-lt"/>
+                <a:ea typeface="+mn-ea"/>
+                <a:cs typeface="+mn-cs"/>
+              </a:defRPr>
+            </a:lvl9pPr>
+          </a:lstStyle>
+          <a:p>
+            <a:pPr algn="l"/>
+            <a:r>
+              <a:rPr lang="en-US" sz="3200" dirty="0">
+                <a:solidFill>
+                  <a:srgbClr val="00863D"/>
+                </a:solidFill>
+                <a:latin typeface="+mn-lt"/>
+              </a:rPr>
+              <a:t>3</a:t>
+            </a:r>
+            <a:endParaRPr lang="en-US" dirty="0">
+              <a:solidFill>
+                <a:srgbClr val="00863D"/>
+              </a:solidFill>
+              <a:latin typeface="+mn-lt"/>
+            </a:endParaRPr>
+          </a:p>
+        </p:txBody>
+      </p:sp>
     </p:spTree>
     <p:extLst>
       <p:ext uri="{BB962C8B-B14F-4D97-AF65-F5344CB8AC3E}">
@@ -40026,6 +48249,217 @@
               <a:rPr lang="en-US" sz="3200" dirty="0"/>
               <a:t>Deterministic: able to consistently reproduce the same error</a:t>
             </a:r>
+          </a:p>
+        </p:txBody>
+      </p:sp>
+      <p:sp>
+        <p:nvSpPr>
+          <p:cNvPr id="2" name="Content Placeholder 2">
+            <a:extLst>
+              <a:ext uri="{FF2B5EF4-FFF2-40B4-BE49-F238E27FC236}">
+                <a16:creationId xmlns:a16="http://schemas.microsoft.com/office/drawing/2014/main" id="{817492E2-8036-D5CE-FD0A-770187D7BC59}"/>
+              </a:ext>
+            </a:extLst>
+          </p:cNvPr>
+          <p:cNvSpPr txBox="1">
+            <a:spLocks/>
+          </p:cNvSpPr>
+          <p:nvPr/>
+        </p:nvSpPr>
+        <p:spPr>
+          <a:xfrm>
+            <a:off x="513218" y="6492875"/>
+            <a:ext cx="370702" cy="465010"/>
+          </a:xfrm>
+          <a:prstGeom prst="rect">
+            <a:avLst/>
+          </a:prstGeom>
+        </p:spPr>
+        <p:txBody>
+          <a:bodyPr vert="horz" lIns="91440" tIns="45720" rIns="91440" bIns="45720" rtlCol="0">
+            <a:normAutofit fontScale="92500" lnSpcReduction="20000"/>
+          </a:bodyPr>
+          <a:lstStyle>
+            <a:lvl1pPr marL="0" indent="0" algn="ctr" defTabSz="914400" rtl="0" eaLnBrk="1" latinLnBrk="0" hangingPunct="1">
+              <a:lnSpc>
+                <a:spcPct val="90000"/>
+              </a:lnSpc>
+              <a:spcBef>
+                <a:spcPts val="1000"/>
+              </a:spcBef>
+              <a:buFont typeface="Arial" panose="020B0604020202020204" pitchFamily="34" charset="0"/>
+              <a:buNone/>
+              <a:defRPr sz="2400" kern="1200">
+                <a:solidFill>
+                  <a:schemeClr val="bg1"/>
+                </a:solidFill>
+                <a:latin typeface="Corbel Light" panose="020B0303020204020204" pitchFamily="34" charset="0"/>
+                <a:ea typeface="+mn-ea"/>
+                <a:cs typeface="+mn-cs"/>
+              </a:defRPr>
+            </a:lvl1pPr>
+            <a:lvl2pPr marL="457200" indent="0" algn="ctr" defTabSz="914400" rtl="0" eaLnBrk="1" latinLnBrk="0" hangingPunct="1">
+              <a:lnSpc>
+                <a:spcPct val="90000"/>
+              </a:lnSpc>
+              <a:spcBef>
+                <a:spcPts val="500"/>
+              </a:spcBef>
+              <a:buFont typeface="Arial" panose="020B0604020202020204" pitchFamily="34" charset="0"/>
+              <a:buNone/>
+              <a:defRPr sz="2000" kern="1200">
+                <a:solidFill>
+                  <a:schemeClr val="bg1"/>
+                </a:solidFill>
+                <a:latin typeface="Corbel Light" panose="020B0303020204020204" pitchFamily="34" charset="0"/>
+                <a:ea typeface="+mn-ea"/>
+                <a:cs typeface="+mn-cs"/>
+              </a:defRPr>
+            </a:lvl2pPr>
+            <a:lvl3pPr marL="914400" indent="0" algn="ctr" defTabSz="914400" rtl="0" eaLnBrk="1" latinLnBrk="0" hangingPunct="1">
+              <a:lnSpc>
+                <a:spcPct val="90000"/>
+              </a:lnSpc>
+              <a:spcBef>
+                <a:spcPts val="500"/>
+              </a:spcBef>
+              <a:buFont typeface="Arial" panose="020B0604020202020204" pitchFamily="34" charset="0"/>
+              <a:buNone/>
+              <a:defRPr sz="1800" kern="1200">
+                <a:solidFill>
+                  <a:schemeClr val="bg1"/>
+                </a:solidFill>
+                <a:latin typeface="Corbel Light" panose="020B0303020204020204" pitchFamily="34" charset="0"/>
+                <a:ea typeface="+mn-ea"/>
+                <a:cs typeface="+mn-cs"/>
+              </a:defRPr>
+            </a:lvl3pPr>
+            <a:lvl4pPr marL="1371600" indent="0" algn="ctr" defTabSz="914400" rtl="0" eaLnBrk="1" latinLnBrk="0" hangingPunct="1">
+              <a:lnSpc>
+                <a:spcPct val="90000"/>
+              </a:lnSpc>
+              <a:spcBef>
+                <a:spcPts val="500"/>
+              </a:spcBef>
+              <a:buFont typeface="Arial" panose="020B0604020202020204" pitchFamily="34" charset="0"/>
+              <a:buNone/>
+              <a:defRPr sz="1600" kern="1200">
+                <a:solidFill>
+                  <a:schemeClr val="bg1"/>
+                </a:solidFill>
+                <a:latin typeface="Corbel Light" panose="020B0303020204020204" pitchFamily="34" charset="0"/>
+                <a:ea typeface="+mn-ea"/>
+                <a:cs typeface="+mn-cs"/>
+              </a:defRPr>
+            </a:lvl4pPr>
+            <a:lvl5pPr marL="1828800" indent="0" algn="ctr" defTabSz="914400" rtl="0" eaLnBrk="1" latinLnBrk="0" hangingPunct="1">
+              <a:lnSpc>
+                <a:spcPct val="90000"/>
+              </a:lnSpc>
+              <a:spcBef>
+                <a:spcPts val="500"/>
+              </a:spcBef>
+              <a:buFont typeface="Arial" panose="020B0604020202020204" pitchFamily="34" charset="0"/>
+              <a:buNone/>
+              <a:defRPr sz="1600" kern="1200">
+                <a:solidFill>
+                  <a:schemeClr val="bg1"/>
+                </a:solidFill>
+                <a:latin typeface="Corbel Light" panose="020B0303020204020204" pitchFamily="34" charset="0"/>
+                <a:ea typeface="+mn-ea"/>
+                <a:cs typeface="+mn-cs"/>
+              </a:defRPr>
+            </a:lvl5pPr>
+            <a:lvl6pPr marL="2286000" indent="0" algn="ctr" defTabSz="914400" rtl="0" eaLnBrk="1" latinLnBrk="0" hangingPunct="1">
+              <a:lnSpc>
+                <a:spcPct val="90000"/>
+              </a:lnSpc>
+              <a:spcBef>
+                <a:spcPts val="500"/>
+              </a:spcBef>
+              <a:buFont typeface="Arial" panose="020B0604020202020204" pitchFamily="34" charset="0"/>
+              <a:buNone/>
+              <a:defRPr sz="1600" kern="1200">
+                <a:solidFill>
+                  <a:schemeClr val="tx1"/>
+                </a:solidFill>
+                <a:latin typeface="+mn-lt"/>
+                <a:ea typeface="+mn-ea"/>
+                <a:cs typeface="+mn-cs"/>
+              </a:defRPr>
+            </a:lvl6pPr>
+            <a:lvl7pPr marL="2743200" indent="0" algn="ctr" defTabSz="914400" rtl="0" eaLnBrk="1" latinLnBrk="0" hangingPunct="1">
+              <a:lnSpc>
+                <a:spcPct val="90000"/>
+              </a:lnSpc>
+              <a:spcBef>
+                <a:spcPts val="500"/>
+              </a:spcBef>
+              <a:buFont typeface="Arial" panose="020B0604020202020204" pitchFamily="34" charset="0"/>
+              <a:buNone/>
+              <a:defRPr sz="1600" kern="1200">
+                <a:solidFill>
+                  <a:schemeClr val="tx1"/>
+                </a:solidFill>
+                <a:latin typeface="+mn-lt"/>
+                <a:ea typeface="+mn-ea"/>
+                <a:cs typeface="+mn-cs"/>
+              </a:defRPr>
+            </a:lvl7pPr>
+            <a:lvl8pPr marL="3200400" indent="0" algn="ctr" defTabSz="914400" rtl="0" eaLnBrk="1" latinLnBrk="0" hangingPunct="1">
+              <a:lnSpc>
+                <a:spcPct val="90000"/>
+              </a:lnSpc>
+              <a:spcBef>
+                <a:spcPts val="500"/>
+              </a:spcBef>
+              <a:buFont typeface="Arial" panose="020B0604020202020204" pitchFamily="34" charset="0"/>
+              <a:buNone/>
+              <a:defRPr sz="1600" kern="1200">
+                <a:solidFill>
+                  <a:schemeClr val="tx1"/>
+                </a:solidFill>
+                <a:latin typeface="+mn-lt"/>
+                <a:ea typeface="+mn-ea"/>
+                <a:cs typeface="+mn-cs"/>
+              </a:defRPr>
+            </a:lvl8pPr>
+            <a:lvl9pPr marL="3657600" indent="0" algn="ctr" defTabSz="914400" rtl="0" eaLnBrk="1" latinLnBrk="0" hangingPunct="1">
+              <a:lnSpc>
+                <a:spcPct val="90000"/>
+              </a:lnSpc>
+              <a:spcBef>
+                <a:spcPts val="500"/>
+              </a:spcBef>
+              <a:buFont typeface="Arial" panose="020B0604020202020204" pitchFamily="34" charset="0"/>
+              <a:buNone/>
+              <a:defRPr sz="1600" kern="1200">
+                <a:solidFill>
+                  <a:schemeClr val="tx1"/>
+                </a:solidFill>
+                <a:latin typeface="+mn-lt"/>
+                <a:ea typeface="+mn-ea"/>
+                <a:cs typeface="+mn-cs"/>
+              </a:defRPr>
+            </a:lvl9pPr>
+          </a:lstStyle>
+          <a:p>
+            <a:pPr algn="l"/>
+            <a:r>
+              <a:rPr lang="en-US" sz="3200" dirty="0">
+                <a:solidFill>
+                  <a:srgbClr val="00863D"/>
+                </a:solidFill>
+                <a:latin typeface="+mn-lt"/>
+              </a:rPr>
+              <a:t>3</a:t>
+            </a:r>
+            <a:endParaRPr lang="en-US" dirty="0">
+              <a:solidFill>
+                <a:srgbClr val="00863D"/>
+              </a:solidFill>
+              <a:latin typeface="+mn-lt"/>
+            </a:endParaRPr>
           </a:p>
         </p:txBody>
       </p:sp>
@@ -41121,6 +49555,217 @@
           </a:p>
           <a:p>
             <a:endParaRPr lang="en-US" sz="3200" dirty="0"/>
+          </a:p>
+        </p:txBody>
+      </p:sp>
+      <p:sp>
+        <p:nvSpPr>
+          <p:cNvPr id="2" name="Content Placeholder 2">
+            <a:extLst>
+              <a:ext uri="{FF2B5EF4-FFF2-40B4-BE49-F238E27FC236}">
+                <a16:creationId xmlns:a16="http://schemas.microsoft.com/office/drawing/2014/main" id="{B5FAD66B-5F26-EE8D-0622-B9B1F19121F1}"/>
+              </a:ext>
+            </a:extLst>
+          </p:cNvPr>
+          <p:cNvSpPr txBox="1">
+            <a:spLocks/>
+          </p:cNvSpPr>
+          <p:nvPr/>
+        </p:nvSpPr>
+        <p:spPr>
+          <a:xfrm>
+            <a:off x="523378" y="6492875"/>
+            <a:ext cx="370702" cy="465010"/>
+          </a:xfrm>
+          <a:prstGeom prst="rect">
+            <a:avLst/>
+          </a:prstGeom>
+        </p:spPr>
+        <p:txBody>
+          <a:bodyPr vert="horz" lIns="91440" tIns="45720" rIns="91440" bIns="45720" rtlCol="0">
+            <a:normAutofit fontScale="92500" lnSpcReduction="20000"/>
+          </a:bodyPr>
+          <a:lstStyle>
+            <a:lvl1pPr marL="0" indent="0" algn="ctr" defTabSz="914400" rtl="0" eaLnBrk="1" latinLnBrk="0" hangingPunct="1">
+              <a:lnSpc>
+                <a:spcPct val="90000"/>
+              </a:lnSpc>
+              <a:spcBef>
+                <a:spcPts val="1000"/>
+              </a:spcBef>
+              <a:buFont typeface="Arial" panose="020B0604020202020204" pitchFamily="34" charset="0"/>
+              <a:buNone/>
+              <a:defRPr sz="2400" kern="1200">
+                <a:solidFill>
+                  <a:schemeClr val="bg1"/>
+                </a:solidFill>
+                <a:latin typeface="Corbel Light" panose="020B0303020204020204" pitchFamily="34" charset="0"/>
+                <a:ea typeface="+mn-ea"/>
+                <a:cs typeface="+mn-cs"/>
+              </a:defRPr>
+            </a:lvl1pPr>
+            <a:lvl2pPr marL="457200" indent="0" algn="ctr" defTabSz="914400" rtl="0" eaLnBrk="1" latinLnBrk="0" hangingPunct="1">
+              <a:lnSpc>
+                <a:spcPct val="90000"/>
+              </a:lnSpc>
+              <a:spcBef>
+                <a:spcPts val="500"/>
+              </a:spcBef>
+              <a:buFont typeface="Arial" panose="020B0604020202020204" pitchFamily="34" charset="0"/>
+              <a:buNone/>
+              <a:defRPr sz="2000" kern="1200">
+                <a:solidFill>
+                  <a:schemeClr val="bg1"/>
+                </a:solidFill>
+                <a:latin typeface="Corbel Light" panose="020B0303020204020204" pitchFamily="34" charset="0"/>
+                <a:ea typeface="+mn-ea"/>
+                <a:cs typeface="+mn-cs"/>
+              </a:defRPr>
+            </a:lvl2pPr>
+            <a:lvl3pPr marL="914400" indent="0" algn="ctr" defTabSz="914400" rtl="0" eaLnBrk="1" latinLnBrk="0" hangingPunct="1">
+              <a:lnSpc>
+                <a:spcPct val="90000"/>
+              </a:lnSpc>
+              <a:spcBef>
+                <a:spcPts val="500"/>
+              </a:spcBef>
+              <a:buFont typeface="Arial" panose="020B0604020202020204" pitchFamily="34" charset="0"/>
+              <a:buNone/>
+              <a:defRPr sz="1800" kern="1200">
+                <a:solidFill>
+                  <a:schemeClr val="bg1"/>
+                </a:solidFill>
+                <a:latin typeface="Corbel Light" panose="020B0303020204020204" pitchFamily="34" charset="0"/>
+                <a:ea typeface="+mn-ea"/>
+                <a:cs typeface="+mn-cs"/>
+              </a:defRPr>
+            </a:lvl3pPr>
+            <a:lvl4pPr marL="1371600" indent="0" algn="ctr" defTabSz="914400" rtl="0" eaLnBrk="1" latinLnBrk="0" hangingPunct="1">
+              <a:lnSpc>
+                <a:spcPct val="90000"/>
+              </a:lnSpc>
+              <a:spcBef>
+                <a:spcPts val="500"/>
+              </a:spcBef>
+              <a:buFont typeface="Arial" panose="020B0604020202020204" pitchFamily="34" charset="0"/>
+              <a:buNone/>
+              <a:defRPr sz="1600" kern="1200">
+                <a:solidFill>
+                  <a:schemeClr val="bg1"/>
+                </a:solidFill>
+                <a:latin typeface="Corbel Light" panose="020B0303020204020204" pitchFamily="34" charset="0"/>
+                <a:ea typeface="+mn-ea"/>
+                <a:cs typeface="+mn-cs"/>
+              </a:defRPr>
+            </a:lvl4pPr>
+            <a:lvl5pPr marL="1828800" indent="0" algn="ctr" defTabSz="914400" rtl="0" eaLnBrk="1" latinLnBrk="0" hangingPunct="1">
+              <a:lnSpc>
+                <a:spcPct val="90000"/>
+              </a:lnSpc>
+              <a:spcBef>
+                <a:spcPts val="500"/>
+              </a:spcBef>
+              <a:buFont typeface="Arial" panose="020B0604020202020204" pitchFamily="34" charset="0"/>
+              <a:buNone/>
+              <a:defRPr sz="1600" kern="1200">
+                <a:solidFill>
+                  <a:schemeClr val="bg1"/>
+                </a:solidFill>
+                <a:latin typeface="Corbel Light" panose="020B0303020204020204" pitchFamily="34" charset="0"/>
+                <a:ea typeface="+mn-ea"/>
+                <a:cs typeface="+mn-cs"/>
+              </a:defRPr>
+            </a:lvl5pPr>
+            <a:lvl6pPr marL="2286000" indent="0" algn="ctr" defTabSz="914400" rtl="0" eaLnBrk="1" latinLnBrk="0" hangingPunct="1">
+              <a:lnSpc>
+                <a:spcPct val="90000"/>
+              </a:lnSpc>
+              <a:spcBef>
+                <a:spcPts val="500"/>
+              </a:spcBef>
+              <a:buFont typeface="Arial" panose="020B0604020202020204" pitchFamily="34" charset="0"/>
+              <a:buNone/>
+              <a:defRPr sz="1600" kern="1200">
+                <a:solidFill>
+                  <a:schemeClr val="tx1"/>
+                </a:solidFill>
+                <a:latin typeface="+mn-lt"/>
+                <a:ea typeface="+mn-ea"/>
+                <a:cs typeface="+mn-cs"/>
+              </a:defRPr>
+            </a:lvl6pPr>
+            <a:lvl7pPr marL="2743200" indent="0" algn="ctr" defTabSz="914400" rtl="0" eaLnBrk="1" latinLnBrk="0" hangingPunct="1">
+              <a:lnSpc>
+                <a:spcPct val="90000"/>
+              </a:lnSpc>
+              <a:spcBef>
+                <a:spcPts val="500"/>
+              </a:spcBef>
+              <a:buFont typeface="Arial" panose="020B0604020202020204" pitchFamily="34" charset="0"/>
+              <a:buNone/>
+              <a:defRPr sz="1600" kern="1200">
+                <a:solidFill>
+                  <a:schemeClr val="tx1"/>
+                </a:solidFill>
+                <a:latin typeface="+mn-lt"/>
+                <a:ea typeface="+mn-ea"/>
+                <a:cs typeface="+mn-cs"/>
+              </a:defRPr>
+            </a:lvl7pPr>
+            <a:lvl8pPr marL="3200400" indent="0" algn="ctr" defTabSz="914400" rtl="0" eaLnBrk="1" latinLnBrk="0" hangingPunct="1">
+              <a:lnSpc>
+                <a:spcPct val="90000"/>
+              </a:lnSpc>
+              <a:spcBef>
+                <a:spcPts val="500"/>
+              </a:spcBef>
+              <a:buFont typeface="Arial" panose="020B0604020202020204" pitchFamily="34" charset="0"/>
+              <a:buNone/>
+              <a:defRPr sz="1600" kern="1200">
+                <a:solidFill>
+                  <a:schemeClr val="tx1"/>
+                </a:solidFill>
+                <a:latin typeface="+mn-lt"/>
+                <a:ea typeface="+mn-ea"/>
+                <a:cs typeface="+mn-cs"/>
+              </a:defRPr>
+            </a:lvl8pPr>
+            <a:lvl9pPr marL="3657600" indent="0" algn="ctr" defTabSz="914400" rtl="0" eaLnBrk="1" latinLnBrk="0" hangingPunct="1">
+              <a:lnSpc>
+                <a:spcPct val="90000"/>
+              </a:lnSpc>
+              <a:spcBef>
+                <a:spcPts val="500"/>
+              </a:spcBef>
+              <a:buFont typeface="Arial" panose="020B0604020202020204" pitchFamily="34" charset="0"/>
+              <a:buNone/>
+              <a:defRPr sz="1600" kern="1200">
+                <a:solidFill>
+                  <a:schemeClr val="tx1"/>
+                </a:solidFill>
+                <a:latin typeface="+mn-lt"/>
+                <a:ea typeface="+mn-ea"/>
+                <a:cs typeface="+mn-cs"/>
+              </a:defRPr>
+            </a:lvl9pPr>
+          </a:lstStyle>
+          <a:p>
+            <a:pPr algn="l"/>
+            <a:r>
+              <a:rPr lang="en-US" sz="3200" dirty="0">
+                <a:solidFill>
+                  <a:srgbClr val="00863D"/>
+                </a:solidFill>
+                <a:latin typeface="+mn-lt"/>
+              </a:rPr>
+              <a:t>4</a:t>
+            </a:r>
+            <a:endParaRPr lang="en-US" dirty="0">
+              <a:solidFill>
+                <a:srgbClr val="00863D"/>
+              </a:solidFill>
+              <a:latin typeface="+mn-lt"/>
+            </a:endParaRPr>
           </a:p>
         </p:txBody>
       </p:sp>
